--- a/Smartbooze_Pitch_Deck.pptx
+++ b/Smartbooze_Pitch_Deck.pptx
@@ -1,21 +1,23 @@
 
 <file path=ppt/presentation.xml><?xml version="1.0" encoding="utf-8"?>
-<p:presentation xmlns:a="http://schemas.openxmlformats.org/drawingml/2006/main" xmlns:p="http://schemas.openxmlformats.org/presentationml/2006/main" xmlns:r="http://schemas.openxmlformats.org/officeDocument/2006/relationships" xmlns:p14="http://schemas.microsoft.com/office/powerpoint/2010/main" xmlns:p15="http://schemas.microsoft.com/office/powerpoint/2012/main" xmlns:mc="http://schemas.openxmlformats.org/markup-compatibility/2006">
+<p:presentation xmlns:a="http://schemas.openxmlformats.org/drawingml/2006/main" xmlns:r="http://schemas.openxmlformats.org/officeDocument/2006/relationships" xmlns:p="http://schemas.openxmlformats.org/presentationml/2006/main">
   <p:sldMasterIdLst>
-    <p:sldMasterId id="2147483648" r:id="rId2"/>
-    <p:sldMasterId id="2147483661" r:id="rId3"/>
+    <p:sldMasterId id="2147483648" r:id="rId1"/>
+    <p:sldMasterId id="2147483661" r:id="rId2"/>
   </p:sldMasterIdLst>
   <p:notesMasterIdLst>
-    <p:notesMasterId r:id="rId4"/>
+    <p:notesMasterId r:id="rId17"/>
   </p:notesMasterIdLst>
   <p:sldIdLst>
-    <p:sldId id="256" r:id="rId5"/>
-    <p:sldId id="257" r:id="rId6"/>
-    <p:sldId id="258" r:id="rId7"/>
-    <p:sldId id="259" r:id="rId8"/>
-    <p:sldId id="260" r:id="rId9"/>
-    <p:sldId id="261" r:id="rId10"/>
-    <p:sldId id="262" r:id="rId11"/>
+    <p:sldId id="256" r:id="rId3"/>
+    <p:sldId id="257" r:id="rId4"/>
+    <p:sldId id="258" r:id="rId5"/>
+    <p:sldId id="259" r:id="rId6"/>
+    <p:sldId id="260" r:id="rId7"/>
+    <p:sldId id="261" r:id="rId8"/>
+    <p:sldId id="262" r:id="rId9"/>
+    <p:sldId id="269" r:id="rId10"/>
+    <p:sldId id="270" r:id="rId11"/>
     <p:sldId id="263" r:id="rId12"/>
     <p:sldId id="264" r:id="rId13"/>
     <p:sldId id="265" r:id="rId14"/>
@@ -24,18 +26,113 @@
   </p:sldIdLst>
   <p:sldSz cx="12192000" cy="6858000"/>
   <p:notesSz cx="7772400" cy="10058400"/>
+  <p:defaultTextStyle>
+    <a:defPPr>
+      <a:defRPr lang="de-DE"/>
+    </a:defPPr>
+    <a:lvl1pPr marL="0" algn="l" defTabSz="914400" rtl="0" eaLnBrk="1" latinLnBrk="0" hangingPunct="1">
+      <a:defRPr sz="1800" kern="1200">
+        <a:solidFill>
+          <a:schemeClr val="tx1"/>
+        </a:solidFill>
+        <a:latin typeface="+mn-lt"/>
+        <a:ea typeface="+mn-ea"/>
+        <a:cs typeface="+mn-cs"/>
+      </a:defRPr>
+    </a:lvl1pPr>
+    <a:lvl2pPr marL="457200" algn="l" defTabSz="914400" rtl="0" eaLnBrk="1" latinLnBrk="0" hangingPunct="1">
+      <a:defRPr sz="1800" kern="1200">
+        <a:solidFill>
+          <a:schemeClr val="tx1"/>
+        </a:solidFill>
+        <a:latin typeface="+mn-lt"/>
+        <a:ea typeface="+mn-ea"/>
+        <a:cs typeface="+mn-cs"/>
+      </a:defRPr>
+    </a:lvl2pPr>
+    <a:lvl3pPr marL="914400" algn="l" defTabSz="914400" rtl="0" eaLnBrk="1" latinLnBrk="0" hangingPunct="1">
+      <a:defRPr sz="1800" kern="1200">
+        <a:solidFill>
+          <a:schemeClr val="tx1"/>
+        </a:solidFill>
+        <a:latin typeface="+mn-lt"/>
+        <a:ea typeface="+mn-ea"/>
+        <a:cs typeface="+mn-cs"/>
+      </a:defRPr>
+    </a:lvl3pPr>
+    <a:lvl4pPr marL="1371600" algn="l" defTabSz="914400" rtl="0" eaLnBrk="1" latinLnBrk="0" hangingPunct="1">
+      <a:defRPr sz="1800" kern="1200">
+        <a:solidFill>
+          <a:schemeClr val="tx1"/>
+        </a:solidFill>
+        <a:latin typeface="+mn-lt"/>
+        <a:ea typeface="+mn-ea"/>
+        <a:cs typeface="+mn-cs"/>
+      </a:defRPr>
+    </a:lvl4pPr>
+    <a:lvl5pPr marL="1828800" algn="l" defTabSz="914400" rtl="0" eaLnBrk="1" latinLnBrk="0" hangingPunct="1">
+      <a:defRPr sz="1800" kern="1200">
+        <a:solidFill>
+          <a:schemeClr val="tx1"/>
+        </a:solidFill>
+        <a:latin typeface="+mn-lt"/>
+        <a:ea typeface="+mn-ea"/>
+        <a:cs typeface="+mn-cs"/>
+      </a:defRPr>
+    </a:lvl5pPr>
+    <a:lvl6pPr marL="2286000" algn="l" defTabSz="914400" rtl="0" eaLnBrk="1" latinLnBrk="0" hangingPunct="1">
+      <a:defRPr sz="1800" kern="1200">
+        <a:solidFill>
+          <a:schemeClr val="tx1"/>
+        </a:solidFill>
+        <a:latin typeface="+mn-lt"/>
+        <a:ea typeface="+mn-ea"/>
+        <a:cs typeface="+mn-cs"/>
+      </a:defRPr>
+    </a:lvl6pPr>
+    <a:lvl7pPr marL="2743200" algn="l" defTabSz="914400" rtl="0" eaLnBrk="1" latinLnBrk="0" hangingPunct="1">
+      <a:defRPr sz="1800" kern="1200">
+        <a:solidFill>
+          <a:schemeClr val="tx1"/>
+        </a:solidFill>
+        <a:latin typeface="+mn-lt"/>
+        <a:ea typeface="+mn-ea"/>
+        <a:cs typeface="+mn-cs"/>
+      </a:defRPr>
+    </a:lvl7pPr>
+    <a:lvl8pPr marL="3200400" algn="l" defTabSz="914400" rtl="0" eaLnBrk="1" latinLnBrk="0" hangingPunct="1">
+      <a:defRPr sz="1800" kern="1200">
+        <a:solidFill>
+          <a:schemeClr val="tx1"/>
+        </a:solidFill>
+        <a:latin typeface="+mn-lt"/>
+        <a:ea typeface="+mn-ea"/>
+        <a:cs typeface="+mn-cs"/>
+      </a:defRPr>
+    </a:lvl8pPr>
+    <a:lvl9pPr marL="3657600" algn="l" defTabSz="914400" rtl="0" eaLnBrk="1" latinLnBrk="0" hangingPunct="1">
+      <a:defRPr sz="1800" kern="1200">
+        <a:solidFill>
+          <a:schemeClr val="tx1"/>
+        </a:solidFill>
+        <a:latin typeface="+mn-lt"/>
+        <a:ea typeface="+mn-ea"/>
+        <a:cs typeface="+mn-cs"/>
+      </a:defRPr>
+    </a:lvl9pPr>
+  </p:defaultTextStyle>
 </p:presentation>
 </file>
 
 <file path=ppt/commentAuthors.xml><?xml version="1.0" encoding="utf-8"?>
-<p:cmAuthorLst xmlns:p="http://schemas.openxmlformats.org/presentationml/2006/main">
+<p:cmAuthorLst xmlns:a="http://schemas.openxmlformats.org/drawingml/2006/main" xmlns:r="http://schemas.openxmlformats.org/officeDocument/2006/relationships" xmlns:p="http://schemas.openxmlformats.org/presentationml/2006/main">
   <p:cmAuthor id="0" name="Ruoss, Simeon" initials="RS" lastIdx="1" clrIdx="0"/>
 </p:cmAuthorLst>
 </file>
 
-<file path=ppt/comments/comment4.xml><?xml version="1.0" encoding="utf-8"?>
-<p:cmLst xmlns:p="http://schemas.openxmlformats.org/presentationml/2006/main">
-  <p:cm authorId="0" dt="2022-02-03T17:27:14.662000000" idx="1">
+<file path=ppt/comments/comment1.xml><?xml version="1.0" encoding="utf-8"?>
+<p:cmLst xmlns:a="http://schemas.openxmlformats.org/drawingml/2006/main" xmlns:r="http://schemas.openxmlformats.org/officeDocument/2006/relationships" xmlns:p="http://schemas.openxmlformats.org/presentationml/2006/main">
+  <p:cm authorId="0" dt="2022-02-03T17:27:14.662" idx="1">
     <p:pos x="0" y="0"/>
     <p:text/>
   </p:cm>
@@ -43,7 +140,367 @@
 </file>
 
 <file path=ppt/notesMasters/notesMaster1.xml><?xml version="1.0" encoding="utf-8"?>
-<p:notesMaster xmlns:a="http://schemas.openxmlformats.org/drawingml/2006/main" xmlns:p="http://schemas.openxmlformats.org/presentationml/2006/main" xmlns:r="http://schemas.openxmlformats.org/officeDocument/2006/relationships" xmlns:p14="http://schemas.microsoft.com/office/powerpoint/2010/main" xmlns:p15="http://schemas.microsoft.com/office/powerpoint/2012/main" xmlns:mc="http://schemas.openxmlformats.org/markup-compatibility/2006">
+<p:notesMaster xmlns:a="http://schemas.openxmlformats.org/drawingml/2006/main" xmlns:r="http://schemas.openxmlformats.org/officeDocument/2006/relationships" xmlns:p="http://schemas.openxmlformats.org/presentationml/2006/main">
+  <p:cSld>
+    <p:bg>
+      <p:bgRef idx="1001">
+        <a:schemeClr val="bg1"/>
+      </p:bgRef>
+    </p:bg>
+    <p:spTree>
+      <p:nvGrpSpPr>
+        <p:cNvPr id="1" name=""/>
+        <p:cNvGrpSpPr/>
+        <p:nvPr/>
+      </p:nvGrpSpPr>
+      <p:grpSpPr>
+        <a:xfrm>
+          <a:off x="0" y="0"/>
+          <a:ext cx="0" cy="0"/>
+          <a:chOff x="0" y="0"/>
+          <a:chExt cx="0" cy="0"/>
+        </a:xfrm>
+      </p:grpSpPr>
+      <p:sp>
+        <p:nvSpPr>
+          <p:cNvPr id="78" name="PlaceHolder 1"/>
+          <p:cNvSpPr>
+            <a:spLocks noGrp="1" noRot="1" noChangeAspect="1"/>
+          </p:cNvSpPr>
+          <p:nvPr>
+            <p:ph type="sldImg"/>
+          </p:nvPr>
+        </p:nvSpPr>
+        <p:spPr>
+          <a:xfrm>
+            <a:off x="533520" y="764280"/>
+            <a:ext cx="6704640" cy="3771360"/>
+          </a:xfrm>
+          <a:prstGeom prst="rect">
+            <a:avLst/>
+          </a:prstGeom>
+          <a:noFill/>
+          <a:ln w="0">
+            <a:noFill/>
+          </a:ln>
+        </p:spPr>
+        <p:txBody>
+          <a:bodyPr lIns="0" tIns="0" rIns="0" bIns="0" anchor="ctr">
+            <a:noAutofit/>
+          </a:bodyPr>
+          <a:lstStyle/>
+          <a:p>
+            <a:r>
+              <a:rPr lang="de-DE" sz="1800" b="0" strike="noStrike" spc="-1">
+                <a:solidFill>
+                  <a:srgbClr val="000000"/>
+                </a:solidFill>
+                <a:latin typeface="Arial"/>
+              </a:rPr>
+              <a:t>Click to move the slide</a:t>
+            </a:r>
+          </a:p>
+        </p:txBody>
+      </p:sp>
+      <p:sp>
+        <p:nvSpPr>
+          <p:cNvPr id="79" name="PlaceHolder 2"/>
+          <p:cNvSpPr>
+            <a:spLocks noGrp="1"/>
+          </p:cNvSpPr>
+          <p:nvPr>
+            <p:ph type="body"/>
+          </p:nvPr>
+        </p:nvSpPr>
+        <p:spPr>
+          <a:xfrm>
+            <a:off x="777240" y="4777560"/>
+            <a:ext cx="6217560" cy="4525920"/>
+          </a:xfrm>
+          <a:prstGeom prst="rect">
+            <a:avLst/>
+          </a:prstGeom>
+          <a:noFill/>
+          <a:ln w="0">
+            <a:noFill/>
+          </a:ln>
+        </p:spPr>
+        <p:txBody>
+          <a:bodyPr lIns="0" tIns="0" rIns="0" bIns="0" anchor="t">
+            <a:noAutofit/>
+          </a:bodyPr>
+          <a:lstStyle/>
+          <a:p>
+            <a:r>
+              <a:rPr lang="en-US" sz="2000" b="0" strike="noStrike" spc="-1">
+                <a:latin typeface="Arial"/>
+              </a:rPr>
+              <a:t>Click to edit the notes format</a:t>
+            </a:r>
+          </a:p>
+        </p:txBody>
+      </p:sp>
+      <p:sp>
+        <p:nvSpPr>
+          <p:cNvPr id="80" name="PlaceHolder 3"/>
+          <p:cNvSpPr>
+            <a:spLocks noGrp="1"/>
+          </p:cNvSpPr>
+          <p:nvPr>
+            <p:ph type="hdr"/>
+          </p:nvPr>
+        </p:nvSpPr>
+        <p:spPr>
+          <a:xfrm>
+            <a:off x="0" y="0"/>
+            <a:ext cx="3372840" cy="502560"/>
+          </a:xfrm>
+          <a:prstGeom prst="rect">
+            <a:avLst/>
+          </a:prstGeom>
+          <a:noFill/>
+          <a:ln w="0">
+            <a:noFill/>
+          </a:ln>
+        </p:spPr>
+        <p:txBody>
+          <a:bodyPr lIns="0" tIns="0" rIns="0" bIns="0" anchor="t">
+            <a:noAutofit/>
+          </a:bodyPr>
+          <a:lstStyle/>
+          <a:p>
+            <a:r>
+              <a:rPr lang="en-US" sz="1400" b="0" strike="noStrike" spc="-1">
+                <a:latin typeface="Times New Roman"/>
+              </a:rPr>
+              <a:t>&lt;header&gt;</a:t>
+            </a:r>
+          </a:p>
+        </p:txBody>
+      </p:sp>
+      <p:sp>
+        <p:nvSpPr>
+          <p:cNvPr id="81" name="PlaceHolder 4"/>
+          <p:cNvSpPr>
+            <a:spLocks noGrp="1"/>
+          </p:cNvSpPr>
+          <p:nvPr>
+            <p:ph type="dt"/>
+          </p:nvPr>
+        </p:nvSpPr>
+        <p:spPr>
+          <a:xfrm>
+            <a:off x="4399200" y="0"/>
+            <a:ext cx="3372840" cy="502560"/>
+          </a:xfrm>
+          <a:prstGeom prst="rect">
+            <a:avLst/>
+          </a:prstGeom>
+          <a:noFill/>
+          <a:ln w="0">
+            <a:noFill/>
+          </a:ln>
+        </p:spPr>
+        <p:txBody>
+          <a:bodyPr lIns="0" tIns="0" rIns="0" bIns="0" anchor="t">
+            <a:noAutofit/>
+          </a:bodyPr>
+          <a:lstStyle/>
+          <a:p>
+            <a:pPr algn="r">
+              <a:buNone/>
+            </a:pPr>
+            <a:r>
+              <a:rPr lang="en-US" sz="1400" b="0" strike="noStrike" spc="-1">
+                <a:latin typeface="Times New Roman"/>
+              </a:rPr>
+              <a:t>&lt;date/time&gt;</a:t>
+            </a:r>
+          </a:p>
+        </p:txBody>
+      </p:sp>
+      <p:sp>
+        <p:nvSpPr>
+          <p:cNvPr id="82" name="PlaceHolder 5"/>
+          <p:cNvSpPr>
+            <a:spLocks noGrp="1"/>
+          </p:cNvSpPr>
+          <p:nvPr>
+            <p:ph type="ftr"/>
+          </p:nvPr>
+        </p:nvSpPr>
+        <p:spPr>
+          <a:xfrm>
+            <a:off x="0" y="9555480"/>
+            <a:ext cx="3372840" cy="502560"/>
+          </a:xfrm>
+          <a:prstGeom prst="rect">
+            <a:avLst/>
+          </a:prstGeom>
+          <a:noFill/>
+          <a:ln w="0">
+            <a:noFill/>
+          </a:ln>
+        </p:spPr>
+        <p:txBody>
+          <a:bodyPr lIns="0" tIns="0" rIns="0" bIns="0" anchor="b">
+            <a:noAutofit/>
+          </a:bodyPr>
+          <a:lstStyle/>
+          <a:p>
+            <a:r>
+              <a:rPr lang="en-US" sz="1400" b="0" strike="noStrike" spc="-1">
+                <a:latin typeface="Times New Roman"/>
+              </a:rPr>
+              <a:t>&lt;footer&gt;</a:t>
+            </a:r>
+          </a:p>
+        </p:txBody>
+      </p:sp>
+      <p:sp>
+        <p:nvSpPr>
+          <p:cNvPr id="83" name="PlaceHolder 6"/>
+          <p:cNvSpPr>
+            <a:spLocks noGrp="1"/>
+          </p:cNvSpPr>
+          <p:nvPr>
+            <p:ph type="sldNum"/>
+          </p:nvPr>
+        </p:nvSpPr>
+        <p:spPr>
+          <a:xfrm>
+            <a:off x="4399200" y="9555480"/>
+            <a:ext cx="3372840" cy="502560"/>
+          </a:xfrm>
+          <a:prstGeom prst="rect">
+            <a:avLst/>
+          </a:prstGeom>
+          <a:noFill/>
+          <a:ln w="0">
+            <a:noFill/>
+          </a:ln>
+        </p:spPr>
+        <p:txBody>
+          <a:bodyPr lIns="0" tIns="0" rIns="0" bIns="0" anchor="b">
+            <a:noAutofit/>
+          </a:bodyPr>
+          <a:lstStyle/>
+          <a:p>
+            <a:pPr algn="r">
+              <a:buNone/>
+            </a:pPr>
+            <a:fld id="{C516D838-556B-4570-9EC8-7AEA9776B17D}" type="slidenum">
+              <a:rPr lang="en-US" sz="1400" b="0" strike="noStrike" spc="-1">
+                <a:latin typeface="Times New Roman"/>
+              </a:rPr>
+              <a:t>‹Nr.›</a:t>
+            </a:fld>
+            <a:endParaRPr lang="en-US" sz="1400" b="0" strike="noStrike" spc="-1">
+              <a:latin typeface="Times New Roman"/>
+            </a:endParaRPr>
+          </a:p>
+        </p:txBody>
+      </p:sp>
+    </p:spTree>
+  </p:cSld>
+  <p:clrMap bg1="lt1" tx1="dk1" bg2="lt2" tx2="dk2" accent1="accent1" accent2="accent2" accent3="accent3" accent4="accent4" accent5="accent5" accent6="accent6" hlink="hlink" folHlink="folHlink"/>
+  <p:notesStyle>
+    <a:lvl1pPr marL="0" algn="l" defTabSz="914400" rtl="0" eaLnBrk="1" latinLnBrk="0" hangingPunct="1">
+      <a:defRPr sz="1200" kern="1200">
+        <a:solidFill>
+          <a:schemeClr val="tx1"/>
+        </a:solidFill>
+        <a:latin typeface="+mn-lt"/>
+        <a:ea typeface="+mn-ea"/>
+        <a:cs typeface="+mn-cs"/>
+      </a:defRPr>
+    </a:lvl1pPr>
+    <a:lvl2pPr marL="457200" algn="l" defTabSz="914400" rtl="0" eaLnBrk="1" latinLnBrk="0" hangingPunct="1">
+      <a:defRPr sz="1200" kern="1200">
+        <a:solidFill>
+          <a:schemeClr val="tx1"/>
+        </a:solidFill>
+        <a:latin typeface="+mn-lt"/>
+        <a:ea typeface="+mn-ea"/>
+        <a:cs typeface="+mn-cs"/>
+      </a:defRPr>
+    </a:lvl2pPr>
+    <a:lvl3pPr marL="914400" algn="l" defTabSz="914400" rtl="0" eaLnBrk="1" latinLnBrk="0" hangingPunct="1">
+      <a:defRPr sz="1200" kern="1200">
+        <a:solidFill>
+          <a:schemeClr val="tx1"/>
+        </a:solidFill>
+        <a:latin typeface="+mn-lt"/>
+        <a:ea typeface="+mn-ea"/>
+        <a:cs typeface="+mn-cs"/>
+      </a:defRPr>
+    </a:lvl3pPr>
+    <a:lvl4pPr marL="1371600" algn="l" defTabSz="914400" rtl="0" eaLnBrk="1" latinLnBrk="0" hangingPunct="1">
+      <a:defRPr sz="1200" kern="1200">
+        <a:solidFill>
+          <a:schemeClr val="tx1"/>
+        </a:solidFill>
+        <a:latin typeface="+mn-lt"/>
+        <a:ea typeface="+mn-ea"/>
+        <a:cs typeface="+mn-cs"/>
+      </a:defRPr>
+    </a:lvl4pPr>
+    <a:lvl5pPr marL="1828800" algn="l" defTabSz="914400" rtl="0" eaLnBrk="1" latinLnBrk="0" hangingPunct="1">
+      <a:defRPr sz="1200" kern="1200">
+        <a:solidFill>
+          <a:schemeClr val="tx1"/>
+        </a:solidFill>
+        <a:latin typeface="+mn-lt"/>
+        <a:ea typeface="+mn-ea"/>
+        <a:cs typeface="+mn-cs"/>
+      </a:defRPr>
+    </a:lvl5pPr>
+    <a:lvl6pPr marL="2286000" algn="l" defTabSz="914400" rtl="0" eaLnBrk="1" latinLnBrk="0" hangingPunct="1">
+      <a:defRPr sz="1200" kern="1200">
+        <a:solidFill>
+          <a:schemeClr val="tx1"/>
+        </a:solidFill>
+        <a:latin typeface="+mn-lt"/>
+        <a:ea typeface="+mn-ea"/>
+        <a:cs typeface="+mn-cs"/>
+      </a:defRPr>
+    </a:lvl6pPr>
+    <a:lvl7pPr marL="2743200" algn="l" defTabSz="914400" rtl="0" eaLnBrk="1" latinLnBrk="0" hangingPunct="1">
+      <a:defRPr sz="1200" kern="1200">
+        <a:solidFill>
+          <a:schemeClr val="tx1"/>
+        </a:solidFill>
+        <a:latin typeface="+mn-lt"/>
+        <a:ea typeface="+mn-ea"/>
+        <a:cs typeface="+mn-cs"/>
+      </a:defRPr>
+    </a:lvl7pPr>
+    <a:lvl8pPr marL="3200400" algn="l" defTabSz="914400" rtl="0" eaLnBrk="1" latinLnBrk="0" hangingPunct="1">
+      <a:defRPr sz="1200" kern="1200">
+        <a:solidFill>
+          <a:schemeClr val="tx1"/>
+        </a:solidFill>
+        <a:latin typeface="+mn-lt"/>
+        <a:ea typeface="+mn-ea"/>
+        <a:cs typeface="+mn-cs"/>
+      </a:defRPr>
+    </a:lvl8pPr>
+    <a:lvl9pPr marL="3657600" algn="l" defTabSz="914400" rtl="0" eaLnBrk="1" latinLnBrk="0" hangingPunct="1">
+      <a:defRPr sz="1200" kern="1200">
+        <a:solidFill>
+          <a:schemeClr val="tx1"/>
+        </a:solidFill>
+        <a:latin typeface="+mn-lt"/>
+        <a:ea typeface="+mn-ea"/>
+        <a:cs typeface="+mn-cs"/>
+      </a:defRPr>
+    </a:lvl9pPr>
+  </p:notesStyle>
+</p:notesMaster>
+</file>
+
+<file path=ppt/notesSlides/notesSlide1.xml><?xml version="1.0" encoding="utf-8"?>
+<p:notes xmlns:a="http://schemas.openxmlformats.org/drawingml/2006/main" xmlns:r="http://schemas.openxmlformats.org/officeDocument/2006/relationships" xmlns:p="http://schemas.openxmlformats.org/presentationml/2006/main">
   <p:cSld>
     <p:spTree>
       <p:nvGrpSpPr>
@@ -61,284 +518,9 @@
       </p:grpSpPr>
       <p:sp>
         <p:nvSpPr>
-          <p:cNvPr id="78" name="PlaceHolder 1"/>
-          <p:cNvSpPr>
-            <a:spLocks noGrp="1"/>
-          </p:cNvSpPr>
-          <p:nvPr>
-            <p:ph type="sldImg"/>
-          </p:nvPr>
-        </p:nvSpPr>
-        <p:spPr>
-          <a:xfrm>
-            <a:off x="533520" y="764280"/>
-            <a:ext cx="6704640" cy="3771360"/>
-          </a:xfrm>
-          <a:prstGeom prst="rect">
-            <a:avLst/>
-          </a:prstGeom>
-          <a:noFill/>
-          <a:ln w="0">
-            <a:noFill/>
-          </a:ln>
-        </p:spPr>
-        <p:txBody>
-          <a:bodyPr lIns="0" rIns="0" tIns="0" bIns="0" anchor="ctr">
-            <a:noAutofit/>
-          </a:bodyPr>
-          <a:p>
-            <a:r>
-              <a:rPr b="0" lang="de-DE" sz="1800" spc="-1" strike="noStrike">
-                <a:solidFill>
-                  <a:srgbClr val="000000"/>
-                </a:solidFill>
-                <a:latin typeface="Arial"/>
-              </a:rPr>
-              <a:t>Click to move the slide</a:t>
-            </a:r>
-            <a:endParaRPr b="0" lang="de-DE" sz="1800" spc="-1" strike="noStrike">
-              <a:solidFill>
-                <a:srgbClr val="000000"/>
-              </a:solidFill>
-              <a:latin typeface="Arial"/>
-            </a:endParaRPr>
-          </a:p>
-        </p:txBody>
-      </p:sp>
-      <p:sp>
-        <p:nvSpPr>
-          <p:cNvPr id="79" name="PlaceHolder 2"/>
-          <p:cNvSpPr>
-            <a:spLocks noGrp="1"/>
-          </p:cNvSpPr>
-          <p:nvPr>
-            <p:ph type="body"/>
-          </p:nvPr>
-        </p:nvSpPr>
-        <p:spPr>
-          <a:xfrm>
-            <a:off x="777240" y="4777560"/>
-            <a:ext cx="6217560" cy="4525920"/>
-          </a:xfrm>
-          <a:prstGeom prst="rect">
-            <a:avLst/>
-          </a:prstGeom>
-          <a:noFill/>
-          <a:ln w="0">
-            <a:noFill/>
-          </a:ln>
-        </p:spPr>
-        <p:txBody>
-          <a:bodyPr lIns="0" rIns="0" tIns="0" bIns="0" anchor="t">
-            <a:noAutofit/>
-          </a:bodyPr>
-          <a:p>
-            <a:r>
-              <a:rPr b="0" lang="en-US" sz="2000" spc="-1" strike="noStrike">
-                <a:latin typeface="Arial"/>
-              </a:rPr>
-              <a:t>Click to edit the notes format</a:t>
-            </a:r>
-            <a:endParaRPr b="0" lang="en-US" sz="2000" spc="-1" strike="noStrike">
-              <a:latin typeface="Arial"/>
-            </a:endParaRPr>
-          </a:p>
-        </p:txBody>
-      </p:sp>
-      <p:sp>
-        <p:nvSpPr>
-          <p:cNvPr id="80" name="PlaceHolder 3"/>
-          <p:cNvSpPr>
-            <a:spLocks noGrp="1"/>
-          </p:cNvSpPr>
-          <p:nvPr>
-            <p:ph type="hdr"/>
-          </p:nvPr>
-        </p:nvSpPr>
-        <p:spPr>
-          <a:xfrm>
-            <a:off x="0" y="0"/>
-            <a:ext cx="3372840" cy="502560"/>
-          </a:xfrm>
-          <a:prstGeom prst="rect">
-            <a:avLst/>
-          </a:prstGeom>
-          <a:noFill/>
-          <a:ln w="0">
-            <a:noFill/>
-          </a:ln>
-        </p:spPr>
-        <p:txBody>
-          <a:bodyPr lIns="0" rIns="0" tIns="0" bIns="0" anchor="t">
-            <a:noAutofit/>
-          </a:bodyPr>
-          <a:p>
-            <a:r>
-              <a:rPr b="0" lang="en-US" sz="1400" spc="-1" strike="noStrike">
-                <a:latin typeface="Times New Roman"/>
-              </a:rPr>
-              <a:t>&lt;header&gt;</a:t>
-            </a:r>
-            <a:endParaRPr b="0" lang="en-US" sz="1400" spc="-1" strike="noStrike">
-              <a:latin typeface="Times New Roman"/>
-            </a:endParaRPr>
-          </a:p>
-        </p:txBody>
-      </p:sp>
-      <p:sp>
-        <p:nvSpPr>
-          <p:cNvPr id="81" name="PlaceHolder 4"/>
-          <p:cNvSpPr>
-            <a:spLocks noGrp="1"/>
-          </p:cNvSpPr>
-          <p:nvPr>
-            <p:ph type="dt"/>
-          </p:nvPr>
-        </p:nvSpPr>
-        <p:spPr>
-          <a:xfrm>
-            <a:off x="4399200" y="0"/>
-            <a:ext cx="3372840" cy="502560"/>
-          </a:xfrm>
-          <a:prstGeom prst="rect">
-            <a:avLst/>
-          </a:prstGeom>
-          <a:noFill/>
-          <a:ln w="0">
-            <a:noFill/>
-          </a:ln>
-        </p:spPr>
-        <p:txBody>
-          <a:bodyPr lIns="0" rIns="0" tIns="0" bIns="0" anchor="t">
-            <a:noAutofit/>
-          </a:bodyPr>
-          <a:p>
-            <a:pPr algn="r">
-              <a:buNone/>
-            </a:pPr>
-            <a:r>
-              <a:rPr b="0" lang="en-US" sz="1400" spc="-1" strike="noStrike">
-                <a:latin typeface="Times New Roman"/>
-              </a:rPr>
-              <a:t>&lt;date/time&gt;</a:t>
-            </a:r>
-            <a:endParaRPr b="0" lang="en-US" sz="1400" spc="-1" strike="noStrike">
-              <a:latin typeface="Times New Roman"/>
-            </a:endParaRPr>
-          </a:p>
-        </p:txBody>
-      </p:sp>
-      <p:sp>
-        <p:nvSpPr>
-          <p:cNvPr id="82" name="PlaceHolder 5"/>
-          <p:cNvSpPr>
-            <a:spLocks noGrp="1"/>
-          </p:cNvSpPr>
-          <p:nvPr>
-            <p:ph type="ftr"/>
-          </p:nvPr>
-        </p:nvSpPr>
-        <p:spPr>
-          <a:xfrm>
-            <a:off x="0" y="9555480"/>
-            <a:ext cx="3372840" cy="502560"/>
-          </a:xfrm>
-          <a:prstGeom prst="rect">
-            <a:avLst/>
-          </a:prstGeom>
-          <a:noFill/>
-          <a:ln w="0">
-            <a:noFill/>
-          </a:ln>
-        </p:spPr>
-        <p:txBody>
-          <a:bodyPr lIns="0" rIns="0" tIns="0" bIns="0" anchor="b">
-            <a:noAutofit/>
-          </a:bodyPr>
-          <a:p>
-            <a:r>
-              <a:rPr b="0" lang="en-US" sz="1400" spc="-1" strike="noStrike">
-                <a:latin typeface="Times New Roman"/>
-              </a:rPr>
-              <a:t>&lt;footer&gt;</a:t>
-            </a:r>
-            <a:endParaRPr b="0" lang="en-US" sz="1400" spc="-1" strike="noStrike">
-              <a:latin typeface="Times New Roman"/>
-            </a:endParaRPr>
-          </a:p>
-        </p:txBody>
-      </p:sp>
-      <p:sp>
-        <p:nvSpPr>
-          <p:cNvPr id="83" name="PlaceHolder 6"/>
-          <p:cNvSpPr>
-            <a:spLocks noGrp="1"/>
-          </p:cNvSpPr>
-          <p:nvPr>
-            <p:ph type="sldNum"/>
-          </p:nvPr>
-        </p:nvSpPr>
-        <p:spPr>
-          <a:xfrm>
-            <a:off x="4399200" y="9555480"/>
-            <a:ext cx="3372840" cy="502560"/>
-          </a:xfrm>
-          <a:prstGeom prst="rect">
-            <a:avLst/>
-          </a:prstGeom>
-          <a:noFill/>
-          <a:ln w="0">
-            <a:noFill/>
-          </a:ln>
-        </p:spPr>
-        <p:txBody>
-          <a:bodyPr lIns="0" rIns="0" tIns="0" bIns="0" anchor="b">
-            <a:noAutofit/>
-          </a:bodyPr>
-          <a:p>
-            <a:pPr algn="r">
-              <a:buNone/>
-            </a:pPr>
-            <a:fld id="{C516D838-556B-4570-9EC8-7AEA9776B17D}" type="slidenum">
-              <a:rPr b="0" lang="en-US" sz="1400" spc="-1" strike="noStrike">
-                <a:latin typeface="Times New Roman"/>
-              </a:rPr>
-              <a:t>&lt;number&gt;</a:t>
-            </a:fld>
-            <a:endParaRPr b="0" lang="en-US" sz="1400" spc="-1" strike="noStrike">
-              <a:latin typeface="Times New Roman"/>
-            </a:endParaRPr>
-          </a:p>
-        </p:txBody>
-      </p:sp>
-    </p:spTree>
-  </p:cSld>
-  <p:clrMap bg1="lt1" bg2="lt2" tx1="dk1" tx2="dk2" accent1="accent1" accent2="accent2" accent3="accent3" accent4="accent4" accent5="accent5" accent6="accent6" hlink="hlink" folHlink="folHlink"/>
-</p:notesMaster>
-</file>
-
-<file path=ppt/notesSlides/notesSlide12.xml><?xml version="1.0" encoding="utf-8"?>
-<p:notes xmlns:a="http://schemas.openxmlformats.org/drawingml/2006/main" xmlns:p="http://schemas.openxmlformats.org/presentationml/2006/main" xmlns:r="http://schemas.openxmlformats.org/officeDocument/2006/relationships" xmlns:p14="http://schemas.microsoft.com/office/powerpoint/2010/main" xmlns:p15="http://schemas.microsoft.com/office/powerpoint/2012/main" xmlns:mc="http://schemas.openxmlformats.org/markup-compatibility/2006">
-  <p:cSld>
-    <p:spTree>
-      <p:nvGrpSpPr>
-        <p:cNvPr id="1" name=""/>
-        <p:cNvGrpSpPr/>
-        <p:nvPr/>
-      </p:nvGrpSpPr>
-      <p:grpSpPr>
-        <a:xfrm>
-          <a:off x="0" y="0"/>
-          <a:ext cx="0" cy="0"/>
-          <a:chOff x="0" y="0"/>
-          <a:chExt cx="0" cy="0"/>
-        </a:xfrm>
-      </p:grpSpPr>
-      <p:sp>
-        <p:nvSpPr>
           <p:cNvPr id="135" name="PlaceHolder 1"/>
           <p:cNvSpPr>
-            <a:spLocks noGrp="1"/>
+            <a:spLocks noGrp="1" noRot="1" noChangeAspect="1"/>
           </p:cNvSpPr>
           <p:nvPr>
             <p:ph type="sldImg"/>
@@ -384,6 +566,7 @@
           <a:bodyPr anchor="t">
             <a:noAutofit/>
           </a:bodyPr>
+          <a:lstStyle/>
           <a:p>
             <a:pPr marL="216000" indent="-216000">
               <a:lnSpc>
@@ -392,12 +575,12 @@
               <a:buNone/>
             </a:pPr>
             <a:r>
-              <a:rPr b="0" lang="de-DE" sz="2000" spc="-1" strike="noStrike">
+              <a:rPr lang="de-DE" sz="2000" b="0" strike="noStrike" spc="-1">
                 <a:latin typeface="Arial"/>
               </a:rPr>
               <a:t>https://www.fuer-gruender.de/kapital/eigenkapital/pitch-deck/</a:t>
             </a:r>
-            <a:endParaRPr b="0" lang="en-US" sz="2000" spc="-1" strike="noStrike">
+            <a:endParaRPr lang="en-US" sz="2000" b="0" strike="noStrike" spc="-1">
               <a:latin typeface="Arial"/>
             </a:endParaRPr>
           </a:p>
@@ -430,6 +613,7 @@
           <a:bodyPr anchor="b">
             <a:noAutofit/>
           </a:bodyPr>
+          <a:lstStyle/>
           <a:p>
             <a:pPr algn="r">
               <a:lnSpc>
@@ -438,12 +622,12 @@
               <a:buNone/>
             </a:pPr>
             <a:fld id="{0B44DC84-AAE3-4173-B9F4-293D4756C502}" type="slidenum">
-              <a:rPr b="0" lang="de-DE" sz="1200" spc="-1" strike="noStrike">
+              <a:rPr lang="de-DE" sz="1200" b="0" strike="noStrike" spc="-1">
                 <a:latin typeface="Times New Roman"/>
               </a:rPr>
-              <a:t>&lt;number&gt;</a:t>
+              <a:t>14</a:t>
             </a:fld>
-            <a:endParaRPr b="0" lang="en-US" sz="1200" spc="-1" strike="noStrike">
+            <a:endParaRPr lang="en-US" sz="1200" b="0" strike="noStrike" spc="-1">
               <a:latin typeface="Times New Roman"/>
             </a:endParaRPr>
           </a:p>
@@ -451,11 +635,14 @@
       </p:sp>
     </p:spTree>
   </p:cSld>
+  <p:clrMapOvr>
+    <a:masterClrMapping/>
+  </p:clrMapOvr>
 </p:notes>
 </file>
 
 <file path=ppt/slideLayouts/slideLayout1.xml><?xml version="1.0" encoding="utf-8"?>
-<p:sldLayout xmlns:a="http://schemas.openxmlformats.org/drawingml/2006/main" xmlns:p="http://schemas.openxmlformats.org/presentationml/2006/main" xmlns:r="http://schemas.openxmlformats.org/officeDocument/2006/relationships" xmlns:p14="http://schemas.microsoft.com/office/powerpoint/2010/main" xmlns:p15="http://schemas.microsoft.com/office/powerpoint/2012/main" xmlns:mc="http://schemas.openxmlformats.org/markup-compatibility/2006" type="blank" preserve="1">
+<p:sldLayout xmlns:a="http://schemas.openxmlformats.org/drawingml/2006/main" xmlns:r="http://schemas.openxmlformats.org/officeDocument/2006/relationships" xmlns:p="http://schemas.openxmlformats.org/presentationml/2006/main" type="blank" preserve="1">
   <p:cSld name="Blank Slide">
     <p:spTree>
       <p:nvGrpSpPr>
@@ -473,11 +660,14 @@
       </p:grpSpPr>
     </p:spTree>
   </p:cSld>
+  <p:clrMapOvr>
+    <a:masterClrMapping/>
+  </p:clrMapOvr>
 </p:sldLayout>
 </file>
 
 <file path=ppt/slideLayouts/slideLayout10.xml><?xml version="1.0" encoding="utf-8"?>
-<p:sldLayout xmlns:a="http://schemas.openxmlformats.org/drawingml/2006/main" xmlns:p="http://schemas.openxmlformats.org/presentationml/2006/main" xmlns:r="http://schemas.openxmlformats.org/officeDocument/2006/relationships" xmlns:p14="http://schemas.microsoft.com/office/powerpoint/2010/main" xmlns:p15="http://schemas.microsoft.com/office/powerpoint/2012/main" xmlns:mc="http://schemas.openxmlformats.org/markup-compatibility/2006" type="objOverTx" preserve="1">
+<p:sldLayout xmlns:a="http://schemas.openxmlformats.org/drawingml/2006/main" xmlns:r="http://schemas.openxmlformats.org/officeDocument/2006/relationships" xmlns:p="http://schemas.openxmlformats.org/presentationml/2006/main" type="objOverTx" preserve="1">
   <p:cSld name="Title, Content over Content">
     <p:spTree>
       <p:nvGrpSpPr>
@@ -517,11 +707,12 @@
           </a:ln>
         </p:spPr>
         <p:txBody>
-          <a:bodyPr lIns="0" rIns="0" tIns="0" bIns="0" anchor="ctr">
+          <a:bodyPr lIns="0" tIns="0" rIns="0" bIns="0" anchor="ctr">
             <a:noAutofit/>
           </a:bodyPr>
-          <a:p>
-            <a:endParaRPr b="0" lang="de-DE" sz="1800" spc="-1" strike="noStrike">
+          <a:lstStyle/>
+          <a:p>
+            <a:endParaRPr lang="de-DE" sz="1800" b="0" strike="noStrike" spc="-1">
               <a:solidFill>
                 <a:srgbClr val="000000"/>
               </a:solidFill>
@@ -554,11 +745,12 @@
           </a:ln>
         </p:spPr>
         <p:txBody>
-          <a:bodyPr lIns="0" rIns="0" tIns="0" bIns="0" anchor="t">
+          <a:bodyPr lIns="0" tIns="0" rIns="0" bIns="0" anchor="t">
             <a:normAutofit/>
           </a:bodyPr>
-          <a:p>
-            <a:endParaRPr b="0" lang="de-DE" sz="2800" spc="-1" strike="noStrike">
+          <a:lstStyle/>
+          <a:p>
+            <a:endParaRPr lang="de-DE" sz="2800" b="0" strike="noStrike" spc="-1">
               <a:solidFill>
                 <a:srgbClr val="000000"/>
               </a:solidFill>
@@ -591,11 +783,12 @@
           </a:ln>
         </p:spPr>
         <p:txBody>
-          <a:bodyPr lIns="0" rIns="0" tIns="0" bIns="0" anchor="t">
+          <a:bodyPr lIns="0" tIns="0" rIns="0" bIns="0" anchor="t">
             <a:normAutofit/>
           </a:bodyPr>
-          <a:p>
-            <a:endParaRPr b="0" lang="de-DE" sz="2800" spc="-1" strike="noStrike">
+          <a:lstStyle/>
+          <a:p>
+            <a:endParaRPr lang="de-DE" sz="2800" b="0" strike="noStrike" spc="-1">
               <a:solidFill>
                 <a:srgbClr val="000000"/>
               </a:solidFill>
@@ -606,11 +799,14 @@
       </p:sp>
     </p:spTree>
   </p:cSld>
+  <p:clrMapOvr>
+    <a:masterClrMapping/>
+  </p:clrMapOvr>
 </p:sldLayout>
 </file>
 
 <file path=ppt/slideLayouts/slideLayout11.xml><?xml version="1.0" encoding="utf-8"?>
-<p:sldLayout xmlns:a="http://schemas.openxmlformats.org/drawingml/2006/main" xmlns:p="http://schemas.openxmlformats.org/presentationml/2006/main" xmlns:r="http://schemas.openxmlformats.org/officeDocument/2006/relationships" xmlns:p14="http://schemas.microsoft.com/office/powerpoint/2010/main" xmlns:p15="http://schemas.microsoft.com/office/powerpoint/2012/main" xmlns:mc="http://schemas.openxmlformats.org/markup-compatibility/2006" type="fourObj" preserve="1">
+<p:sldLayout xmlns:a="http://schemas.openxmlformats.org/drawingml/2006/main" xmlns:r="http://schemas.openxmlformats.org/officeDocument/2006/relationships" xmlns:p="http://schemas.openxmlformats.org/presentationml/2006/main" type="fourObj" preserve="1">
   <p:cSld name="Title, 4 Content">
     <p:spTree>
       <p:nvGrpSpPr>
@@ -650,11 +846,12 @@
           </a:ln>
         </p:spPr>
         <p:txBody>
-          <a:bodyPr lIns="0" rIns="0" tIns="0" bIns="0" anchor="ctr">
+          <a:bodyPr lIns="0" tIns="0" rIns="0" bIns="0" anchor="ctr">
             <a:noAutofit/>
           </a:bodyPr>
-          <a:p>
-            <a:endParaRPr b="0" lang="de-DE" sz="1800" spc="-1" strike="noStrike">
+          <a:lstStyle/>
+          <a:p>
+            <a:endParaRPr lang="de-DE" sz="1800" b="0" strike="noStrike" spc="-1">
               <a:solidFill>
                 <a:srgbClr val="000000"/>
               </a:solidFill>
@@ -687,11 +884,12 @@
           </a:ln>
         </p:spPr>
         <p:txBody>
-          <a:bodyPr lIns="0" rIns="0" tIns="0" bIns="0" anchor="t">
+          <a:bodyPr lIns="0" tIns="0" rIns="0" bIns="0" anchor="t">
             <a:normAutofit/>
           </a:bodyPr>
-          <a:p>
-            <a:endParaRPr b="0" lang="de-DE" sz="2800" spc="-1" strike="noStrike">
+          <a:lstStyle/>
+          <a:p>
+            <a:endParaRPr lang="de-DE" sz="2800" b="0" strike="noStrike" spc="-1">
               <a:solidFill>
                 <a:srgbClr val="000000"/>
               </a:solidFill>
@@ -724,11 +922,12 @@
           </a:ln>
         </p:spPr>
         <p:txBody>
-          <a:bodyPr lIns="0" rIns="0" tIns="0" bIns="0" anchor="t">
+          <a:bodyPr lIns="0" tIns="0" rIns="0" bIns="0" anchor="t">
             <a:normAutofit/>
           </a:bodyPr>
-          <a:p>
-            <a:endParaRPr b="0" lang="de-DE" sz="2800" spc="-1" strike="noStrike">
+          <a:lstStyle/>
+          <a:p>
+            <a:endParaRPr lang="de-DE" sz="2800" b="0" strike="noStrike" spc="-1">
               <a:solidFill>
                 <a:srgbClr val="000000"/>
               </a:solidFill>
@@ -761,11 +960,12 @@
           </a:ln>
         </p:spPr>
         <p:txBody>
-          <a:bodyPr lIns="0" rIns="0" tIns="0" bIns="0" anchor="t">
+          <a:bodyPr lIns="0" tIns="0" rIns="0" bIns="0" anchor="t">
             <a:normAutofit/>
           </a:bodyPr>
-          <a:p>
-            <a:endParaRPr b="0" lang="de-DE" sz="2800" spc="-1" strike="noStrike">
+          <a:lstStyle/>
+          <a:p>
+            <a:endParaRPr lang="de-DE" sz="2800" b="0" strike="noStrike" spc="-1">
               <a:solidFill>
                 <a:srgbClr val="000000"/>
               </a:solidFill>
@@ -798,11 +998,12 @@
           </a:ln>
         </p:spPr>
         <p:txBody>
-          <a:bodyPr lIns="0" rIns="0" tIns="0" bIns="0" anchor="t">
+          <a:bodyPr lIns="0" tIns="0" rIns="0" bIns="0" anchor="t">
             <a:normAutofit/>
           </a:bodyPr>
-          <a:p>
-            <a:endParaRPr b="0" lang="de-DE" sz="2800" spc="-1" strike="noStrike">
+          <a:lstStyle/>
+          <a:p>
+            <a:endParaRPr lang="de-DE" sz="2800" b="0" strike="noStrike" spc="-1">
               <a:solidFill>
                 <a:srgbClr val="000000"/>
               </a:solidFill>
@@ -813,11 +1014,14 @@
       </p:sp>
     </p:spTree>
   </p:cSld>
+  <p:clrMapOvr>
+    <a:masterClrMapping/>
+  </p:clrMapOvr>
 </p:sldLayout>
 </file>
 
 <file path=ppt/slideLayouts/slideLayout12.xml><?xml version="1.0" encoding="utf-8"?>
-<p:sldLayout xmlns:a="http://schemas.openxmlformats.org/drawingml/2006/main" xmlns:p="http://schemas.openxmlformats.org/presentationml/2006/main" xmlns:r="http://schemas.openxmlformats.org/officeDocument/2006/relationships" xmlns:p14="http://schemas.microsoft.com/office/powerpoint/2010/main" xmlns:p15="http://schemas.microsoft.com/office/powerpoint/2012/main" xmlns:mc="http://schemas.openxmlformats.org/markup-compatibility/2006" type="blank" preserve="1">
+<p:sldLayout xmlns:a="http://schemas.openxmlformats.org/drawingml/2006/main" xmlns:r="http://schemas.openxmlformats.org/officeDocument/2006/relationships" xmlns:p="http://schemas.openxmlformats.org/presentationml/2006/main" type="blank" preserve="1">
   <p:cSld name="Title, 6 Content">
     <p:spTree>
       <p:nvGrpSpPr>
@@ -857,11 +1061,12 @@
           </a:ln>
         </p:spPr>
         <p:txBody>
-          <a:bodyPr lIns="0" rIns="0" tIns="0" bIns="0" anchor="ctr">
+          <a:bodyPr lIns="0" tIns="0" rIns="0" bIns="0" anchor="ctr">
             <a:noAutofit/>
           </a:bodyPr>
-          <a:p>
-            <a:endParaRPr b="0" lang="de-DE" sz="1800" spc="-1" strike="noStrike">
+          <a:lstStyle/>
+          <a:p>
+            <a:endParaRPr lang="de-DE" sz="1800" b="0" strike="noStrike" spc="-1">
               <a:solidFill>
                 <a:srgbClr val="000000"/>
               </a:solidFill>
@@ -894,11 +1099,12 @@
           </a:ln>
         </p:spPr>
         <p:txBody>
-          <a:bodyPr lIns="0" rIns="0" tIns="0" bIns="0" anchor="t">
+          <a:bodyPr lIns="0" tIns="0" rIns="0" bIns="0" anchor="t">
             <a:normAutofit/>
           </a:bodyPr>
-          <a:p>
-            <a:endParaRPr b="0" lang="de-DE" sz="2800" spc="-1" strike="noStrike">
+          <a:lstStyle/>
+          <a:p>
+            <a:endParaRPr lang="de-DE" sz="2800" b="0" strike="noStrike" spc="-1">
               <a:solidFill>
                 <a:srgbClr val="000000"/>
               </a:solidFill>
@@ -931,11 +1137,12 @@
           </a:ln>
         </p:spPr>
         <p:txBody>
-          <a:bodyPr lIns="0" rIns="0" tIns="0" bIns="0" anchor="t">
+          <a:bodyPr lIns="0" tIns="0" rIns="0" bIns="0" anchor="t">
             <a:normAutofit/>
           </a:bodyPr>
-          <a:p>
-            <a:endParaRPr b="0" lang="de-DE" sz="2800" spc="-1" strike="noStrike">
+          <a:lstStyle/>
+          <a:p>
+            <a:endParaRPr lang="de-DE" sz="2800" b="0" strike="noStrike" spc="-1">
               <a:solidFill>
                 <a:srgbClr val="000000"/>
               </a:solidFill>
@@ -968,11 +1175,12 @@
           </a:ln>
         </p:spPr>
         <p:txBody>
-          <a:bodyPr lIns="0" rIns="0" tIns="0" bIns="0" anchor="t">
+          <a:bodyPr lIns="0" tIns="0" rIns="0" bIns="0" anchor="t">
             <a:normAutofit/>
           </a:bodyPr>
-          <a:p>
-            <a:endParaRPr b="0" lang="de-DE" sz="2800" spc="-1" strike="noStrike">
+          <a:lstStyle/>
+          <a:p>
+            <a:endParaRPr lang="de-DE" sz="2800" b="0" strike="noStrike" spc="-1">
               <a:solidFill>
                 <a:srgbClr val="000000"/>
               </a:solidFill>
@@ -1005,11 +1213,12 @@
           </a:ln>
         </p:spPr>
         <p:txBody>
-          <a:bodyPr lIns="0" rIns="0" tIns="0" bIns="0" anchor="t">
+          <a:bodyPr lIns="0" tIns="0" rIns="0" bIns="0" anchor="t">
             <a:normAutofit/>
           </a:bodyPr>
-          <a:p>
-            <a:endParaRPr b="0" lang="de-DE" sz="2800" spc="-1" strike="noStrike">
+          <a:lstStyle/>
+          <a:p>
+            <a:endParaRPr lang="de-DE" sz="2800" b="0" strike="noStrike" spc="-1">
               <a:solidFill>
                 <a:srgbClr val="000000"/>
               </a:solidFill>
@@ -1042,11 +1251,12 @@
           </a:ln>
         </p:spPr>
         <p:txBody>
-          <a:bodyPr lIns="0" rIns="0" tIns="0" bIns="0" anchor="t">
+          <a:bodyPr lIns="0" tIns="0" rIns="0" bIns="0" anchor="t">
             <a:normAutofit/>
           </a:bodyPr>
-          <a:p>
-            <a:endParaRPr b="0" lang="de-DE" sz="2800" spc="-1" strike="noStrike">
+          <a:lstStyle/>
+          <a:p>
+            <a:endParaRPr lang="de-DE" sz="2800" b="0" strike="noStrike" spc="-1">
               <a:solidFill>
                 <a:srgbClr val="000000"/>
               </a:solidFill>
@@ -1079,11 +1289,12 @@
           </a:ln>
         </p:spPr>
         <p:txBody>
-          <a:bodyPr lIns="0" rIns="0" tIns="0" bIns="0" anchor="t">
+          <a:bodyPr lIns="0" tIns="0" rIns="0" bIns="0" anchor="t">
             <a:normAutofit/>
           </a:bodyPr>
-          <a:p>
-            <a:endParaRPr b="0" lang="de-DE" sz="2800" spc="-1" strike="noStrike">
+          <a:lstStyle/>
+          <a:p>
+            <a:endParaRPr lang="de-DE" sz="2800" b="0" strike="noStrike" spc="-1">
               <a:solidFill>
                 <a:srgbClr val="000000"/>
               </a:solidFill>
@@ -1094,11 +1305,14 @@
       </p:sp>
     </p:spTree>
   </p:cSld>
+  <p:clrMapOvr>
+    <a:masterClrMapping/>
+  </p:clrMapOvr>
 </p:sldLayout>
 </file>
 
 <file path=ppt/slideLayouts/slideLayout13.xml><?xml version="1.0" encoding="utf-8"?>
-<p:sldLayout xmlns:a="http://schemas.openxmlformats.org/drawingml/2006/main" xmlns:p="http://schemas.openxmlformats.org/presentationml/2006/main" xmlns:r="http://schemas.openxmlformats.org/officeDocument/2006/relationships" xmlns:p14="http://schemas.microsoft.com/office/powerpoint/2010/main" xmlns:p15="http://schemas.microsoft.com/office/powerpoint/2012/main" xmlns:mc="http://schemas.openxmlformats.org/markup-compatibility/2006" type="blank" preserve="1">
+<p:sldLayout xmlns:a="http://schemas.openxmlformats.org/drawingml/2006/main" xmlns:r="http://schemas.openxmlformats.org/officeDocument/2006/relationships" xmlns:p="http://schemas.openxmlformats.org/presentationml/2006/main" type="blank" preserve="1">
   <p:cSld name="Blank Slide">
     <p:spTree>
       <p:nvGrpSpPr>
@@ -1116,11 +1330,14 @@
       </p:grpSpPr>
     </p:spTree>
   </p:cSld>
+  <p:clrMapOvr>
+    <a:masterClrMapping/>
+  </p:clrMapOvr>
 </p:sldLayout>
 </file>
 
 <file path=ppt/slideLayouts/slideLayout14.xml><?xml version="1.0" encoding="utf-8"?>
-<p:sldLayout xmlns:a="http://schemas.openxmlformats.org/drawingml/2006/main" xmlns:p="http://schemas.openxmlformats.org/presentationml/2006/main" xmlns:r="http://schemas.openxmlformats.org/officeDocument/2006/relationships" xmlns:p14="http://schemas.microsoft.com/office/powerpoint/2010/main" xmlns:p15="http://schemas.microsoft.com/office/powerpoint/2012/main" xmlns:mc="http://schemas.openxmlformats.org/markup-compatibility/2006" type="tx" preserve="1">
+<p:sldLayout xmlns:a="http://schemas.openxmlformats.org/drawingml/2006/main" xmlns:r="http://schemas.openxmlformats.org/officeDocument/2006/relationships" xmlns:p="http://schemas.openxmlformats.org/presentationml/2006/main" type="tx" preserve="1">
   <p:cSld name="Title Slide">
     <p:spTree>
       <p:nvGrpSpPr>
@@ -1160,11 +1377,12 @@
           </a:ln>
         </p:spPr>
         <p:txBody>
-          <a:bodyPr lIns="0" rIns="0" tIns="0" bIns="0" anchor="ctr">
+          <a:bodyPr lIns="0" tIns="0" rIns="0" bIns="0" anchor="ctr">
             <a:noAutofit/>
           </a:bodyPr>
-          <a:p>
-            <a:endParaRPr b="0" lang="de-DE" sz="1800" spc="-1" strike="noStrike">
+          <a:lstStyle/>
+          <a:p>
+            <a:endParaRPr lang="de-DE" sz="1800" b="0" strike="noStrike" spc="-1">
               <a:solidFill>
                 <a:srgbClr val="000000"/>
               </a:solidFill>
@@ -1197,14 +1415,15 @@
           </a:ln>
         </p:spPr>
         <p:txBody>
-          <a:bodyPr lIns="0" rIns="0" tIns="0" bIns="0" anchor="ctr">
+          <a:bodyPr lIns="0" tIns="0" rIns="0" bIns="0" anchor="ctr">
             <a:noAutofit/>
           </a:bodyPr>
+          <a:lstStyle/>
           <a:p>
             <a:pPr algn="ctr">
               <a:buNone/>
             </a:pPr>
-            <a:endParaRPr b="0" lang="en-US" sz="3200" spc="-1" strike="noStrike">
+            <a:endParaRPr lang="en-US" sz="3200" b="0" strike="noStrike" spc="-1">
               <a:latin typeface="Arial"/>
             </a:endParaRPr>
           </a:p>
@@ -1212,11 +1431,14 @@
       </p:sp>
     </p:spTree>
   </p:cSld>
+  <p:clrMapOvr>
+    <a:masterClrMapping/>
+  </p:clrMapOvr>
 </p:sldLayout>
 </file>
 
 <file path=ppt/slideLayouts/slideLayout15.xml><?xml version="1.0" encoding="utf-8"?>
-<p:sldLayout xmlns:a="http://schemas.openxmlformats.org/drawingml/2006/main" xmlns:p="http://schemas.openxmlformats.org/presentationml/2006/main" xmlns:r="http://schemas.openxmlformats.org/officeDocument/2006/relationships" xmlns:p14="http://schemas.microsoft.com/office/powerpoint/2010/main" xmlns:p15="http://schemas.microsoft.com/office/powerpoint/2012/main" xmlns:mc="http://schemas.openxmlformats.org/markup-compatibility/2006" type="obj" preserve="1">
+<p:sldLayout xmlns:a="http://schemas.openxmlformats.org/drawingml/2006/main" xmlns:r="http://schemas.openxmlformats.org/officeDocument/2006/relationships" xmlns:p="http://schemas.openxmlformats.org/presentationml/2006/main" type="obj" preserve="1">
   <p:cSld name="Title, Content">
     <p:spTree>
       <p:nvGrpSpPr>
@@ -1256,11 +1478,12 @@
           </a:ln>
         </p:spPr>
         <p:txBody>
-          <a:bodyPr lIns="0" rIns="0" tIns="0" bIns="0" anchor="ctr">
+          <a:bodyPr lIns="0" tIns="0" rIns="0" bIns="0" anchor="ctr">
             <a:noAutofit/>
           </a:bodyPr>
-          <a:p>
-            <a:endParaRPr b="0" lang="de-DE" sz="1800" spc="-1" strike="noStrike">
+          <a:lstStyle/>
+          <a:p>
+            <a:endParaRPr lang="de-DE" sz="1800" b="0" strike="noStrike" spc="-1">
               <a:solidFill>
                 <a:srgbClr val="000000"/>
               </a:solidFill>
@@ -1293,11 +1516,12 @@
           </a:ln>
         </p:spPr>
         <p:txBody>
-          <a:bodyPr lIns="0" rIns="0" tIns="0" bIns="0" anchor="t">
+          <a:bodyPr lIns="0" tIns="0" rIns="0" bIns="0" anchor="t">
             <a:normAutofit/>
           </a:bodyPr>
-          <a:p>
-            <a:endParaRPr b="0" lang="de-DE" sz="2800" spc="-1" strike="noStrike">
+          <a:lstStyle/>
+          <a:p>
+            <a:endParaRPr lang="de-DE" sz="2800" b="0" strike="noStrike" spc="-1">
               <a:solidFill>
                 <a:srgbClr val="000000"/>
               </a:solidFill>
@@ -1308,11 +1532,14 @@
       </p:sp>
     </p:spTree>
   </p:cSld>
+  <p:clrMapOvr>
+    <a:masterClrMapping/>
+  </p:clrMapOvr>
 </p:sldLayout>
 </file>
 
 <file path=ppt/slideLayouts/slideLayout16.xml><?xml version="1.0" encoding="utf-8"?>
-<p:sldLayout xmlns:a="http://schemas.openxmlformats.org/drawingml/2006/main" xmlns:p="http://schemas.openxmlformats.org/presentationml/2006/main" xmlns:r="http://schemas.openxmlformats.org/officeDocument/2006/relationships" xmlns:p14="http://schemas.microsoft.com/office/powerpoint/2010/main" xmlns:p15="http://schemas.microsoft.com/office/powerpoint/2012/main" xmlns:mc="http://schemas.openxmlformats.org/markup-compatibility/2006" type="twoObj" preserve="1">
+<p:sldLayout xmlns:a="http://schemas.openxmlformats.org/drawingml/2006/main" xmlns:r="http://schemas.openxmlformats.org/officeDocument/2006/relationships" xmlns:p="http://schemas.openxmlformats.org/presentationml/2006/main" type="twoObj" preserve="1">
   <p:cSld name="Title, 2 Content">
     <p:spTree>
       <p:nvGrpSpPr>
@@ -1352,11 +1579,12 @@
           </a:ln>
         </p:spPr>
         <p:txBody>
-          <a:bodyPr lIns="0" rIns="0" tIns="0" bIns="0" anchor="ctr">
+          <a:bodyPr lIns="0" tIns="0" rIns="0" bIns="0" anchor="ctr">
             <a:noAutofit/>
           </a:bodyPr>
-          <a:p>
-            <a:endParaRPr b="0" lang="de-DE" sz="1800" spc="-1" strike="noStrike">
+          <a:lstStyle/>
+          <a:p>
+            <a:endParaRPr lang="de-DE" sz="1800" b="0" strike="noStrike" spc="-1">
               <a:solidFill>
                 <a:srgbClr val="000000"/>
               </a:solidFill>
@@ -1389,11 +1617,12 @@
           </a:ln>
         </p:spPr>
         <p:txBody>
-          <a:bodyPr lIns="0" rIns="0" tIns="0" bIns="0" anchor="t">
+          <a:bodyPr lIns="0" tIns="0" rIns="0" bIns="0" anchor="t">
             <a:normAutofit/>
           </a:bodyPr>
-          <a:p>
-            <a:endParaRPr b="0" lang="de-DE" sz="2800" spc="-1" strike="noStrike">
+          <a:lstStyle/>
+          <a:p>
+            <a:endParaRPr lang="de-DE" sz="2800" b="0" strike="noStrike" spc="-1">
               <a:solidFill>
                 <a:srgbClr val="000000"/>
               </a:solidFill>
@@ -1426,11 +1655,12 @@
           </a:ln>
         </p:spPr>
         <p:txBody>
-          <a:bodyPr lIns="0" rIns="0" tIns="0" bIns="0" anchor="t">
+          <a:bodyPr lIns="0" tIns="0" rIns="0" bIns="0" anchor="t">
             <a:normAutofit/>
           </a:bodyPr>
-          <a:p>
-            <a:endParaRPr b="0" lang="de-DE" sz="2800" spc="-1" strike="noStrike">
+          <a:lstStyle/>
+          <a:p>
+            <a:endParaRPr lang="de-DE" sz="2800" b="0" strike="noStrike" spc="-1">
               <a:solidFill>
                 <a:srgbClr val="000000"/>
               </a:solidFill>
@@ -1441,11 +1671,14 @@
       </p:sp>
     </p:spTree>
   </p:cSld>
+  <p:clrMapOvr>
+    <a:masterClrMapping/>
+  </p:clrMapOvr>
 </p:sldLayout>
 </file>
 
 <file path=ppt/slideLayouts/slideLayout17.xml><?xml version="1.0" encoding="utf-8"?>
-<p:sldLayout xmlns:a="http://schemas.openxmlformats.org/drawingml/2006/main" xmlns:p="http://schemas.openxmlformats.org/presentationml/2006/main" xmlns:r="http://schemas.openxmlformats.org/officeDocument/2006/relationships" xmlns:p14="http://schemas.microsoft.com/office/powerpoint/2010/main" xmlns:p15="http://schemas.microsoft.com/office/powerpoint/2012/main" xmlns:mc="http://schemas.openxmlformats.org/markup-compatibility/2006" type="titleOnly" preserve="1">
+<p:sldLayout xmlns:a="http://schemas.openxmlformats.org/drawingml/2006/main" xmlns:r="http://schemas.openxmlformats.org/officeDocument/2006/relationships" xmlns:p="http://schemas.openxmlformats.org/presentationml/2006/main" type="titleOnly" preserve="1">
   <p:cSld name="Title Only">
     <p:spTree>
       <p:nvGrpSpPr>
@@ -1485,11 +1718,12 @@
           </a:ln>
         </p:spPr>
         <p:txBody>
-          <a:bodyPr lIns="0" rIns="0" tIns="0" bIns="0" anchor="ctr">
+          <a:bodyPr lIns="0" tIns="0" rIns="0" bIns="0" anchor="ctr">
             <a:noAutofit/>
           </a:bodyPr>
-          <a:p>
-            <a:endParaRPr b="0" lang="de-DE" sz="1800" spc="-1" strike="noStrike">
+          <a:lstStyle/>
+          <a:p>
+            <a:endParaRPr lang="de-DE" sz="1800" b="0" strike="noStrike" spc="-1">
               <a:solidFill>
                 <a:srgbClr val="000000"/>
               </a:solidFill>
@@ -1500,11 +1734,14 @@
       </p:sp>
     </p:spTree>
   </p:cSld>
+  <p:clrMapOvr>
+    <a:masterClrMapping/>
+  </p:clrMapOvr>
 </p:sldLayout>
 </file>
 
 <file path=ppt/slideLayouts/slideLayout18.xml><?xml version="1.0" encoding="utf-8"?>
-<p:sldLayout xmlns:a="http://schemas.openxmlformats.org/drawingml/2006/main" xmlns:p="http://schemas.openxmlformats.org/presentationml/2006/main" xmlns:r="http://schemas.openxmlformats.org/officeDocument/2006/relationships" xmlns:p14="http://schemas.microsoft.com/office/powerpoint/2010/main" xmlns:p15="http://schemas.microsoft.com/office/powerpoint/2012/main" xmlns:mc="http://schemas.openxmlformats.org/markup-compatibility/2006" type="objOnly" preserve="1">
+<p:sldLayout xmlns:a="http://schemas.openxmlformats.org/drawingml/2006/main" xmlns:r="http://schemas.openxmlformats.org/officeDocument/2006/relationships" xmlns:p="http://schemas.openxmlformats.org/presentationml/2006/main" type="objOnly" preserve="1">
   <p:cSld name="Centered Text">
     <p:spTree>
       <p:nvGrpSpPr>
@@ -1544,14 +1781,15 @@
           </a:ln>
         </p:spPr>
         <p:txBody>
-          <a:bodyPr lIns="0" rIns="0" tIns="0" bIns="0" anchor="ctr">
+          <a:bodyPr lIns="0" tIns="0" rIns="0" bIns="0" anchor="ctr">
             <a:noAutofit/>
           </a:bodyPr>
+          <a:lstStyle/>
           <a:p>
             <a:pPr algn="ctr">
               <a:buNone/>
             </a:pPr>
-            <a:endParaRPr b="0" lang="en-US" sz="3200" spc="-1" strike="noStrike">
+            <a:endParaRPr lang="en-US" sz="3200" b="0" strike="noStrike" spc="-1">
               <a:latin typeface="Arial"/>
             </a:endParaRPr>
           </a:p>
@@ -1559,11 +1797,14 @@
       </p:sp>
     </p:spTree>
   </p:cSld>
+  <p:clrMapOvr>
+    <a:masterClrMapping/>
+  </p:clrMapOvr>
 </p:sldLayout>
 </file>
 
 <file path=ppt/slideLayouts/slideLayout19.xml><?xml version="1.0" encoding="utf-8"?>
-<p:sldLayout xmlns:a="http://schemas.openxmlformats.org/drawingml/2006/main" xmlns:p="http://schemas.openxmlformats.org/presentationml/2006/main" xmlns:r="http://schemas.openxmlformats.org/officeDocument/2006/relationships" xmlns:p14="http://schemas.microsoft.com/office/powerpoint/2010/main" xmlns:p15="http://schemas.microsoft.com/office/powerpoint/2012/main" xmlns:mc="http://schemas.openxmlformats.org/markup-compatibility/2006" type="twoObjAndObj" preserve="1">
+<p:sldLayout xmlns:a="http://schemas.openxmlformats.org/drawingml/2006/main" xmlns:r="http://schemas.openxmlformats.org/officeDocument/2006/relationships" xmlns:p="http://schemas.openxmlformats.org/presentationml/2006/main" type="twoObjAndObj" preserve="1">
   <p:cSld name="Title, 2 Content and Content">
     <p:spTree>
       <p:nvGrpSpPr>
@@ -1603,11 +1844,12 @@
           </a:ln>
         </p:spPr>
         <p:txBody>
-          <a:bodyPr lIns="0" rIns="0" tIns="0" bIns="0" anchor="ctr">
+          <a:bodyPr lIns="0" tIns="0" rIns="0" bIns="0" anchor="ctr">
             <a:noAutofit/>
           </a:bodyPr>
-          <a:p>
-            <a:endParaRPr b="0" lang="de-DE" sz="1800" spc="-1" strike="noStrike">
+          <a:lstStyle/>
+          <a:p>
+            <a:endParaRPr lang="de-DE" sz="1800" b="0" strike="noStrike" spc="-1">
               <a:solidFill>
                 <a:srgbClr val="000000"/>
               </a:solidFill>
@@ -1640,11 +1882,12 @@
           </a:ln>
         </p:spPr>
         <p:txBody>
-          <a:bodyPr lIns="0" rIns="0" tIns="0" bIns="0" anchor="t">
+          <a:bodyPr lIns="0" tIns="0" rIns="0" bIns="0" anchor="t">
             <a:normAutofit/>
           </a:bodyPr>
-          <a:p>
-            <a:endParaRPr b="0" lang="de-DE" sz="2800" spc="-1" strike="noStrike">
+          <a:lstStyle/>
+          <a:p>
+            <a:endParaRPr lang="de-DE" sz="2800" b="0" strike="noStrike" spc="-1">
               <a:solidFill>
                 <a:srgbClr val="000000"/>
               </a:solidFill>
@@ -1677,11 +1920,12 @@
           </a:ln>
         </p:spPr>
         <p:txBody>
-          <a:bodyPr lIns="0" rIns="0" tIns="0" bIns="0" anchor="t">
+          <a:bodyPr lIns="0" tIns="0" rIns="0" bIns="0" anchor="t">
             <a:normAutofit/>
           </a:bodyPr>
-          <a:p>
-            <a:endParaRPr b="0" lang="de-DE" sz="2800" spc="-1" strike="noStrike">
+          <a:lstStyle/>
+          <a:p>
+            <a:endParaRPr lang="de-DE" sz="2800" b="0" strike="noStrike" spc="-1">
               <a:solidFill>
                 <a:srgbClr val="000000"/>
               </a:solidFill>
@@ -1714,11 +1958,12 @@
           </a:ln>
         </p:spPr>
         <p:txBody>
-          <a:bodyPr lIns="0" rIns="0" tIns="0" bIns="0" anchor="t">
+          <a:bodyPr lIns="0" tIns="0" rIns="0" bIns="0" anchor="t">
             <a:normAutofit/>
           </a:bodyPr>
-          <a:p>
-            <a:endParaRPr b="0" lang="de-DE" sz="2800" spc="-1" strike="noStrike">
+          <a:lstStyle/>
+          <a:p>
+            <a:endParaRPr lang="de-DE" sz="2800" b="0" strike="noStrike" spc="-1">
               <a:solidFill>
                 <a:srgbClr val="000000"/>
               </a:solidFill>
@@ -1729,11 +1974,14 @@
       </p:sp>
     </p:spTree>
   </p:cSld>
+  <p:clrMapOvr>
+    <a:masterClrMapping/>
+  </p:clrMapOvr>
 </p:sldLayout>
 </file>
 
 <file path=ppt/slideLayouts/slideLayout2.xml><?xml version="1.0" encoding="utf-8"?>
-<p:sldLayout xmlns:a="http://schemas.openxmlformats.org/drawingml/2006/main" xmlns:p="http://schemas.openxmlformats.org/presentationml/2006/main" xmlns:r="http://schemas.openxmlformats.org/officeDocument/2006/relationships" xmlns:p14="http://schemas.microsoft.com/office/powerpoint/2010/main" xmlns:p15="http://schemas.microsoft.com/office/powerpoint/2012/main" xmlns:mc="http://schemas.openxmlformats.org/markup-compatibility/2006" type="tx" preserve="1">
+<p:sldLayout xmlns:a="http://schemas.openxmlformats.org/drawingml/2006/main" xmlns:r="http://schemas.openxmlformats.org/officeDocument/2006/relationships" xmlns:p="http://schemas.openxmlformats.org/presentationml/2006/main" type="tx" preserve="1">
   <p:cSld name="Title Slide">
     <p:spTree>
       <p:nvGrpSpPr>
@@ -1773,11 +2021,12 @@
           </a:ln>
         </p:spPr>
         <p:txBody>
-          <a:bodyPr lIns="0" rIns="0" tIns="0" bIns="0" anchor="ctr">
+          <a:bodyPr lIns="0" tIns="0" rIns="0" bIns="0" anchor="ctr">
             <a:noAutofit/>
           </a:bodyPr>
-          <a:p>
-            <a:endParaRPr b="0" lang="de-DE" sz="1800" spc="-1" strike="noStrike">
+          <a:lstStyle/>
+          <a:p>
+            <a:endParaRPr lang="de-DE" sz="1800" b="0" strike="noStrike" spc="-1">
               <a:solidFill>
                 <a:srgbClr val="000000"/>
               </a:solidFill>
@@ -1810,14 +2059,15 @@
           </a:ln>
         </p:spPr>
         <p:txBody>
-          <a:bodyPr lIns="0" rIns="0" tIns="0" bIns="0" anchor="ctr">
+          <a:bodyPr lIns="0" tIns="0" rIns="0" bIns="0" anchor="ctr">
             <a:noAutofit/>
           </a:bodyPr>
+          <a:lstStyle/>
           <a:p>
             <a:pPr algn="ctr">
               <a:buNone/>
             </a:pPr>
-            <a:endParaRPr b="0" lang="en-US" sz="3200" spc="-1" strike="noStrike">
+            <a:endParaRPr lang="en-US" sz="3200" b="0" strike="noStrike" spc="-1">
               <a:latin typeface="Arial"/>
             </a:endParaRPr>
           </a:p>
@@ -1825,11 +2075,14 @@
       </p:sp>
     </p:spTree>
   </p:cSld>
+  <p:clrMapOvr>
+    <a:masterClrMapping/>
+  </p:clrMapOvr>
 </p:sldLayout>
 </file>
 
 <file path=ppt/slideLayouts/slideLayout20.xml><?xml version="1.0" encoding="utf-8"?>
-<p:sldLayout xmlns:a="http://schemas.openxmlformats.org/drawingml/2006/main" xmlns:p="http://schemas.openxmlformats.org/presentationml/2006/main" xmlns:r="http://schemas.openxmlformats.org/officeDocument/2006/relationships" xmlns:p14="http://schemas.microsoft.com/office/powerpoint/2010/main" xmlns:p15="http://schemas.microsoft.com/office/powerpoint/2012/main" xmlns:mc="http://schemas.openxmlformats.org/markup-compatibility/2006" type="objAndTwoObj" preserve="1">
+<p:sldLayout xmlns:a="http://schemas.openxmlformats.org/drawingml/2006/main" xmlns:r="http://schemas.openxmlformats.org/officeDocument/2006/relationships" xmlns:p="http://schemas.openxmlformats.org/presentationml/2006/main" type="objAndTwoObj" preserve="1">
   <p:cSld name="Title Content and 2 Content">
     <p:spTree>
       <p:nvGrpSpPr>
@@ -1869,11 +2122,12 @@
           </a:ln>
         </p:spPr>
         <p:txBody>
-          <a:bodyPr lIns="0" rIns="0" tIns="0" bIns="0" anchor="ctr">
+          <a:bodyPr lIns="0" tIns="0" rIns="0" bIns="0" anchor="ctr">
             <a:noAutofit/>
           </a:bodyPr>
-          <a:p>
-            <a:endParaRPr b="0" lang="de-DE" sz="1800" spc="-1" strike="noStrike">
+          <a:lstStyle/>
+          <a:p>
+            <a:endParaRPr lang="de-DE" sz="1800" b="0" strike="noStrike" spc="-1">
               <a:solidFill>
                 <a:srgbClr val="000000"/>
               </a:solidFill>
@@ -1906,11 +2160,12 @@
           </a:ln>
         </p:spPr>
         <p:txBody>
-          <a:bodyPr lIns="0" rIns="0" tIns="0" bIns="0" anchor="t">
+          <a:bodyPr lIns="0" tIns="0" rIns="0" bIns="0" anchor="t">
             <a:normAutofit/>
           </a:bodyPr>
-          <a:p>
-            <a:endParaRPr b="0" lang="de-DE" sz="2800" spc="-1" strike="noStrike">
+          <a:lstStyle/>
+          <a:p>
+            <a:endParaRPr lang="de-DE" sz="2800" b="0" strike="noStrike" spc="-1">
               <a:solidFill>
                 <a:srgbClr val="000000"/>
               </a:solidFill>
@@ -1943,11 +2198,12 @@
           </a:ln>
         </p:spPr>
         <p:txBody>
-          <a:bodyPr lIns="0" rIns="0" tIns="0" bIns="0" anchor="t">
+          <a:bodyPr lIns="0" tIns="0" rIns="0" bIns="0" anchor="t">
             <a:normAutofit/>
           </a:bodyPr>
-          <a:p>
-            <a:endParaRPr b="0" lang="de-DE" sz="2800" spc="-1" strike="noStrike">
+          <a:lstStyle/>
+          <a:p>
+            <a:endParaRPr lang="de-DE" sz="2800" b="0" strike="noStrike" spc="-1">
               <a:solidFill>
                 <a:srgbClr val="000000"/>
               </a:solidFill>
@@ -1980,11 +2236,12 @@
           </a:ln>
         </p:spPr>
         <p:txBody>
-          <a:bodyPr lIns="0" rIns="0" tIns="0" bIns="0" anchor="t">
+          <a:bodyPr lIns="0" tIns="0" rIns="0" bIns="0" anchor="t">
             <a:normAutofit/>
           </a:bodyPr>
-          <a:p>
-            <a:endParaRPr b="0" lang="de-DE" sz="2800" spc="-1" strike="noStrike">
+          <a:lstStyle/>
+          <a:p>
+            <a:endParaRPr lang="de-DE" sz="2800" b="0" strike="noStrike" spc="-1">
               <a:solidFill>
                 <a:srgbClr val="000000"/>
               </a:solidFill>
@@ -1995,11 +2252,14 @@
       </p:sp>
     </p:spTree>
   </p:cSld>
+  <p:clrMapOvr>
+    <a:masterClrMapping/>
+  </p:clrMapOvr>
 </p:sldLayout>
 </file>
 
 <file path=ppt/slideLayouts/slideLayout21.xml><?xml version="1.0" encoding="utf-8"?>
-<p:sldLayout xmlns:a="http://schemas.openxmlformats.org/drawingml/2006/main" xmlns:p="http://schemas.openxmlformats.org/presentationml/2006/main" xmlns:r="http://schemas.openxmlformats.org/officeDocument/2006/relationships" xmlns:p14="http://schemas.microsoft.com/office/powerpoint/2010/main" xmlns:p15="http://schemas.microsoft.com/office/powerpoint/2012/main" xmlns:mc="http://schemas.openxmlformats.org/markup-compatibility/2006" type="twoObjOverTx" preserve="1">
+<p:sldLayout xmlns:a="http://schemas.openxmlformats.org/drawingml/2006/main" xmlns:r="http://schemas.openxmlformats.org/officeDocument/2006/relationships" xmlns:p="http://schemas.openxmlformats.org/presentationml/2006/main" type="twoObjOverTx" preserve="1">
   <p:cSld name="Title, 2 Content over Content">
     <p:spTree>
       <p:nvGrpSpPr>
@@ -2039,11 +2299,12 @@
           </a:ln>
         </p:spPr>
         <p:txBody>
-          <a:bodyPr lIns="0" rIns="0" tIns="0" bIns="0" anchor="ctr">
+          <a:bodyPr lIns="0" tIns="0" rIns="0" bIns="0" anchor="ctr">
             <a:noAutofit/>
           </a:bodyPr>
-          <a:p>
-            <a:endParaRPr b="0" lang="de-DE" sz="1800" spc="-1" strike="noStrike">
+          <a:lstStyle/>
+          <a:p>
+            <a:endParaRPr lang="de-DE" sz="1800" b="0" strike="noStrike" spc="-1">
               <a:solidFill>
                 <a:srgbClr val="000000"/>
               </a:solidFill>
@@ -2076,11 +2337,12 @@
           </a:ln>
         </p:spPr>
         <p:txBody>
-          <a:bodyPr lIns="0" rIns="0" tIns="0" bIns="0" anchor="t">
+          <a:bodyPr lIns="0" tIns="0" rIns="0" bIns="0" anchor="t">
             <a:normAutofit/>
           </a:bodyPr>
-          <a:p>
-            <a:endParaRPr b="0" lang="de-DE" sz="2800" spc="-1" strike="noStrike">
+          <a:lstStyle/>
+          <a:p>
+            <a:endParaRPr lang="de-DE" sz="2800" b="0" strike="noStrike" spc="-1">
               <a:solidFill>
                 <a:srgbClr val="000000"/>
               </a:solidFill>
@@ -2113,11 +2375,12 @@
           </a:ln>
         </p:spPr>
         <p:txBody>
-          <a:bodyPr lIns="0" rIns="0" tIns="0" bIns="0" anchor="t">
+          <a:bodyPr lIns="0" tIns="0" rIns="0" bIns="0" anchor="t">
             <a:normAutofit/>
           </a:bodyPr>
-          <a:p>
-            <a:endParaRPr b="0" lang="de-DE" sz="2800" spc="-1" strike="noStrike">
+          <a:lstStyle/>
+          <a:p>
+            <a:endParaRPr lang="de-DE" sz="2800" b="0" strike="noStrike" spc="-1">
               <a:solidFill>
                 <a:srgbClr val="000000"/>
               </a:solidFill>
@@ -2150,11 +2413,12 @@
           </a:ln>
         </p:spPr>
         <p:txBody>
-          <a:bodyPr lIns="0" rIns="0" tIns="0" bIns="0" anchor="t">
+          <a:bodyPr lIns="0" tIns="0" rIns="0" bIns="0" anchor="t">
             <a:normAutofit/>
           </a:bodyPr>
-          <a:p>
-            <a:endParaRPr b="0" lang="de-DE" sz="2800" spc="-1" strike="noStrike">
+          <a:lstStyle/>
+          <a:p>
+            <a:endParaRPr lang="de-DE" sz="2800" b="0" strike="noStrike" spc="-1">
               <a:solidFill>
                 <a:srgbClr val="000000"/>
               </a:solidFill>
@@ -2165,11 +2429,14 @@
       </p:sp>
     </p:spTree>
   </p:cSld>
+  <p:clrMapOvr>
+    <a:masterClrMapping/>
+  </p:clrMapOvr>
 </p:sldLayout>
 </file>
 
 <file path=ppt/slideLayouts/slideLayout22.xml><?xml version="1.0" encoding="utf-8"?>
-<p:sldLayout xmlns:a="http://schemas.openxmlformats.org/drawingml/2006/main" xmlns:p="http://schemas.openxmlformats.org/presentationml/2006/main" xmlns:r="http://schemas.openxmlformats.org/officeDocument/2006/relationships" xmlns:p14="http://schemas.microsoft.com/office/powerpoint/2010/main" xmlns:p15="http://schemas.microsoft.com/office/powerpoint/2012/main" xmlns:mc="http://schemas.openxmlformats.org/markup-compatibility/2006" type="objOverTx" preserve="1">
+<p:sldLayout xmlns:a="http://schemas.openxmlformats.org/drawingml/2006/main" xmlns:r="http://schemas.openxmlformats.org/officeDocument/2006/relationships" xmlns:p="http://schemas.openxmlformats.org/presentationml/2006/main" type="objOverTx" preserve="1">
   <p:cSld name="Title, Content over Content">
     <p:spTree>
       <p:nvGrpSpPr>
@@ -2209,11 +2476,12 @@
           </a:ln>
         </p:spPr>
         <p:txBody>
-          <a:bodyPr lIns="0" rIns="0" tIns="0" bIns="0" anchor="ctr">
+          <a:bodyPr lIns="0" tIns="0" rIns="0" bIns="0" anchor="ctr">
             <a:noAutofit/>
           </a:bodyPr>
-          <a:p>
-            <a:endParaRPr b="0" lang="de-DE" sz="1800" spc="-1" strike="noStrike">
+          <a:lstStyle/>
+          <a:p>
+            <a:endParaRPr lang="de-DE" sz="1800" b="0" strike="noStrike" spc="-1">
               <a:solidFill>
                 <a:srgbClr val="000000"/>
               </a:solidFill>
@@ -2246,11 +2514,12 @@
           </a:ln>
         </p:spPr>
         <p:txBody>
-          <a:bodyPr lIns="0" rIns="0" tIns="0" bIns="0" anchor="t">
+          <a:bodyPr lIns="0" tIns="0" rIns="0" bIns="0" anchor="t">
             <a:normAutofit/>
           </a:bodyPr>
-          <a:p>
-            <a:endParaRPr b="0" lang="de-DE" sz="2800" spc="-1" strike="noStrike">
+          <a:lstStyle/>
+          <a:p>
+            <a:endParaRPr lang="de-DE" sz="2800" b="0" strike="noStrike" spc="-1">
               <a:solidFill>
                 <a:srgbClr val="000000"/>
               </a:solidFill>
@@ -2283,11 +2552,12 @@
           </a:ln>
         </p:spPr>
         <p:txBody>
-          <a:bodyPr lIns="0" rIns="0" tIns="0" bIns="0" anchor="t">
+          <a:bodyPr lIns="0" tIns="0" rIns="0" bIns="0" anchor="t">
             <a:normAutofit/>
           </a:bodyPr>
-          <a:p>
-            <a:endParaRPr b="0" lang="de-DE" sz="2800" spc="-1" strike="noStrike">
+          <a:lstStyle/>
+          <a:p>
+            <a:endParaRPr lang="de-DE" sz="2800" b="0" strike="noStrike" spc="-1">
               <a:solidFill>
                 <a:srgbClr val="000000"/>
               </a:solidFill>
@@ -2298,11 +2568,14 @@
       </p:sp>
     </p:spTree>
   </p:cSld>
+  <p:clrMapOvr>
+    <a:masterClrMapping/>
+  </p:clrMapOvr>
 </p:sldLayout>
 </file>
 
 <file path=ppt/slideLayouts/slideLayout23.xml><?xml version="1.0" encoding="utf-8"?>
-<p:sldLayout xmlns:a="http://schemas.openxmlformats.org/drawingml/2006/main" xmlns:p="http://schemas.openxmlformats.org/presentationml/2006/main" xmlns:r="http://schemas.openxmlformats.org/officeDocument/2006/relationships" xmlns:p14="http://schemas.microsoft.com/office/powerpoint/2010/main" xmlns:p15="http://schemas.microsoft.com/office/powerpoint/2012/main" xmlns:mc="http://schemas.openxmlformats.org/markup-compatibility/2006" type="fourObj" preserve="1">
+<p:sldLayout xmlns:a="http://schemas.openxmlformats.org/drawingml/2006/main" xmlns:r="http://schemas.openxmlformats.org/officeDocument/2006/relationships" xmlns:p="http://schemas.openxmlformats.org/presentationml/2006/main" type="fourObj" preserve="1">
   <p:cSld name="Title, 4 Content">
     <p:spTree>
       <p:nvGrpSpPr>
@@ -2342,11 +2615,12 @@
           </a:ln>
         </p:spPr>
         <p:txBody>
-          <a:bodyPr lIns="0" rIns="0" tIns="0" bIns="0" anchor="ctr">
+          <a:bodyPr lIns="0" tIns="0" rIns="0" bIns="0" anchor="ctr">
             <a:noAutofit/>
           </a:bodyPr>
-          <a:p>
-            <a:endParaRPr b="0" lang="de-DE" sz="1800" spc="-1" strike="noStrike">
+          <a:lstStyle/>
+          <a:p>
+            <a:endParaRPr lang="de-DE" sz="1800" b="0" strike="noStrike" spc="-1">
               <a:solidFill>
                 <a:srgbClr val="000000"/>
               </a:solidFill>
@@ -2379,11 +2653,12 @@
           </a:ln>
         </p:spPr>
         <p:txBody>
-          <a:bodyPr lIns="0" rIns="0" tIns="0" bIns="0" anchor="t">
+          <a:bodyPr lIns="0" tIns="0" rIns="0" bIns="0" anchor="t">
             <a:normAutofit/>
           </a:bodyPr>
-          <a:p>
-            <a:endParaRPr b="0" lang="de-DE" sz="2800" spc="-1" strike="noStrike">
+          <a:lstStyle/>
+          <a:p>
+            <a:endParaRPr lang="de-DE" sz="2800" b="0" strike="noStrike" spc="-1">
               <a:solidFill>
                 <a:srgbClr val="000000"/>
               </a:solidFill>
@@ -2416,11 +2691,12 @@
           </a:ln>
         </p:spPr>
         <p:txBody>
-          <a:bodyPr lIns="0" rIns="0" tIns="0" bIns="0" anchor="t">
+          <a:bodyPr lIns="0" tIns="0" rIns="0" bIns="0" anchor="t">
             <a:normAutofit/>
           </a:bodyPr>
-          <a:p>
-            <a:endParaRPr b="0" lang="de-DE" sz="2800" spc="-1" strike="noStrike">
+          <a:lstStyle/>
+          <a:p>
+            <a:endParaRPr lang="de-DE" sz="2800" b="0" strike="noStrike" spc="-1">
               <a:solidFill>
                 <a:srgbClr val="000000"/>
               </a:solidFill>
@@ -2453,11 +2729,12 @@
           </a:ln>
         </p:spPr>
         <p:txBody>
-          <a:bodyPr lIns="0" rIns="0" tIns="0" bIns="0" anchor="t">
+          <a:bodyPr lIns="0" tIns="0" rIns="0" bIns="0" anchor="t">
             <a:normAutofit/>
           </a:bodyPr>
-          <a:p>
-            <a:endParaRPr b="0" lang="de-DE" sz="2800" spc="-1" strike="noStrike">
+          <a:lstStyle/>
+          <a:p>
+            <a:endParaRPr lang="de-DE" sz="2800" b="0" strike="noStrike" spc="-1">
               <a:solidFill>
                 <a:srgbClr val="000000"/>
               </a:solidFill>
@@ -2490,11 +2767,12 @@
           </a:ln>
         </p:spPr>
         <p:txBody>
-          <a:bodyPr lIns="0" rIns="0" tIns="0" bIns="0" anchor="t">
+          <a:bodyPr lIns="0" tIns="0" rIns="0" bIns="0" anchor="t">
             <a:normAutofit/>
           </a:bodyPr>
-          <a:p>
-            <a:endParaRPr b="0" lang="de-DE" sz="2800" spc="-1" strike="noStrike">
+          <a:lstStyle/>
+          <a:p>
+            <a:endParaRPr lang="de-DE" sz="2800" b="0" strike="noStrike" spc="-1">
               <a:solidFill>
                 <a:srgbClr val="000000"/>
               </a:solidFill>
@@ -2505,11 +2783,14 @@
       </p:sp>
     </p:spTree>
   </p:cSld>
+  <p:clrMapOvr>
+    <a:masterClrMapping/>
+  </p:clrMapOvr>
 </p:sldLayout>
 </file>
 
 <file path=ppt/slideLayouts/slideLayout24.xml><?xml version="1.0" encoding="utf-8"?>
-<p:sldLayout xmlns:a="http://schemas.openxmlformats.org/drawingml/2006/main" xmlns:p="http://schemas.openxmlformats.org/presentationml/2006/main" xmlns:r="http://schemas.openxmlformats.org/officeDocument/2006/relationships" xmlns:p14="http://schemas.microsoft.com/office/powerpoint/2010/main" xmlns:p15="http://schemas.microsoft.com/office/powerpoint/2012/main" xmlns:mc="http://schemas.openxmlformats.org/markup-compatibility/2006" type="blank" preserve="1">
+<p:sldLayout xmlns:a="http://schemas.openxmlformats.org/drawingml/2006/main" xmlns:r="http://schemas.openxmlformats.org/officeDocument/2006/relationships" xmlns:p="http://schemas.openxmlformats.org/presentationml/2006/main" type="blank" preserve="1">
   <p:cSld name="Title, 6 Content">
     <p:spTree>
       <p:nvGrpSpPr>
@@ -2549,11 +2830,12 @@
           </a:ln>
         </p:spPr>
         <p:txBody>
-          <a:bodyPr lIns="0" rIns="0" tIns="0" bIns="0" anchor="ctr">
+          <a:bodyPr lIns="0" tIns="0" rIns="0" bIns="0" anchor="ctr">
             <a:noAutofit/>
           </a:bodyPr>
-          <a:p>
-            <a:endParaRPr b="0" lang="de-DE" sz="1800" spc="-1" strike="noStrike">
+          <a:lstStyle/>
+          <a:p>
+            <a:endParaRPr lang="de-DE" sz="1800" b="0" strike="noStrike" spc="-1">
               <a:solidFill>
                 <a:srgbClr val="000000"/>
               </a:solidFill>
@@ -2586,11 +2868,12 @@
           </a:ln>
         </p:spPr>
         <p:txBody>
-          <a:bodyPr lIns="0" rIns="0" tIns="0" bIns="0" anchor="t">
+          <a:bodyPr lIns="0" tIns="0" rIns="0" bIns="0" anchor="t">
             <a:normAutofit/>
           </a:bodyPr>
-          <a:p>
-            <a:endParaRPr b="0" lang="de-DE" sz="2800" spc="-1" strike="noStrike">
+          <a:lstStyle/>
+          <a:p>
+            <a:endParaRPr lang="de-DE" sz="2800" b="0" strike="noStrike" spc="-1">
               <a:solidFill>
                 <a:srgbClr val="000000"/>
               </a:solidFill>
@@ -2623,11 +2906,12 @@
           </a:ln>
         </p:spPr>
         <p:txBody>
-          <a:bodyPr lIns="0" rIns="0" tIns="0" bIns="0" anchor="t">
+          <a:bodyPr lIns="0" tIns="0" rIns="0" bIns="0" anchor="t">
             <a:normAutofit/>
           </a:bodyPr>
-          <a:p>
-            <a:endParaRPr b="0" lang="de-DE" sz="2800" spc="-1" strike="noStrike">
+          <a:lstStyle/>
+          <a:p>
+            <a:endParaRPr lang="de-DE" sz="2800" b="0" strike="noStrike" spc="-1">
               <a:solidFill>
                 <a:srgbClr val="000000"/>
               </a:solidFill>
@@ -2660,11 +2944,12 @@
           </a:ln>
         </p:spPr>
         <p:txBody>
-          <a:bodyPr lIns="0" rIns="0" tIns="0" bIns="0" anchor="t">
+          <a:bodyPr lIns="0" tIns="0" rIns="0" bIns="0" anchor="t">
             <a:normAutofit/>
           </a:bodyPr>
-          <a:p>
-            <a:endParaRPr b="0" lang="de-DE" sz="2800" spc="-1" strike="noStrike">
+          <a:lstStyle/>
+          <a:p>
+            <a:endParaRPr lang="de-DE" sz="2800" b="0" strike="noStrike" spc="-1">
               <a:solidFill>
                 <a:srgbClr val="000000"/>
               </a:solidFill>
@@ -2697,11 +2982,12 @@
           </a:ln>
         </p:spPr>
         <p:txBody>
-          <a:bodyPr lIns="0" rIns="0" tIns="0" bIns="0" anchor="t">
+          <a:bodyPr lIns="0" tIns="0" rIns="0" bIns="0" anchor="t">
             <a:normAutofit/>
           </a:bodyPr>
-          <a:p>
-            <a:endParaRPr b="0" lang="de-DE" sz="2800" spc="-1" strike="noStrike">
+          <a:lstStyle/>
+          <a:p>
+            <a:endParaRPr lang="de-DE" sz="2800" b="0" strike="noStrike" spc="-1">
               <a:solidFill>
                 <a:srgbClr val="000000"/>
               </a:solidFill>
@@ -2734,11 +3020,12 @@
           </a:ln>
         </p:spPr>
         <p:txBody>
-          <a:bodyPr lIns="0" rIns="0" tIns="0" bIns="0" anchor="t">
+          <a:bodyPr lIns="0" tIns="0" rIns="0" bIns="0" anchor="t">
             <a:normAutofit/>
           </a:bodyPr>
-          <a:p>
-            <a:endParaRPr b="0" lang="de-DE" sz="2800" spc="-1" strike="noStrike">
+          <a:lstStyle/>
+          <a:p>
+            <a:endParaRPr lang="de-DE" sz="2800" b="0" strike="noStrike" spc="-1">
               <a:solidFill>
                 <a:srgbClr val="000000"/>
               </a:solidFill>
@@ -2771,11 +3058,12 @@
           </a:ln>
         </p:spPr>
         <p:txBody>
-          <a:bodyPr lIns="0" rIns="0" tIns="0" bIns="0" anchor="t">
+          <a:bodyPr lIns="0" tIns="0" rIns="0" bIns="0" anchor="t">
             <a:normAutofit/>
           </a:bodyPr>
-          <a:p>
-            <a:endParaRPr b="0" lang="de-DE" sz="2800" spc="-1" strike="noStrike">
+          <a:lstStyle/>
+          <a:p>
+            <a:endParaRPr lang="de-DE" sz="2800" b="0" strike="noStrike" spc="-1">
               <a:solidFill>
                 <a:srgbClr val="000000"/>
               </a:solidFill>
@@ -2786,11 +3074,14 @@
       </p:sp>
     </p:spTree>
   </p:cSld>
+  <p:clrMapOvr>
+    <a:masterClrMapping/>
+  </p:clrMapOvr>
 </p:sldLayout>
 </file>
 
 <file path=ppt/slideLayouts/slideLayout3.xml><?xml version="1.0" encoding="utf-8"?>
-<p:sldLayout xmlns:a="http://schemas.openxmlformats.org/drawingml/2006/main" xmlns:p="http://schemas.openxmlformats.org/presentationml/2006/main" xmlns:r="http://schemas.openxmlformats.org/officeDocument/2006/relationships" xmlns:p14="http://schemas.microsoft.com/office/powerpoint/2010/main" xmlns:p15="http://schemas.microsoft.com/office/powerpoint/2012/main" xmlns:mc="http://schemas.openxmlformats.org/markup-compatibility/2006" type="obj" preserve="1">
+<p:sldLayout xmlns:a="http://schemas.openxmlformats.org/drawingml/2006/main" xmlns:r="http://schemas.openxmlformats.org/officeDocument/2006/relationships" xmlns:p="http://schemas.openxmlformats.org/presentationml/2006/main" type="obj" preserve="1">
   <p:cSld name="Title, Content">
     <p:spTree>
       <p:nvGrpSpPr>
@@ -2830,11 +3121,12 @@
           </a:ln>
         </p:spPr>
         <p:txBody>
-          <a:bodyPr lIns="0" rIns="0" tIns="0" bIns="0" anchor="ctr">
+          <a:bodyPr lIns="0" tIns="0" rIns="0" bIns="0" anchor="ctr">
             <a:noAutofit/>
           </a:bodyPr>
-          <a:p>
-            <a:endParaRPr b="0" lang="de-DE" sz="1800" spc="-1" strike="noStrike">
+          <a:lstStyle/>
+          <a:p>
+            <a:endParaRPr lang="de-DE" sz="1800" b="0" strike="noStrike" spc="-1">
               <a:solidFill>
                 <a:srgbClr val="000000"/>
               </a:solidFill>
@@ -2867,11 +3159,12 @@
           </a:ln>
         </p:spPr>
         <p:txBody>
-          <a:bodyPr lIns="0" rIns="0" tIns="0" bIns="0" anchor="t">
+          <a:bodyPr lIns="0" tIns="0" rIns="0" bIns="0" anchor="t">
             <a:normAutofit/>
           </a:bodyPr>
-          <a:p>
-            <a:endParaRPr b="0" lang="de-DE" sz="2800" spc="-1" strike="noStrike">
+          <a:lstStyle/>
+          <a:p>
+            <a:endParaRPr lang="de-DE" sz="2800" b="0" strike="noStrike" spc="-1">
               <a:solidFill>
                 <a:srgbClr val="000000"/>
               </a:solidFill>
@@ -2882,11 +3175,14 @@
       </p:sp>
     </p:spTree>
   </p:cSld>
+  <p:clrMapOvr>
+    <a:masterClrMapping/>
+  </p:clrMapOvr>
 </p:sldLayout>
 </file>
 
 <file path=ppt/slideLayouts/slideLayout4.xml><?xml version="1.0" encoding="utf-8"?>
-<p:sldLayout xmlns:a="http://schemas.openxmlformats.org/drawingml/2006/main" xmlns:p="http://schemas.openxmlformats.org/presentationml/2006/main" xmlns:r="http://schemas.openxmlformats.org/officeDocument/2006/relationships" xmlns:p14="http://schemas.microsoft.com/office/powerpoint/2010/main" xmlns:p15="http://schemas.microsoft.com/office/powerpoint/2012/main" xmlns:mc="http://schemas.openxmlformats.org/markup-compatibility/2006" type="twoObj" preserve="1">
+<p:sldLayout xmlns:a="http://schemas.openxmlformats.org/drawingml/2006/main" xmlns:r="http://schemas.openxmlformats.org/officeDocument/2006/relationships" xmlns:p="http://schemas.openxmlformats.org/presentationml/2006/main" type="twoObj" preserve="1">
   <p:cSld name="Title, 2 Content">
     <p:spTree>
       <p:nvGrpSpPr>
@@ -2926,11 +3222,12 @@
           </a:ln>
         </p:spPr>
         <p:txBody>
-          <a:bodyPr lIns="0" rIns="0" tIns="0" bIns="0" anchor="ctr">
+          <a:bodyPr lIns="0" tIns="0" rIns="0" bIns="0" anchor="ctr">
             <a:noAutofit/>
           </a:bodyPr>
-          <a:p>
-            <a:endParaRPr b="0" lang="de-DE" sz="1800" spc="-1" strike="noStrike">
+          <a:lstStyle/>
+          <a:p>
+            <a:endParaRPr lang="de-DE" sz="1800" b="0" strike="noStrike" spc="-1">
               <a:solidFill>
                 <a:srgbClr val="000000"/>
               </a:solidFill>
@@ -2963,11 +3260,12 @@
           </a:ln>
         </p:spPr>
         <p:txBody>
-          <a:bodyPr lIns="0" rIns="0" tIns="0" bIns="0" anchor="t">
+          <a:bodyPr lIns="0" tIns="0" rIns="0" bIns="0" anchor="t">
             <a:normAutofit/>
           </a:bodyPr>
-          <a:p>
-            <a:endParaRPr b="0" lang="de-DE" sz="2800" spc="-1" strike="noStrike">
+          <a:lstStyle/>
+          <a:p>
+            <a:endParaRPr lang="de-DE" sz="2800" b="0" strike="noStrike" spc="-1">
               <a:solidFill>
                 <a:srgbClr val="000000"/>
               </a:solidFill>
@@ -3000,11 +3298,12 @@
           </a:ln>
         </p:spPr>
         <p:txBody>
-          <a:bodyPr lIns="0" rIns="0" tIns="0" bIns="0" anchor="t">
+          <a:bodyPr lIns="0" tIns="0" rIns="0" bIns="0" anchor="t">
             <a:normAutofit/>
           </a:bodyPr>
-          <a:p>
-            <a:endParaRPr b="0" lang="de-DE" sz="2800" spc="-1" strike="noStrike">
+          <a:lstStyle/>
+          <a:p>
+            <a:endParaRPr lang="de-DE" sz="2800" b="0" strike="noStrike" spc="-1">
               <a:solidFill>
                 <a:srgbClr val="000000"/>
               </a:solidFill>
@@ -3015,11 +3314,14 @@
       </p:sp>
     </p:spTree>
   </p:cSld>
+  <p:clrMapOvr>
+    <a:masterClrMapping/>
+  </p:clrMapOvr>
 </p:sldLayout>
 </file>
 
 <file path=ppt/slideLayouts/slideLayout5.xml><?xml version="1.0" encoding="utf-8"?>
-<p:sldLayout xmlns:a="http://schemas.openxmlformats.org/drawingml/2006/main" xmlns:p="http://schemas.openxmlformats.org/presentationml/2006/main" xmlns:r="http://schemas.openxmlformats.org/officeDocument/2006/relationships" xmlns:p14="http://schemas.microsoft.com/office/powerpoint/2010/main" xmlns:p15="http://schemas.microsoft.com/office/powerpoint/2012/main" xmlns:mc="http://schemas.openxmlformats.org/markup-compatibility/2006" type="titleOnly" preserve="1">
+<p:sldLayout xmlns:a="http://schemas.openxmlformats.org/drawingml/2006/main" xmlns:r="http://schemas.openxmlformats.org/officeDocument/2006/relationships" xmlns:p="http://schemas.openxmlformats.org/presentationml/2006/main" type="titleOnly" preserve="1">
   <p:cSld name="Title Only">
     <p:spTree>
       <p:nvGrpSpPr>
@@ -3059,11 +3361,12 @@
           </a:ln>
         </p:spPr>
         <p:txBody>
-          <a:bodyPr lIns="0" rIns="0" tIns="0" bIns="0" anchor="ctr">
+          <a:bodyPr lIns="0" tIns="0" rIns="0" bIns="0" anchor="ctr">
             <a:noAutofit/>
           </a:bodyPr>
-          <a:p>
-            <a:endParaRPr b="0" lang="de-DE" sz="1800" spc="-1" strike="noStrike">
+          <a:lstStyle/>
+          <a:p>
+            <a:endParaRPr lang="de-DE" sz="1800" b="0" strike="noStrike" spc="-1">
               <a:solidFill>
                 <a:srgbClr val="000000"/>
               </a:solidFill>
@@ -3074,11 +3377,14 @@
       </p:sp>
     </p:spTree>
   </p:cSld>
+  <p:clrMapOvr>
+    <a:masterClrMapping/>
+  </p:clrMapOvr>
 </p:sldLayout>
 </file>
 
 <file path=ppt/slideLayouts/slideLayout6.xml><?xml version="1.0" encoding="utf-8"?>
-<p:sldLayout xmlns:a="http://schemas.openxmlformats.org/drawingml/2006/main" xmlns:p="http://schemas.openxmlformats.org/presentationml/2006/main" xmlns:r="http://schemas.openxmlformats.org/officeDocument/2006/relationships" xmlns:p14="http://schemas.microsoft.com/office/powerpoint/2010/main" xmlns:p15="http://schemas.microsoft.com/office/powerpoint/2012/main" xmlns:mc="http://schemas.openxmlformats.org/markup-compatibility/2006" type="objOnly" preserve="1">
+<p:sldLayout xmlns:a="http://schemas.openxmlformats.org/drawingml/2006/main" xmlns:r="http://schemas.openxmlformats.org/officeDocument/2006/relationships" xmlns:p="http://schemas.openxmlformats.org/presentationml/2006/main" type="objOnly" preserve="1">
   <p:cSld name="Centered Text">
     <p:spTree>
       <p:nvGrpSpPr>
@@ -3118,14 +3424,15 @@
           </a:ln>
         </p:spPr>
         <p:txBody>
-          <a:bodyPr lIns="0" rIns="0" tIns="0" bIns="0" anchor="ctr">
+          <a:bodyPr lIns="0" tIns="0" rIns="0" bIns="0" anchor="ctr">
             <a:noAutofit/>
           </a:bodyPr>
+          <a:lstStyle/>
           <a:p>
             <a:pPr algn="ctr">
               <a:buNone/>
             </a:pPr>
-            <a:endParaRPr b="0" lang="en-US" sz="3200" spc="-1" strike="noStrike">
+            <a:endParaRPr lang="en-US" sz="3200" b="0" strike="noStrike" spc="-1">
               <a:latin typeface="Arial"/>
             </a:endParaRPr>
           </a:p>
@@ -3133,11 +3440,14 @@
       </p:sp>
     </p:spTree>
   </p:cSld>
+  <p:clrMapOvr>
+    <a:masterClrMapping/>
+  </p:clrMapOvr>
 </p:sldLayout>
 </file>
 
 <file path=ppt/slideLayouts/slideLayout7.xml><?xml version="1.0" encoding="utf-8"?>
-<p:sldLayout xmlns:a="http://schemas.openxmlformats.org/drawingml/2006/main" xmlns:p="http://schemas.openxmlformats.org/presentationml/2006/main" xmlns:r="http://schemas.openxmlformats.org/officeDocument/2006/relationships" xmlns:p14="http://schemas.microsoft.com/office/powerpoint/2010/main" xmlns:p15="http://schemas.microsoft.com/office/powerpoint/2012/main" xmlns:mc="http://schemas.openxmlformats.org/markup-compatibility/2006" type="twoObjAndObj" preserve="1">
+<p:sldLayout xmlns:a="http://schemas.openxmlformats.org/drawingml/2006/main" xmlns:r="http://schemas.openxmlformats.org/officeDocument/2006/relationships" xmlns:p="http://schemas.openxmlformats.org/presentationml/2006/main" type="twoObjAndObj" preserve="1">
   <p:cSld name="Title, 2 Content and Content">
     <p:spTree>
       <p:nvGrpSpPr>
@@ -3177,11 +3487,12 @@
           </a:ln>
         </p:spPr>
         <p:txBody>
-          <a:bodyPr lIns="0" rIns="0" tIns="0" bIns="0" anchor="ctr">
+          <a:bodyPr lIns="0" tIns="0" rIns="0" bIns="0" anchor="ctr">
             <a:noAutofit/>
           </a:bodyPr>
-          <a:p>
-            <a:endParaRPr b="0" lang="de-DE" sz="1800" spc="-1" strike="noStrike">
+          <a:lstStyle/>
+          <a:p>
+            <a:endParaRPr lang="de-DE" sz="1800" b="0" strike="noStrike" spc="-1">
               <a:solidFill>
                 <a:srgbClr val="000000"/>
               </a:solidFill>
@@ -3214,11 +3525,12 @@
           </a:ln>
         </p:spPr>
         <p:txBody>
-          <a:bodyPr lIns="0" rIns="0" tIns="0" bIns="0" anchor="t">
+          <a:bodyPr lIns="0" tIns="0" rIns="0" bIns="0" anchor="t">
             <a:normAutofit/>
           </a:bodyPr>
-          <a:p>
-            <a:endParaRPr b="0" lang="de-DE" sz="2800" spc="-1" strike="noStrike">
+          <a:lstStyle/>
+          <a:p>
+            <a:endParaRPr lang="de-DE" sz="2800" b="0" strike="noStrike" spc="-1">
               <a:solidFill>
                 <a:srgbClr val="000000"/>
               </a:solidFill>
@@ -3251,11 +3563,12 @@
           </a:ln>
         </p:spPr>
         <p:txBody>
-          <a:bodyPr lIns="0" rIns="0" tIns="0" bIns="0" anchor="t">
+          <a:bodyPr lIns="0" tIns="0" rIns="0" bIns="0" anchor="t">
             <a:normAutofit/>
           </a:bodyPr>
-          <a:p>
-            <a:endParaRPr b="0" lang="de-DE" sz="2800" spc="-1" strike="noStrike">
+          <a:lstStyle/>
+          <a:p>
+            <a:endParaRPr lang="de-DE" sz="2800" b="0" strike="noStrike" spc="-1">
               <a:solidFill>
                 <a:srgbClr val="000000"/>
               </a:solidFill>
@@ -3288,11 +3601,12 @@
           </a:ln>
         </p:spPr>
         <p:txBody>
-          <a:bodyPr lIns="0" rIns="0" tIns="0" bIns="0" anchor="t">
+          <a:bodyPr lIns="0" tIns="0" rIns="0" bIns="0" anchor="t">
             <a:normAutofit/>
           </a:bodyPr>
-          <a:p>
-            <a:endParaRPr b="0" lang="de-DE" sz="2800" spc="-1" strike="noStrike">
+          <a:lstStyle/>
+          <a:p>
+            <a:endParaRPr lang="de-DE" sz="2800" b="0" strike="noStrike" spc="-1">
               <a:solidFill>
                 <a:srgbClr val="000000"/>
               </a:solidFill>
@@ -3303,11 +3617,14 @@
       </p:sp>
     </p:spTree>
   </p:cSld>
+  <p:clrMapOvr>
+    <a:masterClrMapping/>
+  </p:clrMapOvr>
 </p:sldLayout>
 </file>
 
 <file path=ppt/slideLayouts/slideLayout8.xml><?xml version="1.0" encoding="utf-8"?>
-<p:sldLayout xmlns:a="http://schemas.openxmlformats.org/drawingml/2006/main" xmlns:p="http://schemas.openxmlformats.org/presentationml/2006/main" xmlns:r="http://schemas.openxmlformats.org/officeDocument/2006/relationships" xmlns:p14="http://schemas.microsoft.com/office/powerpoint/2010/main" xmlns:p15="http://schemas.microsoft.com/office/powerpoint/2012/main" xmlns:mc="http://schemas.openxmlformats.org/markup-compatibility/2006" type="objAndTwoObj" preserve="1">
+<p:sldLayout xmlns:a="http://schemas.openxmlformats.org/drawingml/2006/main" xmlns:r="http://schemas.openxmlformats.org/officeDocument/2006/relationships" xmlns:p="http://schemas.openxmlformats.org/presentationml/2006/main" type="objAndTwoObj" preserve="1">
   <p:cSld name="Title Content and 2 Content">
     <p:spTree>
       <p:nvGrpSpPr>
@@ -3347,11 +3664,12 @@
           </a:ln>
         </p:spPr>
         <p:txBody>
-          <a:bodyPr lIns="0" rIns="0" tIns="0" bIns="0" anchor="ctr">
+          <a:bodyPr lIns="0" tIns="0" rIns="0" bIns="0" anchor="ctr">
             <a:noAutofit/>
           </a:bodyPr>
-          <a:p>
-            <a:endParaRPr b="0" lang="de-DE" sz="1800" spc="-1" strike="noStrike">
+          <a:lstStyle/>
+          <a:p>
+            <a:endParaRPr lang="de-DE" sz="1800" b="0" strike="noStrike" spc="-1">
               <a:solidFill>
                 <a:srgbClr val="000000"/>
               </a:solidFill>
@@ -3384,11 +3702,12 @@
           </a:ln>
         </p:spPr>
         <p:txBody>
-          <a:bodyPr lIns="0" rIns="0" tIns="0" bIns="0" anchor="t">
+          <a:bodyPr lIns="0" tIns="0" rIns="0" bIns="0" anchor="t">
             <a:normAutofit/>
           </a:bodyPr>
-          <a:p>
-            <a:endParaRPr b="0" lang="de-DE" sz="2800" spc="-1" strike="noStrike">
+          <a:lstStyle/>
+          <a:p>
+            <a:endParaRPr lang="de-DE" sz="2800" b="0" strike="noStrike" spc="-1">
               <a:solidFill>
                 <a:srgbClr val="000000"/>
               </a:solidFill>
@@ -3421,11 +3740,12 @@
           </a:ln>
         </p:spPr>
         <p:txBody>
-          <a:bodyPr lIns="0" rIns="0" tIns="0" bIns="0" anchor="t">
+          <a:bodyPr lIns="0" tIns="0" rIns="0" bIns="0" anchor="t">
             <a:normAutofit/>
           </a:bodyPr>
-          <a:p>
-            <a:endParaRPr b="0" lang="de-DE" sz="2800" spc="-1" strike="noStrike">
+          <a:lstStyle/>
+          <a:p>
+            <a:endParaRPr lang="de-DE" sz="2800" b="0" strike="noStrike" spc="-1">
               <a:solidFill>
                 <a:srgbClr val="000000"/>
               </a:solidFill>
@@ -3458,11 +3778,12 @@
           </a:ln>
         </p:spPr>
         <p:txBody>
-          <a:bodyPr lIns="0" rIns="0" tIns="0" bIns="0" anchor="t">
+          <a:bodyPr lIns="0" tIns="0" rIns="0" bIns="0" anchor="t">
             <a:normAutofit/>
           </a:bodyPr>
-          <a:p>
-            <a:endParaRPr b="0" lang="de-DE" sz="2800" spc="-1" strike="noStrike">
+          <a:lstStyle/>
+          <a:p>
+            <a:endParaRPr lang="de-DE" sz="2800" b="0" strike="noStrike" spc="-1">
               <a:solidFill>
                 <a:srgbClr val="000000"/>
               </a:solidFill>
@@ -3473,11 +3794,14 @@
       </p:sp>
     </p:spTree>
   </p:cSld>
+  <p:clrMapOvr>
+    <a:masterClrMapping/>
+  </p:clrMapOvr>
 </p:sldLayout>
 </file>
 
 <file path=ppt/slideLayouts/slideLayout9.xml><?xml version="1.0" encoding="utf-8"?>
-<p:sldLayout xmlns:a="http://schemas.openxmlformats.org/drawingml/2006/main" xmlns:p="http://schemas.openxmlformats.org/presentationml/2006/main" xmlns:r="http://schemas.openxmlformats.org/officeDocument/2006/relationships" xmlns:p14="http://schemas.microsoft.com/office/powerpoint/2010/main" xmlns:p15="http://schemas.microsoft.com/office/powerpoint/2012/main" xmlns:mc="http://schemas.openxmlformats.org/markup-compatibility/2006" type="twoObjOverTx" preserve="1">
+<p:sldLayout xmlns:a="http://schemas.openxmlformats.org/drawingml/2006/main" xmlns:r="http://schemas.openxmlformats.org/officeDocument/2006/relationships" xmlns:p="http://schemas.openxmlformats.org/presentationml/2006/main" type="twoObjOverTx" preserve="1">
   <p:cSld name="Title, 2 Content over Content">
     <p:spTree>
       <p:nvGrpSpPr>
@@ -3517,11 +3841,12 @@
           </a:ln>
         </p:spPr>
         <p:txBody>
-          <a:bodyPr lIns="0" rIns="0" tIns="0" bIns="0" anchor="ctr">
+          <a:bodyPr lIns="0" tIns="0" rIns="0" bIns="0" anchor="ctr">
             <a:noAutofit/>
           </a:bodyPr>
-          <a:p>
-            <a:endParaRPr b="0" lang="de-DE" sz="1800" spc="-1" strike="noStrike">
+          <a:lstStyle/>
+          <a:p>
+            <a:endParaRPr lang="de-DE" sz="1800" b="0" strike="noStrike" spc="-1">
               <a:solidFill>
                 <a:srgbClr val="000000"/>
               </a:solidFill>
@@ -3554,11 +3879,12 @@
           </a:ln>
         </p:spPr>
         <p:txBody>
-          <a:bodyPr lIns="0" rIns="0" tIns="0" bIns="0" anchor="t">
+          <a:bodyPr lIns="0" tIns="0" rIns="0" bIns="0" anchor="t">
             <a:normAutofit/>
           </a:bodyPr>
-          <a:p>
-            <a:endParaRPr b="0" lang="de-DE" sz="2800" spc="-1" strike="noStrike">
+          <a:lstStyle/>
+          <a:p>
+            <a:endParaRPr lang="de-DE" sz="2800" b="0" strike="noStrike" spc="-1">
               <a:solidFill>
                 <a:srgbClr val="000000"/>
               </a:solidFill>
@@ -3591,11 +3917,12 @@
           </a:ln>
         </p:spPr>
         <p:txBody>
-          <a:bodyPr lIns="0" rIns="0" tIns="0" bIns="0" anchor="t">
+          <a:bodyPr lIns="0" tIns="0" rIns="0" bIns="0" anchor="t">
             <a:normAutofit/>
           </a:bodyPr>
-          <a:p>
-            <a:endParaRPr b="0" lang="de-DE" sz="2800" spc="-1" strike="noStrike">
+          <a:lstStyle/>
+          <a:p>
+            <a:endParaRPr lang="de-DE" sz="2800" b="0" strike="noStrike" spc="-1">
               <a:solidFill>
                 <a:srgbClr val="000000"/>
               </a:solidFill>
@@ -3628,11 +3955,12 @@
           </a:ln>
         </p:spPr>
         <p:txBody>
-          <a:bodyPr lIns="0" rIns="0" tIns="0" bIns="0" anchor="t">
+          <a:bodyPr lIns="0" tIns="0" rIns="0" bIns="0" anchor="t">
             <a:normAutofit/>
           </a:bodyPr>
-          <a:p>
-            <a:endParaRPr b="0" lang="de-DE" sz="2800" spc="-1" strike="noStrike">
+          <a:lstStyle/>
+          <a:p>
+            <a:endParaRPr lang="de-DE" sz="2800" b="0" strike="noStrike" spc="-1">
               <a:solidFill>
                 <a:srgbClr val="000000"/>
               </a:solidFill>
@@ -3643,17 +3971,21 @@
       </p:sp>
     </p:spTree>
   </p:cSld>
+  <p:clrMapOvr>
+    <a:masterClrMapping/>
+  </p:clrMapOvr>
 </p:sldLayout>
 </file>
 
 <file path=ppt/slideMasters/slideMaster1.xml><?xml version="1.0" encoding="utf-8"?>
-<p:sldMaster xmlns:a="http://schemas.openxmlformats.org/drawingml/2006/main" xmlns:p="http://schemas.openxmlformats.org/presentationml/2006/main" xmlns:r="http://schemas.openxmlformats.org/officeDocument/2006/relationships" xmlns:p14="http://schemas.microsoft.com/office/powerpoint/2010/main" xmlns:p15="http://schemas.microsoft.com/office/powerpoint/2012/main" xmlns:mc="http://schemas.openxmlformats.org/markup-compatibility/2006">
+<p:sldMaster xmlns:a="http://schemas.openxmlformats.org/drawingml/2006/main" xmlns:r="http://schemas.openxmlformats.org/officeDocument/2006/relationships" xmlns:p="http://schemas.openxmlformats.org/presentationml/2006/main">
   <p:cSld>
     <p:bg>
       <p:bgPr>
         <a:solidFill>
           <a:srgbClr val="262626"/>
         </a:solidFill>
+        <a:effectLst/>
       </p:bgPr>
     </p:bg>
     <p:spTree>
@@ -3672,7 +4004,7 @@
       </p:grpSpPr>
       <p:sp>
         <p:nvSpPr>
-          <p:cNvPr id="0" name="Straight Connector 33"/>
+          <p:cNvPr id="3" name="Straight Connector 33"/>
           <p:cNvSpPr/>
           <p:nvPr/>
         </p:nvSpPr>
@@ -3686,7 +4018,7 @@
           </a:prstGeom>
           <a:ln w="10795">
             <a:solidFill>
-              <a:srgbClr val="e2e8e2"/>
+              <a:srgbClr val="E2E8E2"/>
             </a:solidFill>
           </a:ln>
         </p:spPr>
@@ -3705,7 +4037,7 @@
       </p:sp>
       <p:sp>
         <p:nvSpPr>
-          <p:cNvPr id="1" name="PlaceHolder 1"/>
+          <p:cNvPr id="4" name="PlaceHolder 1"/>
           <p:cNvSpPr>
             <a:spLocks noGrp="1"/>
           </p:cNvSpPr>
@@ -3727,12 +4059,13 @@
           </a:ln>
         </p:spPr>
         <p:txBody>
-          <a:bodyPr lIns="0" rIns="0" tIns="0" bIns="0" anchor="ctr">
+          <a:bodyPr lIns="0" tIns="0" rIns="0" bIns="0" anchor="ctr">
             <a:noAutofit/>
           </a:bodyPr>
+          <a:lstStyle/>
           <a:p>
             <a:r>
-              <a:rPr b="0" lang="de-DE" sz="4400" spc="-1" strike="noStrike">
+              <a:rPr lang="de-DE" sz="4400" b="0" strike="noStrike" spc="-1">
                 <a:solidFill>
                   <a:srgbClr val="000000"/>
                 </a:solidFill>
@@ -3740,12 +4073,6 @@
               </a:rPr>
               <a:t>Click to edit the title text format</a:t>
             </a:r>
-            <a:endParaRPr b="0" lang="de-DE" sz="4400" spc="-1" strike="noStrike">
-              <a:solidFill>
-                <a:srgbClr val="000000"/>
-              </a:solidFill>
-              <a:latin typeface="Arial"/>
-            </a:endParaRPr>
           </a:p>
         </p:txBody>
       </p:sp>
@@ -3773,23 +4100,24 @@
           </a:ln>
         </p:spPr>
         <p:txBody>
-          <a:bodyPr lIns="0" rIns="0" tIns="0" bIns="0" anchor="t">
+          <a:bodyPr lIns="0" tIns="0" rIns="0" bIns="0" anchor="t">
             <a:normAutofit/>
           </a:bodyPr>
+          <a:lstStyle/>
           <a:p>
             <a:pPr marL="432000" indent="-324000">
               <a:spcBef>
                 <a:spcPts val="1417"/>
               </a:spcBef>
               <a:buClr>
-                <a:srgbClr val="ffffff"/>
+                <a:srgbClr val="FFFFFF"/>
               </a:buClr>
               <a:buSzPct val="45000"/>
               <a:buFont typeface="Wingdings" charset="2"/>
               <a:buChar char=""/>
             </a:pPr>
             <a:r>
-              <a:rPr b="0" lang="de-DE" sz="2800" spc="-1" strike="noStrike">
+              <a:rPr lang="de-DE" sz="2800" b="0" strike="noStrike" spc="-1">
                 <a:solidFill>
                   <a:srgbClr val="000000"/>
                 </a:solidFill>
@@ -3797,27 +4125,21 @@
               </a:rPr>
               <a:t>Click to edit the outline text format</a:t>
             </a:r>
-            <a:endParaRPr b="0" lang="de-DE" sz="2800" spc="-1" strike="noStrike">
-              <a:solidFill>
-                <a:srgbClr val="000000"/>
-              </a:solidFill>
-              <a:latin typeface="Arial"/>
-            </a:endParaRPr>
-          </a:p>
-          <a:p>
-            <a:pPr lvl="1" marL="864000" indent="-324000">
+          </a:p>
+          <a:p>
+            <a:pPr marL="864000" lvl="1" indent="-324000">
               <a:spcBef>
                 <a:spcPts val="1134"/>
               </a:spcBef>
               <a:buClr>
-                <a:srgbClr val="ffffff"/>
+                <a:srgbClr val="FFFFFF"/>
               </a:buClr>
               <a:buSzPct val="75000"/>
               <a:buFont typeface="Symbol" charset="2"/>
               <a:buChar char=""/>
             </a:pPr>
             <a:r>
-              <a:rPr b="0" lang="de-DE" sz="2000" spc="-1" strike="noStrike">
+              <a:rPr lang="de-DE" sz="2000" b="0" strike="noStrike" spc="-1">
                 <a:solidFill>
                   <a:srgbClr val="000000"/>
                 </a:solidFill>
@@ -3825,27 +4147,21 @@
               </a:rPr>
               <a:t>Second Outline Level</a:t>
             </a:r>
-            <a:endParaRPr b="0" lang="de-DE" sz="2000" spc="-1" strike="noStrike">
-              <a:solidFill>
-                <a:srgbClr val="000000"/>
-              </a:solidFill>
-              <a:latin typeface="Arial"/>
-            </a:endParaRPr>
-          </a:p>
-          <a:p>
-            <a:pPr lvl="2" marL="1296000" indent="-288000">
+          </a:p>
+          <a:p>
+            <a:pPr marL="1296000" lvl="2" indent="-288000">
               <a:spcBef>
                 <a:spcPts val="850"/>
               </a:spcBef>
               <a:buClr>
-                <a:srgbClr val="ffffff"/>
+                <a:srgbClr val="FFFFFF"/>
               </a:buClr>
               <a:buSzPct val="45000"/>
               <a:buFont typeface="Wingdings" charset="2"/>
               <a:buChar char=""/>
             </a:pPr>
             <a:r>
-              <a:rPr b="0" lang="de-DE" sz="1800" spc="-1" strike="noStrike">
+              <a:rPr lang="de-DE" sz="1800" b="0" strike="noStrike" spc="-1">
                 <a:solidFill>
                   <a:srgbClr val="000000"/>
                 </a:solidFill>
@@ -3853,27 +4169,21 @@
               </a:rPr>
               <a:t>Third Outline Level</a:t>
             </a:r>
-            <a:endParaRPr b="0" lang="de-DE" sz="1800" spc="-1" strike="noStrike">
-              <a:solidFill>
-                <a:srgbClr val="000000"/>
-              </a:solidFill>
-              <a:latin typeface="Arial"/>
-            </a:endParaRPr>
-          </a:p>
-          <a:p>
-            <a:pPr lvl="3" marL="1728000" indent="-216000">
+          </a:p>
+          <a:p>
+            <a:pPr marL="1728000" lvl="3" indent="-216000">
               <a:spcBef>
                 <a:spcPts val="567"/>
               </a:spcBef>
               <a:buClr>
-                <a:srgbClr val="ffffff"/>
+                <a:srgbClr val="FFFFFF"/>
               </a:buClr>
               <a:buSzPct val="75000"/>
               <a:buFont typeface="Symbol" charset="2"/>
               <a:buChar char=""/>
             </a:pPr>
             <a:r>
-              <a:rPr b="0" lang="de-DE" sz="1800" spc="-1" strike="noStrike">
+              <a:rPr lang="de-DE" sz="1800" b="0" strike="noStrike" spc="-1">
                 <a:solidFill>
                   <a:srgbClr val="000000"/>
                 </a:solidFill>
@@ -3881,27 +4191,21 @@
               </a:rPr>
               <a:t>Fourth Outline Level</a:t>
             </a:r>
-            <a:endParaRPr b="0" lang="de-DE" sz="1800" spc="-1" strike="noStrike">
-              <a:solidFill>
-                <a:srgbClr val="000000"/>
-              </a:solidFill>
-              <a:latin typeface="Arial"/>
-            </a:endParaRPr>
-          </a:p>
-          <a:p>
-            <a:pPr lvl="4" marL="2160000" indent="-216000">
+          </a:p>
+          <a:p>
+            <a:pPr marL="2160000" lvl="4" indent="-216000">
               <a:spcBef>
                 <a:spcPts val="283"/>
               </a:spcBef>
               <a:buClr>
-                <a:srgbClr val="ffffff"/>
+                <a:srgbClr val="FFFFFF"/>
               </a:buClr>
               <a:buSzPct val="45000"/>
               <a:buFont typeface="Wingdings" charset="2"/>
               <a:buChar char=""/>
             </a:pPr>
             <a:r>
-              <a:rPr b="0" lang="de-DE" sz="2000" spc="-1" strike="noStrike">
+              <a:rPr lang="de-DE" sz="2000" b="0" strike="noStrike" spc="-1">
                 <a:solidFill>
                   <a:srgbClr val="000000"/>
                 </a:solidFill>
@@ -3909,27 +4213,21 @@
               </a:rPr>
               <a:t>Fifth Outline Level</a:t>
             </a:r>
-            <a:endParaRPr b="0" lang="de-DE" sz="2000" spc="-1" strike="noStrike">
-              <a:solidFill>
-                <a:srgbClr val="000000"/>
-              </a:solidFill>
-              <a:latin typeface="Arial"/>
-            </a:endParaRPr>
-          </a:p>
-          <a:p>
-            <a:pPr lvl="5" marL="2592000" indent="-216000">
+          </a:p>
+          <a:p>
+            <a:pPr marL="2592000" lvl="5" indent="-216000">
               <a:spcBef>
                 <a:spcPts val="283"/>
               </a:spcBef>
               <a:buClr>
-                <a:srgbClr val="ffffff"/>
+                <a:srgbClr val="FFFFFF"/>
               </a:buClr>
               <a:buSzPct val="45000"/>
               <a:buFont typeface="Wingdings" charset="2"/>
               <a:buChar char=""/>
             </a:pPr>
             <a:r>
-              <a:rPr b="0" lang="de-DE" sz="2000" spc="-1" strike="noStrike">
+              <a:rPr lang="de-DE" sz="2000" b="0" strike="noStrike" spc="-1">
                 <a:solidFill>
                   <a:srgbClr val="000000"/>
                 </a:solidFill>
@@ -3937,27 +4235,21 @@
               </a:rPr>
               <a:t>Sixth Outline Level</a:t>
             </a:r>
-            <a:endParaRPr b="0" lang="de-DE" sz="2000" spc="-1" strike="noStrike">
-              <a:solidFill>
-                <a:srgbClr val="000000"/>
-              </a:solidFill>
-              <a:latin typeface="Arial"/>
-            </a:endParaRPr>
-          </a:p>
-          <a:p>
-            <a:pPr lvl="6" marL="3024000" indent="-216000">
+          </a:p>
+          <a:p>
+            <a:pPr marL="3024000" lvl="6" indent="-216000">
               <a:spcBef>
                 <a:spcPts val="283"/>
               </a:spcBef>
               <a:buClr>
-                <a:srgbClr val="ffffff"/>
+                <a:srgbClr val="FFFFFF"/>
               </a:buClr>
               <a:buSzPct val="45000"/>
               <a:buFont typeface="Wingdings" charset="2"/>
               <a:buChar char=""/>
             </a:pPr>
             <a:r>
-              <a:rPr b="0" lang="de-DE" sz="2000" spc="-1" strike="noStrike">
+              <a:rPr lang="de-DE" sz="2000" b="0" strike="noStrike" spc="-1">
                 <a:solidFill>
                   <a:srgbClr val="000000"/>
                 </a:solidFill>
@@ -3965,43 +4257,318 @@
               </a:rPr>
               <a:t>Seventh Outline Level</a:t>
             </a:r>
-            <a:endParaRPr b="0" lang="de-DE" sz="2000" spc="-1" strike="noStrike">
-              <a:solidFill>
-                <a:srgbClr val="000000"/>
-              </a:solidFill>
-              <a:latin typeface="Arial"/>
-            </a:endParaRPr>
           </a:p>
         </p:txBody>
       </p:sp>
     </p:spTree>
   </p:cSld>
-  <p:clrMap bg1="lt1" bg2="lt2" tx1="dk1" tx2="dk2" accent1="accent1" accent2="accent2" accent3="accent3" accent4="accent4" accent5="accent5" accent6="accent6" hlink="hlink" folHlink="folHlink"/>
+  <p:clrMap bg1="lt1" tx1="dk1" bg2="lt2" tx2="dk2" accent1="accent1" accent2="accent2" accent3="accent3" accent4="accent4" accent5="accent5" accent6="accent6" hlink="hlink" folHlink="folHlink"/>
   <p:sldLayoutIdLst>
-    <p:sldLayoutId id="2147483649" r:id="rId2"/>
-    <p:sldLayoutId id="2147483650" r:id="rId3"/>
-    <p:sldLayoutId id="2147483651" r:id="rId4"/>
-    <p:sldLayoutId id="2147483652" r:id="rId5"/>
-    <p:sldLayoutId id="2147483653" r:id="rId6"/>
-    <p:sldLayoutId id="2147483654" r:id="rId7"/>
-    <p:sldLayoutId id="2147483655" r:id="rId8"/>
-    <p:sldLayoutId id="2147483656" r:id="rId9"/>
-    <p:sldLayoutId id="2147483657" r:id="rId10"/>
-    <p:sldLayoutId id="2147483658" r:id="rId11"/>
-    <p:sldLayoutId id="2147483659" r:id="rId12"/>
-    <p:sldLayoutId id="2147483660" r:id="rId13"/>
+    <p:sldLayoutId id="2147483649" r:id="rId1"/>
+    <p:sldLayoutId id="2147483650" r:id="rId2"/>
+    <p:sldLayoutId id="2147483651" r:id="rId3"/>
+    <p:sldLayoutId id="2147483652" r:id="rId4"/>
+    <p:sldLayoutId id="2147483653" r:id="rId5"/>
+    <p:sldLayoutId id="2147483654" r:id="rId6"/>
+    <p:sldLayoutId id="2147483655" r:id="rId7"/>
+    <p:sldLayoutId id="2147483656" r:id="rId8"/>
+    <p:sldLayoutId id="2147483657" r:id="rId9"/>
+    <p:sldLayoutId id="2147483658" r:id="rId10"/>
+    <p:sldLayoutId id="2147483659" r:id="rId11"/>
+    <p:sldLayoutId id="2147483660" r:id="rId12"/>
   </p:sldLayoutIdLst>
+  <p:txStyles>
+    <p:titleStyle>
+      <a:lvl1pPr algn="l" defTabSz="914400" rtl="0" eaLnBrk="1" latinLnBrk="0" hangingPunct="1">
+        <a:lnSpc>
+          <a:spcPct val="90000"/>
+        </a:lnSpc>
+        <a:spcBef>
+          <a:spcPct val="0"/>
+        </a:spcBef>
+        <a:buNone/>
+        <a:defRPr sz="4400" kern="1200">
+          <a:solidFill>
+            <a:schemeClr val="tx1"/>
+          </a:solidFill>
+          <a:latin typeface="+mj-lt"/>
+          <a:ea typeface="+mj-ea"/>
+          <a:cs typeface="+mj-cs"/>
+        </a:defRPr>
+      </a:lvl1pPr>
+    </p:titleStyle>
+    <p:bodyStyle>
+      <a:lvl1pPr marL="228600" indent="-228600" algn="l" defTabSz="914400" rtl="0" eaLnBrk="1" latinLnBrk="0" hangingPunct="1">
+        <a:lnSpc>
+          <a:spcPct val="90000"/>
+        </a:lnSpc>
+        <a:spcBef>
+          <a:spcPts val="1000"/>
+        </a:spcBef>
+        <a:buFont typeface="Arial" panose="020B0604020202020204" pitchFamily="34" charset="0"/>
+        <a:buChar char="•"/>
+        <a:defRPr sz="2800" kern="1200">
+          <a:solidFill>
+            <a:schemeClr val="tx1"/>
+          </a:solidFill>
+          <a:latin typeface="+mn-lt"/>
+          <a:ea typeface="+mn-ea"/>
+          <a:cs typeface="+mn-cs"/>
+        </a:defRPr>
+      </a:lvl1pPr>
+      <a:lvl2pPr marL="685800" indent="-228600" algn="l" defTabSz="914400" rtl="0" eaLnBrk="1" latinLnBrk="0" hangingPunct="1">
+        <a:lnSpc>
+          <a:spcPct val="90000"/>
+        </a:lnSpc>
+        <a:spcBef>
+          <a:spcPts val="500"/>
+        </a:spcBef>
+        <a:buFont typeface="Arial" panose="020B0604020202020204" pitchFamily="34" charset="0"/>
+        <a:buChar char="•"/>
+        <a:defRPr sz="2400" kern="1200">
+          <a:solidFill>
+            <a:schemeClr val="tx1"/>
+          </a:solidFill>
+          <a:latin typeface="+mn-lt"/>
+          <a:ea typeface="+mn-ea"/>
+          <a:cs typeface="+mn-cs"/>
+        </a:defRPr>
+      </a:lvl2pPr>
+      <a:lvl3pPr marL="1143000" indent="-228600" algn="l" defTabSz="914400" rtl="0" eaLnBrk="1" latinLnBrk="0" hangingPunct="1">
+        <a:lnSpc>
+          <a:spcPct val="90000"/>
+        </a:lnSpc>
+        <a:spcBef>
+          <a:spcPts val="500"/>
+        </a:spcBef>
+        <a:buFont typeface="Arial" panose="020B0604020202020204" pitchFamily="34" charset="0"/>
+        <a:buChar char="•"/>
+        <a:defRPr sz="2000" kern="1200">
+          <a:solidFill>
+            <a:schemeClr val="tx1"/>
+          </a:solidFill>
+          <a:latin typeface="+mn-lt"/>
+          <a:ea typeface="+mn-ea"/>
+          <a:cs typeface="+mn-cs"/>
+        </a:defRPr>
+      </a:lvl3pPr>
+      <a:lvl4pPr marL="1600200" indent="-228600" algn="l" defTabSz="914400" rtl="0" eaLnBrk="1" latinLnBrk="0" hangingPunct="1">
+        <a:lnSpc>
+          <a:spcPct val="90000"/>
+        </a:lnSpc>
+        <a:spcBef>
+          <a:spcPts val="500"/>
+        </a:spcBef>
+        <a:buFont typeface="Arial" panose="020B0604020202020204" pitchFamily="34" charset="0"/>
+        <a:buChar char="•"/>
+        <a:defRPr sz="1800" kern="1200">
+          <a:solidFill>
+            <a:schemeClr val="tx1"/>
+          </a:solidFill>
+          <a:latin typeface="+mn-lt"/>
+          <a:ea typeface="+mn-ea"/>
+          <a:cs typeface="+mn-cs"/>
+        </a:defRPr>
+      </a:lvl4pPr>
+      <a:lvl5pPr marL="2057400" indent="-228600" algn="l" defTabSz="914400" rtl="0" eaLnBrk="1" latinLnBrk="0" hangingPunct="1">
+        <a:lnSpc>
+          <a:spcPct val="90000"/>
+        </a:lnSpc>
+        <a:spcBef>
+          <a:spcPts val="500"/>
+        </a:spcBef>
+        <a:buFont typeface="Arial" panose="020B0604020202020204" pitchFamily="34" charset="0"/>
+        <a:buChar char="•"/>
+        <a:defRPr sz="1800" kern="1200">
+          <a:solidFill>
+            <a:schemeClr val="tx1"/>
+          </a:solidFill>
+          <a:latin typeface="+mn-lt"/>
+          <a:ea typeface="+mn-ea"/>
+          <a:cs typeface="+mn-cs"/>
+        </a:defRPr>
+      </a:lvl5pPr>
+      <a:lvl6pPr marL="2514600" indent="-228600" algn="l" defTabSz="914400" rtl="0" eaLnBrk="1" latinLnBrk="0" hangingPunct="1">
+        <a:lnSpc>
+          <a:spcPct val="90000"/>
+        </a:lnSpc>
+        <a:spcBef>
+          <a:spcPts val="500"/>
+        </a:spcBef>
+        <a:buFont typeface="Arial" panose="020B0604020202020204" pitchFamily="34" charset="0"/>
+        <a:buChar char="•"/>
+        <a:defRPr sz="1800" kern="1200">
+          <a:solidFill>
+            <a:schemeClr val="tx1"/>
+          </a:solidFill>
+          <a:latin typeface="+mn-lt"/>
+          <a:ea typeface="+mn-ea"/>
+          <a:cs typeface="+mn-cs"/>
+        </a:defRPr>
+      </a:lvl6pPr>
+      <a:lvl7pPr marL="2971800" indent="-228600" algn="l" defTabSz="914400" rtl="0" eaLnBrk="1" latinLnBrk="0" hangingPunct="1">
+        <a:lnSpc>
+          <a:spcPct val="90000"/>
+        </a:lnSpc>
+        <a:spcBef>
+          <a:spcPts val="500"/>
+        </a:spcBef>
+        <a:buFont typeface="Arial" panose="020B0604020202020204" pitchFamily="34" charset="0"/>
+        <a:buChar char="•"/>
+        <a:defRPr sz="1800" kern="1200">
+          <a:solidFill>
+            <a:schemeClr val="tx1"/>
+          </a:solidFill>
+          <a:latin typeface="+mn-lt"/>
+          <a:ea typeface="+mn-ea"/>
+          <a:cs typeface="+mn-cs"/>
+        </a:defRPr>
+      </a:lvl7pPr>
+      <a:lvl8pPr marL="3429000" indent="-228600" algn="l" defTabSz="914400" rtl="0" eaLnBrk="1" latinLnBrk="0" hangingPunct="1">
+        <a:lnSpc>
+          <a:spcPct val="90000"/>
+        </a:lnSpc>
+        <a:spcBef>
+          <a:spcPts val="500"/>
+        </a:spcBef>
+        <a:buFont typeface="Arial" panose="020B0604020202020204" pitchFamily="34" charset="0"/>
+        <a:buChar char="•"/>
+        <a:defRPr sz="1800" kern="1200">
+          <a:solidFill>
+            <a:schemeClr val="tx1"/>
+          </a:solidFill>
+          <a:latin typeface="+mn-lt"/>
+          <a:ea typeface="+mn-ea"/>
+          <a:cs typeface="+mn-cs"/>
+        </a:defRPr>
+      </a:lvl8pPr>
+      <a:lvl9pPr marL="3886200" indent="-228600" algn="l" defTabSz="914400" rtl="0" eaLnBrk="1" latinLnBrk="0" hangingPunct="1">
+        <a:lnSpc>
+          <a:spcPct val="90000"/>
+        </a:lnSpc>
+        <a:spcBef>
+          <a:spcPts val="500"/>
+        </a:spcBef>
+        <a:buFont typeface="Arial" panose="020B0604020202020204" pitchFamily="34" charset="0"/>
+        <a:buChar char="•"/>
+        <a:defRPr sz="1800" kern="1200">
+          <a:solidFill>
+            <a:schemeClr val="tx1"/>
+          </a:solidFill>
+          <a:latin typeface="+mn-lt"/>
+          <a:ea typeface="+mn-ea"/>
+          <a:cs typeface="+mn-cs"/>
+        </a:defRPr>
+      </a:lvl9pPr>
+    </p:bodyStyle>
+    <p:otherStyle>
+      <a:defPPr>
+        <a:defRPr lang="de-DE"/>
+      </a:defPPr>
+      <a:lvl1pPr marL="0" algn="l" defTabSz="914400" rtl="0" eaLnBrk="1" latinLnBrk="0" hangingPunct="1">
+        <a:defRPr sz="1800" kern="1200">
+          <a:solidFill>
+            <a:schemeClr val="tx1"/>
+          </a:solidFill>
+          <a:latin typeface="+mn-lt"/>
+          <a:ea typeface="+mn-ea"/>
+          <a:cs typeface="+mn-cs"/>
+        </a:defRPr>
+      </a:lvl1pPr>
+      <a:lvl2pPr marL="457200" algn="l" defTabSz="914400" rtl="0" eaLnBrk="1" latinLnBrk="0" hangingPunct="1">
+        <a:defRPr sz="1800" kern="1200">
+          <a:solidFill>
+            <a:schemeClr val="tx1"/>
+          </a:solidFill>
+          <a:latin typeface="+mn-lt"/>
+          <a:ea typeface="+mn-ea"/>
+          <a:cs typeface="+mn-cs"/>
+        </a:defRPr>
+      </a:lvl2pPr>
+      <a:lvl3pPr marL="914400" algn="l" defTabSz="914400" rtl="0" eaLnBrk="1" latinLnBrk="0" hangingPunct="1">
+        <a:defRPr sz="1800" kern="1200">
+          <a:solidFill>
+            <a:schemeClr val="tx1"/>
+          </a:solidFill>
+          <a:latin typeface="+mn-lt"/>
+          <a:ea typeface="+mn-ea"/>
+          <a:cs typeface="+mn-cs"/>
+        </a:defRPr>
+      </a:lvl3pPr>
+      <a:lvl4pPr marL="1371600" algn="l" defTabSz="914400" rtl="0" eaLnBrk="1" latinLnBrk="0" hangingPunct="1">
+        <a:defRPr sz="1800" kern="1200">
+          <a:solidFill>
+            <a:schemeClr val="tx1"/>
+          </a:solidFill>
+          <a:latin typeface="+mn-lt"/>
+          <a:ea typeface="+mn-ea"/>
+          <a:cs typeface="+mn-cs"/>
+        </a:defRPr>
+      </a:lvl4pPr>
+      <a:lvl5pPr marL="1828800" algn="l" defTabSz="914400" rtl="0" eaLnBrk="1" latinLnBrk="0" hangingPunct="1">
+        <a:defRPr sz="1800" kern="1200">
+          <a:solidFill>
+            <a:schemeClr val="tx1"/>
+          </a:solidFill>
+          <a:latin typeface="+mn-lt"/>
+          <a:ea typeface="+mn-ea"/>
+          <a:cs typeface="+mn-cs"/>
+        </a:defRPr>
+      </a:lvl5pPr>
+      <a:lvl6pPr marL="2286000" algn="l" defTabSz="914400" rtl="0" eaLnBrk="1" latinLnBrk="0" hangingPunct="1">
+        <a:defRPr sz="1800" kern="1200">
+          <a:solidFill>
+            <a:schemeClr val="tx1"/>
+          </a:solidFill>
+          <a:latin typeface="+mn-lt"/>
+          <a:ea typeface="+mn-ea"/>
+          <a:cs typeface="+mn-cs"/>
+        </a:defRPr>
+      </a:lvl6pPr>
+      <a:lvl7pPr marL="2743200" algn="l" defTabSz="914400" rtl="0" eaLnBrk="1" latinLnBrk="0" hangingPunct="1">
+        <a:defRPr sz="1800" kern="1200">
+          <a:solidFill>
+            <a:schemeClr val="tx1"/>
+          </a:solidFill>
+          <a:latin typeface="+mn-lt"/>
+          <a:ea typeface="+mn-ea"/>
+          <a:cs typeface="+mn-cs"/>
+        </a:defRPr>
+      </a:lvl7pPr>
+      <a:lvl8pPr marL="3200400" algn="l" defTabSz="914400" rtl="0" eaLnBrk="1" latinLnBrk="0" hangingPunct="1">
+        <a:defRPr sz="1800" kern="1200">
+          <a:solidFill>
+            <a:schemeClr val="tx1"/>
+          </a:solidFill>
+          <a:latin typeface="+mn-lt"/>
+          <a:ea typeface="+mn-ea"/>
+          <a:cs typeface="+mn-cs"/>
+        </a:defRPr>
+      </a:lvl8pPr>
+      <a:lvl9pPr marL="3657600" algn="l" defTabSz="914400" rtl="0" eaLnBrk="1" latinLnBrk="0" hangingPunct="1">
+        <a:defRPr sz="1800" kern="1200">
+          <a:solidFill>
+            <a:schemeClr val="tx1"/>
+          </a:solidFill>
+          <a:latin typeface="+mn-lt"/>
+          <a:ea typeface="+mn-ea"/>
+          <a:cs typeface="+mn-cs"/>
+        </a:defRPr>
+      </a:lvl9pPr>
+    </p:otherStyle>
+  </p:txStyles>
 </p:sldMaster>
 </file>
 
 <file path=ppt/slideMasters/slideMaster2.xml><?xml version="1.0" encoding="utf-8"?>
-<p:sldMaster xmlns:a="http://schemas.openxmlformats.org/drawingml/2006/main" xmlns:p="http://schemas.openxmlformats.org/presentationml/2006/main" xmlns:r="http://schemas.openxmlformats.org/officeDocument/2006/relationships" xmlns:p14="http://schemas.microsoft.com/office/powerpoint/2010/main" xmlns:p15="http://schemas.microsoft.com/office/powerpoint/2012/main" xmlns:mc="http://schemas.openxmlformats.org/markup-compatibility/2006">
+<p:sldMaster xmlns:a="http://schemas.openxmlformats.org/drawingml/2006/main" xmlns:r="http://schemas.openxmlformats.org/officeDocument/2006/relationships" xmlns:p="http://schemas.openxmlformats.org/presentationml/2006/main">
   <p:cSld>
     <p:bg>
       <p:bgPr>
         <a:solidFill>
           <a:srgbClr val="262626"/>
         </a:solidFill>
+        <a:effectLst/>
       </p:bgPr>
     </p:bg>
     <p:spTree>
@@ -4034,7 +4601,7 @@
           </a:prstGeom>
           <a:ln w="10795">
             <a:solidFill>
-              <a:srgbClr val="e2e8e2"/>
+              <a:srgbClr val="E2E8E2"/>
             </a:solidFill>
           </a:ln>
         </p:spPr>
@@ -4075,12 +4642,13 @@
           </a:ln>
         </p:spPr>
         <p:txBody>
-          <a:bodyPr lIns="0" rIns="0" tIns="0" bIns="0" anchor="ctr">
+          <a:bodyPr lIns="0" tIns="0" rIns="0" bIns="0" anchor="ctr">
             <a:noAutofit/>
           </a:bodyPr>
+          <a:lstStyle/>
           <a:p>
             <a:r>
-              <a:rPr b="0" lang="de-DE" sz="1800" spc="-1" strike="noStrike">
+              <a:rPr lang="de-DE" sz="1800" b="0" strike="noStrike" spc="-1">
                 <a:solidFill>
                   <a:srgbClr val="000000"/>
                 </a:solidFill>
@@ -4088,12 +4656,6 @@
               </a:rPr>
               <a:t>Click to edit the title text format</a:t>
             </a:r>
-            <a:endParaRPr b="0" lang="de-DE" sz="1800" spc="-1" strike="noStrike">
-              <a:solidFill>
-                <a:srgbClr val="000000"/>
-              </a:solidFill>
-              <a:latin typeface="Arial"/>
-            </a:endParaRPr>
           </a:p>
         </p:txBody>
       </p:sp>
@@ -4121,23 +4683,24 @@
           </a:ln>
         </p:spPr>
         <p:txBody>
-          <a:bodyPr lIns="0" rIns="0" tIns="0" bIns="0" anchor="t">
+          <a:bodyPr lIns="0" tIns="0" rIns="0" bIns="0" anchor="t">
             <a:normAutofit/>
           </a:bodyPr>
+          <a:lstStyle/>
           <a:p>
             <a:pPr marL="432000" indent="-324000">
               <a:spcBef>
                 <a:spcPts val="1417"/>
               </a:spcBef>
               <a:buClr>
-                <a:srgbClr val="ffffff"/>
+                <a:srgbClr val="FFFFFF"/>
               </a:buClr>
               <a:buSzPct val="45000"/>
               <a:buFont typeface="Wingdings" charset="2"/>
               <a:buChar char=""/>
             </a:pPr>
             <a:r>
-              <a:rPr b="0" lang="de-DE" sz="2800" spc="-1" strike="noStrike">
+              <a:rPr lang="de-DE" sz="2800" b="0" strike="noStrike" spc="-1">
                 <a:solidFill>
                   <a:srgbClr val="000000"/>
                 </a:solidFill>
@@ -4145,27 +4708,21 @@
               </a:rPr>
               <a:t>Click to edit the outline text format</a:t>
             </a:r>
-            <a:endParaRPr b="0" lang="de-DE" sz="2800" spc="-1" strike="noStrike">
-              <a:solidFill>
-                <a:srgbClr val="000000"/>
-              </a:solidFill>
-              <a:latin typeface="Arial"/>
-            </a:endParaRPr>
-          </a:p>
-          <a:p>
-            <a:pPr lvl="1" marL="864000" indent="-324000">
+          </a:p>
+          <a:p>
+            <a:pPr marL="864000" lvl="1" indent="-324000">
               <a:spcBef>
                 <a:spcPts val="1134"/>
               </a:spcBef>
               <a:buClr>
-                <a:srgbClr val="ffffff"/>
+                <a:srgbClr val="FFFFFF"/>
               </a:buClr>
               <a:buSzPct val="75000"/>
               <a:buFont typeface="Symbol" charset="2"/>
               <a:buChar char=""/>
             </a:pPr>
             <a:r>
-              <a:rPr b="0" lang="de-DE" sz="2000" spc="-1" strike="noStrike">
+              <a:rPr lang="de-DE" sz="2000" b="0" strike="noStrike" spc="-1">
                 <a:solidFill>
                   <a:srgbClr val="000000"/>
                 </a:solidFill>
@@ -4173,27 +4730,21 @@
               </a:rPr>
               <a:t>Second Outline Level</a:t>
             </a:r>
-            <a:endParaRPr b="0" lang="de-DE" sz="2000" spc="-1" strike="noStrike">
-              <a:solidFill>
-                <a:srgbClr val="000000"/>
-              </a:solidFill>
-              <a:latin typeface="Arial"/>
-            </a:endParaRPr>
-          </a:p>
-          <a:p>
-            <a:pPr lvl="2" marL="1296000" indent="-288000">
+          </a:p>
+          <a:p>
+            <a:pPr marL="1296000" lvl="2" indent="-288000">
               <a:spcBef>
                 <a:spcPts val="850"/>
               </a:spcBef>
               <a:buClr>
-                <a:srgbClr val="ffffff"/>
+                <a:srgbClr val="FFFFFF"/>
               </a:buClr>
               <a:buSzPct val="45000"/>
               <a:buFont typeface="Wingdings" charset="2"/>
               <a:buChar char=""/>
             </a:pPr>
             <a:r>
-              <a:rPr b="0" lang="de-DE" sz="1800" spc="-1" strike="noStrike">
+              <a:rPr lang="de-DE" sz="1800" b="0" strike="noStrike" spc="-1">
                 <a:solidFill>
                   <a:srgbClr val="000000"/>
                 </a:solidFill>
@@ -4201,27 +4752,21 @@
               </a:rPr>
               <a:t>Third Outline Level</a:t>
             </a:r>
-            <a:endParaRPr b="0" lang="de-DE" sz="1800" spc="-1" strike="noStrike">
-              <a:solidFill>
-                <a:srgbClr val="000000"/>
-              </a:solidFill>
-              <a:latin typeface="Arial"/>
-            </a:endParaRPr>
-          </a:p>
-          <a:p>
-            <a:pPr lvl="3" marL="1728000" indent="-216000">
+          </a:p>
+          <a:p>
+            <a:pPr marL="1728000" lvl="3" indent="-216000">
               <a:spcBef>
                 <a:spcPts val="567"/>
               </a:spcBef>
               <a:buClr>
-                <a:srgbClr val="ffffff"/>
+                <a:srgbClr val="FFFFFF"/>
               </a:buClr>
               <a:buSzPct val="75000"/>
               <a:buFont typeface="Symbol" charset="2"/>
               <a:buChar char=""/>
             </a:pPr>
             <a:r>
-              <a:rPr b="0" lang="de-DE" sz="1800" spc="-1" strike="noStrike">
+              <a:rPr lang="de-DE" sz="1800" b="0" strike="noStrike" spc="-1">
                 <a:solidFill>
                   <a:srgbClr val="000000"/>
                 </a:solidFill>
@@ -4229,27 +4774,21 @@
               </a:rPr>
               <a:t>Fourth Outline Level</a:t>
             </a:r>
-            <a:endParaRPr b="0" lang="de-DE" sz="1800" spc="-1" strike="noStrike">
-              <a:solidFill>
-                <a:srgbClr val="000000"/>
-              </a:solidFill>
-              <a:latin typeface="Arial"/>
-            </a:endParaRPr>
-          </a:p>
-          <a:p>
-            <a:pPr lvl="4" marL="2160000" indent="-216000">
+          </a:p>
+          <a:p>
+            <a:pPr marL="2160000" lvl="4" indent="-216000">
               <a:spcBef>
                 <a:spcPts val="283"/>
               </a:spcBef>
               <a:buClr>
-                <a:srgbClr val="ffffff"/>
+                <a:srgbClr val="FFFFFF"/>
               </a:buClr>
               <a:buSzPct val="45000"/>
               <a:buFont typeface="Wingdings" charset="2"/>
               <a:buChar char=""/>
             </a:pPr>
             <a:r>
-              <a:rPr b="0" lang="de-DE" sz="2000" spc="-1" strike="noStrike">
+              <a:rPr lang="de-DE" sz="2000" b="0" strike="noStrike" spc="-1">
                 <a:solidFill>
                   <a:srgbClr val="000000"/>
                 </a:solidFill>
@@ -4257,27 +4796,21 @@
               </a:rPr>
               <a:t>Fifth Outline Level</a:t>
             </a:r>
-            <a:endParaRPr b="0" lang="de-DE" sz="2000" spc="-1" strike="noStrike">
-              <a:solidFill>
-                <a:srgbClr val="000000"/>
-              </a:solidFill>
-              <a:latin typeface="Arial"/>
-            </a:endParaRPr>
-          </a:p>
-          <a:p>
-            <a:pPr lvl="5" marL="2592000" indent="-216000">
+          </a:p>
+          <a:p>
+            <a:pPr marL="2592000" lvl="5" indent="-216000">
               <a:spcBef>
                 <a:spcPts val="283"/>
               </a:spcBef>
               <a:buClr>
-                <a:srgbClr val="ffffff"/>
+                <a:srgbClr val="FFFFFF"/>
               </a:buClr>
               <a:buSzPct val="45000"/>
               <a:buFont typeface="Wingdings" charset="2"/>
               <a:buChar char=""/>
             </a:pPr>
             <a:r>
-              <a:rPr b="0" lang="de-DE" sz="2000" spc="-1" strike="noStrike">
+              <a:rPr lang="de-DE" sz="2000" b="0" strike="noStrike" spc="-1">
                 <a:solidFill>
                   <a:srgbClr val="000000"/>
                 </a:solidFill>
@@ -4285,27 +4818,21 @@
               </a:rPr>
               <a:t>Sixth Outline Level</a:t>
             </a:r>
-            <a:endParaRPr b="0" lang="de-DE" sz="2000" spc="-1" strike="noStrike">
-              <a:solidFill>
-                <a:srgbClr val="000000"/>
-              </a:solidFill>
-              <a:latin typeface="Arial"/>
-            </a:endParaRPr>
-          </a:p>
-          <a:p>
-            <a:pPr lvl="6" marL="3024000" indent="-216000">
+          </a:p>
+          <a:p>
+            <a:pPr marL="3024000" lvl="6" indent="-216000">
               <a:spcBef>
                 <a:spcPts val="283"/>
               </a:spcBef>
               <a:buClr>
-                <a:srgbClr val="ffffff"/>
+                <a:srgbClr val="FFFFFF"/>
               </a:buClr>
               <a:buSzPct val="45000"/>
               <a:buFont typeface="Wingdings" charset="2"/>
               <a:buChar char=""/>
             </a:pPr>
             <a:r>
-              <a:rPr b="0" lang="de-DE" sz="2000" spc="-1" strike="noStrike">
+              <a:rPr lang="de-DE" sz="2000" b="0" strike="noStrike" spc="-1">
                 <a:solidFill>
                   <a:srgbClr val="000000"/>
                 </a:solidFill>
@@ -4313,43 +4840,318 @@
               </a:rPr>
               <a:t>Seventh Outline Level</a:t>
             </a:r>
-            <a:endParaRPr b="0" lang="de-DE" sz="2000" spc="-1" strike="noStrike">
-              <a:solidFill>
-                <a:srgbClr val="000000"/>
-              </a:solidFill>
-              <a:latin typeface="Arial"/>
-            </a:endParaRPr>
           </a:p>
         </p:txBody>
       </p:sp>
     </p:spTree>
   </p:cSld>
-  <p:clrMap bg1="lt1" bg2="lt2" tx1="dk1" tx2="dk2" accent1="accent1" accent2="accent2" accent3="accent3" accent4="accent4" accent5="accent5" accent6="accent6" hlink="hlink" folHlink="folHlink"/>
+  <p:clrMap bg1="lt1" tx1="dk1" bg2="lt2" tx2="dk2" accent1="accent1" accent2="accent2" accent3="accent3" accent4="accent4" accent5="accent5" accent6="accent6" hlink="hlink" folHlink="folHlink"/>
   <p:sldLayoutIdLst>
-    <p:sldLayoutId id="2147483662" r:id="rId2"/>
-    <p:sldLayoutId id="2147483663" r:id="rId3"/>
-    <p:sldLayoutId id="2147483664" r:id="rId4"/>
-    <p:sldLayoutId id="2147483665" r:id="rId5"/>
-    <p:sldLayoutId id="2147483666" r:id="rId6"/>
-    <p:sldLayoutId id="2147483667" r:id="rId7"/>
-    <p:sldLayoutId id="2147483668" r:id="rId8"/>
-    <p:sldLayoutId id="2147483669" r:id="rId9"/>
-    <p:sldLayoutId id="2147483670" r:id="rId10"/>
-    <p:sldLayoutId id="2147483671" r:id="rId11"/>
-    <p:sldLayoutId id="2147483672" r:id="rId12"/>
-    <p:sldLayoutId id="2147483673" r:id="rId13"/>
+    <p:sldLayoutId id="2147483662" r:id="rId1"/>
+    <p:sldLayoutId id="2147483663" r:id="rId2"/>
+    <p:sldLayoutId id="2147483664" r:id="rId3"/>
+    <p:sldLayoutId id="2147483665" r:id="rId4"/>
+    <p:sldLayoutId id="2147483666" r:id="rId5"/>
+    <p:sldLayoutId id="2147483667" r:id="rId6"/>
+    <p:sldLayoutId id="2147483668" r:id="rId7"/>
+    <p:sldLayoutId id="2147483669" r:id="rId8"/>
+    <p:sldLayoutId id="2147483670" r:id="rId9"/>
+    <p:sldLayoutId id="2147483671" r:id="rId10"/>
+    <p:sldLayoutId id="2147483672" r:id="rId11"/>
+    <p:sldLayoutId id="2147483673" r:id="rId12"/>
   </p:sldLayoutIdLst>
+  <p:txStyles>
+    <p:titleStyle>
+      <a:lvl1pPr algn="l" defTabSz="914400" rtl="0" eaLnBrk="1" latinLnBrk="0" hangingPunct="1">
+        <a:lnSpc>
+          <a:spcPct val="90000"/>
+        </a:lnSpc>
+        <a:spcBef>
+          <a:spcPct val="0"/>
+        </a:spcBef>
+        <a:buNone/>
+        <a:defRPr sz="4400" kern="1200">
+          <a:solidFill>
+            <a:schemeClr val="tx1"/>
+          </a:solidFill>
+          <a:latin typeface="+mj-lt"/>
+          <a:ea typeface="+mj-ea"/>
+          <a:cs typeface="+mj-cs"/>
+        </a:defRPr>
+      </a:lvl1pPr>
+    </p:titleStyle>
+    <p:bodyStyle>
+      <a:lvl1pPr marL="228600" indent="-228600" algn="l" defTabSz="914400" rtl="0" eaLnBrk="1" latinLnBrk="0" hangingPunct="1">
+        <a:lnSpc>
+          <a:spcPct val="90000"/>
+        </a:lnSpc>
+        <a:spcBef>
+          <a:spcPts val="1000"/>
+        </a:spcBef>
+        <a:buFont typeface="Arial" panose="020B0604020202020204" pitchFamily="34" charset="0"/>
+        <a:buChar char="•"/>
+        <a:defRPr sz="2800" kern="1200">
+          <a:solidFill>
+            <a:schemeClr val="tx1"/>
+          </a:solidFill>
+          <a:latin typeface="+mn-lt"/>
+          <a:ea typeface="+mn-ea"/>
+          <a:cs typeface="+mn-cs"/>
+        </a:defRPr>
+      </a:lvl1pPr>
+      <a:lvl2pPr marL="685800" indent="-228600" algn="l" defTabSz="914400" rtl="0" eaLnBrk="1" latinLnBrk="0" hangingPunct="1">
+        <a:lnSpc>
+          <a:spcPct val="90000"/>
+        </a:lnSpc>
+        <a:spcBef>
+          <a:spcPts val="500"/>
+        </a:spcBef>
+        <a:buFont typeface="Arial" panose="020B0604020202020204" pitchFamily="34" charset="0"/>
+        <a:buChar char="•"/>
+        <a:defRPr sz="2400" kern="1200">
+          <a:solidFill>
+            <a:schemeClr val="tx1"/>
+          </a:solidFill>
+          <a:latin typeface="+mn-lt"/>
+          <a:ea typeface="+mn-ea"/>
+          <a:cs typeface="+mn-cs"/>
+        </a:defRPr>
+      </a:lvl2pPr>
+      <a:lvl3pPr marL="1143000" indent="-228600" algn="l" defTabSz="914400" rtl="0" eaLnBrk="1" latinLnBrk="0" hangingPunct="1">
+        <a:lnSpc>
+          <a:spcPct val="90000"/>
+        </a:lnSpc>
+        <a:spcBef>
+          <a:spcPts val="500"/>
+        </a:spcBef>
+        <a:buFont typeface="Arial" panose="020B0604020202020204" pitchFamily="34" charset="0"/>
+        <a:buChar char="•"/>
+        <a:defRPr sz="2000" kern="1200">
+          <a:solidFill>
+            <a:schemeClr val="tx1"/>
+          </a:solidFill>
+          <a:latin typeface="+mn-lt"/>
+          <a:ea typeface="+mn-ea"/>
+          <a:cs typeface="+mn-cs"/>
+        </a:defRPr>
+      </a:lvl3pPr>
+      <a:lvl4pPr marL="1600200" indent="-228600" algn="l" defTabSz="914400" rtl="0" eaLnBrk="1" latinLnBrk="0" hangingPunct="1">
+        <a:lnSpc>
+          <a:spcPct val="90000"/>
+        </a:lnSpc>
+        <a:spcBef>
+          <a:spcPts val="500"/>
+        </a:spcBef>
+        <a:buFont typeface="Arial" panose="020B0604020202020204" pitchFamily="34" charset="0"/>
+        <a:buChar char="•"/>
+        <a:defRPr sz="1800" kern="1200">
+          <a:solidFill>
+            <a:schemeClr val="tx1"/>
+          </a:solidFill>
+          <a:latin typeface="+mn-lt"/>
+          <a:ea typeface="+mn-ea"/>
+          <a:cs typeface="+mn-cs"/>
+        </a:defRPr>
+      </a:lvl4pPr>
+      <a:lvl5pPr marL="2057400" indent="-228600" algn="l" defTabSz="914400" rtl="0" eaLnBrk="1" latinLnBrk="0" hangingPunct="1">
+        <a:lnSpc>
+          <a:spcPct val="90000"/>
+        </a:lnSpc>
+        <a:spcBef>
+          <a:spcPts val="500"/>
+        </a:spcBef>
+        <a:buFont typeface="Arial" panose="020B0604020202020204" pitchFamily="34" charset="0"/>
+        <a:buChar char="•"/>
+        <a:defRPr sz="1800" kern="1200">
+          <a:solidFill>
+            <a:schemeClr val="tx1"/>
+          </a:solidFill>
+          <a:latin typeface="+mn-lt"/>
+          <a:ea typeface="+mn-ea"/>
+          <a:cs typeface="+mn-cs"/>
+        </a:defRPr>
+      </a:lvl5pPr>
+      <a:lvl6pPr marL="2514600" indent="-228600" algn="l" defTabSz="914400" rtl="0" eaLnBrk="1" latinLnBrk="0" hangingPunct="1">
+        <a:lnSpc>
+          <a:spcPct val="90000"/>
+        </a:lnSpc>
+        <a:spcBef>
+          <a:spcPts val="500"/>
+        </a:spcBef>
+        <a:buFont typeface="Arial" panose="020B0604020202020204" pitchFamily="34" charset="0"/>
+        <a:buChar char="•"/>
+        <a:defRPr sz="1800" kern="1200">
+          <a:solidFill>
+            <a:schemeClr val="tx1"/>
+          </a:solidFill>
+          <a:latin typeface="+mn-lt"/>
+          <a:ea typeface="+mn-ea"/>
+          <a:cs typeface="+mn-cs"/>
+        </a:defRPr>
+      </a:lvl6pPr>
+      <a:lvl7pPr marL="2971800" indent="-228600" algn="l" defTabSz="914400" rtl="0" eaLnBrk="1" latinLnBrk="0" hangingPunct="1">
+        <a:lnSpc>
+          <a:spcPct val="90000"/>
+        </a:lnSpc>
+        <a:spcBef>
+          <a:spcPts val="500"/>
+        </a:spcBef>
+        <a:buFont typeface="Arial" panose="020B0604020202020204" pitchFamily="34" charset="0"/>
+        <a:buChar char="•"/>
+        <a:defRPr sz="1800" kern="1200">
+          <a:solidFill>
+            <a:schemeClr val="tx1"/>
+          </a:solidFill>
+          <a:latin typeface="+mn-lt"/>
+          <a:ea typeface="+mn-ea"/>
+          <a:cs typeface="+mn-cs"/>
+        </a:defRPr>
+      </a:lvl7pPr>
+      <a:lvl8pPr marL="3429000" indent="-228600" algn="l" defTabSz="914400" rtl="0" eaLnBrk="1" latinLnBrk="0" hangingPunct="1">
+        <a:lnSpc>
+          <a:spcPct val="90000"/>
+        </a:lnSpc>
+        <a:spcBef>
+          <a:spcPts val="500"/>
+        </a:spcBef>
+        <a:buFont typeface="Arial" panose="020B0604020202020204" pitchFamily="34" charset="0"/>
+        <a:buChar char="•"/>
+        <a:defRPr sz="1800" kern="1200">
+          <a:solidFill>
+            <a:schemeClr val="tx1"/>
+          </a:solidFill>
+          <a:latin typeface="+mn-lt"/>
+          <a:ea typeface="+mn-ea"/>
+          <a:cs typeface="+mn-cs"/>
+        </a:defRPr>
+      </a:lvl8pPr>
+      <a:lvl9pPr marL="3886200" indent="-228600" algn="l" defTabSz="914400" rtl="0" eaLnBrk="1" latinLnBrk="0" hangingPunct="1">
+        <a:lnSpc>
+          <a:spcPct val="90000"/>
+        </a:lnSpc>
+        <a:spcBef>
+          <a:spcPts val="500"/>
+        </a:spcBef>
+        <a:buFont typeface="Arial" panose="020B0604020202020204" pitchFamily="34" charset="0"/>
+        <a:buChar char="•"/>
+        <a:defRPr sz="1800" kern="1200">
+          <a:solidFill>
+            <a:schemeClr val="tx1"/>
+          </a:solidFill>
+          <a:latin typeface="+mn-lt"/>
+          <a:ea typeface="+mn-ea"/>
+          <a:cs typeface="+mn-cs"/>
+        </a:defRPr>
+      </a:lvl9pPr>
+    </p:bodyStyle>
+    <p:otherStyle>
+      <a:defPPr>
+        <a:defRPr lang="de-DE"/>
+      </a:defPPr>
+      <a:lvl1pPr marL="0" algn="l" defTabSz="914400" rtl="0" eaLnBrk="1" latinLnBrk="0" hangingPunct="1">
+        <a:defRPr sz="1800" kern="1200">
+          <a:solidFill>
+            <a:schemeClr val="tx1"/>
+          </a:solidFill>
+          <a:latin typeface="+mn-lt"/>
+          <a:ea typeface="+mn-ea"/>
+          <a:cs typeface="+mn-cs"/>
+        </a:defRPr>
+      </a:lvl1pPr>
+      <a:lvl2pPr marL="457200" algn="l" defTabSz="914400" rtl="0" eaLnBrk="1" latinLnBrk="0" hangingPunct="1">
+        <a:defRPr sz="1800" kern="1200">
+          <a:solidFill>
+            <a:schemeClr val="tx1"/>
+          </a:solidFill>
+          <a:latin typeface="+mn-lt"/>
+          <a:ea typeface="+mn-ea"/>
+          <a:cs typeface="+mn-cs"/>
+        </a:defRPr>
+      </a:lvl2pPr>
+      <a:lvl3pPr marL="914400" algn="l" defTabSz="914400" rtl="0" eaLnBrk="1" latinLnBrk="0" hangingPunct="1">
+        <a:defRPr sz="1800" kern="1200">
+          <a:solidFill>
+            <a:schemeClr val="tx1"/>
+          </a:solidFill>
+          <a:latin typeface="+mn-lt"/>
+          <a:ea typeface="+mn-ea"/>
+          <a:cs typeface="+mn-cs"/>
+        </a:defRPr>
+      </a:lvl3pPr>
+      <a:lvl4pPr marL="1371600" algn="l" defTabSz="914400" rtl="0" eaLnBrk="1" latinLnBrk="0" hangingPunct="1">
+        <a:defRPr sz="1800" kern="1200">
+          <a:solidFill>
+            <a:schemeClr val="tx1"/>
+          </a:solidFill>
+          <a:latin typeface="+mn-lt"/>
+          <a:ea typeface="+mn-ea"/>
+          <a:cs typeface="+mn-cs"/>
+        </a:defRPr>
+      </a:lvl4pPr>
+      <a:lvl5pPr marL="1828800" algn="l" defTabSz="914400" rtl="0" eaLnBrk="1" latinLnBrk="0" hangingPunct="1">
+        <a:defRPr sz="1800" kern="1200">
+          <a:solidFill>
+            <a:schemeClr val="tx1"/>
+          </a:solidFill>
+          <a:latin typeface="+mn-lt"/>
+          <a:ea typeface="+mn-ea"/>
+          <a:cs typeface="+mn-cs"/>
+        </a:defRPr>
+      </a:lvl5pPr>
+      <a:lvl6pPr marL="2286000" algn="l" defTabSz="914400" rtl="0" eaLnBrk="1" latinLnBrk="0" hangingPunct="1">
+        <a:defRPr sz="1800" kern="1200">
+          <a:solidFill>
+            <a:schemeClr val="tx1"/>
+          </a:solidFill>
+          <a:latin typeface="+mn-lt"/>
+          <a:ea typeface="+mn-ea"/>
+          <a:cs typeface="+mn-cs"/>
+        </a:defRPr>
+      </a:lvl6pPr>
+      <a:lvl7pPr marL="2743200" algn="l" defTabSz="914400" rtl="0" eaLnBrk="1" latinLnBrk="0" hangingPunct="1">
+        <a:defRPr sz="1800" kern="1200">
+          <a:solidFill>
+            <a:schemeClr val="tx1"/>
+          </a:solidFill>
+          <a:latin typeface="+mn-lt"/>
+          <a:ea typeface="+mn-ea"/>
+          <a:cs typeface="+mn-cs"/>
+        </a:defRPr>
+      </a:lvl7pPr>
+      <a:lvl8pPr marL="3200400" algn="l" defTabSz="914400" rtl="0" eaLnBrk="1" latinLnBrk="0" hangingPunct="1">
+        <a:defRPr sz="1800" kern="1200">
+          <a:solidFill>
+            <a:schemeClr val="tx1"/>
+          </a:solidFill>
+          <a:latin typeface="+mn-lt"/>
+          <a:ea typeface="+mn-ea"/>
+          <a:cs typeface="+mn-cs"/>
+        </a:defRPr>
+      </a:lvl8pPr>
+      <a:lvl9pPr marL="3657600" algn="l" defTabSz="914400" rtl="0" eaLnBrk="1" latinLnBrk="0" hangingPunct="1">
+        <a:defRPr sz="1800" kern="1200">
+          <a:solidFill>
+            <a:schemeClr val="tx1"/>
+          </a:solidFill>
+          <a:latin typeface="+mn-lt"/>
+          <a:ea typeface="+mn-ea"/>
+          <a:cs typeface="+mn-cs"/>
+        </a:defRPr>
+      </a:lvl9pPr>
+    </p:otherStyle>
+  </p:txStyles>
 </p:sldMaster>
 </file>
 
 <file path=ppt/slides/slide1.xml><?xml version="1.0" encoding="utf-8"?>
-<p:sld xmlns:a="http://schemas.openxmlformats.org/drawingml/2006/main" xmlns:p="http://schemas.openxmlformats.org/presentationml/2006/main" xmlns:r="http://schemas.openxmlformats.org/officeDocument/2006/relationships" xmlns:p14="http://schemas.microsoft.com/office/powerpoint/2010/main" xmlns:p15="http://schemas.microsoft.com/office/powerpoint/2012/main" xmlns:mc="http://schemas.openxmlformats.org/markup-compatibility/2006">
+<p:sld xmlns:a="http://schemas.openxmlformats.org/drawingml/2006/main" xmlns:r="http://schemas.openxmlformats.org/officeDocument/2006/relationships" xmlns:p="http://schemas.openxmlformats.org/presentationml/2006/main">
   <p:cSld>
     <p:bg>
       <p:bgPr>
         <a:solidFill>
-          <a:srgbClr val="242c41"/>
+          <a:srgbClr val="242C41"/>
         </a:solidFill>
+        <a:effectLst/>
       </p:bgPr>
     </p:bg>
     <p:spTree>
@@ -4409,8 +5211,8 @@
           <p:nvPr/>
         </p:nvPicPr>
         <p:blipFill>
-          <a:blip r:embed="rId1"/>
-          <a:srcRect l="0" t="11546" r="0" b="4184"/>
+          <a:blip r:embed="rId2"/>
+          <a:srcRect t="11546" b="4184"/>
           <a:stretch/>
         </p:blipFill>
         <p:spPr>
@@ -4441,6 +5243,7 @@
             <a:avLst/>
             <a:gdLst/>
             <a:ahLst/>
+            <a:cxnLst/>
             <a:rect l="l" t="t" r="r" b="b"/>
             <a:pathLst>
               <a:path w="12192000" h="6858000">
@@ -4534,9 +5337,10 @@
           </a:ln>
         </p:spPr>
         <p:txBody>
-          <a:bodyPr lIns="0" rIns="0" tIns="0" bIns="0" anchor="b">
+          <a:bodyPr lIns="0" tIns="0" rIns="0" bIns="0" anchor="b">
             <a:normAutofit/>
           </a:bodyPr>
+          <a:lstStyle/>
           <a:p>
             <a:pPr>
               <a:lnSpc>
@@ -4545,16 +5349,16 @@
               <a:buNone/>
             </a:pPr>
             <a:r>
-              <a:rPr b="0" lang="de-DE" sz="4800" spc="-1" strike="noStrike">
+              <a:rPr lang="de-DE" sz="4800" b="0" strike="noStrike" spc="-1">
                 <a:solidFill>
-                  <a:srgbClr val="ffffff"/>
+                  <a:srgbClr val="FFFFFF"/>
                 </a:solidFill>
                 <a:latin typeface="Georgia Pro Light"/>
                 <a:ea typeface="DejaVu Sans"/>
               </a:rPr>
               <a:t>Smartbooze</a:t>
             </a:r>
-            <a:endParaRPr b="0" lang="de-DE" sz="4800" spc="-1" strike="noStrike">
+            <a:endParaRPr lang="de-DE" sz="4800" b="0" strike="noStrike" spc="-1">
               <a:solidFill>
                 <a:srgbClr val="000000"/>
               </a:solidFill>
@@ -4587,9 +5391,10 @@
           </a:ln>
         </p:spPr>
         <p:txBody>
-          <a:bodyPr lIns="0" rIns="0" tIns="0" bIns="0" anchor="b">
+          <a:bodyPr lIns="0" tIns="0" rIns="0" bIns="0" anchor="b">
             <a:normAutofit/>
           </a:bodyPr>
+          <a:lstStyle/>
           <a:p>
             <a:pPr marL="228600" indent="-228600">
               <a:lnSpc>
@@ -4600,20 +5405,20 @@
               </a:spcBef>
               <a:buNone/>
               <a:tabLst>
-                <a:tab algn="l" pos="0"/>
+                <a:tab pos="0" algn="l"/>
               </a:tabLst>
             </a:pPr>
             <a:r>
-              <a:rPr b="0" lang="de-DE" sz="1800" spc="296" strike="noStrike" cap="all">
+              <a:rPr lang="de-DE" sz="1800" b="0" strike="noStrike" cap="all" spc="296">
                 <a:solidFill>
-                  <a:srgbClr val="ffffff"/>
+                  <a:srgbClr val="FFFFFF"/>
                 </a:solidFill>
                 <a:latin typeface="Georgia Pro Light"/>
                 <a:ea typeface="DejaVu Sans"/>
               </a:rPr>
               <a:t>Internet of THINGS</a:t>
             </a:r>
-            <a:endParaRPr b="0" lang="en-US" sz="1800" spc="-1" strike="noStrike">
+            <a:endParaRPr lang="en-US" sz="1800" b="0" strike="noStrike" spc="-1">
               <a:latin typeface="Arial"/>
             </a:endParaRPr>
           </a:p>
@@ -4635,7 +5440,7 @@
           </a:prstGeom>
           <a:ln w="10795">
             <a:solidFill>
-              <a:srgbClr val="ffffff"/>
+              <a:srgbClr val="FFFFFF"/>
             </a:solidFill>
           </a:ln>
         </p:spPr>
@@ -4672,15 +5477,22 @@
           </a:ln>
         </p:spPr>
         <p:style>
-          <a:lnRef idx="0"/>
-          <a:fillRef idx="0"/>
-          <a:effectRef idx="0"/>
+          <a:lnRef idx="0">
+            <a:scrgbClr r="0" g="0" b="0"/>
+          </a:lnRef>
+          <a:fillRef idx="0">
+            <a:scrgbClr r="0" g="0" b="0"/>
+          </a:fillRef>
+          <a:effectRef idx="0">
+            <a:scrgbClr r="0" g="0" b="0"/>
+          </a:effectRef>
           <a:fontRef idx="minor"/>
         </p:style>
         <p:txBody>
-          <a:bodyPr lIns="90000" rIns="90000" tIns="45000" bIns="45000" anchor="t">
+          <a:bodyPr lIns="90000" tIns="45000" rIns="90000" bIns="45000" anchor="t">
             <a:spAutoFit/>
           </a:bodyPr>
+          <a:lstStyle/>
           <a:p>
             <a:pPr>
               <a:lnSpc>
@@ -4689,16 +5501,16 @@
               <a:buNone/>
             </a:pPr>
             <a:r>
-              <a:rPr b="0" lang="de-DE" sz="1800" spc="-1" strike="noStrike">
+              <a:rPr lang="de-DE" sz="1800" b="0" strike="noStrike" spc="-1">
                 <a:solidFill>
-                  <a:srgbClr val="ffffff"/>
+                  <a:srgbClr val="FFFFFF"/>
                 </a:solidFill>
                 <a:latin typeface="Georgia Pro Light"/>
                 <a:ea typeface="DejaVu Sans"/>
               </a:rPr>
               <a:t>Diego Kuderna, Jonas Tulodziecki, Simeon Ruoss, Tobias Schmalzried</a:t>
             </a:r>
-            <a:endParaRPr b="0" lang="en-US" sz="1800" spc="-1" strike="noStrike">
+            <a:endParaRPr lang="en-US" sz="1800" b="0" strike="noStrike" spc="-1">
               <a:latin typeface="Arial"/>
             </a:endParaRPr>
           </a:p>
@@ -4706,19 +5518,14 @@
       </p:sp>
     </p:spTree>
   </p:cSld>
-  <mc:AlternateContent>
-    <mc:Choice Requires="p14">
-      <p:transition spd="slow" p14:dur="2000"/>
-    </mc:Choice>
-    <mc:Fallback>
-      <p:transition spd="slow"/>
-    </mc:Fallback>
-  </mc:AlternateContent>
+  <p:clrMapOvr>
+    <a:masterClrMapping/>
+  </p:clrMapOvr>
 </p:sld>
 </file>
 
 <file path=ppt/slides/slide10.xml><?xml version="1.0" encoding="utf-8"?>
-<p:sld xmlns:a="http://schemas.openxmlformats.org/drawingml/2006/main" xmlns:p="http://schemas.openxmlformats.org/presentationml/2006/main" xmlns:r="http://schemas.openxmlformats.org/officeDocument/2006/relationships" xmlns:p14="http://schemas.microsoft.com/office/powerpoint/2010/main" xmlns:p15="http://schemas.microsoft.com/office/powerpoint/2012/main" xmlns:mc="http://schemas.openxmlformats.org/markup-compatibility/2006">
+<p:sld xmlns:a="http://schemas.openxmlformats.org/drawingml/2006/main" xmlns:r="http://schemas.openxmlformats.org/officeDocument/2006/relationships" xmlns:p="http://schemas.openxmlformats.org/presentationml/2006/main">
   <p:cSld>
     <p:spTree>
       <p:nvGrpSpPr>
@@ -4736,7 +5543,7 @@
       </p:grpSpPr>
       <p:sp>
         <p:nvSpPr>
-          <p:cNvPr id="129" name="PlaceHolder 1"/>
+          <p:cNvPr id="125" name="PlaceHolder 1"/>
           <p:cNvSpPr>
             <a:spLocks noGrp="1"/>
           </p:cNvSpPr>
@@ -4758,38 +5565,39 @@
           </a:ln>
         </p:spPr>
         <p:txBody>
-          <a:bodyPr lIns="90000" rIns="90000" tIns="45000" bIns="45000" anchor="b">
+          <a:bodyPr lIns="90000" tIns="45000" rIns="90000" bIns="45000" anchor="b">
             <a:noAutofit/>
           </a:bodyPr>
+          <a:lstStyle/>
           <a:p>
             <a:pPr>
               <a:lnSpc>
-                <a:spcPct val="90000"/>
+                <a:spcPct val="100000"/>
               </a:lnSpc>
               <a:buNone/>
             </a:pPr>
             <a:r>
-              <a:rPr b="0" lang="en-US" sz="4400" spc="-1" strike="noStrike">
+              <a:rPr lang="de-DE" sz="4400" b="0" strike="noStrike" spc="-1">
                 <a:solidFill>
-                  <a:srgbClr val="ffffff"/>
+                  <a:srgbClr val="E2E8E2"/>
                 </a:solidFill>
                 <a:latin typeface="Georgia Pro Light"/>
                 <a:ea typeface="DejaVu Sans"/>
               </a:rPr>
-              <a:t>Wettbewerb</a:t>
+              <a:t>Markt &amp; Marketing</a:t>
             </a:r>
-            <a:endParaRPr b="0" lang="de-DE" sz="4400" spc="-1" strike="noStrike">
-              <a:solidFill>
-                <a:srgbClr val="000000"/>
-              </a:solidFill>
-              <a:latin typeface="Arial"/>
-            </a:endParaRPr>
-          </a:p>
-        </p:txBody>
-      </p:sp>
-      <p:sp>
-        <p:nvSpPr>
-          <p:cNvPr id="130" name="PlaceHolder 2"/>
+            <a:endParaRPr lang="de-DE" sz="4400" b="0" strike="noStrike" spc="-1">
+              <a:solidFill>
+                <a:srgbClr val="000000"/>
+              </a:solidFill>
+              <a:latin typeface="Arial"/>
+            </a:endParaRPr>
+          </a:p>
+        </p:txBody>
+      </p:sp>
+      <p:sp>
+        <p:nvSpPr>
+          <p:cNvPr id="126" name="PlaceHolder 2"/>
           <p:cNvSpPr>
             <a:spLocks noGrp="1"/>
           </p:cNvSpPr>
@@ -4811,35 +5619,219 @@
           </a:ln>
         </p:spPr>
         <p:txBody>
-          <a:bodyPr lIns="0" rIns="0" tIns="0" bIns="0" anchor="t">
-            <a:noAutofit/>
-          </a:bodyPr>
+          <a:bodyPr lIns="0" tIns="0" rIns="0" bIns="0" anchor="t">
+            <a:normAutofit/>
+          </a:bodyPr>
+          <a:lstStyle/>
           <a:p>
             <a:pPr marL="228600" indent="-228600">
               <a:lnSpc>
-                <a:spcPct val="120000"/>
+                <a:spcPct val="90000"/>
               </a:lnSpc>
               <a:spcBef>
                 <a:spcPts val="1001"/>
               </a:spcBef>
               <a:buClr>
-                <a:srgbClr val="e2e8e2"/>
+                <a:srgbClr val="D9D9D9"/>
               </a:buClr>
-              <a:buSzPct val="70000"/>
               <a:buFont typeface="Arial"/>
               <a:buChar char="•"/>
             </a:pPr>
             <a:r>
-              <a:rPr b="0" lang="de-DE" sz="2000" spc="-1" strike="noStrike">
+              <a:rPr lang="de-DE" sz="2000" b="0" strike="noStrike" spc="-1" dirty="0">
                 <a:solidFill>
-                  <a:srgbClr val="e2e8e2"/>
+                  <a:srgbClr val="D9D9D9"/>
                 </a:solidFill>
                 <a:latin typeface="Georgia Pro Light"/>
                 <a:ea typeface="DejaVu Sans"/>
               </a:rPr>
-              <a:t>Ace Alkoholtester mit Smarten Funktionen ab ca. 95€</a:t>
+              <a:t>Einsatz im Auto zur Fahrerkontrolle</a:t>
             </a:r>
-            <a:endParaRPr b="0" lang="de-DE" sz="2000" spc="-1" strike="noStrike">
+          </a:p>
+          <a:p>
+            <a:pPr marL="228600" indent="-228600">
+              <a:lnSpc>
+                <a:spcPct val="90000"/>
+              </a:lnSpc>
+              <a:spcBef>
+                <a:spcPts val="1001"/>
+              </a:spcBef>
+              <a:buClr>
+                <a:srgbClr val="D9D9D9"/>
+              </a:buClr>
+              <a:buFont typeface="Arial"/>
+              <a:buChar char="•"/>
+            </a:pPr>
+            <a:endParaRPr lang="de-DE" sz="2000" b="0" strike="noStrike" spc="-1" dirty="0">
+              <a:solidFill>
+                <a:srgbClr val="000000"/>
+              </a:solidFill>
+              <a:latin typeface="Arial"/>
+            </a:endParaRPr>
+          </a:p>
+          <a:p>
+            <a:pPr marL="228600" indent="-228600">
+              <a:lnSpc>
+                <a:spcPct val="90000"/>
+              </a:lnSpc>
+              <a:spcBef>
+                <a:spcPts val="1001"/>
+              </a:spcBef>
+              <a:buClr>
+                <a:srgbClr val="D9D9D9"/>
+              </a:buClr>
+              <a:buFont typeface="Arial"/>
+              <a:buChar char="•"/>
+            </a:pPr>
+            <a:r>
+              <a:rPr lang="de-DE" sz="2000" b="0" strike="noStrike" spc="-1" dirty="0">
+                <a:solidFill>
+                  <a:srgbClr val="D9D9D9"/>
+                </a:solidFill>
+                <a:latin typeface="Georgia Pro Light"/>
+                <a:ea typeface="DejaVu Sans"/>
+              </a:rPr>
+              <a:t>Daten für Versicherungen/Statistiken</a:t>
+            </a:r>
+          </a:p>
+          <a:p>
+            <a:pPr marL="228600" indent="-228600">
+              <a:lnSpc>
+                <a:spcPct val="90000"/>
+              </a:lnSpc>
+              <a:spcBef>
+                <a:spcPts val="1001"/>
+              </a:spcBef>
+              <a:buClr>
+                <a:srgbClr val="D9D9D9"/>
+              </a:buClr>
+              <a:buFont typeface="Arial"/>
+              <a:buChar char="•"/>
+            </a:pPr>
+            <a:endParaRPr lang="de-DE" sz="2000" b="0" strike="noStrike" spc="-1" dirty="0">
+              <a:solidFill>
+                <a:srgbClr val="000000"/>
+              </a:solidFill>
+              <a:latin typeface="Arial"/>
+            </a:endParaRPr>
+          </a:p>
+          <a:p>
+            <a:pPr marL="228600" indent="-228600">
+              <a:lnSpc>
+                <a:spcPct val="90000"/>
+              </a:lnSpc>
+              <a:spcBef>
+                <a:spcPts val="1001"/>
+              </a:spcBef>
+              <a:buClr>
+                <a:srgbClr val="D9D9D9"/>
+              </a:buClr>
+              <a:buFont typeface="Arial"/>
+              <a:buChar char="•"/>
+            </a:pPr>
+            <a:r>
+              <a:rPr lang="de-DE" sz="2000" b="0" strike="noStrike" spc="-1" dirty="0">
+                <a:solidFill>
+                  <a:srgbClr val="D9D9D9"/>
+                </a:solidFill>
+                <a:latin typeface="Georgia Pro Light"/>
+                <a:ea typeface="DejaVu Sans"/>
+              </a:rPr>
+              <a:t>Bei Vergehen können Behörden den Alkoholkonsum mit Videobeweis prüfen</a:t>
+            </a:r>
+          </a:p>
+          <a:p>
+            <a:pPr marL="228600" indent="-228600">
+              <a:lnSpc>
+                <a:spcPct val="90000"/>
+              </a:lnSpc>
+              <a:spcBef>
+                <a:spcPts val="1001"/>
+              </a:spcBef>
+              <a:buClr>
+                <a:srgbClr val="D9D9D9"/>
+              </a:buClr>
+              <a:buFont typeface="Arial"/>
+              <a:buChar char="•"/>
+            </a:pPr>
+            <a:endParaRPr lang="de-DE" sz="2000" b="0" strike="noStrike" spc="-1" dirty="0">
+              <a:solidFill>
+                <a:srgbClr val="000000"/>
+              </a:solidFill>
+              <a:latin typeface="Arial"/>
+            </a:endParaRPr>
+          </a:p>
+          <a:p>
+            <a:pPr marL="228600" indent="-228600">
+              <a:lnSpc>
+                <a:spcPct val="90000"/>
+              </a:lnSpc>
+              <a:spcBef>
+                <a:spcPts val="1001"/>
+              </a:spcBef>
+              <a:buClr>
+                <a:srgbClr val="D9D9D9"/>
+              </a:buClr>
+              <a:buFont typeface="Arial"/>
+              <a:buChar char="•"/>
+            </a:pPr>
+            <a:r>
+              <a:rPr lang="de-DE" sz="2000" b="0" strike="noStrike" spc="-1" dirty="0">
+                <a:solidFill>
+                  <a:srgbClr val="D9D9D9"/>
+                </a:solidFill>
+                <a:latin typeface="Georgia Pro Light"/>
+                <a:ea typeface="DejaVu Sans"/>
+              </a:rPr>
+              <a:t>Selbstkontrolle, bewussteren Umgang mit Alkohol fördern</a:t>
+            </a:r>
+          </a:p>
+          <a:p>
+            <a:pPr marL="228600" indent="-228600">
+              <a:lnSpc>
+                <a:spcPct val="90000"/>
+              </a:lnSpc>
+              <a:spcBef>
+                <a:spcPts val="1001"/>
+              </a:spcBef>
+              <a:buClr>
+                <a:srgbClr val="D9D9D9"/>
+              </a:buClr>
+              <a:buFont typeface="Arial"/>
+              <a:buChar char="•"/>
+            </a:pPr>
+            <a:endParaRPr lang="de-DE" sz="2000" b="0" strike="noStrike" spc="-1" dirty="0">
+              <a:solidFill>
+                <a:srgbClr val="000000"/>
+              </a:solidFill>
+              <a:latin typeface="Arial"/>
+            </a:endParaRPr>
+          </a:p>
+          <a:p>
+            <a:pPr marL="228600" indent="-228600">
+              <a:lnSpc>
+                <a:spcPct val="90000"/>
+              </a:lnSpc>
+              <a:spcBef>
+                <a:spcPts val="1001"/>
+              </a:spcBef>
+              <a:buClr>
+                <a:srgbClr val="D9D9D9"/>
+              </a:buClr>
+              <a:buFont typeface="Arial"/>
+              <a:buChar char="•"/>
+            </a:pPr>
+            <a:r>
+              <a:rPr lang="de-DE" sz="2000" b="0" strike="noStrike" spc="-1" dirty="0">
+                <a:solidFill>
+                  <a:srgbClr val="D9D9D9"/>
+                </a:solidFill>
+                <a:latin typeface="Georgia Pro Light"/>
+                <a:ea typeface="DejaVu Sans"/>
+              </a:rPr>
+              <a:t>Erinnerungen an Abstinenz -&gt; Belohnungssystem</a:t>
+            </a:r>
+            <a:endParaRPr lang="de-DE" sz="2000" b="0" strike="noStrike" spc="-1" dirty="0">
               <a:solidFill>
                 <a:srgbClr val="000000"/>
               </a:solidFill>
@@ -4856,7 +5848,7 @@
               </a:spcBef>
               <a:buNone/>
             </a:pPr>
-            <a:endParaRPr b="0" lang="de-DE" sz="2000" spc="-1" strike="noStrike">
+            <a:endParaRPr lang="de-DE" sz="2000" b="0" strike="noStrike" spc="-1" dirty="0">
               <a:solidFill>
                 <a:srgbClr val="000000"/>
               </a:solidFill>
@@ -4867,19 +5859,14 @@
       </p:sp>
     </p:spTree>
   </p:cSld>
-  <mc:AlternateContent>
-    <mc:Choice Requires="p14">
-      <p:transition spd="slow" p14:dur="2000"/>
-    </mc:Choice>
-    <mc:Fallback>
-      <p:transition spd="slow"/>
-    </mc:Fallback>
-  </mc:AlternateContent>
+  <p:clrMapOvr>
+    <a:masterClrMapping/>
+  </p:clrMapOvr>
 </p:sld>
 </file>
 
 <file path=ppt/slides/slide11.xml><?xml version="1.0" encoding="utf-8"?>
-<p:sld xmlns:a="http://schemas.openxmlformats.org/drawingml/2006/main" xmlns:p="http://schemas.openxmlformats.org/presentationml/2006/main" xmlns:r="http://schemas.openxmlformats.org/officeDocument/2006/relationships" xmlns:p14="http://schemas.microsoft.com/office/powerpoint/2010/main" xmlns:p15="http://schemas.microsoft.com/office/powerpoint/2012/main" xmlns:mc="http://schemas.openxmlformats.org/markup-compatibility/2006">
+<p:sld xmlns:a="http://schemas.openxmlformats.org/drawingml/2006/main" xmlns:r="http://schemas.openxmlformats.org/officeDocument/2006/relationships" xmlns:p="http://schemas.openxmlformats.org/presentationml/2006/main">
   <p:cSld>
     <p:spTree>
       <p:nvGrpSpPr>
@@ -4897,7 +5884,7 @@
       </p:grpSpPr>
       <p:sp>
         <p:nvSpPr>
-          <p:cNvPr id="131" name="PlaceHolder 1"/>
+          <p:cNvPr id="127" name="PlaceHolder 1"/>
           <p:cNvSpPr>
             <a:spLocks noGrp="1"/>
           </p:cNvSpPr>
@@ -4919,38 +5906,39 @@
           </a:ln>
         </p:spPr>
         <p:txBody>
-          <a:bodyPr lIns="90000" rIns="90000" tIns="45000" bIns="45000" anchor="b">
+          <a:bodyPr lIns="90000" tIns="45000" rIns="90000" bIns="45000" anchor="b">
             <a:noAutofit/>
           </a:bodyPr>
+          <a:lstStyle/>
           <a:p>
             <a:pPr>
               <a:lnSpc>
-                <a:spcPct val="90000"/>
+                <a:spcPct val="100000"/>
               </a:lnSpc>
               <a:buNone/>
             </a:pPr>
             <a:r>
-              <a:rPr b="0" lang="en-US" sz="4400" spc="-1" strike="noStrike">
+              <a:rPr lang="de-DE" sz="4400" b="0" strike="noStrike" spc="-1">
                 <a:solidFill>
-                  <a:srgbClr val="ffffff"/>
+                  <a:srgbClr val="E2E8E2"/>
                 </a:solidFill>
                 <a:latin typeface="Georgia Pro Light"/>
                 <a:ea typeface="DejaVu Sans"/>
               </a:rPr>
-              <a:t>Proof of Concept, Testimonials &amp; Meilensteine</a:t>
+              <a:t>Alleinstellungsmerkmal</a:t>
             </a:r>
-            <a:endParaRPr b="0" lang="de-DE" sz="4400" spc="-1" strike="noStrike">
-              <a:solidFill>
-                <a:srgbClr val="000000"/>
-              </a:solidFill>
-              <a:latin typeface="Arial"/>
-            </a:endParaRPr>
-          </a:p>
-        </p:txBody>
-      </p:sp>
-      <p:sp>
-        <p:nvSpPr>
-          <p:cNvPr id="132" name="PlaceHolder 2"/>
+            <a:endParaRPr lang="de-DE" sz="4400" b="0" strike="noStrike" spc="-1">
+              <a:solidFill>
+                <a:srgbClr val="000000"/>
+              </a:solidFill>
+              <a:latin typeface="Arial"/>
+            </a:endParaRPr>
+          </a:p>
+        </p:txBody>
+      </p:sp>
+      <p:sp>
+        <p:nvSpPr>
+          <p:cNvPr id="128" name="PlaceHolder 2"/>
           <p:cNvSpPr>
             <a:spLocks noGrp="1"/>
           </p:cNvSpPr>
@@ -4972,11 +5960,134 @@
           </a:ln>
         </p:spPr>
         <p:txBody>
-          <a:bodyPr lIns="0" rIns="0" tIns="0" bIns="0" anchor="t">
-            <a:noAutofit/>
-          </a:bodyPr>
-          <a:p>
-            <a:endParaRPr b="0" lang="de-DE" sz="2800" spc="-1" strike="noStrike">
+          <a:bodyPr lIns="0" tIns="0" rIns="0" bIns="0" anchor="t">
+            <a:normAutofit/>
+          </a:bodyPr>
+          <a:lstStyle/>
+          <a:p>
+            <a:pPr marL="228600" indent="-228600">
+              <a:lnSpc>
+                <a:spcPct val="120000"/>
+              </a:lnSpc>
+              <a:spcBef>
+                <a:spcPts val="1001"/>
+              </a:spcBef>
+              <a:buClr>
+                <a:srgbClr val="E2E8E2"/>
+              </a:buClr>
+              <a:buSzPct val="70000"/>
+              <a:buFont typeface="Arial"/>
+              <a:buChar char="•"/>
+            </a:pPr>
+            <a:r>
+              <a:rPr lang="de-DE" sz="2000" b="0" strike="noStrike" spc="-1">
+                <a:solidFill>
+                  <a:srgbClr val="E2E8E2"/>
+                </a:solidFill>
+                <a:latin typeface="Georgia Pro Light"/>
+                <a:ea typeface="DejaVu Sans"/>
+              </a:rPr>
+              <a:t>Messdaten gehen nicht sofort verloren</a:t>
+            </a:r>
+            <a:endParaRPr lang="de-DE" sz="2000" b="0" strike="noStrike" spc="-1">
+              <a:solidFill>
+                <a:srgbClr val="000000"/>
+              </a:solidFill>
+              <a:latin typeface="Arial"/>
+            </a:endParaRPr>
+          </a:p>
+          <a:p>
+            <a:pPr>
+              <a:lnSpc>
+                <a:spcPct val="120000"/>
+              </a:lnSpc>
+              <a:spcBef>
+                <a:spcPts val="1001"/>
+              </a:spcBef>
+              <a:buNone/>
+            </a:pPr>
+            <a:endParaRPr lang="de-DE" sz="2000" b="0" strike="noStrike" spc="-1">
+              <a:solidFill>
+                <a:srgbClr val="000000"/>
+              </a:solidFill>
+              <a:latin typeface="Arial"/>
+            </a:endParaRPr>
+          </a:p>
+          <a:p>
+            <a:pPr marL="228600" indent="-228600">
+              <a:lnSpc>
+                <a:spcPct val="120000"/>
+              </a:lnSpc>
+              <a:spcBef>
+                <a:spcPts val="1001"/>
+              </a:spcBef>
+              <a:buClr>
+                <a:srgbClr val="E2E8E2"/>
+              </a:buClr>
+              <a:buSzPct val="70000"/>
+              <a:buFont typeface="Arial"/>
+              <a:buChar char="•"/>
+            </a:pPr>
+            <a:r>
+              <a:rPr lang="de-DE" sz="2000" b="0" strike="noStrike" spc="-1">
+                <a:solidFill>
+                  <a:srgbClr val="E2E8E2"/>
+                </a:solidFill>
+                <a:latin typeface="Georgia Pro Light"/>
+                <a:ea typeface="DejaVu Sans"/>
+              </a:rPr>
+              <a:t>Internetanbindung über WLAN </a:t>
+            </a:r>
+            <a:endParaRPr lang="de-DE" sz="2000" b="0" strike="noStrike" spc="-1">
+              <a:solidFill>
+                <a:srgbClr val="000000"/>
+              </a:solidFill>
+              <a:latin typeface="Arial"/>
+            </a:endParaRPr>
+          </a:p>
+          <a:p>
+            <a:pPr>
+              <a:lnSpc>
+                <a:spcPct val="120000"/>
+              </a:lnSpc>
+              <a:spcBef>
+                <a:spcPts val="1001"/>
+              </a:spcBef>
+              <a:buNone/>
+            </a:pPr>
+            <a:endParaRPr lang="de-DE" sz="2000" b="0" strike="noStrike" spc="-1">
+              <a:solidFill>
+                <a:srgbClr val="000000"/>
+              </a:solidFill>
+              <a:latin typeface="Arial"/>
+            </a:endParaRPr>
+          </a:p>
+          <a:p>
+            <a:pPr marL="228600" indent="-228600">
+              <a:lnSpc>
+                <a:spcPct val="120000"/>
+              </a:lnSpc>
+              <a:spcBef>
+                <a:spcPts val="1001"/>
+              </a:spcBef>
+              <a:buClr>
+                <a:srgbClr val="E2E8E2"/>
+              </a:buClr>
+              <a:buSzPct val="70000"/>
+              <a:buFont typeface="Arial"/>
+              <a:buChar char="•"/>
+            </a:pPr>
+            <a:r>
+              <a:rPr lang="de-DE" sz="2000" b="0" strike="noStrike" spc="-1">
+                <a:solidFill>
+                  <a:srgbClr val="E2E8E2"/>
+                </a:solidFill>
+                <a:latin typeface="Georgia Pro Light"/>
+                <a:ea typeface="DejaVu Sans"/>
+              </a:rPr>
+              <a:t>Erweiterung zur Mobilfunkanbindung</a:t>
+            </a:r>
+            <a:endParaRPr lang="de-DE" sz="2000" b="0" strike="noStrike" spc="-1">
               <a:solidFill>
                 <a:srgbClr val="000000"/>
               </a:solidFill>
@@ -4987,19 +6098,14 @@
       </p:sp>
     </p:spTree>
   </p:cSld>
-  <mc:AlternateContent>
-    <mc:Choice Requires="p14">
-      <p:transition spd="slow" p14:dur="2000"/>
-    </mc:Choice>
-    <mc:Fallback>
-      <p:transition spd="slow"/>
-    </mc:Fallback>
-  </mc:AlternateContent>
+  <p:clrMapOvr>
+    <a:masterClrMapping/>
+  </p:clrMapOvr>
 </p:sld>
 </file>
 
 <file path=ppt/slides/slide12.xml><?xml version="1.0" encoding="utf-8"?>
-<p:sld xmlns:a="http://schemas.openxmlformats.org/drawingml/2006/main" xmlns:p="http://schemas.openxmlformats.org/presentationml/2006/main" xmlns:r="http://schemas.openxmlformats.org/officeDocument/2006/relationships" xmlns:p14="http://schemas.microsoft.com/office/powerpoint/2010/main" xmlns:p15="http://schemas.microsoft.com/office/powerpoint/2012/main" xmlns:mc="http://schemas.openxmlformats.org/markup-compatibility/2006">
+<p:sld xmlns:a="http://schemas.openxmlformats.org/drawingml/2006/main" xmlns:r="http://schemas.openxmlformats.org/officeDocument/2006/relationships" xmlns:p="http://schemas.openxmlformats.org/presentationml/2006/main">
   <p:cSld>
     <p:spTree>
       <p:nvGrpSpPr>
@@ -5017,7 +6123,7 @@
       </p:grpSpPr>
       <p:sp>
         <p:nvSpPr>
-          <p:cNvPr id="133" name="PlaceHolder 1"/>
+          <p:cNvPr id="129" name="PlaceHolder 1"/>
           <p:cNvSpPr>
             <a:spLocks noGrp="1"/>
           </p:cNvSpPr>
@@ -5039,38 +6145,39 @@
           </a:ln>
         </p:spPr>
         <p:txBody>
-          <a:bodyPr lIns="90000" rIns="90000" tIns="45000" bIns="45000" anchor="b">
+          <a:bodyPr lIns="90000" tIns="45000" rIns="90000" bIns="45000" anchor="b">
             <a:noAutofit/>
           </a:bodyPr>
+          <a:lstStyle/>
           <a:p>
             <a:pPr>
               <a:lnSpc>
-                <a:spcPct val="100000"/>
+                <a:spcPct val="90000"/>
               </a:lnSpc>
               <a:buNone/>
             </a:pPr>
             <a:r>
-              <a:rPr b="0" lang="de-DE" sz="4400" spc="-1" strike="noStrike">
+              <a:rPr lang="en-US" sz="4400" b="0" strike="noStrike" spc="-1">
                 <a:solidFill>
-                  <a:srgbClr val="e2e8e2"/>
+                  <a:srgbClr val="FFFFFF"/>
                 </a:solidFill>
                 <a:latin typeface="Georgia Pro Light"/>
                 <a:ea typeface="DejaVu Sans"/>
               </a:rPr>
-              <a:t>Kosten des ersten Prototyps</a:t>
+              <a:t>Wettbewerb</a:t>
             </a:r>
-            <a:endParaRPr b="0" lang="de-DE" sz="4400" spc="-1" strike="noStrike">
-              <a:solidFill>
-                <a:srgbClr val="000000"/>
-              </a:solidFill>
-              <a:latin typeface="Arial"/>
-            </a:endParaRPr>
-          </a:p>
-        </p:txBody>
-      </p:sp>
-      <p:sp>
-        <p:nvSpPr>
-          <p:cNvPr id="134" name="PlaceHolder 2"/>
+            <a:endParaRPr lang="de-DE" sz="4400" b="0" strike="noStrike" spc="-1">
+              <a:solidFill>
+                <a:srgbClr val="000000"/>
+              </a:solidFill>
+              <a:latin typeface="Arial"/>
+            </a:endParaRPr>
+          </a:p>
+        </p:txBody>
+      </p:sp>
+      <p:sp>
+        <p:nvSpPr>
+          <p:cNvPr id="130" name="PlaceHolder 2"/>
           <p:cNvSpPr>
             <a:spLocks noGrp="1"/>
           </p:cNvSpPr>
@@ -5092,9 +6199,10 @@
           </a:ln>
         </p:spPr>
         <p:txBody>
-          <a:bodyPr lIns="0" rIns="0" tIns="0" bIns="0" anchor="t">
+          <a:bodyPr lIns="0" tIns="0" rIns="0" bIns="0" anchor="t">
             <a:noAutofit/>
           </a:bodyPr>
+          <a:lstStyle/>
           <a:p>
             <a:pPr marL="228600" indent="-228600">
               <a:lnSpc>
@@ -5104,247 +6212,40 @@
                 <a:spcPts val="1001"/>
               </a:spcBef>
               <a:buClr>
-                <a:srgbClr val="e2e8e2"/>
+                <a:srgbClr val="E2E8E2"/>
               </a:buClr>
               <a:buSzPct val="70000"/>
               <a:buFont typeface="Arial"/>
               <a:buChar char="•"/>
             </a:pPr>
             <a:r>
-              <a:rPr b="0" lang="de-DE" sz="2000" spc="-1" strike="noStrike">
+              <a:rPr lang="de-DE" sz="2000" b="0" strike="noStrike" spc="-1">
                 <a:solidFill>
-                  <a:srgbClr val="e2e8e2"/>
+                  <a:srgbClr val="E2E8E2"/>
                 </a:solidFill>
                 <a:latin typeface="Georgia Pro Light"/>
                 <a:ea typeface="DejaVu Sans"/>
               </a:rPr>
-              <a:t>Möglichst günstig</a:t>
+              <a:t>Ace Alkoholtester mit Smarten Funktionen ab ca. 95€</a:t>
             </a:r>
-            <a:endParaRPr b="0" lang="de-DE" sz="2000" spc="-1" strike="noStrike">
-              <a:solidFill>
-                <a:srgbClr val="000000"/>
-              </a:solidFill>
-              <a:latin typeface="Arial"/>
-            </a:endParaRPr>
-          </a:p>
-          <a:p>
-            <a:pPr marL="228600" indent="-228600">
+            <a:endParaRPr lang="de-DE" sz="2000" b="0" strike="noStrike" spc="-1">
+              <a:solidFill>
+                <a:srgbClr val="000000"/>
+              </a:solidFill>
+              <a:latin typeface="Arial"/>
+            </a:endParaRPr>
+          </a:p>
+          <a:p>
+            <a:pPr>
               <a:lnSpc>
                 <a:spcPct val="120000"/>
               </a:lnSpc>
               <a:spcBef>
                 <a:spcPts val="1001"/>
               </a:spcBef>
-              <a:buClr>
-                <a:srgbClr val="e2e8e2"/>
-              </a:buClr>
-              <a:buSzPct val="70000"/>
-              <a:buFont typeface="Arial"/>
-              <a:buChar char="•"/>
-            </a:pPr>
-            <a:r>
-              <a:rPr b="0" lang="de-DE" sz="2000" spc="-1" strike="noStrike">
-                <a:solidFill>
-                  <a:srgbClr val="e2e8e2"/>
-                </a:solidFill>
-                <a:latin typeface="Georgia Pro Light"/>
-                <a:ea typeface="DejaVu Sans"/>
-              </a:rPr>
-              <a:t>Amazon Alexa Echo Dot 50 Euro</a:t>
-            </a:r>
-            <a:endParaRPr b="0" lang="de-DE" sz="2000" spc="-1" strike="noStrike">
-              <a:solidFill>
-                <a:srgbClr val="000000"/>
-              </a:solidFill>
-              <a:latin typeface="Arial"/>
-            </a:endParaRPr>
-          </a:p>
-          <a:p>
-            <a:pPr marL="228600" indent="-228600">
-              <a:lnSpc>
-                <a:spcPct val="120000"/>
-              </a:lnSpc>
-              <a:spcBef>
-                <a:spcPts val="1001"/>
-              </a:spcBef>
-              <a:buClr>
-                <a:srgbClr val="e2e8e2"/>
-              </a:buClr>
-              <a:buSzPct val="70000"/>
-              <a:buFont typeface="Arial"/>
-              <a:buChar char="•"/>
-            </a:pPr>
-            <a:r>
-              <a:rPr b="0" lang="de-DE" sz="2000" spc="-1" strike="noStrike">
-                <a:solidFill>
-                  <a:srgbClr val="e2e8e2"/>
-                </a:solidFill>
-                <a:latin typeface="Georgia Pro Light"/>
-                <a:ea typeface="DejaVu Sans"/>
-              </a:rPr>
-              <a:t>Powerbank ca. 20 Euro</a:t>
-            </a:r>
-            <a:endParaRPr b="0" lang="de-DE" sz="2000" spc="-1" strike="noStrike">
-              <a:solidFill>
-                <a:srgbClr val="000000"/>
-              </a:solidFill>
-              <a:latin typeface="Arial"/>
-            </a:endParaRPr>
-          </a:p>
-          <a:p>
-            <a:pPr marL="228600" indent="-228600">
-              <a:lnSpc>
-                <a:spcPct val="120000"/>
-              </a:lnSpc>
-              <a:spcBef>
-                <a:spcPts val="1001"/>
-              </a:spcBef>
-              <a:buClr>
-                <a:srgbClr val="e2e8e2"/>
-              </a:buClr>
-              <a:buSzPct val="70000"/>
-              <a:buFont typeface="Arial"/>
-              <a:buChar char="•"/>
-            </a:pPr>
-            <a:r>
-              <a:rPr b="0" lang="de-DE" sz="2000" spc="-1" strike="noStrike">
-                <a:solidFill>
-                  <a:srgbClr val="e2e8e2"/>
-                </a:solidFill>
-                <a:latin typeface="Georgia Pro Light"/>
-                <a:ea typeface="DejaVu Sans"/>
-              </a:rPr>
-              <a:t>Raspberry Pi 3 Model B 70 Euro</a:t>
-            </a:r>
-            <a:endParaRPr b="0" lang="de-DE" sz="2000" spc="-1" strike="noStrike">
-              <a:solidFill>
-                <a:srgbClr val="000000"/>
-              </a:solidFill>
-              <a:latin typeface="Arial"/>
-            </a:endParaRPr>
-          </a:p>
-          <a:p>
-            <a:pPr marL="228600" indent="-228600">
-              <a:lnSpc>
-                <a:spcPct val="120000"/>
-              </a:lnSpc>
-              <a:spcBef>
-                <a:spcPts val="1001"/>
-              </a:spcBef>
-              <a:buClr>
-                <a:srgbClr val="e2e8e2"/>
-              </a:buClr>
-              <a:buSzPct val="70000"/>
-              <a:buFont typeface="Arial"/>
-              <a:buChar char="•"/>
-            </a:pPr>
-            <a:r>
-              <a:rPr b="0" lang="de-DE" sz="2000" spc="-1" strike="noStrike">
-                <a:solidFill>
-                  <a:srgbClr val="e2e8e2"/>
-                </a:solidFill>
-                <a:latin typeface="Georgia Pro Light"/>
-                <a:ea typeface="DejaVu Sans"/>
-              </a:rPr>
-              <a:t>DFRobot Gravity:Analog Alcohol Sensor(MQ3) for Arduino -&gt; günstig, schlechtere Qualität</a:t>
-            </a:r>
-            <a:endParaRPr b="0" lang="de-DE" sz="2000" spc="-1" strike="noStrike">
-              <a:solidFill>
-                <a:srgbClr val="000000"/>
-              </a:solidFill>
-              <a:latin typeface="Arial"/>
-            </a:endParaRPr>
-          </a:p>
-          <a:p>
-            <a:pPr marL="228600" indent="-228600">
-              <a:lnSpc>
-                <a:spcPct val="120000"/>
-              </a:lnSpc>
-              <a:spcBef>
-                <a:spcPts val="1001"/>
-              </a:spcBef>
-              <a:buClr>
-                <a:srgbClr val="e2e8e2"/>
-              </a:buClr>
-              <a:buSzPct val="70000"/>
-              <a:buFont typeface="Arial"/>
-              <a:buChar char="•"/>
-            </a:pPr>
-            <a:r>
-              <a:rPr b="0" lang="de-DE" sz="2000" spc="-1" strike="noStrike">
-                <a:solidFill>
-                  <a:srgbClr val="e2e8e2"/>
-                </a:solidFill>
-                <a:latin typeface="Georgia Pro Light"/>
-                <a:ea typeface="DejaVu Sans"/>
-              </a:rPr>
-              <a:t>Espressif ESP32S</a:t>
-            </a:r>
-            <a:endParaRPr b="0" lang="de-DE" sz="2000" spc="-1" strike="noStrike">
-              <a:solidFill>
-                <a:srgbClr val="000000"/>
-              </a:solidFill>
-              <a:latin typeface="Arial"/>
-            </a:endParaRPr>
-          </a:p>
-          <a:p>
-            <a:pPr marL="228600" indent="-228600">
-              <a:lnSpc>
-                <a:spcPct val="120000"/>
-              </a:lnSpc>
-              <a:spcBef>
-                <a:spcPts val="1001"/>
-              </a:spcBef>
-              <a:buClr>
-                <a:srgbClr val="e2e8e2"/>
-              </a:buClr>
-              <a:buSzPct val="70000"/>
-              <a:buFont typeface="Arial"/>
-              <a:buChar char="•"/>
-            </a:pPr>
-            <a:r>
-              <a:rPr b="0" lang="de-DE" sz="2000" spc="-1" strike="noStrike">
-                <a:solidFill>
-                  <a:srgbClr val="e2e8e2"/>
-                </a:solidFill>
-                <a:latin typeface="Georgia Pro Light"/>
-                <a:ea typeface="DejaVu Sans"/>
-              </a:rPr>
-              <a:t>C&amp;K Switches PTS 645 Series Switch</a:t>
-            </a:r>
-            <a:endParaRPr b="0" lang="de-DE" sz="2000" spc="-1" strike="noStrike">
-              <a:solidFill>
-                <a:srgbClr val="000000"/>
-              </a:solidFill>
-              <a:latin typeface="Arial"/>
-            </a:endParaRPr>
-          </a:p>
-          <a:p>
-            <a:pPr marL="228600" indent="-228600">
-              <a:lnSpc>
-                <a:spcPct val="120000"/>
-              </a:lnSpc>
-              <a:spcBef>
-                <a:spcPts val="1001"/>
-              </a:spcBef>
-              <a:buClr>
-                <a:srgbClr val="e2e8e2"/>
-              </a:buClr>
-              <a:buSzPct val="70000"/>
-              <a:buFont typeface="Arial"/>
-              <a:buChar char="•"/>
-            </a:pPr>
-            <a:r>
-              <a:rPr b="0" lang="de-DE" sz="2000" spc="-1" strike="noStrike">
-                <a:solidFill>
-                  <a:srgbClr val="e2e8e2"/>
-                </a:solidFill>
-                <a:latin typeface="Georgia Pro Light"/>
-                <a:ea typeface="DejaVu Sans"/>
-              </a:rPr>
-              <a:t>Ca. 15 Euro</a:t>
-            </a:r>
-            <a:endParaRPr b="0" lang="de-DE" sz="2000" spc="-1" strike="noStrike">
+              <a:buNone/>
+            </a:pPr>
+            <a:endParaRPr lang="de-DE" sz="2000" b="0" strike="noStrike" spc="-1">
               <a:solidFill>
                 <a:srgbClr val="000000"/>
               </a:solidFill>
@@ -5355,19 +6256,14 @@
       </p:sp>
     </p:spTree>
   </p:cSld>
-  <mc:AlternateContent>
-    <mc:Choice Requires="p14">
-      <p:transition spd="slow" p14:dur="2000"/>
-    </mc:Choice>
-    <mc:Fallback>
-      <p:transition spd="slow"/>
-    </mc:Fallback>
-  </mc:AlternateContent>
+  <p:clrMapOvr>
+    <a:masterClrMapping/>
+  </p:clrMapOvr>
 </p:sld>
 </file>
 
-<file path=ppt/slides/slide2.xml><?xml version="1.0" encoding="utf-8"?>
-<p:sld xmlns:a="http://schemas.openxmlformats.org/drawingml/2006/main" xmlns:p="http://schemas.openxmlformats.org/presentationml/2006/main" xmlns:r="http://schemas.openxmlformats.org/officeDocument/2006/relationships" xmlns:p14="http://schemas.microsoft.com/office/powerpoint/2010/main" xmlns:p15="http://schemas.microsoft.com/office/powerpoint/2012/main" xmlns:mc="http://schemas.openxmlformats.org/markup-compatibility/2006">
+<file path=ppt/slides/slide13.xml><?xml version="1.0" encoding="utf-8"?>
+<p:sld xmlns:a="http://schemas.openxmlformats.org/drawingml/2006/main" xmlns:r="http://schemas.openxmlformats.org/officeDocument/2006/relationships" xmlns:p="http://schemas.openxmlformats.org/presentationml/2006/main">
   <p:cSld>
     <p:spTree>
       <p:nvGrpSpPr>
@@ -5385,7 +6281,7 @@
       </p:grpSpPr>
       <p:sp>
         <p:nvSpPr>
-          <p:cNvPr id="91" name="PlaceHolder 1"/>
+          <p:cNvPr id="131" name="PlaceHolder 1"/>
           <p:cNvSpPr>
             <a:spLocks noGrp="1"/>
           </p:cNvSpPr>
@@ -5407,38 +6303,39 @@
           </a:ln>
         </p:spPr>
         <p:txBody>
-          <a:bodyPr lIns="90000" rIns="90000" tIns="45000" bIns="45000" anchor="b">
+          <a:bodyPr lIns="90000" tIns="45000" rIns="90000" bIns="45000" anchor="b">
             <a:noAutofit/>
           </a:bodyPr>
+          <a:lstStyle/>
           <a:p>
             <a:pPr>
               <a:lnSpc>
-                <a:spcPct val="100000"/>
+                <a:spcPct val="90000"/>
               </a:lnSpc>
               <a:buNone/>
             </a:pPr>
             <a:r>
-              <a:rPr b="0" lang="de-DE" sz="4400" spc="-1" strike="noStrike">
+              <a:rPr lang="en-US" sz="4400" b="0" strike="noStrike" spc="-1">
                 <a:solidFill>
-                  <a:srgbClr val="e2e8e2"/>
+                  <a:srgbClr val="FFFFFF"/>
                 </a:solidFill>
                 <a:latin typeface="Georgia Pro Light"/>
                 <a:ea typeface="DejaVu Sans"/>
               </a:rPr>
-              <a:t>Problem</a:t>
+              <a:t>Proof of Concept, Testimonials &amp; Meilensteine</a:t>
             </a:r>
-            <a:endParaRPr b="0" lang="de-DE" sz="4400" spc="-1" strike="noStrike">
-              <a:solidFill>
-                <a:srgbClr val="000000"/>
-              </a:solidFill>
-              <a:latin typeface="Arial"/>
-            </a:endParaRPr>
-          </a:p>
-        </p:txBody>
-      </p:sp>
-      <p:sp>
-        <p:nvSpPr>
-          <p:cNvPr id="92" name="PlaceHolder 2"/>
+            <a:endParaRPr lang="de-DE" sz="4400" b="0" strike="noStrike" spc="-1">
+              <a:solidFill>
+                <a:srgbClr val="000000"/>
+              </a:solidFill>
+              <a:latin typeface="Arial"/>
+            </a:endParaRPr>
+          </a:p>
+        </p:txBody>
+      </p:sp>
+      <p:sp>
+        <p:nvSpPr>
+          <p:cNvPr id="132" name="PlaceHolder 2"/>
           <p:cNvSpPr>
             <a:spLocks noGrp="1"/>
           </p:cNvSpPr>
@@ -5460,197 +6357,12 @@
           </a:ln>
         </p:spPr>
         <p:txBody>
-          <a:bodyPr lIns="0" rIns="0" tIns="0" bIns="0" anchor="t">
-            <a:normAutofit/>
-          </a:bodyPr>
-          <a:p>
-            <a:pPr marL="228600" indent="-228600">
-              <a:lnSpc>
-                <a:spcPct val="120000"/>
-              </a:lnSpc>
-              <a:spcBef>
-                <a:spcPts val="1001"/>
-              </a:spcBef>
-              <a:buClr>
-                <a:srgbClr val="e2e8e2"/>
-              </a:buClr>
-              <a:buSzPct val="70000"/>
-              <a:buFont typeface="Arial"/>
-              <a:buChar char="•"/>
-            </a:pPr>
-            <a:r>
-              <a:rPr b="0" lang="de-DE" sz="2000" spc="-1" strike="noStrike">
-                <a:solidFill>
-                  <a:srgbClr val="e2e8e2"/>
-                </a:solidFill>
-                <a:latin typeface="Georgia Pro Light"/>
-                <a:ea typeface="DejaVu Sans"/>
-              </a:rPr>
-              <a:t>Betrunkenes Fahren soll verhindert werden</a:t>
-            </a:r>
-            <a:endParaRPr b="0" lang="de-DE" sz="2000" spc="-1" strike="noStrike">
-              <a:solidFill>
-                <a:srgbClr val="000000"/>
-              </a:solidFill>
-              <a:latin typeface="Arial"/>
-            </a:endParaRPr>
-          </a:p>
-          <a:p>
-            <a:pPr marL="228600" indent="-228600">
-              <a:lnSpc>
-                <a:spcPct val="120000"/>
-              </a:lnSpc>
-              <a:spcBef>
-                <a:spcPts val="1001"/>
-              </a:spcBef>
-              <a:buClr>
-                <a:srgbClr val="e2e8e2"/>
-              </a:buClr>
-              <a:buSzPct val="70000"/>
-              <a:buFont typeface="Arial"/>
-              <a:buChar char="•"/>
-            </a:pPr>
-            <a:r>
-              <a:rPr b="0" lang="de-DE" sz="2000" spc="-1" strike="noStrike">
-                <a:solidFill>
-                  <a:srgbClr val="e2e8e2"/>
-                </a:solidFill>
-                <a:latin typeface="Georgia Pro Light"/>
-                <a:ea typeface="DejaVu Sans"/>
-              </a:rPr>
-              <a:t>Alkoholkonsumtracker -&gt; Analyse des Trinkverhaltens</a:t>
-            </a:r>
-            <a:endParaRPr b="0" lang="de-DE" sz="2000" spc="-1" strike="noStrike">
-              <a:solidFill>
-                <a:srgbClr val="000000"/>
-              </a:solidFill>
-              <a:latin typeface="Arial"/>
-            </a:endParaRPr>
-          </a:p>
-          <a:p>
-            <a:pPr marL="228600" indent="-228600">
-              <a:lnSpc>
-                <a:spcPct val="120000"/>
-              </a:lnSpc>
-              <a:spcBef>
-                <a:spcPts val="1001"/>
-              </a:spcBef>
-              <a:buClr>
-                <a:srgbClr val="e2e8e2"/>
-              </a:buClr>
-              <a:buSzPct val="70000"/>
-              <a:buFont typeface="Arial"/>
-              <a:buChar char="•"/>
-            </a:pPr>
-            <a:r>
-              <a:rPr b="0" lang="de-DE" sz="2000" spc="-1" strike="noStrike">
-                <a:solidFill>
-                  <a:srgbClr val="e2e8e2"/>
-                </a:solidFill>
-                <a:latin typeface="Georgia Pro Light"/>
-                <a:ea typeface="DejaVu Sans"/>
-              </a:rPr>
-              <a:t>Bewusstes Trinken von Alkohol erleichtern</a:t>
-            </a:r>
-            <a:endParaRPr b="0" lang="de-DE" sz="2000" spc="-1" strike="noStrike">
-              <a:solidFill>
-                <a:srgbClr val="000000"/>
-              </a:solidFill>
-              <a:latin typeface="Arial"/>
-            </a:endParaRPr>
-          </a:p>
-          <a:p>
-            <a:pPr marL="228600" indent="-228600">
-              <a:lnSpc>
-                <a:spcPct val="120000"/>
-              </a:lnSpc>
-              <a:spcBef>
-                <a:spcPts val="1001"/>
-              </a:spcBef>
-              <a:buClr>
-                <a:srgbClr val="e2e8e2"/>
-              </a:buClr>
-              <a:buSzPct val="70000"/>
-              <a:buFont typeface="Arial"/>
-              <a:buChar char="•"/>
-            </a:pPr>
-            <a:r>
-              <a:rPr b="0" lang="de-DE" sz="2000" spc="-1" strike="noStrike">
-                <a:solidFill>
-                  <a:srgbClr val="e2e8e2"/>
-                </a:solidFill>
-                <a:latin typeface="Georgia Pro Light"/>
-                <a:ea typeface="DejaVu Sans"/>
-              </a:rPr>
-              <a:t>Internetanbindung</a:t>
-            </a:r>
-            <a:endParaRPr b="0" lang="de-DE" sz="2000" spc="-1" strike="noStrike">
-              <a:solidFill>
-                <a:srgbClr val="000000"/>
-              </a:solidFill>
-              <a:latin typeface="Arial"/>
-            </a:endParaRPr>
-          </a:p>
-          <a:p>
-            <a:pPr marL="228600" indent="-228600">
-              <a:lnSpc>
-                <a:spcPct val="120000"/>
-              </a:lnSpc>
-              <a:spcBef>
-                <a:spcPts val="1001"/>
-              </a:spcBef>
-              <a:buClr>
-                <a:srgbClr val="e2e8e2"/>
-              </a:buClr>
-              <a:buSzPct val="70000"/>
-              <a:buFont typeface="Arial"/>
-              <a:buChar char="•"/>
-            </a:pPr>
-            <a:r>
-              <a:rPr b="0" lang="de-DE" sz="2000" spc="-1" strike="noStrike">
-                <a:solidFill>
-                  <a:srgbClr val="e2e8e2"/>
-                </a:solidFill>
-                <a:latin typeface="Georgia Pro Light"/>
-                <a:ea typeface="DejaVu Sans"/>
-              </a:rPr>
-              <a:t>Smarter Alkoholtest</a:t>
-            </a:r>
-            <a:endParaRPr b="0" lang="de-DE" sz="2000" spc="-1" strike="noStrike">
-              <a:solidFill>
-                <a:srgbClr val="000000"/>
-              </a:solidFill>
-              <a:latin typeface="Arial"/>
-            </a:endParaRPr>
-          </a:p>
-          <a:p>
-            <a:pPr>
-              <a:lnSpc>
-                <a:spcPct val="120000"/>
-              </a:lnSpc>
-              <a:spcBef>
-                <a:spcPts val="1001"/>
-              </a:spcBef>
-              <a:buNone/>
-            </a:pPr>
-            <a:endParaRPr b="0" lang="de-DE" sz="2000" spc="-1" strike="noStrike">
-              <a:solidFill>
-                <a:srgbClr val="000000"/>
-              </a:solidFill>
-              <a:latin typeface="Arial"/>
-            </a:endParaRPr>
-          </a:p>
-          <a:p>
-            <a:pPr>
-              <a:lnSpc>
-                <a:spcPct val="120000"/>
-              </a:lnSpc>
-              <a:spcBef>
-                <a:spcPts val="1001"/>
-              </a:spcBef>
-              <a:buNone/>
-            </a:pPr>
-            <a:endParaRPr b="0" lang="de-DE" sz="2000" spc="-1" strike="noStrike">
+          <a:bodyPr lIns="0" tIns="0" rIns="0" bIns="0" anchor="t">
+            <a:noAutofit/>
+          </a:bodyPr>
+          <a:lstStyle/>
+          <a:p>
+            <a:endParaRPr lang="de-DE" sz="2800" b="0" strike="noStrike" spc="-1">
               <a:solidFill>
                 <a:srgbClr val="000000"/>
               </a:solidFill>
@@ -5661,19 +6373,14 @@
       </p:sp>
     </p:spTree>
   </p:cSld>
-  <mc:AlternateContent>
-    <mc:Choice Requires="p14">
-      <p:transition spd="slow" p14:dur="2000"/>
-    </mc:Choice>
-    <mc:Fallback>
-      <p:transition spd="slow"/>
-    </mc:Fallback>
-  </mc:AlternateContent>
+  <p:clrMapOvr>
+    <a:masterClrMapping/>
+  </p:clrMapOvr>
 </p:sld>
 </file>
 
-<file path=ppt/slides/slide3.xml><?xml version="1.0" encoding="utf-8"?>
-<p:sld xmlns:a="http://schemas.openxmlformats.org/drawingml/2006/main" xmlns:p="http://schemas.openxmlformats.org/presentationml/2006/main" xmlns:r="http://schemas.openxmlformats.org/officeDocument/2006/relationships" xmlns:p14="http://schemas.microsoft.com/office/powerpoint/2010/main" xmlns:p15="http://schemas.microsoft.com/office/powerpoint/2012/main" xmlns:mc="http://schemas.openxmlformats.org/markup-compatibility/2006">
+<file path=ppt/slides/slide14.xml><?xml version="1.0" encoding="utf-8"?>
+<p:sld xmlns:a="http://schemas.openxmlformats.org/drawingml/2006/main" xmlns:r="http://schemas.openxmlformats.org/officeDocument/2006/relationships" xmlns:p="http://schemas.openxmlformats.org/presentationml/2006/main">
   <p:cSld>
     <p:spTree>
       <p:nvGrpSpPr>
@@ -5691,7 +6398,7 @@
       </p:grpSpPr>
       <p:sp>
         <p:nvSpPr>
-          <p:cNvPr id="93" name="PlaceHolder 1"/>
+          <p:cNvPr id="133" name="PlaceHolder 1"/>
           <p:cNvSpPr>
             <a:spLocks noGrp="1"/>
           </p:cNvSpPr>
@@ -5713,9 +6420,10 @@
           </a:ln>
         </p:spPr>
         <p:txBody>
-          <a:bodyPr lIns="90000" rIns="90000" tIns="45000" bIns="45000" anchor="b">
+          <a:bodyPr lIns="90000" tIns="45000" rIns="90000" bIns="45000" anchor="b">
             <a:noAutofit/>
           </a:bodyPr>
+          <a:lstStyle/>
           <a:p>
             <a:pPr>
               <a:lnSpc>
@@ -5724,27 +6432,27 @@
               <a:buNone/>
             </a:pPr>
             <a:r>
-              <a:rPr b="0" lang="de-DE" sz="4400" spc="-1" strike="noStrike">
+              <a:rPr lang="de-DE" sz="4400" b="0" strike="noStrike" spc="-1">
                 <a:solidFill>
-                  <a:srgbClr val="e2e8e2"/>
+                  <a:srgbClr val="E2E8E2"/>
                 </a:solidFill>
                 <a:latin typeface="Georgia Pro Light"/>
                 <a:ea typeface="DejaVu Sans"/>
               </a:rPr>
-              <a:t>Lösung</a:t>
+              <a:t>Kosten des ersten Prototyps</a:t>
             </a:r>
-            <a:endParaRPr b="0" lang="de-DE" sz="4400" spc="-1" strike="noStrike">
-              <a:solidFill>
-                <a:srgbClr val="000000"/>
-              </a:solidFill>
-              <a:latin typeface="Arial"/>
-            </a:endParaRPr>
-          </a:p>
-        </p:txBody>
-      </p:sp>
-      <p:sp>
-        <p:nvSpPr>
-          <p:cNvPr id="94" name="PlaceHolder 2"/>
+            <a:endParaRPr lang="de-DE" sz="4400" b="0" strike="noStrike" spc="-1">
+              <a:solidFill>
+                <a:srgbClr val="000000"/>
+              </a:solidFill>
+              <a:latin typeface="Arial"/>
+            </a:endParaRPr>
+          </a:p>
+        </p:txBody>
+      </p:sp>
+      <p:sp>
+        <p:nvSpPr>
+          <p:cNvPr id="134" name="PlaceHolder 2"/>
           <p:cNvSpPr>
             <a:spLocks noGrp="1"/>
           </p:cNvSpPr>
@@ -5766,9 +6474,10 @@
           </a:ln>
         </p:spPr>
         <p:txBody>
-          <a:bodyPr lIns="0" rIns="0" tIns="0" bIns="0" anchor="t">
-            <a:normAutofit/>
-          </a:bodyPr>
+          <a:bodyPr lIns="0" tIns="0" rIns="0" bIns="0" anchor="t">
+            <a:noAutofit/>
+          </a:bodyPr>
+          <a:lstStyle/>
           <a:p>
             <a:pPr marL="228600" indent="-228600">
               <a:lnSpc>
@@ -5778,23 +6487,23 @@
                 <a:spcPts val="1001"/>
               </a:spcBef>
               <a:buClr>
-                <a:srgbClr val="e2e8e2"/>
+                <a:srgbClr val="E2E8E2"/>
               </a:buClr>
               <a:buSzPct val="70000"/>
               <a:buFont typeface="Arial"/>
               <a:buChar char="•"/>
             </a:pPr>
             <a:r>
-              <a:rPr b="0" lang="de-DE" sz="2000" spc="-1" strike="noStrike">
+              <a:rPr lang="de-DE" sz="2000" b="0" strike="noStrike" spc="-1">
                 <a:solidFill>
-                  <a:srgbClr val="e2e8e2"/>
+                  <a:srgbClr val="E2E8E2"/>
                 </a:solidFill>
                 <a:latin typeface="Georgia Pro Light"/>
                 <a:ea typeface="DejaVu Sans"/>
               </a:rPr>
-              <a:t>Aufzeichnung der Promille-Werte</a:t>
+              <a:t>Möglichst günstig</a:t>
             </a:r>
-            <a:endParaRPr b="0" lang="de-DE" sz="2000" spc="-1" strike="noStrike">
+            <a:endParaRPr lang="de-DE" sz="2000" b="0" strike="noStrike" spc="-1">
               <a:solidFill>
                 <a:srgbClr val="000000"/>
               </a:solidFill>
@@ -5810,23 +6519,23 @@
                 <a:spcPts val="1001"/>
               </a:spcBef>
               <a:buClr>
-                <a:srgbClr val="e2e8e2"/>
+                <a:srgbClr val="E2E8E2"/>
               </a:buClr>
               <a:buSzPct val="70000"/>
               <a:buFont typeface="Arial"/>
               <a:buChar char="•"/>
             </a:pPr>
             <a:r>
-              <a:rPr b="0" lang="de-DE" sz="2000" spc="-1" strike="noStrike">
+              <a:rPr lang="de-DE" sz="2000" b="0" strike="noStrike" spc="-1">
                 <a:solidFill>
-                  <a:srgbClr val="e2e8e2"/>
+                  <a:srgbClr val="E2E8E2"/>
                 </a:solidFill>
                 <a:latin typeface="Georgia Pro Light"/>
                 <a:ea typeface="DejaVu Sans"/>
               </a:rPr>
-              <a:t>Applikation</a:t>
+              <a:t>Amazon Alexa Echo Dot 50 Euro</a:t>
             </a:r>
-            <a:endParaRPr b="0" lang="de-DE" sz="2000" spc="-1" strike="noStrike">
+            <a:endParaRPr lang="de-DE" sz="2000" b="0" strike="noStrike" spc="-1">
               <a:solidFill>
                 <a:srgbClr val="000000"/>
               </a:solidFill>
@@ -5842,23 +6551,23 @@
                 <a:spcPts val="1001"/>
               </a:spcBef>
               <a:buClr>
-                <a:srgbClr val="e2e8e2"/>
+                <a:srgbClr val="E2E8E2"/>
               </a:buClr>
               <a:buSzPct val="70000"/>
               <a:buFont typeface="Arial"/>
               <a:buChar char="•"/>
             </a:pPr>
             <a:r>
-              <a:rPr b="0" lang="de-DE" sz="2000" spc="-1" strike="noStrike">
+              <a:rPr lang="de-DE" sz="2000" b="0" strike="noStrike" spc="-1">
                 <a:solidFill>
-                  <a:srgbClr val="e2e8e2"/>
+                  <a:srgbClr val="E2E8E2"/>
                 </a:solidFill>
                 <a:latin typeface="Georgia Pro Light"/>
                 <a:ea typeface="DejaVu Sans"/>
               </a:rPr>
-              <a:t>Cloud-Anbindung über WLAN</a:t>
+              <a:t>Powerbank ca. 20 Euro</a:t>
             </a:r>
-            <a:endParaRPr b="0" lang="de-DE" sz="2000" spc="-1" strike="noStrike">
+            <a:endParaRPr lang="de-DE" sz="2000" b="0" strike="noStrike" spc="-1">
               <a:solidFill>
                 <a:srgbClr val="000000"/>
               </a:solidFill>
@@ -5874,23 +6583,151 @@
                 <a:spcPts val="1001"/>
               </a:spcBef>
               <a:buClr>
-                <a:srgbClr val="e2e8e2"/>
+                <a:srgbClr val="E2E8E2"/>
               </a:buClr>
               <a:buSzPct val="70000"/>
               <a:buFont typeface="Arial"/>
               <a:buChar char="•"/>
             </a:pPr>
             <a:r>
-              <a:rPr b="0" lang="de-DE" sz="2000" spc="-1" strike="noStrike">
+              <a:rPr lang="de-DE" sz="2000" b="0" strike="noStrike" spc="-1">
                 <a:solidFill>
-                  <a:srgbClr val="e2e8e2"/>
+                  <a:srgbClr val="E2E8E2"/>
                 </a:solidFill>
                 <a:latin typeface="Georgia Pro Light"/>
                 <a:ea typeface="DejaVu Sans"/>
               </a:rPr>
-              <a:t>Warnung vor alkoholisiertem Fahren durch einen Alexa-Skill und eine App</a:t>
+              <a:t>Raspberry Pi 3 Model B 70 Euro</a:t>
             </a:r>
-            <a:endParaRPr b="0" lang="de-DE" sz="2000" spc="-1" strike="noStrike">
+            <a:endParaRPr lang="de-DE" sz="2000" b="0" strike="noStrike" spc="-1">
+              <a:solidFill>
+                <a:srgbClr val="000000"/>
+              </a:solidFill>
+              <a:latin typeface="Arial"/>
+            </a:endParaRPr>
+          </a:p>
+          <a:p>
+            <a:pPr marL="228600" indent="-228600">
+              <a:lnSpc>
+                <a:spcPct val="120000"/>
+              </a:lnSpc>
+              <a:spcBef>
+                <a:spcPts val="1001"/>
+              </a:spcBef>
+              <a:buClr>
+                <a:srgbClr val="E2E8E2"/>
+              </a:buClr>
+              <a:buSzPct val="70000"/>
+              <a:buFont typeface="Arial"/>
+              <a:buChar char="•"/>
+            </a:pPr>
+            <a:r>
+              <a:rPr lang="de-DE" sz="2000" b="0" strike="noStrike" spc="-1">
+                <a:solidFill>
+                  <a:srgbClr val="E2E8E2"/>
+                </a:solidFill>
+                <a:latin typeface="Georgia Pro Light"/>
+                <a:ea typeface="DejaVu Sans"/>
+              </a:rPr>
+              <a:t>DFRobot Gravity:Analog Alcohol Sensor(MQ3) for Arduino -&gt; günstig, schlechtere Qualität</a:t>
+            </a:r>
+            <a:endParaRPr lang="de-DE" sz="2000" b="0" strike="noStrike" spc="-1">
+              <a:solidFill>
+                <a:srgbClr val="000000"/>
+              </a:solidFill>
+              <a:latin typeface="Arial"/>
+            </a:endParaRPr>
+          </a:p>
+          <a:p>
+            <a:pPr marL="228600" indent="-228600">
+              <a:lnSpc>
+                <a:spcPct val="120000"/>
+              </a:lnSpc>
+              <a:spcBef>
+                <a:spcPts val="1001"/>
+              </a:spcBef>
+              <a:buClr>
+                <a:srgbClr val="E2E8E2"/>
+              </a:buClr>
+              <a:buSzPct val="70000"/>
+              <a:buFont typeface="Arial"/>
+              <a:buChar char="•"/>
+            </a:pPr>
+            <a:r>
+              <a:rPr lang="de-DE" sz="2000" b="0" strike="noStrike" spc="-1">
+                <a:solidFill>
+                  <a:srgbClr val="E2E8E2"/>
+                </a:solidFill>
+                <a:latin typeface="Georgia Pro Light"/>
+                <a:ea typeface="DejaVu Sans"/>
+              </a:rPr>
+              <a:t>Espressif ESP32S</a:t>
+            </a:r>
+            <a:endParaRPr lang="de-DE" sz="2000" b="0" strike="noStrike" spc="-1">
+              <a:solidFill>
+                <a:srgbClr val="000000"/>
+              </a:solidFill>
+              <a:latin typeface="Arial"/>
+            </a:endParaRPr>
+          </a:p>
+          <a:p>
+            <a:pPr marL="228600" indent="-228600">
+              <a:lnSpc>
+                <a:spcPct val="120000"/>
+              </a:lnSpc>
+              <a:spcBef>
+                <a:spcPts val="1001"/>
+              </a:spcBef>
+              <a:buClr>
+                <a:srgbClr val="E2E8E2"/>
+              </a:buClr>
+              <a:buSzPct val="70000"/>
+              <a:buFont typeface="Arial"/>
+              <a:buChar char="•"/>
+            </a:pPr>
+            <a:r>
+              <a:rPr lang="de-DE" sz="2000" b="0" strike="noStrike" spc="-1">
+                <a:solidFill>
+                  <a:srgbClr val="E2E8E2"/>
+                </a:solidFill>
+                <a:latin typeface="Georgia Pro Light"/>
+                <a:ea typeface="DejaVu Sans"/>
+              </a:rPr>
+              <a:t>C&amp;K Switches PTS 645 Series Switch</a:t>
+            </a:r>
+            <a:endParaRPr lang="de-DE" sz="2000" b="0" strike="noStrike" spc="-1">
+              <a:solidFill>
+                <a:srgbClr val="000000"/>
+              </a:solidFill>
+              <a:latin typeface="Arial"/>
+            </a:endParaRPr>
+          </a:p>
+          <a:p>
+            <a:pPr marL="228600" indent="-228600">
+              <a:lnSpc>
+                <a:spcPct val="120000"/>
+              </a:lnSpc>
+              <a:spcBef>
+                <a:spcPts val="1001"/>
+              </a:spcBef>
+              <a:buClr>
+                <a:srgbClr val="E2E8E2"/>
+              </a:buClr>
+              <a:buSzPct val="70000"/>
+              <a:buFont typeface="Arial"/>
+              <a:buChar char="•"/>
+            </a:pPr>
+            <a:r>
+              <a:rPr lang="de-DE" sz="2000" b="0" strike="noStrike" spc="-1">
+                <a:solidFill>
+                  <a:srgbClr val="E2E8E2"/>
+                </a:solidFill>
+                <a:latin typeface="Georgia Pro Light"/>
+                <a:ea typeface="DejaVu Sans"/>
+              </a:rPr>
+              <a:t>Ca. 15 Euro</a:t>
+            </a:r>
+            <a:endParaRPr lang="de-DE" sz="2000" b="0" strike="noStrike" spc="-1">
               <a:solidFill>
                 <a:srgbClr val="000000"/>
               </a:solidFill>
@@ -5901,19 +6738,14 @@
       </p:sp>
     </p:spTree>
   </p:cSld>
-  <mc:AlternateContent>
-    <mc:Choice Requires="p14">
-      <p:transition spd="slow" p14:dur="2000"/>
-    </mc:Choice>
-    <mc:Fallback>
-      <p:transition spd="slow"/>
-    </mc:Fallback>
-  </mc:AlternateContent>
+  <p:clrMapOvr>
+    <a:masterClrMapping/>
+  </p:clrMapOvr>
 </p:sld>
 </file>
 
-<file path=ppt/slides/slide4.xml><?xml version="1.0" encoding="utf-8"?>
-<p:sld xmlns:a="http://schemas.openxmlformats.org/drawingml/2006/main" xmlns:p="http://schemas.openxmlformats.org/presentationml/2006/main" xmlns:r="http://schemas.openxmlformats.org/officeDocument/2006/relationships" xmlns:p14="http://schemas.microsoft.com/office/powerpoint/2010/main" xmlns:p15="http://schemas.microsoft.com/office/powerpoint/2012/main" xmlns:mc="http://schemas.openxmlformats.org/markup-compatibility/2006">
+<file path=ppt/slides/slide2.xml><?xml version="1.0" encoding="utf-8"?>
+<p:sld xmlns:a="http://schemas.openxmlformats.org/drawingml/2006/main" xmlns:r="http://schemas.openxmlformats.org/officeDocument/2006/relationships" xmlns:p="http://schemas.openxmlformats.org/presentationml/2006/main">
   <p:cSld>
     <p:spTree>
       <p:nvGrpSpPr>
@@ -5931,7 +6763,7 @@
       </p:grpSpPr>
       <p:sp>
         <p:nvSpPr>
-          <p:cNvPr id="95" name="PlaceHolder 1"/>
+          <p:cNvPr id="91" name="PlaceHolder 1"/>
           <p:cNvSpPr>
             <a:spLocks noGrp="1"/>
           </p:cNvSpPr>
@@ -5953,9 +6785,10 @@
           </a:ln>
         </p:spPr>
         <p:txBody>
-          <a:bodyPr lIns="90000" rIns="90000" tIns="45000" bIns="45000" anchor="b">
-            <a:normAutofit/>
-          </a:bodyPr>
+          <a:bodyPr lIns="90000" tIns="45000" rIns="90000" bIns="45000" anchor="b">
+            <a:noAutofit/>
+          </a:bodyPr>
+          <a:lstStyle/>
           <a:p>
             <a:pPr>
               <a:lnSpc>
@@ -5964,677 +6797,243 @@
               <a:buNone/>
             </a:pPr>
             <a:r>
-              <a:rPr b="0" lang="de-DE" sz="4400" spc="-1" strike="noStrike">
+              <a:rPr lang="de-DE" sz="4400" b="0" strike="noStrike" spc="-1">
                 <a:solidFill>
-                  <a:srgbClr val="e2e8e2"/>
+                  <a:srgbClr val="E2E8E2"/>
                 </a:solidFill>
                 <a:latin typeface="Georgia Pro Light"/>
                 <a:ea typeface="DejaVu Sans"/>
               </a:rPr>
-              <a:t>Aufbau des Produkts</a:t>
+              <a:t>Problem</a:t>
             </a:r>
-            <a:endParaRPr b="0" lang="de-DE" sz="4400" spc="-1" strike="noStrike">
-              <a:solidFill>
-                <a:srgbClr val="000000"/>
-              </a:solidFill>
-              <a:latin typeface="Arial"/>
-            </a:endParaRPr>
-          </a:p>
-        </p:txBody>
-      </p:sp>
-      <p:pic>
-        <p:nvPicPr>
-          <p:cNvPr id="96" name="Picture 4" descr="Powerbank Test: Die 40 besten Powerbanks 2022 im Vergleich"/>
-          <p:cNvPicPr/>
-          <p:nvPr/>
-        </p:nvPicPr>
-        <p:blipFill>
-          <a:blip r:embed="rId1"/>
-          <a:srcRect l="18331" t="16290" r="13257" b="15298"/>
-          <a:stretch/>
-        </p:blipFill>
-        <p:spPr>
-          <a:xfrm>
-            <a:off x="1314000" y="3216240"/>
-            <a:ext cx="1288080" cy="1288080"/>
-          </a:xfrm>
-          <a:prstGeom prst="rect">
-            <a:avLst/>
-          </a:prstGeom>
-          <a:ln w="0">
-            <a:noFill/>
-          </a:ln>
-        </p:spPr>
-      </p:pic>
-      <p:pic>
-        <p:nvPicPr>
-          <p:cNvPr id="97" name="Grafik 4" descr=""/>
-          <p:cNvPicPr/>
-          <p:nvPr/>
-        </p:nvPicPr>
-        <p:blipFill>
-          <a:blip r:embed="rId2"/>
-          <a:stretch/>
-        </p:blipFill>
-        <p:spPr>
-          <a:xfrm>
-            <a:off x="3494520" y="2819160"/>
-            <a:ext cx="1223640" cy="2082600"/>
-          </a:xfrm>
-          <a:prstGeom prst="rect">
-            <a:avLst/>
-          </a:prstGeom>
-          <a:ln w="0">
-            <a:noFill/>
-          </a:ln>
-        </p:spPr>
-      </p:pic>
-      <p:pic>
-        <p:nvPicPr>
-          <p:cNvPr id="98" name="Grafik 5" descr=""/>
-          <p:cNvPicPr/>
-          <p:nvPr/>
-        </p:nvPicPr>
-        <p:blipFill>
-          <a:blip r:embed="rId3"/>
-          <a:stretch/>
-        </p:blipFill>
-        <p:spPr>
-          <a:xfrm>
-            <a:off x="5839920" y="2881440"/>
-            <a:ext cx="615960" cy="911160"/>
-          </a:xfrm>
-          <a:prstGeom prst="rect">
-            <a:avLst/>
-          </a:prstGeom>
-          <a:ln w="0">
-            <a:noFill/>
-          </a:ln>
-        </p:spPr>
-      </p:pic>
-      <p:pic>
-        <p:nvPicPr>
-          <p:cNvPr id="99" name="Grafik 7" descr=""/>
-          <p:cNvPicPr/>
-          <p:nvPr/>
-        </p:nvPicPr>
-        <p:blipFill>
-          <a:blip r:embed="rId4"/>
-          <a:srcRect l="25960" t="0" r="27782" b="0"/>
-          <a:stretch/>
-        </p:blipFill>
-        <p:spPr>
-          <a:xfrm>
-            <a:off x="7919280" y="3061800"/>
-            <a:ext cx="608400" cy="1053360"/>
-          </a:xfrm>
-          <a:prstGeom prst="rect">
-            <a:avLst/>
-          </a:prstGeom>
-          <a:ln w="0">
-            <a:noFill/>
-          </a:ln>
-        </p:spPr>
-      </p:pic>
-      <p:sp>
-        <p:nvSpPr>
-          <p:cNvPr id="100" name="Pfeil nach rechts 11"/>
-          <p:cNvSpPr/>
-          <p:nvPr/>
-        </p:nvSpPr>
-        <p:spPr>
-          <a:xfrm>
-            <a:off x="2602800" y="3643200"/>
-            <a:ext cx="891000" cy="434880"/>
-          </a:xfrm>
-          <a:prstGeom prst="rightArrow">
-            <a:avLst>
-              <a:gd name="adj1" fmla="val 50000"/>
-              <a:gd name="adj2" fmla="val 50000"/>
-            </a:avLst>
-          </a:prstGeom>
-          <a:solidFill>
-            <a:srgbClr val="c24dc3"/>
-          </a:solidFill>
-          <a:ln>
-            <a:solidFill>
-              <a:srgbClr val="8f3890"/>
-            </a:solidFill>
-          </a:ln>
-        </p:spPr>
-        <p:style>
-          <a:lnRef idx="2">
-            <a:schemeClr val="accent1">
-              <a:shade val="50000"/>
-            </a:schemeClr>
-          </a:lnRef>
-          <a:fillRef idx="1">
-            <a:schemeClr val="accent1"/>
-          </a:fillRef>
-          <a:effectRef idx="0">
-            <a:schemeClr val="accent1"/>
-          </a:effectRef>
-          <a:fontRef idx="minor"/>
-        </p:style>
-      </p:sp>
-      <p:sp>
-        <p:nvSpPr>
-          <p:cNvPr id="101" name="Pfeil nach rechts 12"/>
-          <p:cNvSpPr/>
-          <p:nvPr/>
-        </p:nvSpPr>
-        <p:spPr>
-          <a:xfrm>
-            <a:off x="4718880" y="3119760"/>
-            <a:ext cx="1120320" cy="434880"/>
-          </a:xfrm>
-          <a:prstGeom prst="rightArrow">
-            <a:avLst>
-              <a:gd name="adj1" fmla="val 50000"/>
-              <a:gd name="adj2" fmla="val 50000"/>
-            </a:avLst>
-          </a:prstGeom>
-          <a:solidFill>
-            <a:srgbClr val="c24dc3"/>
-          </a:solidFill>
-          <a:ln>
-            <a:solidFill>
-              <a:srgbClr val="8f3890"/>
-            </a:solidFill>
-          </a:ln>
-        </p:spPr>
-        <p:style>
-          <a:lnRef idx="2">
-            <a:schemeClr val="accent1">
-              <a:shade val="50000"/>
-            </a:schemeClr>
-          </a:lnRef>
-          <a:fillRef idx="1">
-            <a:schemeClr val="accent1"/>
-          </a:fillRef>
-          <a:effectRef idx="0">
-            <a:schemeClr val="accent1"/>
-          </a:effectRef>
-          <a:fontRef idx="minor"/>
-        </p:style>
-      </p:sp>
-      <p:sp>
-        <p:nvSpPr>
-          <p:cNvPr id="102" name="Pfeil nach rechts 13"/>
-          <p:cNvSpPr/>
-          <p:nvPr/>
-        </p:nvSpPr>
-        <p:spPr>
-          <a:xfrm>
-            <a:off x="4718880" y="4388760"/>
-            <a:ext cx="1159560" cy="434880"/>
-          </a:xfrm>
-          <a:prstGeom prst="rightArrow">
-            <a:avLst>
-              <a:gd name="adj1" fmla="val 50000"/>
-              <a:gd name="adj2" fmla="val 50000"/>
-            </a:avLst>
-          </a:prstGeom>
-          <a:solidFill>
-            <a:srgbClr val="c24dc3"/>
-          </a:solidFill>
-          <a:ln>
-            <a:solidFill>
-              <a:srgbClr val="8f3890"/>
-            </a:solidFill>
-          </a:ln>
-        </p:spPr>
-        <p:style>
-          <a:lnRef idx="2">
-            <a:schemeClr val="accent1">
-              <a:shade val="50000"/>
-            </a:schemeClr>
-          </a:lnRef>
-          <a:fillRef idx="1">
-            <a:schemeClr val="accent1"/>
-          </a:fillRef>
-          <a:effectRef idx="0">
-            <a:schemeClr val="accent1"/>
-          </a:effectRef>
-          <a:fontRef idx="minor"/>
-        </p:style>
-      </p:sp>
-      <p:pic>
-        <p:nvPicPr>
-          <p:cNvPr id="103" name="Grafik 15" descr=""/>
-          <p:cNvPicPr/>
-          <p:nvPr/>
-        </p:nvPicPr>
-        <p:blipFill>
-          <a:blip r:embed="rId5"/>
-          <a:srcRect l="13184" t="0" r="7391" b="0"/>
-          <a:stretch/>
-        </p:blipFill>
-        <p:spPr>
-          <a:xfrm>
-            <a:off x="5925600" y="4263480"/>
-            <a:ext cx="748080" cy="559800"/>
-          </a:xfrm>
-          <a:prstGeom prst="rect">
-            <a:avLst/>
-          </a:prstGeom>
-          <a:ln w="0">
-            <a:noFill/>
-          </a:ln>
-        </p:spPr>
-      </p:pic>
-      <p:sp>
-        <p:nvSpPr>
-          <p:cNvPr id="104" name="Pfeil nach rechts 17"/>
-          <p:cNvSpPr/>
-          <p:nvPr/>
-        </p:nvSpPr>
-        <p:spPr>
-          <a:xfrm rot="19980600">
-            <a:off x="6709320" y="4091760"/>
-            <a:ext cx="1159560" cy="279000"/>
-          </a:xfrm>
-          <a:prstGeom prst="rightArrow">
-            <a:avLst>
-              <a:gd name="adj1" fmla="val 50000"/>
-              <a:gd name="adj2" fmla="val 50000"/>
-            </a:avLst>
-          </a:prstGeom>
-          <a:solidFill>
-            <a:srgbClr val="c24dc3"/>
-          </a:solidFill>
-          <a:ln>
-            <a:solidFill>
-              <a:srgbClr val="8f3890"/>
-            </a:solidFill>
-          </a:ln>
-        </p:spPr>
-        <p:style>
-          <a:lnRef idx="2">
-            <a:schemeClr val="accent1">
-              <a:shade val="50000"/>
-            </a:schemeClr>
-          </a:lnRef>
-          <a:fillRef idx="1">
-            <a:schemeClr val="accent1"/>
-          </a:fillRef>
-          <a:effectRef idx="0">
-            <a:schemeClr val="accent1"/>
-          </a:effectRef>
-          <a:fontRef idx="minor"/>
-        </p:style>
-      </p:sp>
-      <p:sp>
-        <p:nvSpPr>
-          <p:cNvPr id="105" name="Pfeil nach rechts 18"/>
-          <p:cNvSpPr/>
-          <p:nvPr/>
-        </p:nvSpPr>
-        <p:spPr>
-          <a:xfrm rot="1888200">
-            <a:off x="6699600" y="4862880"/>
-            <a:ext cx="1159560" cy="279000"/>
-          </a:xfrm>
-          <a:prstGeom prst="rightArrow">
-            <a:avLst>
-              <a:gd name="adj1" fmla="val 50000"/>
-              <a:gd name="adj2" fmla="val 50000"/>
-            </a:avLst>
-          </a:prstGeom>
-          <a:solidFill>
-            <a:srgbClr val="c24dc3"/>
-          </a:solidFill>
-          <a:ln>
-            <a:solidFill>
-              <a:srgbClr val="8f3890"/>
-            </a:solidFill>
-          </a:ln>
-        </p:spPr>
-        <p:style>
-          <a:lnRef idx="2">
-            <a:schemeClr val="accent1">
-              <a:shade val="50000"/>
-            </a:schemeClr>
-          </a:lnRef>
-          <a:fillRef idx="1">
-            <a:schemeClr val="accent1"/>
-          </a:fillRef>
-          <a:effectRef idx="0">
-            <a:schemeClr val="accent1"/>
-          </a:effectRef>
-          <a:fontRef idx="minor"/>
-        </p:style>
-      </p:sp>
-      <p:pic>
-        <p:nvPicPr>
-          <p:cNvPr id="106" name="Picture 4" descr="Alexa dot PNG transparente Bilder, Bilder, Fotos | PNG Arts"/>
-          <p:cNvPicPr/>
-          <p:nvPr/>
-        </p:nvPicPr>
-        <p:blipFill>
-          <a:blip r:embed="rId6"/>
-          <a:stretch/>
-        </p:blipFill>
-        <p:spPr>
-          <a:xfrm>
-            <a:off x="7704720" y="5215320"/>
-            <a:ext cx="1152360" cy="648000"/>
-          </a:xfrm>
-          <a:prstGeom prst="rect">
-            <a:avLst/>
-          </a:prstGeom>
-          <a:ln w="0">
-            <a:noFill/>
-          </a:ln>
-        </p:spPr>
-      </p:pic>
-      <p:sp>
-        <p:nvSpPr>
-          <p:cNvPr id="107" name="Textfeld 20"/>
-          <p:cNvSpPr/>
-          <p:nvPr/>
-        </p:nvSpPr>
-        <p:spPr>
-          <a:xfrm>
-            <a:off x="1279800" y="2786400"/>
-            <a:ext cx="1463400" cy="364680"/>
-          </a:xfrm>
-          <a:prstGeom prst="rect">
-            <a:avLst/>
-          </a:prstGeom>
-          <a:noFill/>
-          <a:ln w="0">
-            <a:noFill/>
-          </a:ln>
-        </p:spPr>
-        <p:style>
-          <a:lnRef idx="0"/>
-          <a:fillRef idx="0"/>
-          <a:effectRef idx="0"/>
-          <a:fontRef idx="minor"/>
-        </p:style>
-        <p:txBody>
-          <a:bodyPr lIns="90000" rIns="90000" tIns="45000" bIns="45000" anchor="t">
-            <a:spAutoFit/>
-          </a:bodyPr>
-          <a:p>
-            <a:pPr>
+            <a:endParaRPr lang="de-DE" sz="4400" b="0" strike="noStrike" spc="-1">
+              <a:solidFill>
+                <a:srgbClr val="000000"/>
+              </a:solidFill>
+              <a:latin typeface="Arial"/>
+            </a:endParaRPr>
+          </a:p>
+        </p:txBody>
+      </p:sp>
+      <p:sp>
+        <p:nvSpPr>
+          <p:cNvPr id="92" name="PlaceHolder 2"/>
+          <p:cNvSpPr>
+            <a:spLocks noGrp="1"/>
+          </p:cNvSpPr>
+          <p:nvPr>
+            <p:ph/>
+          </p:nvPr>
+        </p:nvSpPr>
+        <p:spPr>
+          <a:xfrm>
+            <a:off x="849600" y="2066040"/>
+            <a:ext cx="10427040" cy="3902400"/>
+          </a:xfrm>
+          <a:prstGeom prst="rect">
+            <a:avLst/>
+          </a:prstGeom>
+          <a:noFill/>
+          <a:ln w="0">
+            <a:noFill/>
+          </a:ln>
+        </p:spPr>
+        <p:txBody>
+          <a:bodyPr lIns="0" tIns="0" rIns="0" bIns="0" anchor="t">
+            <a:normAutofit/>
+          </a:bodyPr>
+          <a:lstStyle/>
+          <a:p>
+            <a:pPr marL="228600" indent="-228600">
               <a:lnSpc>
-                <a:spcPct val="100000"/>
+                <a:spcPct val="120000"/>
               </a:lnSpc>
-              <a:buNone/>
+              <a:spcBef>
+                <a:spcPts val="1001"/>
+              </a:spcBef>
+              <a:buClr>
+                <a:srgbClr val="E2E8E2"/>
+              </a:buClr>
+              <a:buSzPct val="70000"/>
+              <a:buFont typeface="Arial"/>
+              <a:buChar char="•"/>
             </a:pPr>
             <a:r>
-              <a:rPr b="0" lang="de-DE" sz="1800" spc="-1" strike="noStrike">
+              <a:rPr lang="de-DE" sz="2000" b="0" strike="noStrike" spc="-1">
                 <a:solidFill>
-                  <a:srgbClr val="ffffff"/>
+                  <a:srgbClr val="E2E8E2"/>
                 </a:solidFill>
                 <a:latin typeface="Georgia Pro Light"/>
                 <a:ea typeface="DejaVu Sans"/>
               </a:rPr>
-              <a:t>Powerbank</a:t>
+              <a:t>Betrunkenes Fahren soll verhindert werden</a:t>
             </a:r>
-            <a:endParaRPr b="0" lang="en-US" sz="1800" spc="-1" strike="noStrike">
-              <a:latin typeface="Arial"/>
-            </a:endParaRPr>
-          </a:p>
-        </p:txBody>
-      </p:sp>
-      <p:sp>
-        <p:nvSpPr>
-          <p:cNvPr id="108" name="Rechteck 21"/>
-          <p:cNvSpPr/>
-          <p:nvPr/>
-        </p:nvSpPr>
-        <p:spPr>
-          <a:xfrm>
-            <a:off x="3256920" y="2421000"/>
-            <a:ext cx="1842120" cy="364320"/>
-          </a:xfrm>
-          <a:prstGeom prst="rect">
-            <a:avLst/>
-          </a:prstGeom>
-          <a:noFill/>
-          <a:ln w="0">
-            <a:noFill/>
-          </a:ln>
-        </p:spPr>
-        <p:style>
-          <a:lnRef idx="0"/>
-          <a:fillRef idx="0"/>
-          <a:effectRef idx="0"/>
-          <a:fontRef idx="minor"/>
-        </p:style>
-        <p:txBody>
-          <a:bodyPr wrap="none" lIns="90000" rIns="90000" tIns="45000" bIns="45000" anchor="t">
-            <a:spAutoFit/>
-          </a:bodyPr>
-          <a:p>
-            <a:pPr>
+            <a:endParaRPr lang="de-DE" sz="2000" b="0" strike="noStrike" spc="-1">
+              <a:solidFill>
+                <a:srgbClr val="000000"/>
+              </a:solidFill>
+              <a:latin typeface="Arial"/>
+            </a:endParaRPr>
+          </a:p>
+          <a:p>
+            <a:pPr marL="228600" indent="-228600">
               <a:lnSpc>
-                <a:spcPct val="100000"/>
+                <a:spcPct val="120000"/>
               </a:lnSpc>
-              <a:buNone/>
+              <a:spcBef>
+                <a:spcPts val="1001"/>
+              </a:spcBef>
+              <a:buClr>
+                <a:srgbClr val="E2E8E2"/>
+              </a:buClr>
+              <a:buSzPct val="70000"/>
+              <a:buFont typeface="Arial"/>
+              <a:buChar char="•"/>
             </a:pPr>
             <a:r>
-              <a:rPr b="0" lang="de-DE" sz="1800" spc="-1" strike="noStrike">
+              <a:rPr lang="de-DE" sz="2000" b="0" strike="noStrike" spc="-1">
                 <a:solidFill>
-                  <a:srgbClr val="ffffff"/>
+                  <a:srgbClr val="E2E8E2"/>
                 </a:solidFill>
                 <a:latin typeface="Georgia Pro Light"/>
                 <a:ea typeface="DejaVu Sans"/>
               </a:rPr>
-              <a:t>Mikrocontroller</a:t>
+              <a:t>Alkoholkonsumtracker -&gt; Analyse des Trinkverhaltens</a:t>
             </a:r>
-            <a:endParaRPr b="0" lang="en-US" sz="1800" spc="-1" strike="noStrike">
-              <a:latin typeface="Arial"/>
-            </a:endParaRPr>
-          </a:p>
-        </p:txBody>
-      </p:sp>
-      <p:sp>
-        <p:nvSpPr>
-          <p:cNvPr id="109" name="Rechteck 22"/>
-          <p:cNvSpPr/>
-          <p:nvPr/>
-        </p:nvSpPr>
-        <p:spPr>
-          <a:xfrm>
-            <a:off x="5394960" y="2441880"/>
-            <a:ext cx="1809720" cy="364320"/>
-          </a:xfrm>
-          <a:prstGeom prst="rect">
-            <a:avLst/>
-          </a:prstGeom>
-          <a:noFill/>
-          <a:ln w="0">
-            <a:noFill/>
-          </a:ln>
-        </p:spPr>
-        <p:style>
-          <a:lnRef idx="0"/>
-          <a:fillRef idx="0"/>
-          <a:effectRef idx="0"/>
-          <a:fontRef idx="minor"/>
-        </p:style>
-        <p:txBody>
-          <a:bodyPr lIns="90000" rIns="90000" tIns="45000" bIns="45000" anchor="t">
-            <a:spAutoFit/>
-          </a:bodyPr>
-          <a:p>
-            <a:pPr>
+            <a:endParaRPr lang="de-DE" sz="2000" b="0" strike="noStrike" spc="-1">
+              <a:solidFill>
+                <a:srgbClr val="000000"/>
+              </a:solidFill>
+              <a:latin typeface="Arial"/>
+            </a:endParaRPr>
+          </a:p>
+          <a:p>
+            <a:pPr marL="228600" indent="-228600">
               <a:lnSpc>
-                <a:spcPct val="100000"/>
+                <a:spcPct val="120000"/>
               </a:lnSpc>
-              <a:buNone/>
+              <a:spcBef>
+                <a:spcPts val="1001"/>
+              </a:spcBef>
+              <a:buClr>
+                <a:srgbClr val="E2E8E2"/>
+              </a:buClr>
+              <a:buSzPct val="70000"/>
+              <a:buFont typeface="Arial"/>
+              <a:buChar char="•"/>
             </a:pPr>
             <a:r>
-              <a:rPr b="0" lang="de-DE" sz="1800" spc="-1" strike="noStrike">
+              <a:rPr lang="de-DE" sz="2000" b="0" strike="noStrike" spc="-1">
                 <a:solidFill>
-                  <a:srgbClr val="ffffff"/>
+                  <a:srgbClr val="E2E8E2"/>
                 </a:solidFill>
                 <a:latin typeface="Georgia Pro Light"/>
                 <a:ea typeface="DejaVu Sans"/>
               </a:rPr>
-              <a:t>Alkoholsensor</a:t>
+              <a:t>Bewusstes Trinken von Alkohol erleichtern</a:t>
             </a:r>
-            <a:endParaRPr b="0" lang="en-US" sz="1800" spc="-1" strike="noStrike">
-              <a:latin typeface="Arial"/>
-            </a:endParaRPr>
-          </a:p>
-        </p:txBody>
-      </p:sp>
-      <p:sp>
-        <p:nvSpPr>
-          <p:cNvPr id="110" name="Rechteck 23"/>
-          <p:cNvSpPr/>
-          <p:nvPr/>
-        </p:nvSpPr>
-        <p:spPr>
-          <a:xfrm>
-            <a:off x="5895000" y="3890880"/>
-            <a:ext cx="806040" cy="364320"/>
-          </a:xfrm>
-          <a:prstGeom prst="rect">
-            <a:avLst/>
-          </a:prstGeom>
-          <a:noFill/>
-          <a:ln w="0">
-            <a:noFill/>
-          </a:ln>
-        </p:spPr>
-        <p:style>
-          <a:lnRef idx="0"/>
-          <a:fillRef idx="0"/>
-          <a:effectRef idx="0"/>
-          <a:fontRef idx="minor"/>
-        </p:style>
-        <p:txBody>
-          <a:bodyPr wrap="none" lIns="90000" rIns="90000" tIns="45000" bIns="45000" anchor="t">
-            <a:spAutoFit/>
-          </a:bodyPr>
-          <a:p>
-            <a:pPr>
+            <a:endParaRPr lang="de-DE" sz="2000" b="0" strike="noStrike" spc="-1">
+              <a:solidFill>
+                <a:srgbClr val="000000"/>
+              </a:solidFill>
+              <a:latin typeface="Arial"/>
+            </a:endParaRPr>
+          </a:p>
+          <a:p>
+            <a:pPr marL="228600" indent="-228600">
               <a:lnSpc>
-                <a:spcPct val="100000"/>
+                <a:spcPct val="120000"/>
               </a:lnSpc>
-              <a:buNone/>
+              <a:spcBef>
+                <a:spcPts val="1001"/>
+              </a:spcBef>
+              <a:buClr>
+                <a:srgbClr val="E2E8E2"/>
+              </a:buClr>
+              <a:buSzPct val="70000"/>
+              <a:buFont typeface="Arial"/>
+              <a:buChar char="•"/>
             </a:pPr>
             <a:r>
-              <a:rPr b="0" lang="de-DE" sz="1800" spc="-1" strike="noStrike">
+              <a:rPr lang="de-DE" sz="2000" b="0" strike="noStrike" spc="-1">
                 <a:solidFill>
-                  <a:srgbClr val="ffffff"/>
+                  <a:srgbClr val="E2E8E2"/>
                 </a:solidFill>
                 <a:latin typeface="Georgia Pro Light"/>
                 <a:ea typeface="DejaVu Sans"/>
               </a:rPr>
-              <a:t>Cloud</a:t>
+              <a:t>Internetanbindung</a:t>
             </a:r>
-            <a:endParaRPr b="0" lang="en-US" sz="1800" spc="-1" strike="noStrike">
-              <a:latin typeface="Arial"/>
-            </a:endParaRPr>
-          </a:p>
-        </p:txBody>
-      </p:sp>
-      <p:sp>
-        <p:nvSpPr>
-          <p:cNvPr id="111" name="Rechteck 24"/>
-          <p:cNvSpPr/>
-          <p:nvPr/>
-        </p:nvSpPr>
-        <p:spPr>
-          <a:xfrm>
-            <a:off x="8514000" y="3483360"/>
-            <a:ext cx="607680" cy="364320"/>
-          </a:xfrm>
-          <a:prstGeom prst="rect">
-            <a:avLst/>
-          </a:prstGeom>
-          <a:noFill/>
-          <a:ln w="0">
-            <a:noFill/>
-          </a:ln>
-        </p:spPr>
-        <p:style>
-          <a:lnRef idx="0"/>
-          <a:fillRef idx="0"/>
-          <a:effectRef idx="0"/>
-          <a:fontRef idx="minor"/>
-        </p:style>
-        <p:txBody>
-          <a:bodyPr wrap="none" lIns="90000" rIns="90000" tIns="45000" bIns="45000" anchor="t">
-            <a:spAutoFit/>
-          </a:bodyPr>
-          <a:p>
-            <a:pPr>
+            <a:endParaRPr lang="de-DE" sz="2000" b="0" strike="noStrike" spc="-1">
+              <a:solidFill>
+                <a:srgbClr val="000000"/>
+              </a:solidFill>
+              <a:latin typeface="Arial"/>
+            </a:endParaRPr>
+          </a:p>
+          <a:p>
+            <a:pPr marL="228600" indent="-228600">
               <a:lnSpc>
-                <a:spcPct val="100000"/>
+                <a:spcPct val="120000"/>
               </a:lnSpc>
-              <a:buNone/>
+              <a:spcBef>
+                <a:spcPts val="1001"/>
+              </a:spcBef>
+              <a:buClr>
+                <a:srgbClr val="E2E8E2"/>
+              </a:buClr>
+              <a:buSzPct val="70000"/>
+              <a:buFont typeface="Arial"/>
+              <a:buChar char="•"/>
             </a:pPr>
             <a:r>
-              <a:rPr b="0" lang="de-DE" sz="1800" spc="-1" strike="noStrike">
+              <a:rPr lang="de-DE" sz="2000" b="0" strike="noStrike" spc="-1">
                 <a:solidFill>
-                  <a:srgbClr val="ffffff"/>
+                  <a:srgbClr val="E2E8E2"/>
                 </a:solidFill>
                 <a:latin typeface="Georgia Pro Light"/>
                 <a:ea typeface="DejaVu Sans"/>
               </a:rPr>
-              <a:t>App</a:t>
+              <a:t>Smarter Alkoholtest</a:t>
             </a:r>
-            <a:endParaRPr b="0" lang="en-US" sz="1800" spc="-1" strike="noStrike">
-              <a:latin typeface="Arial"/>
-            </a:endParaRPr>
-          </a:p>
-        </p:txBody>
-      </p:sp>
-      <p:sp>
-        <p:nvSpPr>
-          <p:cNvPr id="112" name="Rechteck 25"/>
-          <p:cNvSpPr/>
-          <p:nvPr/>
-        </p:nvSpPr>
-        <p:spPr>
-          <a:xfrm>
-            <a:off x="8791920" y="5355000"/>
-            <a:ext cx="1258560" cy="364320"/>
-          </a:xfrm>
-          <a:prstGeom prst="rect">
-            <a:avLst/>
-          </a:prstGeom>
-          <a:noFill/>
-          <a:ln w="0">
-            <a:noFill/>
-          </a:ln>
-        </p:spPr>
-        <p:style>
-          <a:lnRef idx="0"/>
-          <a:fillRef idx="0"/>
-          <a:effectRef idx="0"/>
-          <a:fontRef idx="minor"/>
-        </p:style>
-        <p:txBody>
-          <a:bodyPr wrap="none" lIns="90000" rIns="90000" tIns="45000" bIns="45000" anchor="t">
-            <a:spAutoFit/>
-          </a:bodyPr>
+            <a:endParaRPr lang="de-DE" sz="2000" b="0" strike="noStrike" spc="-1">
+              <a:solidFill>
+                <a:srgbClr val="000000"/>
+              </a:solidFill>
+              <a:latin typeface="Arial"/>
+            </a:endParaRPr>
+          </a:p>
           <a:p>
             <a:pPr>
               <a:lnSpc>
-                <a:spcPct val="100000"/>
+                <a:spcPct val="120000"/>
               </a:lnSpc>
+              <a:spcBef>
+                <a:spcPts val="1001"/>
+              </a:spcBef>
               <a:buNone/>
             </a:pPr>
-            <a:r>
-              <a:rPr b="0" lang="de-DE" sz="1800" spc="-1" strike="noStrike">
-                <a:solidFill>
-                  <a:srgbClr val="ffffff"/>
-                </a:solidFill>
-                <a:latin typeface="Georgia Pro Light"/>
-                <a:ea typeface="DejaVu Sans"/>
-              </a:rPr>
-              <a:t>Alexa-Skill</a:t>
-            </a:r>
-            <a:endParaRPr b="0" lang="en-US" sz="1800" spc="-1" strike="noStrike">
+            <a:endParaRPr lang="de-DE" sz="2000" b="0" strike="noStrike" spc="-1">
+              <a:solidFill>
+                <a:srgbClr val="000000"/>
+              </a:solidFill>
+              <a:latin typeface="Arial"/>
+            </a:endParaRPr>
+          </a:p>
+          <a:p>
+            <a:pPr>
+              <a:lnSpc>
+                <a:spcPct val="120000"/>
+              </a:lnSpc>
+              <a:spcBef>
+                <a:spcPts val="1001"/>
+              </a:spcBef>
+              <a:buNone/>
+            </a:pPr>
+            <a:endParaRPr lang="de-DE" sz="2000" b="0" strike="noStrike" spc="-1">
+              <a:solidFill>
+                <a:srgbClr val="000000"/>
+              </a:solidFill>
               <a:latin typeface="Arial"/>
             </a:endParaRPr>
           </a:p>
@@ -6642,19 +7041,14 @@
       </p:sp>
     </p:spTree>
   </p:cSld>
-  <mc:AlternateContent>
-    <mc:Choice Requires="p14">
-      <p:transition spd="slow" p14:dur="2000"/>
-    </mc:Choice>
-    <mc:Fallback>
-      <p:transition spd="slow"/>
-    </mc:Fallback>
-  </mc:AlternateContent>
+  <p:clrMapOvr>
+    <a:masterClrMapping/>
+  </p:clrMapOvr>
 </p:sld>
 </file>
 
-<file path=ppt/slides/slide5.xml><?xml version="1.0" encoding="utf-8"?>
-<p:sld xmlns:a="http://schemas.openxmlformats.org/drawingml/2006/main" xmlns:p="http://schemas.openxmlformats.org/presentationml/2006/main" xmlns:r="http://schemas.openxmlformats.org/officeDocument/2006/relationships" xmlns:p14="http://schemas.microsoft.com/office/powerpoint/2010/main" xmlns:p15="http://schemas.microsoft.com/office/powerpoint/2012/main" xmlns:mc="http://schemas.openxmlformats.org/markup-compatibility/2006">
+<file path=ppt/slides/slide3.xml><?xml version="1.0" encoding="utf-8"?>
+<p:sld xmlns:a="http://schemas.openxmlformats.org/drawingml/2006/main" xmlns:r="http://schemas.openxmlformats.org/officeDocument/2006/relationships" xmlns:p="http://schemas.openxmlformats.org/presentationml/2006/main">
   <p:cSld>
     <p:spTree>
       <p:nvGrpSpPr>
@@ -6672,7 +7066,7 @@
       </p:grpSpPr>
       <p:sp>
         <p:nvSpPr>
-          <p:cNvPr id="113" name="PlaceHolder 1"/>
+          <p:cNvPr id="93" name="PlaceHolder 1"/>
           <p:cNvSpPr>
             <a:spLocks noGrp="1"/>
           </p:cNvSpPr>
@@ -6694,9 +7088,10 @@
           </a:ln>
         </p:spPr>
         <p:txBody>
-          <a:bodyPr lIns="90000" rIns="90000" tIns="45000" bIns="45000" anchor="b">
+          <a:bodyPr lIns="90000" tIns="45000" rIns="90000" bIns="45000" anchor="b">
             <a:noAutofit/>
           </a:bodyPr>
+          <a:lstStyle/>
           <a:p>
             <a:pPr>
               <a:lnSpc>
@@ -6705,37 +7100,27 @@
               <a:buNone/>
             </a:pPr>
             <a:r>
-              <a:rPr b="0" lang="de-DE" sz="4400" spc="-1" strike="noStrike">
+              <a:rPr lang="de-DE" sz="4400" b="0" strike="noStrike" spc="-1">
                 <a:solidFill>
-                  <a:srgbClr val="e2e8e2"/>
+                  <a:srgbClr val="E2E8E2"/>
                 </a:solidFill>
                 <a:latin typeface="Georgia Pro Light"/>
                 <a:ea typeface="DejaVu Sans"/>
               </a:rPr>
-              <a:t>Produkt Features</a:t>
+              <a:t>Lösung</a:t>
             </a:r>
-            <a:r>
-              <a:rPr b="0" lang="de-DE" sz="4400" spc="-1" strike="noStrike">
-                <a:solidFill>
-                  <a:srgbClr val="e2e8e2"/>
-                </a:solidFill>
-                <a:latin typeface="Georgia Pro Light"/>
-                <a:ea typeface="DejaVu Sans"/>
-              </a:rPr>
-              <a:t>	</a:t>
-            </a:r>
-            <a:endParaRPr b="0" lang="de-DE" sz="4400" spc="-1" strike="noStrike">
-              <a:solidFill>
-                <a:srgbClr val="000000"/>
-              </a:solidFill>
-              <a:latin typeface="Arial"/>
-            </a:endParaRPr>
-          </a:p>
-        </p:txBody>
-      </p:sp>
-      <p:sp>
-        <p:nvSpPr>
-          <p:cNvPr id="114" name="PlaceHolder 2"/>
+            <a:endParaRPr lang="de-DE" sz="4400" b="0" strike="noStrike" spc="-1">
+              <a:solidFill>
+                <a:srgbClr val="000000"/>
+              </a:solidFill>
+              <a:latin typeface="Arial"/>
+            </a:endParaRPr>
+          </a:p>
+        </p:txBody>
+      </p:sp>
+      <p:sp>
+        <p:nvSpPr>
+          <p:cNvPr id="94" name="PlaceHolder 2"/>
           <p:cNvSpPr>
             <a:spLocks noGrp="1"/>
           </p:cNvSpPr>
@@ -6757,9 +7142,10 @@
           </a:ln>
         </p:spPr>
         <p:txBody>
-          <a:bodyPr lIns="0" rIns="0" tIns="0" bIns="0" anchor="t">
+          <a:bodyPr lIns="0" tIns="0" rIns="0" bIns="0" anchor="t">
             <a:normAutofit/>
           </a:bodyPr>
+          <a:lstStyle/>
           <a:p>
             <a:pPr marL="228600" indent="-228600">
               <a:lnSpc>
@@ -6769,45 +7155,22 @@
                 <a:spcPts val="1001"/>
               </a:spcBef>
               <a:buClr>
-                <a:srgbClr val="e2e8e2"/>
+                <a:srgbClr val="E2E8E2"/>
               </a:buClr>
               <a:buSzPct val="70000"/>
               <a:buFont typeface="Arial"/>
               <a:buChar char="•"/>
             </a:pPr>
             <a:r>
-              <a:rPr b="0" lang="de-DE" sz="2000" spc="-1" strike="noStrike">
+              <a:rPr lang="de-DE" sz="2000" b="0" strike="noStrike" spc="-1" dirty="0">
                 <a:solidFill>
-                  <a:srgbClr val="e2e8e2"/>
+                  <a:srgbClr val="E2E8E2"/>
                 </a:solidFill>
                 <a:latin typeface="Georgia Pro Light"/>
                 <a:ea typeface="DejaVu Sans"/>
               </a:rPr>
-              <a:t>Alkoholsensordaten werden von einem µC in Cloud hochgeladen</a:t>
+              <a:t>Aufzeichnung der Promille-Werte</a:t>
             </a:r>
-            <a:endParaRPr b="0" lang="de-DE" sz="2000" spc="-1" strike="noStrike">
-              <a:solidFill>
-                <a:srgbClr val="000000"/>
-              </a:solidFill>
-              <a:latin typeface="Arial"/>
-            </a:endParaRPr>
-          </a:p>
-          <a:p>
-            <a:pPr>
-              <a:lnSpc>
-                <a:spcPct val="120000"/>
-              </a:lnSpc>
-              <a:spcBef>
-                <a:spcPts val="1001"/>
-              </a:spcBef>
-              <a:buNone/>
-            </a:pPr>
-            <a:endParaRPr b="0" lang="de-DE" sz="2000" spc="-1" strike="noStrike">
-              <a:solidFill>
-                <a:srgbClr val="000000"/>
-              </a:solidFill>
-              <a:latin typeface="Arial"/>
-            </a:endParaRPr>
           </a:p>
           <a:p>
             <a:pPr marL="228600" indent="-228600">
@@ -6818,40 +7181,13 @@
                 <a:spcPts val="1001"/>
               </a:spcBef>
               <a:buClr>
-                <a:srgbClr val="e2e8e2"/>
+                <a:srgbClr val="E2E8E2"/>
               </a:buClr>
               <a:buSzPct val="70000"/>
               <a:buFont typeface="Arial"/>
               <a:buChar char="•"/>
             </a:pPr>
-            <a:r>
-              <a:rPr b="0" lang="de-DE" sz="2000" spc="-1" strike="noStrike">
-                <a:solidFill>
-                  <a:srgbClr val="e2e8e2"/>
-                </a:solidFill>
-                <a:latin typeface="Georgia Pro Light"/>
-                <a:ea typeface="DejaVu Sans"/>
-              </a:rPr>
-              <a:t>Auswertung der Daten per App</a:t>
-            </a:r>
-            <a:endParaRPr b="0" lang="de-DE" sz="2000" spc="-1" strike="noStrike">
-              <a:solidFill>
-                <a:srgbClr val="000000"/>
-              </a:solidFill>
-              <a:latin typeface="Arial"/>
-            </a:endParaRPr>
-          </a:p>
-          <a:p>
-            <a:pPr>
-              <a:lnSpc>
-                <a:spcPct val="120000"/>
-              </a:lnSpc>
-              <a:spcBef>
-                <a:spcPts val="1001"/>
-              </a:spcBef>
-              <a:buNone/>
-            </a:pPr>
-            <a:endParaRPr b="0" lang="de-DE" sz="2000" spc="-1" strike="noStrike">
+            <a:endParaRPr lang="de-DE" sz="2000" b="0" strike="noStrike" spc="-1" dirty="0">
               <a:solidFill>
                 <a:srgbClr val="000000"/>
               </a:solidFill>
@@ -6867,128 +7203,137 @@
                 <a:spcPts val="1001"/>
               </a:spcBef>
               <a:buClr>
-                <a:srgbClr val="e2e8e2"/>
+                <a:srgbClr val="E2E8E2"/>
               </a:buClr>
               <a:buSzPct val="70000"/>
               <a:buFont typeface="Arial"/>
               <a:buChar char="•"/>
             </a:pPr>
             <a:r>
-              <a:rPr b="0" lang="de-DE" sz="2000" spc="-1" strike="noStrike">
+              <a:rPr lang="de-DE" sz="2000" b="0" strike="noStrike" spc="-1" dirty="0">
                 <a:solidFill>
-                  <a:srgbClr val="e2e8e2"/>
+                  <a:srgbClr val="E2E8E2"/>
                 </a:solidFill>
                 <a:latin typeface="Georgia Pro Light"/>
                 <a:ea typeface="DejaVu Sans"/>
               </a:rPr>
-              <a:t> </a:t>
+              <a:t>Applikation</a:t>
             </a:r>
-            <a:r>
-              <a:rPr b="0" lang="de-DE" sz="2000" spc="-1" strike="noStrike">
-                <a:solidFill>
-                  <a:srgbClr val="e2e8e2"/>
-                </a:solidFill>
-                <a:latin typeface="Georgia Pro Light"/>
-                <a:ea typeface="DejaVu Sans"/>
-              </a:rPr>
-              <a:t>Auswertung der Daten mit Alexa</a:t>
-            </a:r>
-            <a:endParaRPr b="0" lang="de-DE" sz="2000" spc="-1" strike="noStrike">
-              <a:solidFill>
-                <a:srgbClr val="000000"/>
-              </a:solidFill>
-              <a:latin typeface="Arial"/>
-            </a:endParaRPr>
-          </a:p>
-          <a:p>
-            <a:pPr>
+          </a:p>
+          <a:p>
+            <a:pPr marL="228600" indent="-228600">
               <a:lnSpc>
                 <a:spcPct val="120000"/>
               </a:lnSpc>
               <a:spcBef>
                 <a:spcPts val="1001"/>
               </a:spcBef>
-              <a:buNone/>
-            </a:pPr>
-            <a:endParaRPr b="0" lang="de-DE" sz="2000" spc="-1" strike="noStrike">
-              <a:solidFill>
-                <a:srgbClr val="000000"/>
-              </a:solidFill>
-              <a:latin typeface="Arial"/>
-            </a:endParaRPr>
-          </a:p>
-        </p:txBody>
-      </p:sp>
-      <p:sp>
-        <p:nvSpPr>
-          <p:cNvPr id="115" name="AutoShape 6"/>
-          <p:cNvSpPr/>
-          <p:nvPr/>
-        </p:nvSpPr>
-        <p:spPr>
-          <a:xfrm>
-            <a:off x="9161280" y="3346560"/>
-            <a:ext cx="1775880" cy="1775880"/>
-          </a:xfrm>
-          <a:prstGeom prst="rect">
-            <a:avLst/>
-          </a:prstGeom>
-          <a:noFill/>
-          <a:ln w="0">
-            <a:noFill/>
-          </a:ln>
-        </p:spPr>
-        <p:style>
-          <a:lnRef idx="0"/>
-          <a:fillRef idx="0"/>
-          <a:effectRef idx="0"/>
-          <a:fontRef idx="minor"/>
-        </p:style>
-      </p:sp>
-      <mc:AlternateContent>
-        <mc:Choice xmlns:a14="http://schemas.microsoft.com/office/drawing/2010/main" Requires="a14">
-          <p:sp>
-            <p:nvSpPr>
-              <p:cNvPr id="116" name=""/>
-              <p:cNvSpPr txBox="1"/>
-              <p:nvPr/>
-            </p:nvSpPr>
-            <p:spPr>
-              <a:xfrm>
-                <a:off x="5763240" y="3264480"/>
-                <a:ext cx="719640" cy="359640"/>
-              </a:xfrm>
-              <a:prstGeom prst="rect">
-                <a:avLst/>
-              </a:prstGeom>
-            </p:spPr>
-            <p:txBody>
-              <a:bodyPr/>
-              <a:p>
-                <a14:m>
-                  <m:oMath xmlns:m="http://schemas.openxmlformats.org/officeDocument/2006/math"/>
-                </a14:m>
-              </a:p>
-            </p:txBody>
-          </p:sp>
-        </mc:Choice>
-        <mc:Fallback/>
-      </mc:AlternateContent>
+              <a:buClr>
+                <a:srgbClr val="E2E8E2"/>
+              </a:buClr>
+              <a:buSzPct val="70000"/>
+              <a:buFont typeface="Arial"/>
+              <a:buChar char="•"/>
+            </a:pPr>
+            <a:endParaRPr lang="de-DE" sz="2000" b="0" strike="noStrike" spc="-1" dirty="0">
+              <a:solidFill>
+                <a:srgbClr val="000000"/>
+              </a:solidFill>
+              <a:latin typeface="Arial"/>
+            </a:endParaRPr>
+          </a:p>
+          <a:p>
+            <a:pPr marL="228600" indent="-228600">
+              <a:lnSpc>
+                <a:spcPct val="120000"/>
+              </a:lnSpc>
+              <a:spcBef>
+                <a:spcPts val="1001"/>
+              </a:spcBef>
+              <a:buClr>
+                <a:srgbClr val="E2E8E2"/>
+              </a:buClr>
+              <a:buSzPct val="70000"/>
+              <a:buFont typeface="Arial"/>
+              <a:buChar char="•"/>
+            </a:pPr>
+            <a:r>
+              <a:rPr lang="de-DE" sz="2000" b="0" strike="noStrike" spc="-1" dirty="0">
+                <a:solidFill>
+                  <a:srgbClr val="E2E8E2"/>
+                </a:solidFill>
+                <a:latin typeface="Georgia Pro Light"/>
+                <a:ea typeface="DejaVu Sans"/>
+              </a:rPr>
+              <a:t>Cloud-Anbindung über WLAN</a:t>
+            </a:r>
+          </a:p>
+          <a:p>
+            <a:pPr marL="228600" indent="-228600">
+              <a:lnSpc>
+                <a:spcPct val="120000"/>
+              </a:lnSpc>
+              <a:spcBef>
+                <a:spcPts val="1001"/>
+              </a:spcBef>
+              <a:buClr>
+                <a:srgbClr val="E2E8E2"/>
+              </a:buClr>
+              <a:buSzPct val="70000"/>
+              <a:buFont typeface="Arial"/>
+              <a:buChar char="•"/>
+            </a:pPr>
+            <a:endParaRPr lang="de-DE" sz="2000" b="0" strike="noStrike" spc="-1" dirty="0">
+              <a:solidFill>
+                <a:srgbClr val="000000"/>
+              </a:solidFill>
+              <a:latin typeface="Arial"/>
+            </a:endParaRPr>
+          </a:p>
+          <a:p>
+            <a:pPr marL="228600" indent="-228600">
+              <a:lnSpc>
+                <a:spcPct val="120000"/>
+              </a:lnSpc>
+              <a:spcBef>
+                <a:spcPts val="1001"/>
+              </a:spcBef>
+              <a:buClr>
+                <a:srgbClr val="E2E8E2"/>
+              </a:buClr>
+              <a:buSzPct val="70000"/>
+              <a:buFont typeface="Arial"/>
+              <a:buChar char="•"/>
+            </a:pPr>
+            <a:r>
+              <a:rPr lang="de-DE" sz="2000" b="0" strike="noStrike" spc="-1" dirty="0">
+                <a:solidFill>
+                  <a:srgbClr val="E2E8E2"/>
+                </a:solidFill>
+                <a:latin typeface="Georgia Pro Light"/>
+                <a:ea typeface="DejaVu Sans"/>
+              </a:rPr>
+              <a:t>Warnung vor alkoholisiertem Fahren durch einen Alexa-Skill und eine App</a:t>
+            </a:r>
+            <a:endParaRPr lang="de-DE" sz="2000" b="0" strike="noStrike" spc="-1" dirty="0">
+              <a:solidFill>
+                <a:srgbClr val="000000"/>
+              </a:solidFill>
+              <a:latin typeface="Arial"/>
+            </a:endParaRPr>
+          </a:p>
+        </p:txBody>
+      </p:sp>
     </p:spTree>
   </p:cSld>
-  <mc:AlternateContent>
-    <mc:Choice Requires="p14">
-      <p:transition spd="slow" p14:dur="2000"/>
-    </mc:Choice>
-    <mc:Fallback>
-      <p:transition spd="slow"/>
-    </mc:Fallback>
-  </mc:AlternateContent>
+  <p:clrMapOvr>
+    <a:masterClrMapping/>
+  </p:clrMapOvr>
 </p:sld>
 </file>
 
-<file path=ppt/slides/slide6.xml><?xml version="1.0" encoding="utf-8"?>
-<p:sld xmlns:a="http://schemas.openxmlformats.org/drawingml/2006/main" xmlns:p="http://schemas.openxmlformats.org/presentationml/2006/main" xmlns:r="http://schemas.openxmlformats.org/officeDocument/2006/relationships" xmlns:p14="http://schemas.microsoft.com/office/powerpoint/2010/main" xmlns:p15="http://schemas.microsoft.com/office/powerpoint/2012/main" xmlns:mc="http://schemas.openxmlformats.org/markup-compatibility/2006">
+<file path=ppt/slides/slide4.xml><?xml version="1.0" encoding="utf-8"?>
+<p:sld xmlns:a="http://schemas.openxmlformats.org/drawingml/2006/main" xmlns:r="http://schemas.openxmlformats.org/officeDocument/2006/relationships" xmlns:p="http://schemas.openxmlformats.org/presentationml/2006/main">
   <p:cSld>
     <p:spTree>
       <p:nvGrpSpPr>
@@ -7006,7 +7351,7 @@
       </p:grpSpPr>
       <p:sp>
         <p:nvSpPr>
-          <p:cNvPr id="117" name="PlaceHolder 1"/>
+          <p:cNvPr id="95" name="PlaceHolder 1"/>
           <p:cNvSpPr>
             <a:spLocks noGrp="1"/>
           </p:cNvSpPr>
@@ -7028,9 +7373,10 @@
           </a:ln>
         </p:spPr>
         <p:txBody>
-          <a:bodyPr lIns="90000" rIns="90000" tIns="45000" bIns="45000" anchor="b">
-            <a:noAutofit/>
-          </a:bodyPr>
+          <a:bodyPr lIns="90000" tIns="45000" rIns="90000" bIns="45000" anchor="b">
+            <a:normAutofit/>
+          </a:bodyPr>
+          <a:lstStyle/>
           <a:p>
             <a:pPr>
               <a:lnSpc>
@@ -7039,256 +7385,39 @@
               <a:buNone/>
             </a:pPr>
             <a:r>
-              <a:rPr b="0" lang="de-DE" sz="4400" spc="-1" strike="noStrike">
+              <a:rPr lang="de-DE" sz="4400" b="0" strike="noStrike" spc="-1">
                 <a:solidFill>
-                  <a:srgbClr val="e2e8e2"/>
+                  <a:srgbClr val="E2E8E2"/>
                 </a:solidFill>
                 <a:latin typeface="Georgia Pro Light"/>
                 <a:ea typeface="DejaVu Sans"/>
               </a:rPr>
-              <a:t>Umgesetzte App Features</a:t>
+              <a:t>Aufbau des Produkts</a:t>
             </a:r>
-            <a:r>
-              <a:rPr b="0" lang="de-DE" sz="4400" spc="-1" strike="noStrike">
-                <a:solidFill>
-                  <a:srgbClr val="e2e8e2"/>
-                </a:solidFill>
-                <a:latin typeface="Georgia Pro Light"/>
-                <a:ea typeface="DejaVu Sans"/>
-              </a:rPr>
-              <a:t>	</a:t>
-            </a:r>
-            <a:endParaRPr b="0" lang="de-DE" sz="4400" spc="-1" strike="noStrike">
-              <a:solidFill>
-                <a:srgbClr val="000000"/>
-              </a:solidFill>
-              <a:latin typeface="Arial"/>
-            </a:endParaRPr>
-          </a:p>
-        </p:txBody>
-      </p:sp>
-      <p:sp>
-        <p:nvSpPr>
-          <p:cNvPr id="118" name="PlaceHolder 2"/>
-          <p:cNvSpPr>
-            <a:spLocks noGrp="1"/>
-          </p:cNvSpPr>
-          <p:nvPr>
-            <p:ph/>
-          </p:nvPr>
-        </p:nvSpPr>
-        <p:spPr>
-          <a:xfrm>
-            <a:off x="849600" y="2066040"/>
-            <a:ext cx="10427040" cy="3902400"/>
-          </a:xfrm>
-          <a:prstGeom prst="rect">
-            <a:avLst/>
-          </a:prstGeom>
-          <a:noFill/>
-          <a:ln w="0">
-            <a:noFill/>
-          </a:ln>
-        </p:spPr>
-        <p:txBody>
-          <a:bodyPr lIns="0" rIns="0" tIns="0" bIns="0" anchor="t">
-            <a:normAutofit/>
-          </a:bodyPr>
-          <a:p>
-            <a:pPr marL="228600" indent="-228600">
-              <a:lnSpc>
-                <a:spcPct val="120000"/>
-              </a:lnSpc>
-              <a:spcBef>
-                <a:spcPts val="1001"/>
-              </a:spcBef>
-              <a:buClr>
-                <a:srgbClr val="e2e8e2"/>
-              </a:buClr>
-              <a:buSzPct val="70000"/>
-              <a:buFont typeface="Arial"/>
-              <a:buChar char="•"/>
-            </a:pPr>
-            <a:r>
-              <a:rPr b="0" lang="de-DE" sz="2000" spc="-1" strike="noStrike">
-                <a:solidFill>
-                  <a:srgbClr val="e2e8e2"/>
-                </a:solidFill>
-                <a:latin typeface="Georgia Pro Light"/>
-                <a:ea typeface="DejaVu Sans"/>
-              </a:rPr>
-              <a:t>Anzeigen des aktuellen Promillewertes</a:t>
-            </a:r>
-            <a:endParaRPr b="0" lang="de-DE" sz="2000" spc="-1" strike="noStrike">
-              <a:solidFill>
-                <a:srgbClr val="000000"/>
-              </a:solidFill>
-              <a:latin typeface="Arial"/>
-            </a:endParaRPr>
-          </a:p>
-          <a:p>
-            <a:pPr>
-              <a:lnSpc>
-                <a:spcPct val="120000"/>
-              </a:lnSpc>
-              <a:spcBef>
-                <a:spcPts val="1001"/>
-              </a:spcBef>
-              <a:buNone/>
-            </a:pPr>
-            <a:endParaRPr b="0" lang="de-DE" sz="2000" spc="-1" strike="noStrike">
-              <a:solidFill>
-                <a:srgbClr val="000000"/>
-              </a:solidFill>
-              <a:latin typeface="Arial"/>
-            </a:endParaRPr>
-          </a:p>
-          <a:p>
-            <a:pPr marL="228600" indent="-228600">
-              <a:lnSpc>
-                <a:spcPct val="120000"/>
-              </a:lnSpc>
-              <a:spcBef>
-                <a:spcPts val="1001"/>
-              </a:spcBef>
-              <a:buClr>
-                <a:srgbClr val="e2e8e2"/>
-              </a:buClr>
-              <a:buSzPct val="70000"/>
-              <a:buFont typeface="Arial"/>
-              <a:buChar char="•"/>
-            </a:pPr>
-            <a:r>
-              <a:rPr b="0" lang="de-DE" sz="2000" spc="-1" strike="noStrike">
-                <a:solidFill>
-                  <a:srgbClr val="e2e8e2"/>
-                </a:solidFill>
-                <a:latin typeface="Georgia Pro Light"/>
-                <a:ea typeface="DejaVu Sans"/>
-              </a:rPr>
-              <a:t>Promillewerte der letzten Tage</a:t>
-            </a:r>
-            <a:endParaRPr b="0" lang="de-DE" sz="2000" spc="-1" strike="noStrike">
-              <a:solidFill>
-                <a:srgbClr val="000000"/>
-              </a:solidFill>
-              <a:latin typeface="Arial"/>
-            </a:endParaRPr>
-          </a:p>
-          <a:p>
-            <a:pPr>
-              <a:lnSpc>
-                <a:spcPct val="120000"/>
-              </a:lnSpc>
-              <a:spcBef>
-                <a:spcPts val="1001"/>
-              </a:spcBef>
-              <a:buNone/>
-            </a:pPr>
-            <a:endParaRPr b="0" lang="de-DE" sz="2000" spc="-1" strike="noStrike">
-              <a:solidFill>
-                <a:srgbClr val="000000"/>
-              </a:solidFill>
-              <a:latin typeface="Arial"/>
-            </a:endParaRPr>
-          </a:p>
-          <a:p>
-            <a:pPr marL="228600" indent="-228600">
-              <a:lnSpc>
-                <a:spcPct val="120000"/>
-              </a:lnSpc>
-              <a:spcBef>
-                <a:spcPts val="1001"/>
-              </a:spcBef>
-              <a:buClr>
-                <a:srgbClr val="e2e8e2"/>
-              </a:buClr>
-              <a:buSzPct val="70000"/>
-              <a:buFont typeface="Arial"/>
-              <a:buChar char="•"/>
-            </a:pPr>
-            <a:r>
-              <a:rPr b="0" lang="de-DE" sz="2000" spc="-1" strike="noStrike">
-                <a:solidFill>
-                  <a:srgbClr val="e2e8e2"/>
-                </a:solidFill>
-                <a:latin typeface="Georgia Pro Light"/>
-                <a:ea typeface="DejaVu Sans"/>
-              </a:rPr>
-              <a:t>Auswertung Tage ohne Alkoholkonsum</a:t>
-            </a:r>
-            <a:endParaRPr b="0" lang="de-DE" sz="2000" spc="-1" strike="noStrike">
-              <a:solidFill>
-                <a:srgbClr val="000000"/>
-              </a:solidFill>
-              <a:latin typeface="Arial"/>
-            </a:endParaRPr>
-          </a:p>
-        </p:txBody>
-      </p:sp>
-      <p:sp>
-        <p:nvSpPr>
-          <p:cNvPr id="119" name="AutoShape 6"/>
-          <p:cNvSpPr/>
-          <p:nvPr/>
-        </p:nvSpPr>
-        <p:spPr>
-          <a:xfrm>
-            <a:off x="9161280" y="3346560"/>
-            <a:ext cx="1775880" cy="1775880"/>
-          </a:xfrm>
-          <a:prstGeom prst="rect">
-            <a:avLst/>
-          </a:prstGeom>
-          <a:noFill/>
-          <a:ln w="0">
-            <a:noFill/>
-          </a:ln>
-        </p:spPr>
-        <p:style>
-          <a:lnRef idx="0"/>
-          <a:fillRef idx="0"/>
-          <a:effectRef idx="0"/>
-          <a:fontRef idx="minor"/>
-        </p:style>
+            <a:endParaRPr lang="de-DE" sz="4400" b="0" strike="noStrike" spc="-1">
+              <a:solidFill>
+                <a:srgbClr val="000000"/>
+              </a:solidFill>
+              <a:latin typeface="Arial"/>
+            </a:endParaRPr>
+          </a:p>
+        </p:txBody>
       </p:sp>
       <p:pic>
         <p:nvPicPr>
-          <p:cNvPr id="120" name="" descr=""/>
-          <p:cNvPicPr/>
-          <p:nvPr/>
-        </p:nvPicPr>
-        <p:blipFill>
-          <a:blip r:embed="rId1"/>
-          <a:stretch/>
-        </p:blipFill>
-        <p:spPr>
-          <a:xfrm>
-            <a:off x="7086600" y="2413440"/>
-            <a:ext cx="2057400" cy="3659760"/>
-          </a:xfrm>
-          <a:prstGeom prst="rect">
-            <a:avLst/>
-          </a:prstGeom>
-          <a:ln w="0">
-            <a:noFill/>
-          </a:ln>
-        </p:spPr>
-      </p:pic>
-      <p:pic>
-        <p:nvPicPr>
-          <p:cNvPr id="121" name="" descr=""/>
+          <p:cNvPr id="96" name="Picture 4" descr="Powerbank Test: Die 40 besten Powerbanks 2022 im Vergleich"/>
           <p:cNvPicPr/>
           <p:nvPr/>
         </p:nvPicPr>
         <p:blipFill>
           <a:blip r:embed="rId2"/>
+          <a:srcRect l="18331" t="16290" r="13257" b="15298"/>
           <a:stretch/>
         </p:blipFill>
         <p:spPr>
           <a:xfrm>
-            <a:off x="9372600" y="2438280"/>
-            <a:ext cx="2057400" cy="3659760"/>
+            <a:off x="1314000" y="3216240"/>
+            <a:ext cx="1288080" cy="1288080"/>
           </a:xfrm>
           <a:prstGeom prst="rect">
             <a:avLst/>
@@ -7298,21 +7427,692 @@
           </a:ln>
         </p:spPr>
       </p:pic>
+      <p:pic>
+        <p:nvPicPr>
+          <p:cNvPr id="97" name="Grafik 4"/>
+          <p:cNvPicPr/>
+          <p:nvPr/>
+        </p:nvPicPr>
+        <p:blipFill>
+          <a:blip r:embed="rId3"/>
+          <a:stretch/>
+        </p:blipFill>
+        <p:spPr>
+          <a:xfrm>
+            <a:off x="3494520" y="2819160"/>
+            <a:ext cx="1223640" cy="2082600"/>
+          </a:xfrm>
+          <a:prstGeom prst="rect">
+            <a:avLst/>
+          </a:prstGeom>
+          <a:ln w="0">
+            <a:noFill/>
+          </a:ln>
+        </p:spPr>
+      </p:pic>
+      <p:pic>
+        <p:nvPicPr>
+          <p:cNvPr id="98" name="Grafik 5"/>
+          <p:cNvPicPr/>
+          <p:nvPr/>
+        </p:nvPicPr>
+        <p:blipFill>
+          <a:blip r:embed="rId4"/>
+          <a:stretch/>
+        </p:blipFill>
+        <p:spPr>
+          <a:xfrm>
+            <a:off x="5839920" y="2881440"/>
+            <a:ext cx="615960" cy="911160"/>
+          </a:xfrm>
+          <a:prstGeom prst="rect">
+            <a:avLst/>
+          </a:prstGeom>
+          <a:ln w="0">
+            <a:noFill/>
+          </a:ln>
+        </p:spPr>
+      </p:pic>
+      <p:pic>
+        <p:nvPicPr>
+          <p:cNvPr id="99" name="Grafik 7"/>
+          <p:cNvPicPr/>
+          <p:nvPr/>
+        </p:nvPicPr>
+        <p:blipFill>
+          <a:blip r:embed="rId5"/>
+          <a:srcRect l="25960" r="27782"/>
+          <a:stretch/>
+        </p:blipFill>
+        <p:spPr>
+          <a:xfrm>
+            <a:off x="7919280" y="3061800"/>
+            <a:ext cx="608400" cy="1053360"/>
+          </a:xfrm>
+          <a:prstGeom prst="rect">
+            <a:avLst/>
+          </a:prstGeom>
+          <a:ln w="0">
+            <a:noFill/>
+          </a:ln>
+        </p:spPr>
+      </p:pic>
+      <p:sp>
+        <p:nvSpPr>
+          <p:cNvPr id="100" name="Pfeil nach rechts 11"/>
+          <p:cNvSpPr/>
+          <p:nvPr/>
+        </p:nvSpPr>
+        <p:spPr>
+          <a:xfrm>
+            <a:off x="2602800" y="3643200"/>
+            <a:ext cx="891000" cy="434880"/>
+          </a:xfrm>
+          <a:prstGeom prst="rightArrow">
+            <a:avLst>
+              <a:gd name="adj1" fmla="val 50000"/>
+              <a:gd name="adj2" fmla="val 50000"/>
+            </a:avLst>
+          </a:prstGeom>
+          <a:solidFill>
+            <a:srgbClr val="C24DC3"/>
+          </a:solidFill>
+          <a:ln>
+            <a:solidFill>
+              <a:srgbClr val="8F3890"/>
+            </a:solidFill>
+          </a:ln>
+        </p:spPr>
+        <p:style>
+          <a:lnRef idx="2">
+            <a:schemeClr val="accent1">
+              <a:shade val="50000"/>
+            </a:schemeClr>
+          </a:lnRef>
+          <a:fillRef idx="1">
+            <a:schemeClr val="accent1"/>
+          </a:fillRef>
+          <a:effectRef idx="0">
+            <a:schemeClr val="accent1"/>
+          </a:effectRef>
+          <a:fontRef idx="minor"/>
+        </p:style>
+      </p:sp>
+      <p:sp>
+        <p:nvSpPr>
+          <p:cNvPr id="101" name="Pfeil nach rechts 12"/>
+          <p:cNvSpPr/>
+          <p:nvPr/>
+        </p:nvSpPr>
+        <p:spPr>
+          <a:xfrm>
+            <a:off x="4718880" y="3119760"/>
+            <a:ext cx="1120320" cy="434880"/>
+          </a:xfrm>
+          <a:prstGeom prst="rightArrow">
+            <a:avLst>
+              <a:gd name="adj1" fmla="val 50000"/>
+              <a:gd name="adj2" fmla="val 50000"/>
+            </a:avLst>
+          </a:prstGeom>
+          <a:solidFill>
+            <a:srgbClr val="C24DC3"/>
+          </a:solidFill>
+          <a:ln>
+            <a:solidFill>
+              <a:srgbClr val="8F3890"/>
+            </a:solidFill>
+          </a:ln>
+        </p:spPr>
+        <p:style>
+          <a:lnRef idx="2">
+            <a:schemeClr val="accent1">
+              <a:shade val="50000"/>
+            </a:schemeClr>
+          </a:lnRef>
+          <a:fillRef idx="1">
+            <a:schemeClr val="accent1"/>
+          </a:fillRef>
+          <a:effectRef idx="0">
+            <a:schemeClr val="accent1"/>
+          </a:effectRef>
+          <a:fontRef idx="minor"/>
+        </p:style>
+      </p:sp>
+      <p:sp>
+        <p:nvSpPr>
+          <p:cNvPr id="102" name="Pfeil nach rechts 13"/>
+          <p:cNvSpPr/>
+          <p:nvPr/>
+        </p:nvSpPr>
+        <p:spPr>
+          <a:xfrm>
+            <a:off x="4718880" y="4388760"/>
+            <a:ext cx="1159560" cy="434880"/>
+          </a:xfrm>
+          <a:prstGeom prst="rightArrow">
+            <a:avLst>
+              <a:gd name="adj1" fmla="val 50000"/>
+              <a:gd name="adj2" fmla="val 50000"/>
+            </a:avLst>
+          </a:prstGeom>
+          <a:solidFill>
+            <a:srgbClr val="C24DC3"/>
+          </a:solidFill>
+          <a:ln>
+            <a:solidFill>
+              <a:srgbClr val="8F3890"/>
+            </a:solidFill>
+          </a:ln>
+        </p:spPr>
+        <p:style>
+          <a:lnRef idx="2">
+            <a:schemeClr val="accent1">
+              <a:shade val="50000"/>
+            </a:schemeClr>
+          </a:lnRef>
+          <a:fillRef idx="1">
+            <a:schemeClr val="accent1"/>
+          </a:fillRef>
+          <a:effectRef idx="0">
+            <a:schemeClr val="accent1"/>
+          </a:effectRef>
+          <a:fontRef idx="minor"/>
+        </p:style>
+      </p:sp>
+      <p:pic>
+        <p:nvPicPr>
+          <p:cNvPr id="103" name="Grafik 15"/>
+          <p:cNvPicPr/>
+          <p:nvPr/>
+        </p:nvPicPr>
+        <p:blipFill>
+          <a:blip r:embed="rId6"/>
+          <a:srcRect l="13184" r="7391"/>
+          <a:stretch/>
+        </p:blipFill>
+        <p:spPr>
+          <a:xfrm>
+            <a:off x="5925600" y="4263480"/>
+            <a:ext cx="748080" cy="559800"/>
+          </a:xfrm>
+          <a:prstGeom prst="rect">
+            <a:avLst/>
+          </a:prstGeom>
+          <a:ln w="0">
+            <a:noFill/>
+          </a:ln>
+        </p:spPr>
+      </p:pic>
+      <p:sp>
+        <p:nvSpPr>
+          <p:cNvPr id="104" name="Pfeil nach rechts 17"/>
+          <p:cNvSpPr/>
+          <p:nvPr/>
+        </p:nvSpPr>
+        <p:spPr>
+          <a:xfrm rot="19980600">
+            <a:off x="6709320" y="4091760"/>
+            <a:ext cx="1159560" cy="279000"/>
+          </a:xfrm>
+          <a:prstGeom prst="rightArrow">
+            <a:avLst>
+              <a:gd name="adj1" fmla="val 50000"/>
+              <a:gd name="adj2" fmla="val 50000"/>
+            </a:avLst>
+          </a:prstGeom>
+          <a:solidFill>
+            <a:srgbClr val="C24DC3"/>
+          </a:solidFill>
+          <a:ln>
+            <a:solidFill>
+              <a:srgbClr val="8F3890"/>
+            </a:solidFill>
+          </a:ln>
+        </p:spPr>
+        <p:style>
+          <a:lnRef idx="2">
+            <a:schemeClr val="accent1">
+              <a:shade val="50000"/>
+            </a:schemeClr>
+          </a:lnRef>
+          <a:fillRef idx="1">
+            <a:schemeClr val="accent1"/>
+          </a:fillRef>
+          <a:effectRef idx="0">
+            <a:schemeClr val="accent1"/>
+          </a:effectRef>
+          <a:fontRef idx="minor"/>
+        </p:style>
+      </p:sp>
+      <p:sp>
+        <p:nvSpPr>
+          <p:cNvPr id="105" name="Pfeil nach rechts 18"/>
+          <p:cNvSpPr/>
+          <p:nvPr/>
+        </p:nvSpPr>
+        <p:spPr>
+          <a:xfrm rot="1888200">
+            <a:off x="6699600" y="4862880"/>
+            <a:ext cx="1159560" cy="279000"/>
+          </a:xfrm>
+          <a:prstGeom prst="rightArrow">
+            <a:avLst>
+              <a:gd name="adj1" fmla="val 50000"/>
+              <a:gd name="adj2" fmla="val 50000"/>
+            </a:avLst>
+          </a:prstGeom>
+          <a:solidFill>
+            <a:srgbClr val="C24DC3"/>
+          </a:solidFill>
+          <a:ln>
+            <a:solidFill>
+              <a:srgbClr val="8F3890"/>
+            </a:solidFill>
+          </a:ln>
+        </p:spPr>
+        <p:style>
+          <a:lnRef idx="2">
+            <a:schemeClr val="accent1">
+              <a:shade val="50000"/>
+            </a:schemeClr>
+          </a:lnRef>
+          <a:fillRef idx="1">
+            <a:schemeClr val="accent1"/>
+          </a:fillRef>
+          <a:effectRef idx="0">
+            <a:schemeClr val="accent1"/>
+          </a:effectRef>
+          <a:fontRef idx="minor"/>
+        </p:style>
+      </p:sp>
+      <p:pic>
+        <p:nvPicPr>
+          <p:cNvPr id="106" name="Picture 4" descr="Alexa dot PNG transparente Bilder, Bilder, Fotos | PNG Arts"/>
+          <p:cNvPicPr/>
+          <p:nvPr/>
+        </p:nvPicPr>
+        <p:blipFill>
+          <a:blip r:embed="rId7"/>
+          <a:stretch/>
+        </p:blipFill>
+        <p:spPr>
+          <a:xfrm>
+            <a:off x="7704720" y="5215320"/>
+            <a:ext cx="1152360" cy="648000"/>
+          </a:xfrm>
+          <a:prstGeom prst="rect">
+            <a:avLst/>
+          </a:prstGeom>
+          <a:ln w="0">
+            <a:noFill/>
+          </a:ln>
+        </p:spPr>
+      </p:pic>
+      <p:sp>
+        <p:nvSpPr>
+          <p:cNvPr id="107" name="Textfeld 20"/>
+          <p:cNvSpPr/>
+          <p:nvPr/>
+        </p:nvSpPr>
+        <p:spPr>
+          <a:xfrm>
+            <a:off x="1279800" y="2786400"/>
+            <a:ext cx="1463400" cy="364680"/>
+          </a:xfrm>
+          <a:prstGeom prst="rect">
+            <a:avLst/>
+          </a:prstGeom>
+          <a:noFill/>
+          <a:ln w="0">
+            <a:noFill/>
+          </a:ln>
+        </p:spPr>
+        <p:style>
+          <a:lnRef idx="0">
+            <a:scrgbClr r="0" g="0" b="0"/>
+          </a:lnRef>
+          <a:fillRef idx="0">
+            <a:scrgbClr r="0" g="0" b="0"/>
+          </a:fillRef>
+          <a:effectRef idx="0">
+            <a:scrgbClr r="0" g="0" b="0"/>
+          </a:effectRef>
+          <a:fontRef idx="minor"/>
+        </p:style>
+        <p:txBody>
+          <a:bodyPr lIns="90000" tIns="45000" rIns="90000" bIns="45000" anchor="t">
+            <a:spAutoFit/>
+          </a:bodyPr>
+          <a:lstStyle/>
+          <a:p>
+            <a:pPr>
+              <a:lnSpc>
+                <a:spcPct val="100000"/>
+              </a:lnSpc>
+              <a:buNone/>
+            </a:pPr>
+            <a:r>
+              <a:rPr lang="de-DE" sz="1800" b="0" strike="noStrike" spc="-1">
+                <a:solidFill>
+                  <a:srgbClr val="FFFFFF"/>
+                </a:solidFill>
+                <a:latin typeface="Georgia Pro Light"/>
+                <a:ea typeface="DejaVu Sans"/>
+              </a:rPr>
+              <a:t>Powerbank</a:t>
+            </a:r>
+            <a:endParaRPr lang="en-US" sz="1800" b="0" strike="noStrike" spc="-1">
+              <a:latin typeface="Arial"/>
+            </a:endParaRPr>
+          </a:p>
+        </p:txBody>
+      </p:sp>
+      <p:sp>
+        <p:nvSpPr>
+          <p:cNvPr id="108" name="Rechteck 21"/>
+          <p:cNvSpPr/>
+          <p:nvPr/>
+        </p:nvSpPr>
+        <p:spPr>
+          <a:xfrm>
+            <a:off x="3256920" y="2421000"/>
+            <a:ext cx="1842120" cy="364320"/>
+          </a:xfrm>
+          <a:prstGeom prst="rect">
+            <a:avLst/>
+          </a:prstGeom>
+          <a:noFill/>
+          <a:ln w="0">
+            <a:noFill/>
+          </a:ln>
+        </p:spPr>
+        <p:style>
+          <a:lnRef idx="0">
+            <a:scrgbClr r="0" g="0" b="0"/>
+          </a:lnRef>
+          <a:fillRef idx="0">
+            <a:scrgbClr r="0" g="0" b="0"/>
+          </a:fillRef>
+          <a:effectRef idx="0">
+            <a:scrgbClr r="0" g="0" b="0"/>
+          </a:effectRef>
+          <a:fontRef idx="minor"/>
+        </p:style>
+        <p:txBody>
+          <a:bodyPr wrap="none" lIns="90000" tIns="45000" rIns="90000" bIns="45000" anchor="t">
+            <a:spAutoFit/>
+          </a:bodyPr>
+          <a:lstStyle/>
+          <a:p>
+            <a:pPr>
+              <a:lnSpc>
+                <a:spcPct val="100000"/>
+              </a:lnSpc>
+              <a:buNone/>
+            </a:pPr>
+            <a:r>
+              <a:rPr lang="de-DE" sz="1800" b="0" strike="noStrike" spc="-1">
+                <a:solidFill>
+                  <a:srgbClr val="FFFFFF"/>
+                </a:solidFill>
+                <a:latin typeface="Georgia Pro Light"/>
+                <a:ea typeface="DejaVu Sans"/>
+              </a:rPr>
+              <a:t>Mikrocontroller</a:t>
+            </a:r>
+            <a:endParaRPr lang="en-US" sz="1800" b="0" strike="noStrike" spc="-1">
+              <a:latin typeface="Arial"/>
+            </a:endParaRPr>
+          </a:p>
+        </p:txBody>
+      </p:sp>
+      <p:sp>
+        <p:nvSpPr>
+          <p:cNvPr id="109" name="Rechteck 22"/>
+          <p:cNvSpPr/>
+          <p:nvPr/>
+        </p:nvSpPr>
+        <p:spPr>
+          <a:xfrm>
+            <a:off x="5394960" y="2441880"/>
+            <a:ext cx="1809720" cy="364320"/>
+          </a:xfrm>
+          <a:prstGeom prst="rect">
+            <a:avLst/>
+          </a:prstGeom>
+          <a:noFill/>
+          <a:ln w="0">
+            <a:noFill/>
+          </a:ln>
+        </p:spPr>
+        <p:style>
+          <a:lnRef idx="0">
+            <a:scrgbClr r="0" g="0" b="0"/>
+          </a:lnRef>
+          <a:fillRef idx="0">
+            <a:scrgbClr r="0" g="0" b="0"/>
+          </a:fillRef>
+          <a:effectRef idx="0">
+            <a:scrgbClr r="0" g="0" b="0"/>
+          </a:effectRef>
+          <a:fontRef idx="minor"/>
+        </p:style>
+        <p:txBody>
+          <a:bodyPr lIns="90000" tIns="45000" rIns="90000" bIns="45000" anchor="t">
+            <a:spAutoFit/>
+          </a:bodyPr>
+          <a:lstStyle/>
+          <a:p>
+            <a:pPr>
+              <a:lnSpc>
+                <a:spcPct val="100000"/>
+              </a:lnSpc>
+              <a:buNone/>
+            </a:pPr>
+            <a:r>
+              <a:rPr lang="de-DE" sz="1800" b="0" strike="noStrike" spc="-1">
+                <a:solidFill>
+                  <a:srgbClr val="FFFFFF"/>
+                </a:solidFill>
+                <a:latin typeface="Georgia Pro Light"/>
+                <a:ea typeface="DejaVu Sans"/>
+              </a:rPr>
+              <a:t>Alkoholsensor</a:t>
+            </a:r>
+            <a:endParaRPr lang="en-US" sz="1800" b="0" strike="noStrike" spc="-1">
+              <a:latin typeface="Arial"/>
+            </a:endParaRPr>
+          </a:p>
+        </p:txBody>
+      </p:sp>
+      <p:sp>
+        <p:nvSpPr>
+          <p:cNvPr id="110" name="Rechteck 23"/>
+          <p:cNvSpPr/>
+          <p:nvPr/>
+        </p:nvSpPr>
+        <p:spPr>
+          <a:xfrm>
+            <a:off x="5895000" y="3890880"/>
+            <a:ext cx="806040" cy="364320"/>
+          </a:xfrm>
+          <a:prstGeom prst="rect">
+            <a:avLst/>
+          </a:prstGeom>
+          <a:noFill/>
+          <a:ln w="0">
+            <a:noFill/>
+          </a:ln>
+        </p:spPr>
+        <p:style>
+          <a:lnRef idx="0">
+            <a:scrgbClr r="0" g="0" b="0"/>
+          </a:lnRef>
+          <a:fillRef idx="0">
+            <a:scrgbClr r="0" g="0" b="0"/>
+          </a:fillRef>
+          <a:effectRef idx="0">
+            <a:scrgbClr r="0" g="0" b="0"/>
+          </a:effectRef>
+          <a:fontRef idx="minor"/>
+        </p:style>
+        <p:txBody>
+          <a:bodyPr wrap="none" lIns="90000" tIns="45000" rIns="90000" bIns="45000" anchor="t">
+            <a:spAutoFit/>
+          </a:bodyPr>
+          <a:lstStyle/>
+          <a:p>
+            <a:pPr>
+              <a:lnSpc>
+                <a:spcPct val="100000"/>
+              </a:lnSpc>
+              <a:buNone/>
+            </a:pPr>
+            <a:r>
+              <a:rPr lang="de-DE" sz="1800" b="0" strike="noStrike" spc="-1">
+                <a:solidFill>
+                  <a:srgbClr val="FFFFFF"/>
+                </a:solidFill>
+                <a:latin typeface="Georgia Pro Light"/>
+                <a:ea typeface="DejaVu Sans"/>
+              </a:rPr>
+              <a:t>Cloud</a:t>
+            </a:r>
+            <a:endParaRPr lang="en-US" sz="1800" b="0" strike="noStrike" spc="-1">
+              <a:latin typeface="Arial"/>
+            </a:endParaRPr>
+          </a:p>
+        </p:txBody>
+      </p:sp>
+      <p:sp>
+        <p:nvSpPr>
+          <p:cNvPr id="111" name="Rechteck 24"/>
+          <p:cNvSpPr/>
+          <p:nvPr/>
+        </p:nvSpPr>
+        <p:spPr>
+          <a:xfrm>
+            <a:off x="8514000" y="3483360"/>
+            <a:ext cx="607680" cy="364320"/>
+          </a:xfrm>
+          <a:prstGeom prst="rect">
+            <a:avLst/>
+          </a:prstGeom>
+          <a:noFill/>
+          <a:ln w="0">
+            <a:noFill/>
+          </a:ln>
+        </p:spPr>
+        <p:style>
+          <a:lnRef idx="0">
+            <a:scrgbClr r="0" g="0" b="0"/>
+          </a:lnRef>
+          <a:fillRef idx="0">
+            <a:scrgbClr r="0" g="0" b="0"/>
+          </a:fillRef>
+          <a:effectRef idx="0">
+            <a:scrgbClr r="0" g="0" b="0"/>
+          </a:effectRef>
+          <a:fontRef idx="minor"/>
+        </p:style>
+        <p:txBody>
+          <a:bodyPr wrap="none" lIns="90000" tIns="45000" rIns="90000" bIns="45000" anchor="t">
+            <a:spAutoFit/>
+          </a:bodyPr>
+          <a:lstStyle/>
+          <a:p>
+            <a:pPr>
+              <a:lnSpc>
+                <a:spcPct val="100000"/>
+              </a:lnSpc>
+              <a:buNone/>
+            </a:pPr>
+            <a:r>
+              <a:rPr lang="de-DE" sz="1800" b="0" strike="noStrike" spc="-1">
+                <a:solidFill>
+                  <a:srgbClr val="FFFFFF"/>
+                </a:solidFill>
+                <a:latin typeface="Georgia Pro Light"/>
+                <a:ea typeface="DejaVu Sans"/>
+              </a:rPr>
+              <a:t>App</a:t>
+            </a:r>
+            <a:endParaRPr lang="en-US" sz="1800" b="0" strike="noStrike" spc="-1">
+              <a:latin typeface="Arial"/>
+            </a:endParaRPr>
+          </a:p>
+        </p:txBody>
+      </p:sp>
+      <p:sp>
+        <p:nvSpPr>
+          <p:cNvPr id="112" name="Rechteck 25"/>
+          <p:cNvSpPr/>
+          <p:nvPr/>
+        </p:nvSpPr>
+        <p:spPr>
+          <a:xfrm>
+            <a:off x="8791920" y="5355000"/>
+            <a:ext cx="1258560" cy="364320"/>
+          </a:xfrm>
+          <a:prstGeom prst="rect">
+            <a:avLst/>
+          </a:prstGeom>
+          <a:noFill/>
+          <a:ln w="0">
+            <a:noFill/>
+          </a:ln>
+        </p:spPr>
+        <p:style>
+          <a:lnRef idx="0">
+            <a:scrgbClr r="0" g="0" b="0"/>
+          </a:lnRef>
+          <a:fillRef idx="0">
+            <a:scrgbClr r="0" g="0" b="0"/>
+          </a:fillRef>
+          <a:effectRef idx="0">
+            <a:scrgbClr r="0" g="0" b="0"/>
+          </a:effectRef>
+          <a:fontRef idx="minor"/>
+        </p:style>
+        <p:txBody>
+          <a:bodyPr wrap="none" lIns="90000" tIns="45000" rIns="90000" bIns="45000" anchor="t">
+            <a:spAutoFit/>
+          </a:bodyPr>
+          <a:lstStyle/>
+          <a:p>
+            <a:pPr>
+              <a:lnSpc>
+                <a:spcPct val="100000"/>
+              </a:lnSpc>
+              <a:buNone/>
+            </a:pPr>
+            <a:r>
+              <a:rPr lang="de-DE" sz="1800" b="0" strike="noStrike" spc="-1">
+                <a:solidFill>
+                  <a:srgbClr val="FFFFFF"/>
+                </a:solidFill>
+                <a:latin typeface="Georgia Pro Light"/>
+                <a:ea typeface="DejaVu Sans"/>
+              </a:rPr>
+              <a:t>Alexa-Skill</a:t>
+            </a:r>
+            <a:endParaRPr lang="en-US" sz="1800" b="0" strike="noStrike" spc="-1">
+              <a:latin typeface="Arial"/>
+            </a:endParaRPr>
+          </a:p>
+        </p:txBody>
+      </p:sp>
     </p:spTree>
   </p:cSld>
-  <mc:AlternateContent>
-    <mc:Choice Requires="p14">
-      <p:transition spd="slow" p14:dur="2000"/>
-    </mc:Choice>
-    <mc:Fallback>
-      <p:transition spd="slow"/>
-    </mc:Fallback>
-  </mc:AlternateContent>
+  <p:clrMapOvr>
+    <a:masterClrMapping/>
+  </p:clrMapOvr>
 </p:sld>
 </file>
 
-<file path=ppt/slides/slide7.xml><?xml version="1.0" encoding="utf-8"?>
-<p:sld xmlns:a="http://schemas.openxmlformats.org/drawingml/2006/main" xmlns:p="http://schemas.openxmlformats.org/presentationml/2006/main" xmlns:r="http://schemas.openxmlformats.org/officeDocument/2006/relationships" xmlns:p14="http://schemas.microsoft.com/office/powerpoint/2010/main" xmlns:p15="http://schemas.microsoft.com/office/powerpoint/2012/main" xmlns:mc="http://schemas.openxmlformats.org/markup-compatibility/2006">
+<file path=ppt/slides/slide5.xml><?xml version="1.0" encoding="utf-8"?>
+<p:sld xmlns:a="http://schemas.openxmlformats.org/drawingml/2006/main" xmlns:r="http://schemas.openxmlformats.org/officeDocument/2006/relationships" xmlns:p="http://schemas.openxmlformats.org/presentationml/2006/main">
   <p:cSld>
     <p:spTree>
       <p:nvGrpSpPr>
@@ -7330,7 +8130,7 @@
       </p:grpSpPr>
       <p:sp>
         <p:nvSpPr>
-          <p:cNvPr id="122" name="PlaceHolder 1"/>
+          <p:cNvPr id="113" name="PlaceHolder 1"/>
           <p:cNvSpPr>
             <a:spLocks noGrp="1"/>
           </p:cNvSpPr>
@@ -7352,9 +8152,10 @@
           </a:ln>
         </p:spPr>
         <p:txBody>
-          <a:bodyPr lIns="90000" rIns="90000" tIns="45000" bIns="45000" anchor="b">
+          <a:bodyPr lIns="90000" tIns="45000" rIns="90000" bIns="45000" anchor="b">
             <a:noAutofit/>
           </a:bodyPr>
+          <a:lstStyle/>
           <a:p>
             <a:pPr>
               <a:lnSpc>
@@ -7363,55 +8164,33 @@
               <a:buNone/>
             </a:pPr>
             <a:r>
-              <a:rPr b="0" lang="de-DE" sz="4400" spc="-1" strike="noStrike">
+              <a:rPr lang="de-DE" sz="4400" b="0" strike="noStrike" spc="-1">
                 <a:solidFill>
-                  <a:srgbClr val="e2e8e2"/>
+                  <a:srgbClr val="E2E8E2"/>
                 </a:solidFill>
                 <a:latin typeface="Georgia Pro Light"/>
                 <a:ea typeface="DejaVu Sans"/>
               </a:rPr>
-              <a:t>Alexa Skill Umsetzung</a:t>
+              <a:t>Produkt Features	</a:t>
             </a:r>
-            <a:endParaRPr b="0" lang="de-DE" sz="4400" spc="-1" strike="noStrike">
-              <a:solidFill>
-                <a:srgbClr val="000000"/>
-              </a:solidFill>
-              <a:latin typeface="Arial"/>
-            </a:endParaRPr>
-          </a:p>
-        </p:txBody>
-      </p:sp>
-      <p:sp>
-        <p:nvSpPr>
-          <p:cNvPr id="123" name="AutoShape 2"/>
-          <p:cNvSpPr/>
-          <p:nvPr/>
-        </p:nvSpPr>
-        <p:spPr>
-          <a:xfrm>
-            <a:off x="155520" y="-144360"/>
-            <a:ext cx="304200" cy="304200"/>
-          </a:xfrm>
-          <a:prstGeom prst="rect">
-            <a:avLst/>
-          </a:prstGeom>
-          <a:noFill/>
-          <a:ln w="0">
-            <a:noFill/>
-          </a:ln>
-        </p:spPr>
-        <p:style>
-          <a:lnRef idx="0"/>
-          <a:fillRef idx="0"/>
-          <a:effectRef idx="0"/>
-          <a:fontRef idx="minor"/>
-        </p:style>
-      </p:sp>
-      <p:sp>
-        <p:nvSpPr>
-          <p:cNvPr id="124" name="PlaceHolder 2"/>
-          <p:cNvSpPr/>
-          <p:nvPr/>
+            <a:endParaRPr lang="de-DE" sz="4400" b="0" strike="noStrike" spc="-1">
+              <a:solidFill>
+                <a:srgbClr val="000000"/>
+              </a:solidFill>
+              <a:latin typeface="Arial"/>
+            </a:endParaRPr>
+          </a:p>
+        </p:txBody>
+      </p:sp>
+      <p:sp>
+        <p:nvSpPr>
+          <p:cNvPr id="114" name="PlaceHolder 2"/>
+          <p:cNvSpPr>
+            <a:spLocks noGrp="1"/>
+          </p:cNvSpPr>
+          <p:nvPr>
+            <p:ph/>
+          </p:nvPr>
         </p:nvSpPr>
         <p:spPr>
           <a:xfrm>
@@ -7426,16 +8205,11 @@
             <a:noFill/>
           </a:ln>
         </p:spPr>
-        <p:style>
-          <a:lnRef idx="0"/>
-          <a:fillRef idx="0"/>
-          <a:effectRef idx="0"/>
-          <a:fontRef idx="minor"/>
-        </p:style>
-        <p:txBody>
-          <a:bodyPr lIns="90000" rIns="90000" tIns="45000" bIns="45000" anchor="t">
-            <a:noAutofit/>
-          </a:bodyPr>
+        <p:txBody>
+          <a:bodyPr lIns="0" tIns="0" rIns="0" bIns="0" anchor="t">
+            <a:normAutofit/>
+          </a:bodyPr>
+          <a:lstStyle/>
           <a:p>
             <a:pPr marL="228600" indent="-228600">
               <a:lnSpc>
@@ -7445,23 +8219,26 @@
                 <a:spcPts val="1001"/>
               </a:spcBef>
               <a:buClr>
-                <a:srgbClr val="e2e8e2"/>
+                <a:srgbClr val="E2E8E2"/>
               </a:buClr>
               <a:buSzPct val="70000"/>
               <a:buFont typeface="Arial"/>
               <a:buChar char="•"/>
             </a:pPr>
             <a:r>
-              <a:rPr b="0" lang="de-DE" sz="2000" spc="-1" strike="noStrike">
+              <a:rPr lang="de-DE" sz="2000" b="0" strike="noStrike" spc="-1">
                 <a:solidFill>
-                  <a:srgbClr val="e2e8e2"/>
+                  <a:srgbClr val="E2E8E2"/>
                 </a:solidFill>
                 <a:latin typeface="Georgia Pro Light"/>
                 <a:ea typeface="DejaVu Sans"/>
               </a:rPr>
-              <a:t>Abfrage des aktuellen Promillewertes</a:t>
+              <a:t>Alkoholsensordaten werden von einem µC in Cloud hochgeladen</a:t>
             </a:r>
-            <a:endParaRPr b="0" lang="en-US" sz="2000" spc="-1" strike="noStrike">
+            <a:endParaRPr lang="de-DE" sz="2000" b="0" strike="noStrike" spc="-1">
+              <a:solidFill>
+                <a:srgbClr val="000000"/>
+              </a:solidFill>
               <a:latin typeface="Arial"/>
             </a:endParaRPr>
           </a:p>
@@ -7475,7 +8252,10 @@
               </a:spcBef>
               <a:buNone/>
             </a:pPr>
-            <a:endParaRPr b="0" lang="en-US" sz="2000" spc="-1" strike="noStrike">
+            <a:endParaRPr lang="de-DE" sz="2000" b="0" strike="noStrike" spc="-1">
+              <a:solidFill>
+                <a:srgbClr val="000000"/>
+              </a:solidFill>
               <a:latin typeface="Arial"/>
             </a:endParaRPr>
           </a:p>
@@ -7488,23 +8268,26 @@
                 <a:spcPts val="1001"/>
               </a:spcBef>
               <a:buClr>
-                <a:srgbClr val="e2e8e2"/>
+                <a:srgbClr val="E2E8E2"/>
               </a:buClr>
               <a:buSzPct val="70000"/>
               <a:buFont typeface="Arial"/>
               <a:buChar char="•"/>
             </a:pPr>
             <a:r>
-              <a:rPr b="0" lang="de-DE" sz="2000" spc="-1" strike="noStrike">
+              <a:rPr lang="de-DE" sz="2000" b="0" strike="noStrike" spc="-1">
                 <a:solidFill>
-                  <a:srgbClr val="e2e8e2"/>
+                  <a:srgbClr val="E2E8E2"/>
                 </a:solidFill>
                 <a:latin typeface="Georgia Pro Light"/>
                 <a:ea typeface="DejaVu Sans"/>
               </a:rPr>
-              <a:t>Berechnet wann der Nutzer wieder nüchtern ist</a:t>
+              <a:t>Auswertung der Daten per App</a:t>
             </a:r>
-            <a:endParaRPr b="0" lang="en-US" sz="2000" spc="-1" strike="noStrike">
+            <a:endParaRPr lang="de-DE" sz="2000" b="0" strike="noStrike" spc="-1">
+              <a:solidFill>
+                <a:srgbClr val="000000"/>
+              </a:solidFill>
               <a:latin typeface="Arial"/>
             </a:endParaRPr>
           </a:p>
@@ -7518,7 +8301,10 @@
               </a:spcBef>
               <a:buNone/>
             </a:pPr>
-            <a:endParaRPr b="0" lang="en-US" sz="2000" spc="-1" strike="noStrike">
+            <a:endParaRPr lang="de-DE" sz="2000" b="0" strike="noStrike" spc="-1">
+              <a:solidFill>
+                <a:srgbClr val="000000"/>
+              </a:solidFill>
               <a:latin typeface="Arial"/>
             </a:endParaRPr>
           </a:p>
@@ -7531,43 +8317,118 @@
                 <a:spcPts val="1001"/>
               </a:spcBef>
               <a:buClr>
-                <a:srgbClr val="e2e8e2"/>
+                <a:srgbClr val="E2E8E2"/>
               </a:buClr>
               <a:buSzPct val="70000"/>
               <a:buFont typeface="Arial"/>
               <a:buChar char="•"/>
             </a:pPr>
             <a:r>
-              <a:rPr b="0" lang="de-DE" sz="2000" spc="-1" strike="noStrike">
+              <a:rPr lang="de-DE" sz="2000" b="0" strike="noStrike" spc="-1">
                 <a:solidFill>
-                  <a:srgbClr val="e2e8e2"/>
+                  <a:srgbClr val="E2E8E2"/>
                 </a:solidFill>
                 <a:latin typeface="Georgia Pro Light"/>
                 <a:ea typeface="DejaVu Sans"/>
               </a:rPr>
-              <a:t>Liest auf Wunsch ein Katerrezept vor</a:t>
+              <a:t> Auswertung der Daten mit Alexa</a:t>
             </a:r>
-            <a:endParaRPr b="0" lang="en-US" sz="2000" spc="-1" strike="noStrike">
-              <a:latin typeface="Arial"/>
-            </a:endParaRPr>
-          </a:p>
-        </p:txBody>
-      </p:sp>
+            <a:endParaRPr lang="de-DE" sz="2000" b="0" strike="noStrike" spc="-1">
+              <a:solidFill>
+                <a:srgbClr val="000000"/>
+              </a:solidFill>
+              <a:latin typeface="Arial"/>
+            </a:endParaRPr>
+          </a:p>
+          <a:p>
+            <a:pPr>
+              <a:lnSpc>
+                <a:spcPct val="120000"/>
+              </a:lnSpc>
+              <a:spcBef>
+                <a:spcPts val="1001"/>
+              </a:spcBef>
+              <a:buNone/>
+            </a:pPr>
+            <a:endParaRPr lang="de-DE" sz="2000" b="0" strike="noStrike" spc="-1">
+              <a:solidFill>
+                <a:srgbClr val="000000"/>
+              </a:solidFill>
+              <a:latin typeface="Arial"/>
+            </a:endParaRPr>
+          </a:p>
+        </p:txBody>
+      </p:sp>
+      <p:sp>
+        <p:nvSpPr>
+          <p:cNvPr id="115" name="AutoShape 6"/>
+          <p:cNvSpPr/>
+          <p:nvPr/>
+        </p:nvSpPr>
+        <p:spPr>
+          <a:xfrm>
+            <a:off x="9161280" y="3346560"/>
+            <a:ext cx="1775880" cy="1775880"/>
+          </a:xfrm>
+          <a:prstGeom prst="rect">
+            <a:avLst/>
+          </a:prstGeom>
+          <a:noFill/>
+          <a:ln w="0">
+            <a:noFill/>
+          </a:ln>
+        </p:spPr>
+        <p:style>
+          <a:lnRef idx="0">
+            <a:scrgbClr r="0" g="0" b="0"/>
+          </a:lnRef>
+          <a:fillRef idx="0">
+            <a:scrgbClr r="0" g="0" b="0"/>
+          </a:fillRef>
+          <a:effectRef idx="0">
+            <a:scrgbClr r="0" g="0" b="0"/>
+          </a:effectRef>
+          <a:fontRef idx="minor"/>
+        </p:style>
+      </p:sp>
+      <mc:AlternateContent xmlns:mc="http://schemas.openxmlformats.org/markup-compatibility/2006" xmlns:a14="http://schemas.microsoft.com/office/drawing/2010/main">
+        <mc:Choice Requires="a14">
+          <p:sp>
+            <p:nvSpPr>
+              <p:cNvPr id="116" name="Textfeld 115"/>
+              <p:cNvSpPr txBox="1"/>
+              <p:nvPr/>
+            </p:nvSpPr>
+            <p:spPr>
+              <a:xfrm>
+                <a:off x="5763240" y="3264480"/>
+                <a:ext cx="719640" cy="359640"/>
+              </a:xfrm>
+              <a:prstGeom prst="rect">
+                <a:avLst/>
+              </a:prstGeom>
+            </p:spPr>
+            <p:txBody>
+              <a:bodyPr/>
+              <a:lstStyle/>
+              <a:p>
+                <a:endParaRPr/>
+              </a:p>
+            </p:txBody>
+          </p:sp>
+        </mc:Choice>
+        <mc:Fallback xmlns:p15="http://schemas.microsoft.com/office/powerpoint/2012/main" xmlns:p14="http://schemas.microsoft.com/office/powerpoint/2010/main" xmlns=""/>
+      </mc:AlternateContent>
     </p:spTree>
   </p:cSld>
-  <mc:AlternateContent>
-    <mc:Choice Requires="p14">
-      <p:transition spd="slow" p14:dur="2000"/>
-    </mc:Choice>
-    <mc:Fallback>
-      <p:transition spd="slow"/>
-    </mc:Fallback>
-  </mc:AlternateContent>
+  <p:clrMapOvr>
+    <a:masterClrMapping/>
+  </p:clrMapOvr>
 </p:sld>
 </file>
 
-<file path=ppt/slides/slide8.xml><?xml version="1.0" encoding="utf-8"?>
-<p:sld xmlns:a="http://schemas.openxmlformats.org/drawingml/2006/main" xmlns:p="http://schemas.openxmlformats.org/presentationml/2006/main" xmlns:r="http://schemas.openxmlformats.org/officeDocument/2006/relationships" xmlns:p14="http://schemas.microsoft.com/office/powerpoint/2010/main" xmlns:p15="http://schemas.microsoft.com/office/powerpoint/2012/main" xmlns:mc="http://schemas.openxmlformats.org/markup-compatibility/2006">
+<file path=ppt/slides/slide6.xml><?xml version="1.0" encoding="utf-8"?>
+<p:sld xmlns:a="http://schemas.openxmlformats.org/drawingml/2006/main" xmlns:r="http://schemas.openxmlformats.org/officeDocument/2006/relationships" xmlns:p="http://schemas.openxmlformats.org/presentationml/2006/main">
   <p:cSld>
     <p:spTree>
       <p:nvGrpSpPr>
@@ -7585,7 +8446,7 @@
       </p:grpSpPr>
       <p:sp>
         <p:nvSpPr>
-          <p:cNvPr id="125" name="PlaceHolder 1"/>
+          <p:cNvPr id="117" name="PlaceHolder 1"/>
           <p:cNvSpPr>
             <a:spLocks noGrp="1"/>
           </p:cNvSpPr>
@@ -7607,9 +8468,10 @@
           </a:ln>
         </p:spPr>
         <p:txBody>
-          <a:bodyPr lIns="90000" rIns="90000" tIns="45000" bIns="45000" anchor="b">
+          <a:bodyPr lIns="90000" tIns="45000" rIns="90000" bIns="45000" anchor="b">
             <a:noAutofit/>
           </a:bodyPr>
+          <a:lstStyle/>
           <a:p>
             <a:pPr>
               <a:lnSpc>
@@ -7618,27 +8480,27 @@
               <a:buNone/>
             </a:pPr>
             <a:r>
-              <a:rPr b="0" lang="de-DE" sz="4400" spc="-1" strike="noStrike">
+              <a:rPr lang="de-DE" sz="4400" b="0" strike="noStrike" spc="-1">
                 <a:solidFill>
-                  <a:srgbClr val="e2e8e2"/>
+                  <a:srgbClr val="E2E8E2"/>
                 </a:solidFill>
                 <a:latin typeface="Georgia Pro Light"/>
                 <a:ea typeface="DejaVu Sans"/>
               </a:rPr>
-              <a:t>Markt &amp; Marketing</a:t>
+              <a:t>Umgesetzte App Features	</a:t>
             </a:r>
-            <a:endParaRPr b="0" lang="de-DE" sz="4400" spc="-1" strike="noStrike">
-              <a:solidFill>
-                <a:srgbClr val="000000"/>
-              </a:solidFill>
-              <a:latin typeface="Arial"/>
-            </a:endParaRPr>
-          </a:p>
-        </p:txBody>
-      </p:sp>
-      <p:sp>
-        <p:nvSpPr>
-          <p:cNvPr id="126" name="PlaceHolder 2"/>
+            <a:endParaRPr lang="de-DE" sz="4400" b="0" strike="noStrike" spc="-1">
+              <a:solidFill>
+                <a:srgbClr val="000000"/>
+              </a:solidFill>
+              <a:latin typeface="Arial"/>
+            </a:endParaRPr>
+          </a:p>
+        </p:txBody>
+      </p:sp>
+      <p:sp>
+        <p:nvSpPr>
+          <p:cNvPr id="118" name="PlaceHolder 2"/>
           <p:cNvSpPr>
             <a:spLocks noGrp="1"/>
           </p:cNvSpPr>
@@ -7660,158 +8522,36 @@
           </a:ln>
         </p:spPr>
         <p:txBody>
-          <a:bodyPr lIns="0" rIns="0" tIns="0" bIns="0" anchor="t">
+          <a:bodyPr lIns="0" tIns="0" rIns="0" bIns="0" anchor="t">
             <a:normAutofit/>
           </a:bodyPr>
+          <a:lstStyle/>
           <a:p>
             <a:pPr marL="228600" indent="-228600">
               <a:lnSpc>
-                <a:spcPct val="90000"/>
+                <a:spcPct val="120000"/>
               </a:lnSpc>
               <a:spcBef>
                 <a:spcPts val="1001"/>
               </a:spcBef>
               <a:buClr>
-                <a:srgbClr val="d9d9d9"/>
+                <a:srgbClr val="E2E8E2"/>
               </a:buClr>
+              <a:buSzPct val="70000"/>
               <a:buFont typeface="Arial"/>
               <a:buChar char="•"/>
             </a:pPr>
             <a:r>
-              <a:rPr b="0" lang="de-DE" sz="2000" spc="-1" strike="noStrike">
+              <a:rPr lang="de-DE" sz="2000" b="0" strike="noStrike" spc="-1">
                 <a:solidFill>
-                  <a:srgbClr val="d9d9d9"/>
+                  <a:srgbClr val="E2E8E2"/>
                 </a:solidFill>
                 <a:latin typeface="Georgia Pro Light"/>
                 <a:ea typeface="DejaVu Sans"/>
               </a:rPr>
-              <a:t>Einsatz im Auto zur Fahrerkontrolle</a:t>
+              <a:t>Anzeigen des aktuellen Promillewertes</a:t>
             </a:r>
-            <a:endParaRPr b="0" lang="de-DE" sz="2000" spc="-1" strike="noStrike">
-              <a:solidFill>
-                <a:srgbClr val="000000"/>
-              </a:solidFill>
-              <a:latin typeface="Arial"/>
-            </a:endParaRPr>
-          </a:p>
-          <a:p>
-            <a:pPr marL="228600" indent="-228600">
-              <a:lnSpc>
-                <a:spcPct val="90000"/>
-              </a:lnSpc>
-              <a:spcBef>
-                <a:spcPts val="1001"/>
-              </a:spcBef>
-              <a:buClr>
-                <a:srgbClr val="d9d9d9"/>
-              </a:buClr>
-              <a:buFont typeface="Arial"/>
-              <a:buChar char="•"/>
-            </a:pPr>
-            <a:r>
-              <a:rPr b="0" lang="de-DE" sz="2000" spc="-1" strike="noStrike">
-                <a:solidFill>
-                  <a:srgbClr val="d9d9d9"/>
-                </a:solidFill>
-                <a:latin typeface="Georgia Pro Light"/>
-                <a:ea typeface="DejaVu Sans"/>
-              </a:rPr>
-              <a:t>Daten für Versicherungen/Statistiken</a:t>
-            </a:r>
-            <a:endParaRPr b="0" lang="de-DE" sz="2000" spc="-1" strike="noStrike">
-              <a:solidFill>
-                <a:srgbClr val="000000"/>
-              </a:solidFill>
-              <a:latin typeface="Arial"/>
-            </a:endParaRPr>
-          </a:p>
-          <a:p>
-            <a:pPr marL="228600" indent="-228600">
-              <a:lnSpc>
-                <a:spcPct val="90000"/>
-              </a:lnSpc>
-              <a:spcBef>
-                <a:spcPts val="1001"/>
-              </a:spcBef>
-              <a:buClr>
-                <a:srgbClr val="d9d9d9"/>
-              </a:buClr>
-              <a:buFont typeface="Arial"/>
-              <a:buChar char="•"/>
-            </a:pPr>
-            <a:r>
-              <a:rPr b="0" lang="de-DE" sz="2000" spc="-1" strike="noStrike">
-                <a:solidFill>
-                  <a:srgbClr val="d9d9d9"/>
-                </a:solidFill>
-                <a:latin typeface="Georgia Pro Light"/>
-                <a:ea typeface="DejaVu Sans"/>
-              </a:rPr>
-              <a:t>Bei Vergehen können Behörden den Alkoholkonsum mit Videobeweis prüfen</a:t>
-            </a:r>
-            <a:endParaRPr b="0" lang="de-DE" sz="2000" spc="-1" strike="noStrike">
-              <a:solidFill>
-                <a:srgbClr val="000000"/>
-              </a:solidFill>
-              <a:latin typeface="Arial"/>
-            </a:endParaRPr>
-          </a:p>
-          <a:p>
-            <a:pPr marL="228600" indent="-228600">
-              <a:lnSpc>
-                <a:spcPct val="90000"/>
-              </a:lnSpc>
-              <a:spcBef>
-                <a:spcPts val="1001"/>
-              </a:spcBef>
-              <a:buClr>
-                <a:srgbClr val="d9d9d9"/>
-              </a:buClr>
-              <a:buFont typeface="Arial"/>
-              <a:buChar char="•"/>
-            </a:pPr>
-            <a:r>
-              <a:rPr b="0" lang="de-DE" sz="2000" spc="-1" strike="noStrike">
-                <a:solidFill>
-                  <a:srgbClr val="d9d9d9"/>
-                </a:solidFill>
-                <a:latin typeface="Georgia Pro Light"/>
-                <a:ea typeface="DejaVu Sans"/>
-              </a:rPr>
-              <a:t>Selbstkontrolle, bewussteren Umgang mit Alkohol fördern</a:t>
-            </a:r>
-            <a:endParaRPr b="0" lang="de-DE" sz="2000" spc="-1" strike="noStrike">
-              <a:solidFill>
-                <a:srgbClr val="000000"/>
-              </a:solidFill>
-              <a:latin typeface="Arial"/>
-            </a:endParaRPr>
-          </a:p>
-          <a:p>
-            <a:pPr marL="228600" indent="-228600">
-              <a:lnSpc>
-                <a:spcPct val="90000"/>
-              </a:lnSpc>
-              <a:spcBef>
-                <a:spcPts val="1001"/>
-              </a:spcBef>
-              <a:buClr>
-                <a:srgbClr val="d9d9d9"/>
-              </a:buClr>
-              <a:buFont typeface="Arial"/>
-              <a:buChar char="•"/>
-            </a:pPr>
-            <a:r>
-              <a:rPr b="0" lang="de-DE" sz="2000" spc="-1" strike="noStrike">
-                <a:solidFill>
-                  <a:srgbClr val="d9d9d9"/>
-                </a:solidFill>
-                <a:latin typeface="Georgia Pro Light"/>
-                <a:ea typeface="DejaVu Sans"/>
-              </a:rPr>
-              <a:t>Erinnerungen an Abstinenz -&gt; Belohnungssystem</a:t>
-            </a:r>
-            <a:endParaRPr b="0" lang="de-DE" sz="2000" spc="-1" strike="noStrike">
+            <a:endParaRPr lang="de-DE" sz="2000" b="0" strike="noStrike" spc="-1">
               <a:solidFill>
                 <a:srgbClr val="000000"/>
               </a:solidFill>
@@ -7828,30 +8568,184 @@
               </a:spcBef>
               <a:buNone/>
             </a:pPr>
-            <a:endParaRPr b="0" lang="de-DE" sz="2000" spc="-1" strike="noStrike">
-              <a:solidFill>
-                <a:srgbClr val="000000"/>
-              </a:solidFill>
-              <a:latin typeface="Arial"/>
-            </a:endParaRPr>
-          </a:p>
-        </p:txBody>
-      </p:sp>
+            <a:endParaRPr lang="de-DE" sz="2000" b="0" strike="noStrike" spc="-1">
+              <a:solidFill>
+                <a:srgbClr val="000000"/>
+              </a:solidFill>
+              <a:latin typeface="Arial"/>
+            </a:endParaRPr>
+          </a:p>
+          <a:p>
+            <a:pPr marL="228600" indent="-228600">
+              <a:lnSpc>
+                <a:spcPct val="120000"/>
+              </a:lnSpc>
+              <a:spcBef>
+                <a:spcPts val="1001"/>
+              </a:spcBef>
+              <a:buClr>
+                <a:srgbClr val="E2E8E2"/>
+              </a:buClr>
+              <a:buSzPct val="70000"/>
+              <a:buFont typeface="Arial"/>
+              <a:buChar char="•"/>
+            </a:pPr>
+            <a:r>
+              <a:rPr lang="de-DE" sz="2000" b="0" strike="noStrike" spc="-1">
+                <a:solidFill>
+                  <a:srgbClr val="E2E8E2"/>
+                </a:solidFill>
+                <a:latin typeface="Georgia Pro Light"/>
+                <a:ea typeface="DejaVu Sans"/>
+              </a:rPr>
+              <a:t>Promillewerte der letzten Tage</a:t>
+            </a:r>
+            <a:endParaRPr lang="de-DE" sz="2000" b="0" strike="noStrike" spc="-1">
+              <a:solidFill>
+                <a:srgbClr val="000000"/>
+              </a:solidFill>
+              <a:latin typeface="Arial"/>
+            </a:endParaRPr>
+          </a:p>
+          <a:p>
+            <a:pPr>
+              <a:lnSpc>
+                <a:spcPct val="120000"/>
+              </a:lnSpc>
+              <a:spcBef>
+                <a:spcPts val="1001"/>
+              </a:spcBef>
+              <a:buNone/>
+            </a:pPr>
+            <a:endParaRPr lang="de-DE" sz="2000" b="0" strike="noStrike" spc="-1">
+              <a:solidFill>
+                <a:srgbClr val="000000"/>
+              </a:solidFill>
+              <a:latin typeface="Arial"/>
+            </a:endParaRPr>
+          </a:p>
+          <a:p>
+            <a:pPr marL="228600" indent="-228600">
+              <a:lnSpc>
+                <a:spcPct val="120000"/>
+              </a:lnSpc>
+              <a:spcBef>
+                <a:spcPts val="1001"/>
+              </a:spcBef>
+              <a:buClr>
+                <a:srgbClr val="E2E8E2"/>
+              </a:buClr>
+              <a:buSzPct val="70000"/>
+              <a:buFont typeface="Arial"/>
+              <a:buChar char="•"/>
+            </a:pPr>
+            <a:r>
+              <a:rPr lang="de-DE" sz="2000" b="0" strike="noStrike" spc="-1">
+                <a:solidFill>
+                  <a:srgbClr val="E2E8E2"/>
+                </a:solidFill>
+                <a:latin typeface="Georgia Pro Light"/>
+                <a:ea typeface="DejaVu Sans"/>
+              </a:rPr>
+              <a:t>Auswertung Tage ohne Alkoholkonsum</a:t>
+            </a:r>
+            <a:endParaRPr lang="de-DE" sz="2000" b="0" strike="noStrike" spc="-1">
+              <a:solidFill>
+                <a:srgbClr val="000000"/>
+              </a:solidFill>
+              <a:latin typeface="Arial"/>
+            </a:endParaRPr>
+          </a:p>
+        </p:txBody>
+      </p:sp>
+      <p:sp>
+        <p:nvSpPr>
+          <p:cNvPr id="119" name="AutoShape 6"/>
+          <p:cNvSpPr/>
+          <p:nvPr/>
+        </p:nvSpPr>
+        <p:spPr>
+          <a:xfrm>
+            <a:off x="9161280" y="3346560"/>
+            <a:ext cx="1775880" cy="1775880"/>
+          </a:xfrm>
+          <a:prstGeom prst="rect">
+            <a:avLst/>
+          </a:prstGeom>
+          <a:noFill/>
+          <a:ln w="0">
+            <a:noFill/>
+          </a:ln>
+        </p:spPr>
+        <p:style>
+          <a:lnRef idx="0">
+            <a:scrgbClr r="0" g="0" b="0"/>
+          </a:lnRef>
+          <a:fillRef idx="0">
+            <a:scrgbClr r="0" g="0" b="0"/>
+          </a:fillRef>
+          <a:effectRef idx="0">
+            <a:scrgbClr r="0" g="0" b="0"/>
+          </a:effectRef>
+          <a:fontRef idx="minor"/>
+        </p:style>
+      </p:sp>
+      <p:pic>
+        <p:nvPicPr>
+          <p:cNvPr id="120" name="Grafik 119"/>
+          <p:cNvPicPr/>
+          <p:nvPr/>
+        </p:nvPicPr>
+        <p:blipFill>
+          <a:blip r:embed="rId2"/>
+          <a:stretch/>
+        </p:blipFill>
+        <p:spPr>
+          <a:xfrm>
+            <a:off x="7086600" y="2413440"/>
+            <a:ext cx="2057400" cy="3659760"/>
+          </a:xfrm>
+          <a:prstGeom prst="rect">
+            <a:avLst/>
+          </a:prstGeom>
+          <a:ln w="0">
+            <a:noFill/>
+          </a:ln>
+        </p:spPr>
+      </p:pic>
+      <p:pic>
+        <p:nvPicPr>
+          <p:cNvPr id="121" name="Grafik 120"/>
+          <p:cNvPicPr/>
+          <p:nvPr/>
+        </p:nvPicPr>
+        <p:blipFill>
+          <a:blip r:embed="rId3"/>
+          <a:stretch/>
+        </p:blipFill>
+        <p:spPr>
+          <a:xfrm>
+            <a:off x="9372600" y="2438280"/>
+            <a:ext cx="2057400" cy="3659760"/>
+          </a:xfrm>
+          <a:prstGeom prst="rect">
+            <a:avLst/>
+          </a:prstGeom>
+          <a:ln w="0">
+            <a:noFill/>
+          </a:ln>
+        </p:spPr>
+      </p:pic>
     </p:spTree>
   </p:cSld>
-  <mc:AlternateContent>
-    <mc:Choice Requires="p14">
-      <p:transition spd="slow" p14:dur="2000"/>
-    </mc:Choice>
-    <mc:Fallback>
-      <p:transition spd="slow"/>
-    </mc:Fallback>
-  </mc:AlternateContent>
+  <p:clrMapOvr>
+    <a:masterClrMapping/>
+  </p:clrMapOvr>
 </p:sld>
 </file>
 
-<file path=ppt/slides/slide9.xml><?xml version="1.0" encoding="utf-8"?>
-<p:sld xmlns:a="http://schemas.openxmlformats.org/drawingml/2006/main" xmlns:p="http://schemas.openxmlformats.org/presentationml/2006/main" xmlns:r="http://schemas.openxmlformats.org/officeDocument/2006/relationships" xmlns:p14="http://schemas.microsoft.com/office/powerpoint/2010/main" xmlns:p15="http://schemas.microsoft.com/office/powerpoint/2012/main" xmlns:mc="http://schemas.openxmlformats.org/markup-compatibility/2006">
+<file path=ppt/slides/slide7.xml><?xml version="1.0" encoding="utf-8"?>
+<p:sld xmlns:a="http://schemas.openxmlformats.org/drawingml/2006/main" xmlns:r="http://schemas.openxmlformats.org/officeDocument/2006/relationships" xmlns:p="http://schemas.openxmlformats.org/presentationml/2006/main">
   <p:cSld>
     <p:spTree>
       <p:nvGrpSpPr>
@@ -7869,7 +8763,7 @@
       </p:grpSpPr>
       <p:sp>
         <p:nvSpPr>
-          <p:cNvPr id="127" name="PlaceHolder 1"/>
+          <p:cNvPr id="122" name="PlaceHolder 1"/>
           <p:cNvSpPr>
             <a:spLocks noGrp="1"/>
           </p:cNvSpPr>
@@ -7891,9 +8785,10 @@
           </a:ln>
         </p:spPr>
         <p:txBody>
-          <a:bodyPr lIns="90000" rIns="90000" tIns="45000" bIns="45000" anchor="b">
+          <a:bodyPr lIns="90000" tIns="45000" rIns="90000" bIns="45000" anchor="b">
             <a:noAutofit/>
           </a:bodyPr>
+          <a:lstStyle/>
           <a:p>
             <a:pPr>
               <a:lnSpc>
@@ -7902,33 +8797,61 @@
               <a:buNone/>
             </a:pPr>
             <a:r>
-              <a:rPr b="0" lang="de-DE" sz="4400" spc="-1" strike="noStrike">
+              <a:rPr lang="de-DE" sz="4400" b="0" strike="noStrike" spc="-1">
                 <a:solidFill>
-                  <a:srgbClr val="e2e8e2"/>
+                  <a:srgbClr val="E2E8E2"/>
                 </a:solidFill>
                 <a:latin typeface="Georgia Pro Light"/>
                 <a:ea typeface="DejaVu Sans"/>
               </a:rPr>
-              <a:t>Alleinstellungsmerkmal</a:t>
+              <a:t>Alexa Skill Umsetzung</a:t>
             </a:r>
-            <a:endParaRPr b="0" lang="de-DE" sz="4400" spc="-1" strike="noStrike">
-              <a:solidFill>
-                <a:srgbClr val="000000"/>
-              </a:solidFill>
-              <a:latin typeface="Arial"/>
-            </a:endParaRPr>
-          </a:p>
-        </p:txBody>
-      </p:sp>
-      <p:sp>
-        <p:nvSpPr>
-          <p:cNvPr id="128" name="PlaceHolder 2"/>
-          <p:cNvSpPr>
-            <a:spLocks noGrp="1"/>
-          </p:cNvSpPr>
-          <p:nvPr>
-            <p:ph/>
-          </p:nvPr>
+            <a:endParaRPr lang="de-DE" sz="4400" b="0" strike="noStrike" spc="-1">
+              <a:solidFill>
+                <a:srgbClr val="000000"/>
+              </a:solidFill>
+              <a:latin typeface="Arial"/>
+            </a:endParaRPr>
+          </a:p>
+        </p:txBody>
+      </p:sp>
+      <p:sp>
+        <p:nvSpPr>
+          <p:cNvPr id="123" name="AutoShape 2"/>
+          <p:cNvSpPr/>
+          <p:nvPr/>
+        </p:nvSpPr>
+        <p:spPr>
+          <a:xfrm>
+            <a:off x="155520" y="-144360"/>
+            <a:ext cx="304200" cy="304200"/>
+          </a:xfrm>
+          <a:prstGeom prst="rect">
+            <a:avLst/>
+          </a:prstGeom>
+          <a:noFill/>
+          <a:ln w="0">
+            <a:noFill/>
+          </a:ln>
+        </p:spPr>
+        <p:style>
+          <a:lnRef idx="0">
+            <a:scrgbClr r="0" g="0" b="0"/>
+          </a:lnRef>
+          <a:fillRef idx="0">
+            <a:scrgbClr r="0" g="0" b="0"/>
+          </a:fillRef>
+          <a:effectRef idx="0">
+            <a:scrgbClr r="0" g="0" b="0"/>
+          </a:effectRef>
+          <a:fontRef idx="minor"/>
+        </p:style>
+      </p:sp>
+      <p:sp>
+        <p:nvSpPr>
+          <p:cNvPr id="124" name="PlaceHolder 2"/>
+          <p:cNvSpPr/>
+          <p:nvPr/>
         </p:nvSpPr>
         <p:spPr>
           <a:xfrm>
@@ -7943,10 +8866,23 @@
             <a:noFill/>
           </a:ln>
         </p:spPr>
-        <p:txBody>
-          <a:bodyPr lIns="0" rIns="0" tIns="0" bIns="0" anchor="t">
-            <a:normAutofit/>
-          </a:bodyPr>
+        <p:style>
+          <a:lnRef idx="0">
+            <a:scrgbClr r="0" g="0" b="0"/>
+          </a:lnRef>
+          <a:fillRef idx="0">
+            <a:scrgbClr r="0" g="0" b="0"/>
+          </a:fillRef>
+          <a:effectRef idx="0">
+            <a:scrgbClr r="0" g="0" b="0"/>
+          </a:effectRef>
+          <a:fontRef idx="minor"/>
+        </p:style>
+        <p:txBody>
+          <a:bodyPr lIns="90000" tIns="45000" rIns="90000" bIns="45000" anchor="t">
+            <a:noAutofit/>
+          </a:bodyPr>
+          <a:lstStyle/>
           <a:p>
             <a:pPr marL="228600" indent="-228600">
               <a:lnSpc>
@@ -7956,26 +8892,23 @@
                 <a:spcPts val="1001"/>
               </a:spcBef>
               <a:buClr>
-                <a:srgbClr val="e2e8e2"/>
+                <a:srgbClr val="E2E8E2"/>
               </a:buClr>
               <a:buSzPct val="70000"/>
               <a:buFont typeface="Arial"/>
               <a:buChar char="•"/>
             </a:pPr>
             <a:r>
-              <a:rPr b="0" lang="de-DE" sz="2000" spc="-1" strike="noStrike">
+              <a:rPr lang="de-DE" sz="2000" b="0" strike="noStrike" spc="-1" dirty="0">
                 <a:solidFill>
-                  <a:srgbClr val="e2e8e2"/>
+                  <a:srgbClr val="E2E8E2"/>
                 </a:solidFill>
                 <a:latin typeface="Georgia Pro Light"/>
                 <a:ea typeface="DejaVu Sans"/>
               </a:rPr>
-              <a:t>Messdaten gehen nicht sofort verloren</a:t>
+              <a:t>Abfrage des aktuellen Promillewertes</a:t>
             </a:r>
-            <a:endParaRPr b="0" lang="de-DE" sz="2000" spc="-1" strike="noStrike">
-              <a:solidFill>
-                <a:srgbClr val="000000"/>
-              </a:solidFill>
+            <a:endParaRPr lang="en-US" sz="2000" b="0" strike="noStrike" spc="-1" dirty="0">
               <a:latin typeface="Arial"/>
             </a:endParaRPr>
           </a:p>
@@ -7989,10 +8922,7 @@
               </a:spcBef>
               <a:buNone/>
             </a:pPr>
-            <a:endParaRPr b="0" lang="de-DE" sz="2000" spc="-1" strike="noStrike">
-              <a:solidFill>
-                <a:srgbClr val="000000"/>
-              </a:solidFill>
+            <a:endParaRPr lang="en-US" sz="2000" b="0" strike="noStrike" spc="-1" dirty="0">
               <a:latin typeface="Arial"/>
             </a:endParaRPr>
           </a:p>
@@ -8005,26 +8935,23 @@
                 <a:spcPts val="1001"/>
               </a:spcBef>
               <a:buClr>
-                <a:srgbClr val="e2e8e2"/>
+                <a:srgbClr val="E2E8E2"/>
               </a:buClr>
               <a:buSzPct val="70000"/>
               <a:buFont typeface="Arial"/>
               <a:buChar char="•"/>
             </a:pPr>
             <a:r>
-              <a:rPr b="0" lang="de-DE" sz="2000" spc="-1" strike="noStrike">
+              <a:rPr lang="de-DE" sz="2000" b="0" strike="noStrike" spc="-1" dirty="0">
                 <a:solidFill>
-                  <a:srgbClr val="e2e8e2"/>
+                  <a:srgbClr val="E2E8E2"/>
                 </a:solidFill>
                 <a:latin typeface="Georgia Pro Light"/>
                 <a:ea typeface="DejaVu Sans"/>
               </a:rPr>
-              <a:t>Internetanbindung über WLAN </a:t>
+              <a:t>Berechnet, wann der Nutzer wieder nüchtern ist</a:t>
             </a:r>
-            <a:endParaRPr b="0" lang="de-DE" sz="2000" spc="-1" strike="noStrike">
-              <a:solidFill>
-                <a:srgbClr val="000000"/>
-              </a:solidFill>
+            <a:endParaRPr lang="en-US" sz="2000" b="0" strike="noStrike" spc="-1" dirty="0">
               <a:latin typeface="Arial"/>
             </a:endParaRPr>
           </a:p>
@@ -8038,10 +8965,7 @@
               </a:spcBef>
               <a:buNone/>
             </a:pPr>
-            <a:endParaRPr b="0" lang="de-DE" sz="2000" spc="-1" strike="noStrike">
-              <a:solidFill>
-                <a:srgbClr val="000000"/>
-              </a:solidFill>
+            <a:endParaRPr lang="en-US" sz="2000" b="0" strike="noStrike" spc="-1" dirty="0">
               <a:latin typeface="Arial"/>
             </a:endParaRPr>
           </a:p>
@@ -8054,26 +8978,23 @@
                 <a:spcPts val="1001"/>
               </a:spcBef>
               <a:buClr>
-                <a:srgbClr val="e2e8e2"/>
+                <a:srgbClr val="E2E8E2"/>
               </a:buClr>
               <a:buSzPct val="70000"/>
               <a:buFont typeface="Arial"/>
               <a:buChar char="•"/>
             </a:pPr>
             <a:r>
-              <a:rPr b="0" lang="de-DE" sz="2000" spc="-1" strike="noStrike">
+              <a:rPr lang="de-DE" sz="2000" b="0" strike="noStrike" spc="-1" dirty="0">
                 <a:solidFill>
-                  <a:srgbClr val="e2e8e2"/>
+                  <a:srgbClr val="E2E8E2"/>
                 </a:solidFill>
                 <a:latin typeface="Georgia Pro Light"/>
                 <a:ea typeface="DejaVu Sans"/>
               </a:rPr>
-              <a:t>Erweiterung zur Mobilfunkanbindung</a:t>
+              <a:t>Liest auf Wunsch ein Katerrezept vor</a:t>
             </a:r>
-            <a:endParaRPr b="0" lang="de-DE" sz="2000" spc="-1" strike="noStrike">
-              <a:solidFill>
-                <a:srgbClr val="000000"/>
-              </a:solidFill>
+            <a:endParaRPr lang="en-US" sz="2000" b="0" strike="noStrike" spc="-1" dirty="0">
               <a:latin typeface="Arial"/>
             </a:endParaRPr>
           </a:p>
@@ -8081,14 +9002,683 @@
       </p:sp>
     </p:spTree>
   </p:cSld>
-  <mc:AlternateContent>
-    <mc:Choice Requires="p14">
-      <p:transition spd="slow" p14:dur="2000"/>
-    </mc:Choice>
-    <mc:Fallback>
-      <p:transition spd="slow"/>
-    </mc:Fallback>
-  </mc:AlternateContent>
+  <p:clrMapOvr>
+    <a:masterClrMapping/>
+  </p:clrMapOvr>
+</p:sld>
+</file>
+
+<file path=ppt/slides/slide8.xml><?xml version="1.0" encoding="utf-8"?>
+<p:sld xmlns:a="http://schemas.openxmlformats.org/drawingml/2006/main" xmlns:r="http://schemas.openxmlformats.org/officeDocument/2006/relationships" xmlns:p="http://schemas.openxmlformats.org/presentationml/2006/main">
+  <p:cSld>
+    <p:spTree>
+      <p:nvGrpSpPr>
+        <p:cNvPr id="1" name=""/>
+        <p:cNvGrpSpPr/>
+        <p:nvPr/>
+      </p:nvGrpSpPr>
+      <p:grpSpPr>
+        <a:xfrm>
+          <a:off x="0" y="0"/>
+          <a:ext cx="0" cy="0"/>
+          <a:chOff x="0" y="0"/>
+          <a:chExt cx="0" cy="0"/>
+        </a:xfrm>
+      </p:grpSpPr>
+      <p:sp>
+        <p:nvSpPr>
+          <p:cNvPr id="122" name="PlaceHolder 1"/>
+          <p:cNvSpPr>
+            <a:spLocks noGrp="1"/>
+          </p:cNvSpPr>
+          <p:nvPr>
+            <p:ph type="title"/>
+          </p:nvPr>
+        </p:nvSpPr>
+        <p:spPr>
+          <a:xfrm>
+            <a:off x="849600" y="876240"/>
+            <a:ext cx="10427040" cy="1085400"/>
+          </a:xfrm>
+          <a:prstGeom prst="rect">
+            <a:avLst/>
+          </a:prstGeom>
+          <a:noFill/>
+          <a:ln w="0">
+            <a:noFill/>
+          </a:ln>
+        </p:spPr>
+        <p:txBody>
+          <a:bodyPr lIns="90000" tIns="45000" rIns="90000" bIns="45000" anchor="b">
+            <a:noAutofit/>
+          </a:bodyPr>
+          <a:lstStyle/>
+          <a:p>
+            <a:pPr>
+              <a:lnSpc>
+                <a:spcPct val="100000"/>
+              </a:lnSpc>
+              <a:buNone/>
+            </a:pPr>
+            <a:r>
+              <a:rPr lang="de-DE" sz="4400" b="0" strike="noStrike" spc="-1" dirty="0">
+                <a:solidFill>
+                  <a:srgbClr val="E2E8E2"/>
+                </a:solidFill>
+                <a:latin typeface="Georgia Pro Light"/>
+                <a:ea typeface="DejaVu Sans"/>
+              </a:rPr>
+              <a:t>Alexa </a:t>
+            </a:r>
+            <a:r>
+              <a:rPr lang="de-DE" sz="4400" b="0" strike="noStrike" spc="-1" dirty="0" err="1">
+                <a:solidFill>
+                  <a:srgbClr val="E2E8E2"/>
+                </a:solidFill>
+                <a:latin typeface="Georgia Pro Light"/>
+                <a:ea typeface="DejaVu Sans"/>
+              </a:rPr>
+              <a:t>Skill</a:t>
+            </a:r>
+            <a:r>
+              <a:rPr lang="de-DE" sz="4400" b="0" strike="noStrike" spc="-1" dirty="0">
+                <a:solidFill>
+                  <a:srgbClr val="E2E8E2"/>
+                </a:solidFill>
+                <a:latin typeface="Georgia Pro Light"/>
+                <a:ea typeface="DejaVu Sans"/>
+              </a:rPr>
+              <a:t> </a:t>
+            </a:r>
+            <a:r>
+              <a:rPr lang="de-DE" spc="-1" dirty="0">
+                <a:solidFill>
+                  <a:srgbClr val="E2E8E2"/>
+                </a:solidFill>
+                <a:latin typeface="Georgia Pro Light"/>
+                <a:ea typeface="DejaVu Sans"/>
+              </a:rPr>
+              <a:t>Test</a:t>
+            </a:r>
+            <a:endParaRPr lang="de-DE" sz="4400" b="0" strike="noStrike" spc="-1" dirty="0">
+              <a:solidFill>
+                <a:srgbClr val="000000"/>
+              </a:solidFill>
+              <a:latin typeface="Arial"/>
+            </a:endParaRPr>
+          </a:p>
+        </p:txBody>
+      </p:sp>
+      <p:sp>
+        <p:nvSpPr>
+          <p:cNvPr id="123" name="AutoShape 2"/>
+          <p:cNvSpPr/>
+          <p:nvPr/>
+        </p:nvSpPr>
+        <p:spPr>
+          <a:xfrm>
+            <a:off x="155520" y="-144360"/>
+            <a:ext cx="304200" cy="304200"/>
+          </a:xfrm>
+          <a:prstGeom prst="rect">
+            <a:avLst/>
+          </a:prstGeom>
+          <a:noFill/>
+          <a:ln w="0">
+            <a:noFill/>
+          </a:ln>
+        </p:spPr>
+        <p:style>
+          <a:lnRef idx="0">
+            <a:scrgbClr r="0" g="0" b="0"/>
+          </a:lnRef>
+          <a:fillRef idx="0">
+            <a:scrgbClr r="0" g="0" b="0"/>
+          </a:fillRef>
+          <a:effectRef idx="0">
+            <a:scrgbClr r="0" g="0" b="0"/>
+          </a:effectRef>
+          <a:fontRef idx="minor"/>
+        </p:style>
+      </p:sp>
+      <p:sp>
+        <p:nvSpPr>
+          <p:cNvPr id="124" name="PlaceHolder 2"/>
+          <p:cNvSpPr/>
+          <p:nvPr/>
+        </p:nvSpPr>
+        <p:spPr>
+          <a:xfrm>
+            <a:off x="849600" y="2066040"/>
+            <a:ext cx="10427040" cy="3902400"/>
+          </a:xfrm>
+          <a:prstGeom prst="rect">
+            <a:avLst/>
+          </a:prstGeom>
+          <a:noFill/>
+          <a:ln w="0">
+            <a:noFill/>
+          </a:ln>
+        </p:spPr>
+        <p:style>
+          <a:lnRef idx="0">
+            <a:scrgbClr r="0" g="0" b="0"/>
+          </a:lnRef>
+          <a:fillRef idx="0">
+            <a:scrgbClr r="0" g="0" b="0"/>
+          </a:fillRef>
+          <a:effectRef idx="0">
+            <a:scrgbClr r="0" g="0" b="0"/>
+          </a:effectRef>
+          <a:fontRef idx="minor"/>
+        </p:style>
+        <p:txBody>
+          <a:bodyPr lIns="90000" tIns="45000" rIns="90000" bIns="45000" anchor="t">
+            <a:noAutofit/>
+          </a:bodyPr>
+          <a:lstStyle/>
+          <a:p>
+            <a:pPr marL="228600" indent="-228600">
+              <a:lnSpc>
+                <a:spcPct val="120000"/>
+              </a:lnSpc>
+              <a:spcBef>
+                <a:spcPts val="1001"/>
+              </a:spcBef>
+              <a:buClr>
+                <a:srgbClr val="E2E8E2"/>
+              </a:buClr>
+              <a:buSzPct val="70000"/>
+              <a:buFont typeface="Arial"/>
+              <a:buChar char="•"/>
+            </a:pPr>
+            <a:endParaRPr lang="en-US" sz="2000" b="0" strike="noStrike" spc="-1" dirty="0">
+              <a:latin typeface="Arial"/>
+            </a:endParaRPr>
+          </a:p>
+        </p:txBody>
+      </p:sp>
+      <p:pic>
+        <p:nvPicPr>
+          <p:cNvPr id="4" name="Medien1">
+            <a:hlinkClick r:id="" action="ppaction://media"/>
+            <a:extLst>
+              <a:ext uri="{FF2B5EF4-FFF2-40B4-BE49-F238E27FC236}">
+                <a16:creationId xmlns:a16="http://schemas.microsoft.com/office/drawing/2014/main" id="{8093205E-74B7-473B-9CF5-8A7942B906B9}"/>
+              </a:ext>
+            </a:extLst>
+          </p:cNvPr>
+          <p:cNvPicPr>
+            <a:picLocks noChangeAspect="1"/>
+          </p:cNvPicPr>
+          <p:nvPr>
+            <a:videoFile r:link="rId2"/>
+            <p:extLst>
+              <p:ext uri="{DAA4B4D4-6D71-4841-9C94-3DE7FCFB9230}">
+                <p14:media xmlns:p14="http://schemas.microsoft.com/office/powerpoint/2010/main" r:embed="rId1"/>
+              </p:ext>
+            </p:extLst>
+          </p:nvPr>
+        </p:nvPicPr>
+        <p:blipFill>
+          <a:blip r:embed="rId4"/>
+          <a:stretch>
+            <a:fillRect/>
+          </a:stretch>
+        </p:blipFill>
+        <p:spPr>
+          <a:xfrm>
+            <a:off x="2650123" y="2174054"/>
+            <a:ext cx="6891754" cy="3686371"/>
+          </a:xfrm>
+          <a:prstGeom prst="rect">
+            <a:avLst/>
+          </a:prstGeom>
+        </p:spPr>
+      </p:pic>
+    </p:spTree>
+    <p:extLst>
+      <p:ext uri="{BB962C8B-B14F-4D97-AF65-F5344CB8AC3E}">
+        <p14:creationId xmlns:p14="http://schemas.microsoft.com/office/powerpoint/2010/main" val="1127392478"/>
+      </p:ext>
+    </p:extLst>
+  </p:cSld>
+  <p:clrMapOvr>
+    <a:masterClrMapping/>
+  </p:clrMapOvr>
+  <p:timing>
+    <p:tnLst>
+      <p:par>
+        <p:cTn id="1" dur="indefinite" restart="never" nodeType="tmRoot">
+          <p:childTnLst>
+            <p:seq concurrent="1" nextAc="seek">
+              <p:cTn id="2" dur="indefinite" nodeType="mainSeq">
+                <p:childTnLst>
+                  <p:par>
+                    <p:cTn id="3" fill="hold">
+                      <p:stCondLst>
+                        <p:cond delay="indefinite"/>
+                      </p:stCondLst>
+                      <p:childTnLst>
+                        <p:par>
+                          <p:cTn id="4" fill="hold">
+                            <p:stCondLst>
+                              <p:cond delay="0"/>
+                            </p:stCondLst>
+                            <p:childTnLst>
+                              <p:par>
+                                <p:cTn id="5" presetID="1" presetClass="mediacall" presetSubtype="0" fill="hold" nodeType="clickEffect">
+                                  <p:stCondLst>
+                                    <p:cond delay="0"/>
+                                  </p:stCondLst>
+                                  <p:childTnLst>
+                                    <p:cmd type="call" cmd="playFrom(0.0)">
+                                      <p:cBhvr>
+                                        <p:cTn id="6" dur="56857" fill="hold"/>
+                                        <p:tgtEl>
+                                          <p:spTgt spid="4"/>
+                                        </p:tgtEl>
+                                      </p:cBhvr>
+                                    </p:cmd>
+                                  </p:childTnLst>
+                                </p:cTn>
+                              </p:par>
+                            </p:childTnLst>
+                          </p:cTn>
+                        </p:par>
+                      </p:childTnLst>
+                    </p:cTn>
+                  </p:par>
+                </p:childTnLst>
+              </p:cTn>
+              <p:prevCondLst>
+                <p:cond evt="onPrev" delay="0">
+                  <p:tgtEl>
+                    <p:sldTgt/>
+                  </p:tgtEl>
+                </p:cond>
+              </p:prevCondLst>
+              <p:nextCondLst>
+                <p:cond evt="onNext" delay="0">
+                  <p:tgtEl>
+                    <p:sldTgt/>
+                  </p:tgtEl>
+                </p:cond>
+              </p:nextCondLst>
+            </p:seq>
+            <p:video>
+              <p:cMediaNode vol="80000">
+                <p:cTn id="7" fill="hold" display="0">
+                  <p:stCondLst>
+                    <p:cond delay="indefinite"/>
+                  </p:stCondLst>
+                </p:cTn>
+                <p:tgtEl>
+                  <p:spTgt spid="4"/>
+                </p:tgtEl>
+              </p:cMediaNode>
+            </p:video>
+            <p:seq concurrent="1" nextAc="seek">
+              <p:cTn id="8" restart="whenNotActive" fill="hold" evtFilter="cancelBubble" nodeType="interactiveSeq">
+                <p:stCondLst>
+                  <p:cond evt="onClick" delay="0">
+                    <p:tgtEl>
+                      <p:spTgt spid="4"/>
+                    </p:tgtEl>
+                  </p:cond>
+                </p:stCondLst>
+                <p:endSync evt="end" delay="0">
+                  <p:rtn val="all"/>
+                </p:endSync>
+                <p:childTnLst>
+                  <p:par>
+                    <p:cTn id="9" fill="hold">
+                      <p:stCondLst>
+                        <p:cond delay="0"/>
+                      </p:stCondLst>
+                      <p:childTnLst>
+                        <p:par>
+                          <p:cTn id="10" fill="hold">
+                            <p:stCondLst>
+                              <p:cond delay="0"/>
+                            </p:stCondLst>
+                            <p:childTnLst>
+                              <p:par>
+                                <p:cTn id="11" presetID="2" presetClass="mediacall" presetSubtype="0" fill="hold" nodeType="clickEffect">
+                                  <p:stCondLst>
+                                    <p:cond delay="0"/>
+                                  </p:stCondLst>
+                                  <p:childTnLst>
+                                    <p:cmd type="call" cmd="togglePause">
+                                      <p:cBhvr>
+                                        <p:cTn id="12" dur="1" fill="hold"/>
+                                        <p:tgtEl>
+                                          <p:spTgt spid="4"/>
+                                        </p:tgtEl>
+                                      </p:cBhvr>
+                                    </p:cmd>
+                                  </p:childTnLst>
+                                </p:cTn>
+                              </p:par>
+                            </p:childTnLst>
+                          </p:cTn>
+                        </p:par>
+                      </p:childTnLst>
+                    </p:cTn>
+                  </p:par>
+                </p:childTnLst>
+              </p:cTn>
+              <p:nextCondLst>
+                <p:cond evt="onClick" delay="0">
+                  <p:tgtEl>
+                    <p:spTgt spid="4"/>
+                  </p:tgtEl>
+                </p:cond>
+              </p:nextCondLst>
+            </p:seq>
+          </p:childTnLst>
+        </p:cTn>
+      </p:par>
+    </p:tnLst>
+  </p:timing>
+</p:sld>
+</file>
+
+<file path=ppt/slides/slide9.xml><?xml version="1.0" encoding="utf-8"?>
+<p:sld xmlns:a="http://schemas.openxmlformats.org/drawingml/2006/main" xmlns:r="http://schemas.openxmlformats.org/officeDocument/2006/relationships" xmlns:p="http://schemas.openxmlformats.org/presentationml/2006/main">
+  <p:cSld>
+    <p:spTree>
+      <p:nvGrpSpPr>
+        <p:cNvPr id="1" name=""/>
+        <p:cNvGrpSpPr/>
+        <p:nvPr/>
+      </p:nvGrpSpPr>
+      <p:grpSpPr>
+        <a:xfrm>
+          <a:off x="0" y="0"/>
+          <a:ext cx="0" cy="0"/>
+          <a:chOff x="0" y="0"/>
+          <a:chExt cx="0" cy="0"/>
+        </a:xfrm>
+      </p:grpSpPr>
+      <p:sp>
+        <p:nvSpPr>
+          <p:cNvPr id="122" name="PlaceHolder 1"/>
+          <p:cNvSpPr>
+            <a:spLocks noGrp="1"/>
+          </p:cNvSpPr>
+          <p:nvPr>
+            <p:ph type="title"/>
+          </p:nvPr>
+        </p:nvSpPr>
+        <p:spPr>
+          <a:xfrm>
+            <a:off x="849600" y="876240"/>
+            <a:ext cx="10427040" cy="1085400"/>
+          </a:xfrm>
+          <a:prstGeom prst="rect">
+            <a:avLst/>
+          </a:prstGeom>
+          <a:noFill/>
+          <a:ln w="0">
+            <a:noFill/>
+          </a:ln>
+        </p:spPr>
+        <p:txBody>
+          <a:bodyPr lIns="90000" tIns="45000" rIns="90000" bIns="45000" anchor="b">
+            <a:noAutofit/>
+          </a:bodyPr>
+          <a:lstStyle/>
+          <a:p>
+            <a:pPr>
+              <a:lnSpc>
+                <a:spcPct val="100000"/>
+              </a:lnSpc>
+              <a:buNone/>
+            </a:pPr>
+            <a:r>
+              <a:rPr lang="de-DE" sz="4400" b="0" strike="noStrike" spc="-1" dirty="0">
+                <a:solidFill>
+                  <a:srgbClr val="E2E8E2"/>
+                </a:solidFill>
+                <a:latin typeface="Georgia Pro Light"/>
+                <a:ea typeface="DejaVu Sans"/>
+              </a:rPr>
+              <a:t>Alexa </a:t>
+            </a:r>
+            <a:r>
+              <a:rPr lang="de-DE" sz="4400" b="0" strike="noStrike" spc="-1" dirty="0" err="1">
+                <a:solidFill>
+                  <a:srgbClr val="E2E8E2"/>
+                </a:solidFill>
+                <a:latin typeface="Georgia Pro Light"/>
+                <a:ea typeface="DejaVu Sans"/>
+              </a:rPr>
+              <a:t>Skill</a:t>
+            </a:r>
+            <a:r>
+              <a:rPr lang="de-DE" sz="4400" b="0" strike="noStrike" spc="-1" dirty="0">
+                <a:solidFill>
+                  <a:srgbClr val="E2E8E2"/>
+                </a:solidFill>
+                <a:latin typeface="Georgia Pro Light"/>
+                <a:ea typeface="DejaVu Sans"/>
+              </a:rPr>
+              <a:t> Fazit</a:t>
+            </a:r>
+            <a:endParaRPr lang="de-DE" sz="4400" b="0" strike="noStrike" spc="-1" dirty="0">
+              <a:solidFill>
+                <a:srgbClr val="000000"/>
+              </a:solidFill>
+              <a:latin typeface="Arial"/>
+            </a:endParaRPr>
+          </a:p>
+        </p:txBody>
+      </p:sp>
+      <p:sp>
+        <p:nvSpPr>
+          <p:cNvPr id="123" name="AutoShape 2"/>
+          <p:cNvSpPr/>
+          <p:nvPr/>
+        </p:nvSpPr>
+        <p:spPr>
+          <a:xfrm>
+            <a:off x="155520" y="-144360"/>
+            <a:ext cx="304200" cy="304200"/>
+          </a:xfrm>
+          <a:prstGeom prst="rect">
+            <a:avLst/>
+          </a:prstGeom>
+          <a:noFill/>
+          <a:ln w="0">
+            <a:noFill/>
+          </a:ln>
+        </p:spPr>
+        <p:style>
+          <a:lnRef idx="0">
+            <a:scrgbClr r="0" g="0" b="0"/>
+          </a:lnRef>
+          <a:fillRef idx="0">
+            <a:scrgbClr r="0" g="0" b="0"/>
+          </a:fillRef>
+          <a:effectRef idx="0">
+            <a:scrgbClr r="0" g="0" b="0"/>
+          </a:effectRef>
+          <a:fontRef idx="minor"/>
+        </p:style>
+      </p:sp>
+      <p:sp>
+        <p:nvSpPr>
+          <p:cNvPr id="124" name="PlaceHolder 2"/>
+          <p:cNvSpPr/>
+          <p:nvPr/>
+        </p:nvSpPr>
+        <p:spPr>
+          <a:xfrm>
+            <a:off x="849600" y="2066040"/>
+            <a:ext cx="10427040" cy="3902400"/>
+          </a:xfrm>
+          <a:prstGeom prst="rect">
+            <a:avLst/>
+          </a:prstGeom>
+          <a:noFill/>
+          <a:ln w="0">
+            <a:noFill/>
+          </a:ln>
+        </p:spPr>
+        <p:style>
+          <a:lnRef idx="0">
+            <a:scrgbClr r="0" g="0" b="0"/>
+          </a:lnRef>
+          <a:fillRef idx="0">
+            <a:scrgbClr r="0" g="0" b="0"/>
+          </a:fillRef>
+          <a:effectRef idx="0">
+            <a:scrgbClr r="0" g="0" b="0"/>
+          </a:effectRef>
+          <a:fontRef idx="minor"/>
+        </p:style>
+        <p:txBody>
+          <a:bodyPr lIns="90000" tIns="45000" rIns="90000" bIns="45000" anchor="t">
+            <a:noAutofit/>
+          </a:bodyPr>
+          <a:lstStyle/>
+          <a:p>
+            <a:pPr marL="228600" indent="-228600">
+              <a:lnSpc>
+                <a:spcPct val="120000"/>
+              </a:lnSpc>
+              <a:spcBef>
+                <a:spcPts val="1001"/>
+              </a:spcBef>
+              <a:buClr>
+                <a:srgbClr val="E2E8E2"/>
+              </a:buClr>
+              <a:buSzPct val="70000"/>
+              <a:buFont typeface="Arial"/>
+              <a:buChar char="•"/>
+            </a:pPr>
+            <a:r>
+              <a:rPr lang="de-DE" sz="2000" b="0" strike="noStrike" spc="-1" dirty="0">
+                <a:solidFill>
+                  <a:srgbClr val="E2E8E2"/>
+                </a:solidFill>
+                <a:latin typeface="Georgia Pro Light"/>
+                <a:ea typeface="DejaVu Sans"/>
+              </a:rPr>
+              <a:t>Veröffentlichung des Skills nicht möglich: zu wenig Interesse der breiten Masse</a:t>
+            </a:r>
+            <a:endParaRPr lang="en-US" sz="2000" b="0" strike="noStrike" spc="-1" dirty="0">
+              <a:latin typeface="Arial"/>
+            </a:endParaRPr>
+          </a:p>
+          <a:p>
+            <a:pPr>
+              <a:lnSpc>
+                <a:spcPct val="120000"/>
+              </a:lnSpc>
+              <a:spcBef>
+                <a:spcPts val="1001"/>
+              </a:spcBef>
+              <a:buNone/>
+            </a:pPr>
+            <a:endParaRPr lang="en-US" sz="2000" b="0" strike="noStrike" spc="-1" dirty="0">
+              <a:latin typeface="Arial"/>
+            </a:endParaRPr>
+          </a:p>
+          <a:p>
+            <a:pPr marL="228600" indent="-228600">
+              <a:lnSpc>
+                <a:spcPct val="120000"/>
+              </a:lnSpc>
+              <a:spcBef>
+                <a:spcPts val="1001"/>
+              </a:spcBef>
+              <a:buClr>
+                <a:srgbClr val="E2E8E2"/>
+              </a:buClr>
+              <a:buSzPct val="70000"/>
+              <a:buFont typeface="Arial"/>
+              <a:buChar char="•"/>
+            </a:pPr>
+            <a:r>
+              <a:rPr lang="de-DE" sz="2000" b="0" strike="noStrike" spc="-1" dirty="0" err="1">
+                <a:solidFill>
+                  <a:srgbClr val="E2E8E2"/>
+                </a:solidFill>
+                <a:latin typeface="Georgia Pro Light"/>
+                <a:ea typeface="DejaVu Sans"/>
+              </a:rPr>
+              <a:t>Skill</a:t>
+            </a:r>
+            <a:r>
+              <a:rPr lang="de-DE" sz="2000" b="0" strike="noStrike" spc="-1" dirty="0">
+                <a:solidFill>
+                  <a:srgbClr val="E2E8E2"/>
+                </a:solidFill>
+                <a:latin typeface="Georgia Pro Light"/>
+                <a:ea typeface="DejaVu Sans"/>
+              </a:rPr>
+              <a:t> wird in der „Entwicklungsphase“ verweilen</a:t>
+            </a:r>
+            <a:endParaRPr lang="en-US" sz="2000" b="0" strike="noStrike" spc="-1" dirty="0">
+              <a:latin typeface="Arial"/>
+            </a:endParaRPr>
+          </a:p>
+          <a:p>
+            <a:pPr>
+              <a:lnSpc>
+                <a:spcPct val="120000"/>
+              </a:lnSpc>
+              <a:spcBef>
+                <a:spcPts val="1001"/>
+              </a:spcBef>
+              <a:buNone/>
+            </a:pPr>
+            <a:endParaRPr lang="en-US" sz="2000" b="0" strike="noStrike" spc="-1" dirty="0">
+              <a:latin typeface="Arial"/>
+            </a:endParaRPr>
+          </a:p>
+          <a:p>
+            <a:pPr marL="228600" indent="-228600">
+              <a:lnSpc>
+                <a:spcPct val="120000"/>
+              </a:lnSpc>
+              <a:spcBef>
+                <a:spcPts val="1001"/>
+              </a:spcBef>
+              <a:buClr>
+                <a:srgbClr val="E2E8E2"/>
+              </a:buClr>
+              <a:buSzPct val="70000"/>
+              <a:buFont typeface="Arial"/>
+              <a:buChar char="•"/>
+            </a:pPr>
+            <a:r>
+              <a:rPr lang="de-DE" sz="2000" spc="-1" dirty="0">
+                <a:solidFill>
+                  <a:srgbClr val="E2E8E2"/>
+                </a:solidFill>
+                <a:latin typeface="Georgia Pro Light"/>
+              </a:rPr>
+              <a:t>Nicht schwerwiegend, da Abfrage des Promillewertes über die App möglich ist</a:t>
+            </a:r>
+            <a:endParaRPr lang="en-US" sz="2000" b="0" strike="noStrike" spc="-1" dirty="0">
+              <a:latin typeface="Arial"/>
+            </a:endParaRPr>
+          </a:p>
+        </p:txBody>
+      </p:sp>
+    </p:spTree>
+    <p:extLst>
+      <p:ext uri="{BB962C8B-B14F-4D97-AF65-F5344CB8AC3E}">
+        <p14:creationId xmlns:p14="http://schemas.microsoft.com/office/powerpoint/2010/main" val="2179181500"/>
+      </p:ext>
+    </p:extLst>
+  </p:cSld>
+  <p:clrMapOvr>
+    <a:masterClrMapping/>
+  </p:clrMapOvr>
 </p:sld>
 </file>
 
@@ -8103,34 +9693,34 @@
         <a:sysClr val="window" lastClr="FFFFFF"/>
       </a:lt1>
       <a:dk2>
-        <a:srgbClr val="242c41"/>
+        <a:srgbClr val="242C41"/>
       </a:dk2>
       <a:lt2>
-        <a:srgbClr val="e2e8e2"/>
+        <a:srgbClr val="E2E8E2"/>
       </a:lt2>
       <a:accent1>
-        <a:srgbClr val="c24dc3"/>
+        <a:srgbClr val="C24DC3"/>
       </a:accent1>
       <a:accent2>
-        <a:srgbClr val="7e3bb1"/>
+        <a:srgbClr val="7E3BB1"/>
       </a:accent2>
       <a:accent3>
-        <a:srgbClr val="5f4dc3"/>
+        <a:srgbClr val="5F4DC3"/>
       </a:accent3>
       <a:accent4>
-        <a:srgbClr val="3b5ab1"/>
+        <a:srgbClr val="3B5AB1"/>
       </a:accent4>
       <a:accent5>
-        <a:srgbClr val="4d9dc3"/>
+        <a:srgbClr val="4D9DC3"/>
       </a:accent5>
       <a:accent6>
-        <a:srgbClr val="3bb1a6"/>
+        <a:srgbClr val="3BB1A6"/>
       </a:accent6>
       <a:hlink>
-        <a:srgbClr val="3f81bf"/>
+        <a:srgbClr val="3F81BF"/>
       </a:hlink>
       <a:folHlink>
-        <a:srgbClr val="7f7f7f"/>
+        <a:srgbClr val="7F7F7F"/>
       </a:folHlink>
     </a:clrScheme>
     <a:fontScheme name="Office">
@@ -8315,6 +9905,8 @@
       </a:bgFillStyleLst>
     </a:fmtScheme>
   </a:themeElements>
+  <a:objectDefaults/>
+  <a:extraClrSchemeLst/>
 </a:theme>
 </file>
 
@@ -8329,34 +9921,34 @@
         <a:sysClr val="window" lastClr="FFFFFF"/>
       </a:lt1>
       <a:dk2>
-        <a:srgbClr val="242c41"/>
+        <a:srgbClr val="242C41"/>
       </a:dk2>
       <a:lt2>
-        <a:srgbClr val="e2e8e2"/>
+        <a:srgbClr val="E2E8E2"/>
       </a:lt2>
       <a:accent1>
-        <a:srgbClr val="c24dc3"/>
+        <a:srgbClr val="C24DC3"/>
       </a:accent1>
       <a:accent2>
-        <a:srgbClr val="7e3bb1"/>
+        <a:srgbClr val="7E3BB1"/>
       </a:accent2>
       <a:accent3>
-        <a:srgbClr val="5f4dc3"/>
+        <a:srgbClr val="5F4DC3"/>
       </a:accent3>
       <a:accent4>
-        <a:srgbClr val="3b5ab1"/>
+        <a:srgbClr val="3B5AB1"/>
       </a:accent4>
       <a:accent5>
-        <a:srgbClr val="4d9dc3"/>
+        <a:srgbClr val="4D9DC3"/>
       </a:accent5>
       <a:accent6>
-        <a:srgbClr val="3bb1a6"/>
+        <a:srgbClr val="3BB1A6"/>
       </a:accent6>
       <a:hlink>
-        <a:srgbClr val="3f81bf"/>
+        <a:srgbClr val="3F81BF"/>
       </a:hlink>
       <a:folHlink>
-        <a:srgbClr val="7f7f7f"/>
+        <a:srgbClr val="7F7F7F"/>
       </a:folHlink>
     </a:clrScheme>
     <a:fontScheme name="Office">
@@ -8541,6 +10133,8 @@
       </a:bgFillStyleLst>
     </a:fmtScheme>
   </a:themeElements>
+  <a:objectDefaults/>
+  <a:extraClrSchemeLst/>
 </a:theme>
 </file>
 
@@ -8555,34 +10149,34 @@
         <a:sysClr val="window" lastClr="FFFFFF"/>
       </a:lt1>
       <a:dk2>
-        <a:srgbClr val="242c41"/>
+        <a:srgbClr val="242C41"/>
       </a:dk2>
       <a:lt2>
-        <a:srgbClr val="e2e8e2"/>
+        <a:srgbClr val="E2E8E2"/>
       </a:lt2>
       <a:accent1>
-        <a:srgbClr val="c24dc3"/>
+        <a:srgbClr val="C24DC3"/>
       </a:accent1>
       <a:accent2>
-        <a:srgbClr val="7e3bb1"/>
+        <a:srgbClr val="7E3BB1"/>
       </a:accent2>
       <a:accent3>
-        <a:srgbClr val="5f4dc3"/>
+        <a:srgbClr val="5F4DC3"/>
       </a:accent3>
       <a:accent4>
-        <a:srgbClr val="3b5ab1"/>
+        <a:srgbClr val="3B5AB1"/>
       </a:accent4>
       <a:accent5>
-        <a:srgbClr val="4d9dc3"/>
+        <a:srgbClr val="4D9DC3"/>
       </a:accent5>
       <a:accent6>
-        <a:srgbClr val="3bb1a6"/>
+        <a:srgbClr val="3BB1A6"/>
       </a:accent6>
       <a:hlink>
-        <a:srgbClr val="3f81bf"/>
+        <a:srgbClr val="3F81BF"/>
       </a:hlink>
       <a:folHlink>
-        <a:srgbClr val="7f7f7f"/>
+        <a:srgbClr val="7F7F7F"/>
       </a:folHlink>
     </a:clrScheme>
     <a:fontScheme name="Office">
@@ -8767,5 +10361,7 @@
       </a:bgFillStyleLst>
     </a:fmtScheme>
   </a:themeElements>
+  <a:objectDefaults/>
+  <a:extraClrSchemeLst/>
 </a:theme>
 </file>
--- a/Smartbooze_Pitch_Deck.pptx
+++ b/Smartbooze_Pitch_Deck.pptx
@@ -6,23 +6,25 @@
     <p:sldMasterId id="2147483661" r:id="rId2"/>
   </p:sldMasterIdLst>
   <p:notesMasterIdLst>
-    <p:notesMasterId r:id="rId17"/>
+    <p:notesMasterId r:id="rId19"/>
   </p:notesMasterIdLst>
   <p:sldIdLst>
     <p:sldId id="256" r:id="rId3"/>
     <p:sldId id="257" r:id="rId4"/>
     <p:sldId id="258" r:id="rId5"/>
-    <p:sldId id="259" r:id="rId6"/>
-    <p:sldId id="260" r:id="rId7"/>
-    <p:sldId id="261" r:id="rId8"/>
-    <p:sldId id="262" r:id="rId9"/>
-    <p:sldId id="269" r:id="rId10"/>
-    <p:sldId id="270" r:id="rId11"/>
-    <p:sldId id="263" r:id="rId12"/>
-    <p:sldId id="264" r:id="rId13"/>
-    <p:sldId id="265" r:id="rId14"/>
-    <p:sldId id="266" r:id="rId15"/>
-    <p:sldId id="267" r:id="rId16"/>
+    <p:sldId id="260" r:id="rId6"/>
+    <p:sldId id="259" r:id="rId7"/>
+    <p:sldId id="273" r:id="rId8"/>
+    <p:sldId id="271" r:id="rId9"/>
+    <p:sldId id="272" r:id="rId10"/>
+    <p:sldId id="261" r:id="rId11"/>
+    <p:sldId id="262" r:id="rId12"/>
+    <p:sldId id="270" r:id="rId13"/>
+    <p:sldId id="263" r:id="rId14"/>
+    <p:sldId id="264" r:id="rId15"/>
+    <p:sldId id="265" r:id="rId16"/>
+    <p:sldId id="266" r:id="rId17"/>
+    <p:sldId id="267" r:id="rId18"/>
   </p:sldIdLst>
   <p:sldSz cx="12192000" cy="6858000"/>
   <p:notesSz cx="7772400" cy="10058400"/>
@@ -121,6 +123,11 @@
       </a:defRPr>
     </a:lvl9pPr>
   </p:defaultTextStyle>
+  <p:extLst>
+    <p:ext uri="{EFAFB233-063F-42B5-8137-9DF3F51BA10A}">
+      <p15:sldGuideLst xmlns:p15="http://schemas.microsoft.com/office/powerpoint/2012/main"/>
+    </p:ext>
+  </p:extLst>
 </p:presentation>
 </file>
 
@@ -528,8 +535,8 @@
         </p:nvSpPr>
         <p:spPr>
           <a:xfrm>
-            <a:off x="870120" y="1257480"/>
-            <a:ext cx="6032160" cy="3393720"/>
+            <a:off x="869950" y="1257300"/>
+            <a:ext cx="6032500" cy="3394075"/>
           </a:xfrm>
           <a:prstGeom prst="rect">
             <a:avLst/>
@@ -625,7 +632,7 @@
               <a:rPr lang="de-DE" sz="1200" b="0" strike="noStrike" spc="-1">
                 <a:latin typeface="Times New Roman"/>
               </a:rPr>
-              <a:t>14</a:t>
+              <a:t>16</a:t>
             </a:fld>
             <a:endParaRPr lang="en-US" sz="1200" b="0" strike="noStrike" spc="-1">
               <a:latin typeface="Times New Roman"/>
@@ -4587,39 +4594,6 @@
       </p:grpSpPr>
       <p:sp>
         <p:nvSpPr>
-          <p:cNvPr id="39" name="Straight Connector 33"/>
-          <p:cNvSpPr/>
-          <p:nvPr/>
-        </p:nvSpPr>
-        <p:spPr>
-          <a:xfrm>
-            <a:off x="952200" y="6252480"/>
-            <a:ext cx="10325160" cy="360"/>
-          </a:xfrm>
-          <a:prstGeom prst="line">
-            <a:avLst/>
-          </a:prstGeom>
-          <a:ln w="10795">
-            <a:solidFill>
-              <a:srgbClr val="E2E8E2"/>
-            </a:solidFill>
-          </a:ln>
-        </p:spPr>
-        <p:style>
-          <a:lnRef idx="1">
-            <a:schemeClr val="accent1"/>
-          </a:lnRef>
-          <a:fillRef idx="0">
-            <a:schemeClr val="accent1"/>
-          </a:fillRef>
-          <a:effectRef idx="0">
-            <a:schemeClr val="accent1"/>
-          </a:effectRef>
-          <a:fontRef idx="minor"/>
-        </p:style>
-      </p:sp>
-      <p:sp>
-        <p:nvSpPr>
           <p:cNvPr id="40" name="PlaceHolder 1"/>
           <p:cNvSpPr>
             <a:spLocks noGrp="1"/>
@@ -5543,7 +5517,7 @@
       </p:grpSpPr>
       <p:sp>
         <p:nvSpPr>
-          <p:cNvPr id="125" name="PlaceHolder 1"/>
+          <p:cNvPr id="122" name="PlaceHolder 1"/>
           <p:cNvSpPr>
             <a:spLocks noGrp="1"/>
           </p:cNvSpPr>
@@ -5584,7 +5558,7 @@
                 <a:latin typeface="Georgia Pro Light"/>
                 <a:ea typeface="DejaVu Sans"/>
               </a:rPr>
-              <a:t>Markt &amp; Marketing</a:t>
+              <a:t>Alexa Skill Umsetzung</a:t>
             </a:r>
             <a:endParaRPr lang="de-DE" sz="4400" b="0" strike="noStrike" spc="-1">
               <a:solidFill>
@@ -5597,13 +5571,41 @@
       </p:sp>
       <p:sp>
         <p:nvSpPr>
-          <p:cNvPr id="126" name="PlaceHolder 2"/>
-          <p:cNvSpPr>
-            <a:spLocks noGrp="1"/>
-          </p:cNvSpPr>
-          <p:nvPr>
-            <p:ph/>
-          </p:nvPr>
+          <p:cNvPr id="123" name="AutoShape 2"/>
+          <p:cNvSpPr/>
+          <p:nvPr/>
+        </p:nvSpPr>
+        <p:spPr>
+          <a:xfrm>
+            <a:off x="155520" y="-144360"/>
+            <a:ext cx="304200" cy="304200"/>
+          </a:xfrm>
+          <a:prstGeom prst="rect">
+            <a:avLst/>
+          </a:prstGeom>
+          <a:noFill/>
+          <a:ln w="0">
+            <a:noFill/>
+          </a:ln>
+        </p:spPr>
+        <p:style>
+          <a:lnRef idx="0">
+            <a:scrgbClr r="0" g="0" b="0"/>
+          </a:lnRef>
+          <a:fillRef idx="0">
+            <a:scrgbClr r="0" g="0" b="0"/>
+          </a:fillRef>
+          <a:effectRef idx="0">
+            <a:scrgbClr r="0" g="0" b="0"/>
+          </a:effectRef>
+          <a:fontRef idx="minor"/>
+        </p:style>
+      </p:sp>
+      <p:sp>
+        <p:nvSpPr>
+          <p:cNvPr id="124" name="PlaceHolder 2"/>
+          <p:cNvSpPr/>
+          <p:nvPr/>
         </p:nvSpPr>
         <p:spPr>
           <a:xfrm>
@@ -5618,350 +5620,21 @@
             <a:noFill/>
           </a:ln>
         </p:spPr>
-        <p:txBody>
-          <a:bodyPr lIns="0" tIns="0" rIns="0" bIns="0" anchor="t">
-            <a:normAutofit/>
-          </a:bodyPr>
-          <a:lstStyle/>
-          <a:p>
-            <a:pPr marL="228600" indent="-228600">
-              <a:lnSpc>
-                <a:spcPct val="90000"/>
-              </a:lnSpc>
-              <a:spcBef>
-                <a:spcPts val="1001"/>
-              </a:spcBef>
-              <a:buClr>
-                <a:srgbClr val="D9D9D9"/>
-              </a:buClr>
-              <a:buFont typeface="Arial"/>
-              <a:buChar char="•"/>
-            </a:pPr>
-            <a:r>
-              <a:rPr lang="de-DE" sz="2000" b="0" strike="noStrike" spc="-1" dirty="0">
-                <a:solidFill>
-                  <a:srgbClr val="D9D9D9"/>
-                </a:solidFill>
-                <a:latin typeface="Georgia Pro Light"/>
-                <a:ea typeface="DejaVu Sans"/>
-              </a:rPr>
-              <a:t>Einsatz im Auto zur Fahrerkontrolle</a:t>
-            </a:r>
-          </a:p>
-          <a:p>
-            <a:pPr marL="228600" indent="-228600">
-              <a:lnSpc>
-                <a:spcPct val="90000"/>
-              </a:lnSpc>
-              <a:spcBef>
-                <a:spcPts val="1001"/>
-              </a:spcBef>
-              <a:buClr>
-                <a:srgbClr val="D9D9D9"/>
-              </a:buClr>
-              <a:buFont typeface="Arial"/>
-              <a:buChar char="•"/>
-            </a:pPr>
-            <a:endParaRPr lang="de-DE" sz="2000" b="0" strike="noStrike" spc="-1" dirty="0">
-              <a:solidFill>
-                <a:srgbClr val="000000"/>
-              </a:solidFill>
-              <a:latin typeface="Arial"/>
-            </a:endParaRPr>
-          </a:p>
-          <a:p>
-            <a:pPr marL="228600" indent="-228600">
-              <a:lnSpc>
-                <a:spcPct val="90000"/>
-              </a:lnSpc>
-              <a:spcBef>
-                <a:spcPts val="1001"/>
-              </a:spcBef>
-              <a:buClr>
-                <a:srgbClr val="D9D9D9"/>
-              </a:buClr>
-              <a:buFont typeface="Arial"/>
-              <a:buChar char="•"/>
-            </a:pPr>
-            <a:r>
-              <a:rPr lang="de-DE" sz="2000" b="0" strike="noStrike" spc="-1" dirty="0">
-                <a:solidFill>
-                  <a:srgbClr val="D9D9D9"/>
-                </a:solidFill>
-                <a:latin typeface="Georgia Pro Light"/>
-                <a:ea typeface="DejaVu Sans"/>
-              </a:rPr>
-              <a:t>Daten für Versicherungen/Statistiken</a:t>
-            </a:r>
-          </a:p>
-          <a:p>
-            <a:pPr marL="228600" indent="-228600">
-              <a:lnSpc>
-                <a:spcPct val="90000"/>
-              </a:lnSpc>
-              <a:spcBef>
-                <a:spcPts val="1001"/>
-              </a:spcBef>
-              <a:buClr>
-                <a:srgbClr val="D9D9D9"/>
-              </a:buClr>
-              <a:buFont typeface="Arial"/>
-              <a:buChar char="•"/>
-            </a:pPr>
-            <a:endParaRPr lang="de-DE" sz="2000" b="0" strike="noStrike" spc="-1" dirty="0">
-              <a:solidFill>
-                <a:srgbClr val="000000"/>
-              </a:solidFill>
-              <a:latin typeface="Arial"/>
-            </a:endParaRPr>
-          </a:p>
-          <a:p>
-            <a:pPr marL="228600" indent="-228600">
-              <a:lnSpc>
-                <a:spcPct val="90000"/>
-              </a:lnSpc>
-              <a:spcBef>
-                <a:spcPts val="1001"/>
-              </a:spcBef>
-              <a:buClr>
-                <a:srgbClr val="D9D9D9"/>
-              </a:buClr>
-              <a:buFont typeface="Arial"/>
-              <a:buChar char="•"/>
-            </a:pPr>
-            <a:r>
-              <a:rPr lang="de-DE" sz="2000" b="0" strike="noStrike" spc="-1" dirty="0">
-                <a:solidFill>
-                  <a:srgbClr val="D9D9D9"/>
-                </a:solidFill>
-                <a:latin typeface="Georgia Pro Light"/>
-                <a:ea typeface="DejaVu Sans"/>
-              </a:rPr>
-              <a:t>Bei Vergehen können Behörden den Alkoholkonsum mit Videobeweis prüfen</a:t>
-            </a:r>
-          </a:p>
-          <a:p>
-            <a:pPr marL="228600" indent="-228600">
-              <a:lnSpc>
-                <a:spcPct val="90000"/>
-              </a:lnSpc>
-              <a:spcBef>
-                <a:spcPts val="1001"/>
-              </a:spcBef>
-              <a:buClr>
-                <a:srgbClr val="D9D9D9"/>
-              </a:buClr>
-              <a:buFont typeface="Arial"/>
-              <a:buChar char="•"/>
-            </a:pPr>
-            <a:endParaRPr lang="de-DE" sz="2000" b="0" strike="noStrike" spc="-1" dirty="0">
-              <a:solidFill>
-                <a:srgbClr val="000000"/>
-              </a:solidFill>
-              <a:latin typeface="Arial"/>
-            </a:endParaRPr>
-          </a:p>
-          <a:p>
-            <a:pPr marL="228600" indent="-228600">
-              <a:lnSpc>
-                <a:spcPct val="90000"/>
-              </a:lnSpc>
-              <a:spcBef>
-                <a:spcPts val="1001"/>
-              </a:spcBef>
-              <a:buClr>
-                <a:srgbClr val="D9D9D9"/>
-              </a:buClr>
-              <a:buFont typeface="Arial"/>
-              <a:buChar char="•"/>
-            </a:pPr>
-            <a:r>
-              <a:rPr lang="de-DE" sz="2000" b="0" strike="noStrike" spc="-1" dirty="0">
-                <a:solidFill>
-                  <a:srgbClr val="D9D9D9"/>
-                </a:solidFill>
-                <a:latin typeface="Georgia Pro Light"/>
-                <a:ea typeface="DejaVu Sans"/>
-              </a:rPr>
-              <a:t>Selbstkontrolle, bewussteren Umgang mit Alkohol fördern</a:t>
-            </a:r>
-          </a:p>
-          <a:p>
-            <a:pPr marL="228600" indent="-228600">
-              <a:lnSpc>
-                <a:spcPct val="90000"/>
-              </a:lnSpc>
-              <a:spcBef>
-                <a:spcPts val="1001"/>
-              </a:spcBef>
-              <a:buClr>
-                <a:srgbClr val="D9D9D9"/>
-              </a:buClr>
-              <a:buFont typeface="Arial"/>
-              <a:buChar char="•"/>
-            </a:pPr>
-            <a:endParaRPr lang="de-DE" sz="2000" b="0" strike="noStrike" spc="-1" dirty="0">
-              <a:solidFill>
-                <a:srgbClr val="000000"/>
-              </a:solidFill>
-              <a:latin typeface="Arial"/>
-            </a:endParaRPr>
-          </a:p>
-          <a:p>
-            <a:pPr marL="228600" indent="-228600">
-              <a:lnSpc>
-                <a:spcPct val="90000"/>
-              </a:lnSpc>
-              <a:spcBef>
-                <a:spcPts val="1001"/>
-              </a:spcBef>
-              <a:buClr>
-                <a:srgbClr val="D9D9D9"/>
-              </a:buClr>
-              <a:buFont typeface="Arial"/>
-              <a:buChar char="•"/>
-            </a:pPr>
-            <a:r>
-              <a:rPr lang="de-DE" sz="2000" b="0" strike="noStrike" spc="-1" dirty="0">
-                <a:solidFill>
-                  <a:srgbClr val="D9D9D9"/>
-                </a:solidFill>
-                <a:latin typeface="Georgia Pro Light"/>
-                <a:ea typeface="DejaVu Sans"/>
-              </a:rPr>
-              <a:t>Erinnerungen an Abstinenz -&gt; Belohnungssystem</a:t>
-            </a:r>
-            <a:endParaRPr lang="de-DE" sz="2000" b="0" strike="noStrike" spc="-1" dirty="0">
-              <a:solidFill>
-                <a:srgbClr val="000000"/>
-              </a:solidFill>
-              <a:latin typeface="Arial"/>
-            </a:endParaRPr>
-          </a:p>
-          <a:p>
-            <a:pPr>
-              <a:lnSpc>
-                <a:spcPct val="120000"/>
-              </a:lnSpc>
-              <a:spcBef>
-                <a:spcPts val="1001"/>
-              </a:spcBef>
-              <a:buNone/>
-            </a:pPr>
-            <a:endParaRPr lang="de-DE" sz="2000" b="0" strike="noStrike" spc="-1" dirty="0">
-              <a:solidFill>
-                <a:srgbClr val="000000"/>
-              </a:solidFill>
-              <a:latin typeface="Arial"/>
-            </a:endParaRPr>
-          </a:p>
-        </p:txBody>
-      </p:sp>
-    </p:spTree>
-  </p:cSld>
-  <p:clrMapOvr>
-    <a:masterClrMapping/>
-  </p:clrMapOvr>
-</p:sld>
-</file>
-
-<file path=ppt/slides/slide11.xml><?xml version="1.0" encoding="utf-8"?>
-<p:sld xmlns:a="http://schemas.openxmlformats.org/drawingml/2006/main" xmlns:r="http://schemas.openxmlformats.org/officeDocument/2006/relationships" xmlns:p="http://schemas.openxmlformats.org/presentationml/2006/main">
-  <p:cSld>
-    <p:spTree>
-      <p:nvGrpSpPr>
-        <p:cNvPr id="1" name=""/>
-        <p:cNvGrpSpPr/>
-        <p:nvPr/>
-      </p:nvGrpSpPr>
-      <p:grpSpPr>
-        <a:xfrm>
-          <a:off x="0" y="0"/>
-          <a:ext cx="0" cy="0"/>
-          <a:chOff x="0" y="0"/>
-          <a:chExt cx="0" cy="0"/>
-        </a:xfrm>
-      </p:grpSpPr>
-      <p:sp>
-        <p:nvSpPr>
-          <p:cNvPr id="127" name="PlaceHolder 1"/>
-          <p:cNvSpPr>
-            <a:spLocks noGrp="1"/>
-          </p:cNvSpPr>
-          <p:nvPr>
-            <p:ph type="title"/>
-          </p:nvPr>
-        </p:nvSpPr>
-        <p:spPr>
-          <a:xfrm>
-            <a:off x="849600" y="876240"/>
-            <a:ext cx="10427040" cy="1085400"/>
-          </a:xfrm>
-          <a:prstGeom prst="rect">
-            <a:avLst/>
-          </a:prstGeom>
-          <a:noFill/>
-          <a:ln w="0">
-            <a:noFill/>
-          </a:ln>
-        </p:spPr>
-        <p:txBody>
-          <a:bodyPr lIns="90000" tIns="45000" rIns="90000" bIns="45000" anchor="b">
+        <p:style>
+          <a:lnRef idx="0">
+            <a:scrgbClr r="0" g="0" b="0"/>
+          </a:lnRef>
+          <a:fillRef idx="0">
+            <a:scrgbClr r="0" g="0" b="0"/>
+          </a:fillRef>
+          <a:effectRef idx="0">
+            <a:scrgbClr r="0" g="0" b="0"/>
+          </a:effectRef>
+          <a:fontRef idx="minor"/>
+        </p:style>
+        <p:txBody>
+          <a:bodyPr lIns="90000" tIns="45000" rIns="90000" bIns="45000" anchor="t">
             <a:noAutofit/>
-          </a:bodyPr>
-          <a:lstStyle/>
-          <a:p>
-            <a:pPr>
-              <a:lnSpc>
-                <a:spcPct val="100000"/>
-              </a:lnSpc>
-              <a:buNone/>
-            </a:pPr>
-            <a:r>
-              <a:rPr lang="de-DE" sz="4400" b="0" strike="noStrike" spc="-1">
-                <a:solidFill>
-                  <a:srgbClr val="E2E8E2"/>
-                </a:solidFill>
-                <a:latin typeface="Georgia Pro Light"/>
-                <a:ea typeface="DejaVu Sans"/>
-              </a:rPr>
-              <a:t>Alleinstellungsmerkmal</a:t>
-            </a:r>
-            <a:endParaRPr lang="de-DE" sz="4400" b="0" strike="noStrike" spc="-1">
-              <a:solidFill>
-                <a:srgbClr val="000000"/>
-              </a:solidFill>
-              <a:latin typeface="Arial"/>
-            </a:endParaRPr>
-          </a:p>
-        </p:txBody>
-      </p:sp>
-      <p:sp>
-        <p:nvSpPr>
-          <p:cNvPr id="128" name="PlaceHolder 2"/>
-          <p:cNvSpPr>
-            <a:spLocks noGrp="1"/>
-          </p:cNvSpPr>
-          <p:nvPr>
-            <p:ph/>
-          </p:nvPr>
-        </p:nvSpPr>
-        <p:spPr>
-          <a:xfrm>
-            <a:off x="849600" y="2066040"/>
-            <a:ext cx="10427040" cy="3902400"/>
-          </a:xfrm>
-          <a:prstGeom prst="rect">
-            <a:avLst/>
-          </a:prstGeom>
-          <a:noFill/>
-          <a:ln w="0">
-            <a:noFill/>
-          </a:ln>
-        </p:spPr>
-        <p:txBody>
-          <a:bodyPr lIns="0" tIns="0" rIns="0" bIns="0" anchor="t">
-            <a:normAutofit/>
           </a:bodyPr>
           <a:lstStyle/>
           <a:p>
@@ -5980,19 +5653,16 @@
               <a:buChar char="•"/>
             </a:pPr>
             <a:r>
-              <a:rPr lang="de-DE" sz="2000" b="0" strike="noStrike" spc="-1">
+              <a:rPr lang="de-DE" sz="2000" b="0" strike="noStrike" spc="-1" dirty="0">
                 <a:solidFill>
                   <a:srgbClr val="E2E8E2"/>
                 </a:solidFill>
                 <a:latin typeface="Georgia Pro Light"/>
                 <a:ea typeface="DejaVu Sans"/>
               </a:rPr>
-              <a:t>Messdaten gehen nicht sofort verloren</a:t>
+              <a:t>Abfrage des aktuellen Promillewertes</a:t>
             </a:r>
-            <a:endParaRPr lang="de-DE" sz="2000" b="0" strike="noStrike" spc="-1">
-              <a:solidFill>
-                <a:srgbClr val="000000"/>
-              </a:solidFill>
+            <a:endParaRPr lang="en-US" sz="2000" b="0" strike="noStrike" spc="-1" dirty="0">
               <a:latin typeface="Arial"/>
             </a:endParaRPr>
           </a:p>
@@ -6006,10 +5676,7 @@
               </a:spcBef>
               <a:buNone/>
             </a:pPr>
-            <a:endParaRPr lang="de-DE" sz="2000" b="0" strike="noStrike" spc="-1">
-              <a:solidFill>
-                <a:srgbClr val="000000"/>
-              </a:solidFill>
+            <a:endParaRPr lang="en-US" sz="2000" b="0" strike="noStrike" spc="-1" dirty="0">
               <a:latin typeface="Arial"/>
             </a:endParaRPr>
           </a:p>
@@ -6029,19 +5696,16 @@
               <a:buChar char="•"/>
             </a:pPr>
             <a:r>
-              <a:rPr lang="de-DE" sz="2000" b="0" strike="noStrike" spc="-1">
+              <a:rPr lang="de-DE" sz="2000" b="0" strike="noStrike" spc="-1" dirty="0">
                 <a:solidFill>
                   <a:srgbClr val="E2E8E2"/>
                 </a:solidFill>
                 <a:latin typeface="Georgia Pro Light"/>
                 <a:ea typeface="DejaVu Sans"/>
               </a:rPr>
-              <a:t>Internetanbindung über WLAN </a:t>
+              <a:t>Berechnet, wann der Nutzer wieder nüchtern ist</a:t>
             </a:r>
-            <a:endParaRPr lang="de-DE" sz="2000" b="0" strike="noStrike" spc="-1">
-              <a:solidFill>
-                <a:srgbClr val="000000"/>
-              </a:solidFill>
+            <a:endParaRPr lang="en-US" sz="2000" b="0" strike="noStrike" spc="-1" dirty="0">
               <a:latin typeface="Arial"/>
             </a:endParaRPr>
           </a:p>
@@ -6055,10 +5719,7 @@
               </a:spcBef>
               <a:buNone/>
             </a:pPr>
-            <a:endParaRPr lang="de-DE" sz="2000" b="0" strike="noStrike" spc="-1">
-              <a:solidFill>
-                <a:srgbClr val="000000"/>
-              </a:solidFill>
+            <a:endParaRPr lang="en-US" sz="2000" b="0" strike="noStrike" spc="-1" dirty="0">
               <a:latin typeface="Arial"/>
             </a:endParaRPr>
           </a:p>
@@ -6078,2913 +5739,6 @@
               <a:buChar char="•"/>
             </a:pPr>
             <a:r>
-              <a:rPr lang="de-DE" sz="2000" b="0" strike="noStrike" spc="-1">
-                <a:solidFill>
-                  <a:srgbClr val="E2E8E2"/>
-                </a:solidFill>
-                <a:latin typeface="Georgia Pro Light"/>
-                <a:ea typeface="DejaVu Sans"/>
-              </a:rPr>
-              <a:t>Erweiterung zur Mobilfunkanbindung</a:t>
-            </a:r>
-            <a:endParaRPr lang="de-DE" sz="2000" b="0" strike="noStrike" spc="-1">
-              <a:solidFill>
-                <a:srgbClr val="000000"/>
-              </a:solidFill>
-              <a:latin typeface="Arial"/>
-            </a:endParaRPr>
-          </a:p>
-        </p:txBody>
-      </p:sp>
-    </p:spTree>
-  </p:cSld>
-  <p:clrMapOvr>
-    <a:masterClrMapping/>
-  </p:clrMapOvr>
-</p:sld>
-</file>
-
-<file path=ppt/slides/slide12.xml><?xml version="1.0" encoding="utf-8"?>
-<p:sld xmlns:a="http://schemas.openxmlformats.org/drawingml/2006/main" xmlns:r="http://schemas.openxmlformats.org/officeDocument/2006/relationships" xmlns:p="http://schemas.openxmlformats.org/presentationml/2006/main">
-  <p:cSld>
-    <p:spTree>
-      <p:nvGrpSpPr>
-        <p:cNvPr id="1" name=""/>
-        <p:cNvGrpSpPr/>
-        <p:nvPr/>
-      </p:nvGrpSpPr>
-      <p:grpSpPr>
-        <a:xfrm>
-          <a:off x="0" y="0"/>
-          <a:ext cx="0" cy="0"/>
-          <a:chOff x="0" y="0"/>
-          <a:chExt cx="0" cy="0"/>
-        </a:xfrm>
-      </p:grpSpPr>
-      <p:sp>
-        <p:nvSpPr>
-          <p:cNvPr id="129" name="PlaceHolder 1"/>
-          <p:cNvSpPr>
-            <a:spLocks noGrp="1"/>
-          </p:cNvSpPr>
-          <p:nvPr>
-            <p:ph type="title"/>
-          </p:nvPr>
-        </p:nvSpPr>
-        <p:spPr>
-          <a:xfrm>
-            <a:off x="849600" y="876240"/>
-            <a:ext cx="10427040" cy="1085400"/>
-          </a:xfrm>
-          <a:prstGeom prst="rect">
-            <a:avLst/>
-          </a:prstGeom>
-          <a:noFill/>
-          <a:ln w="0">
-            <a:noFill/>
-          </a:ln>
-        </p:spPr>
-        <p:txBody>
-          <a:bodyPr lIns="90000" tIns="45000" rIns="90000" bIns="45000" anchor="b">
-            <a:noAutofit/>
-          </a:bodyPr>
-          <a:lstStyle/>
-          <a:p>
-            <a:pPr>
-              <a:lnSpc>
-                <a:spcPct val="90000"/>
-              </a:lnSpc>
-              <a:buNone/>
-            </a:pPr>
-            <a:r>
-              <a:rPr lang="en-US" sz="4400" b="0" strike="noStrike" spc="-1">
-                <a:solidFill>
-                  <a:srgbClr val="FFFFFF"/>
-                </a:solidFill>
-                <a:latin typeface="Georgia Pro Light"/>
-                <a:ea typeface="DejaVu Sans"/>
-              </a:rPr>
-              <a:t>Wettbewerb</a:t>
-            </a:r>
-            <a:endParaRPr lang="de-DE" sz="4400" b="0" strike="noStrike" spc="-1">
-              <a:solidFill>
-                <a:srgbClr val="000000"/>
-              </a:solidFill>
-              <a:latin typeface="Arial"/>
-            </a:endParaRPr>
-          </a:p>
-        </p:txBody>
-      </p:sp>
-      <p:sp>
-        <p:nvSpPr>
-          <p:cNvPr id="130" name="PlaceHolder 2"/>
-          <p:cNvSpPr>
-            <a:spLocks noGrp="1"/>
-          </p:cNvSpPr>
-          <p:nvPr>
-            <p:ph/>
-          </p:nvPr>
-        </p:nvSpPr>
-        <p:spPr>
-          <a:xfrm>
-            <a:off x="849600" y="2066040"/>
-            <a:ext cx="10427040" cy="3902400"/>
-          </a:xfrm>
-          <a:prstGeom prst="rect">
-            <a:avLst/>
-          </a:prstGeom>
-          <a:noFill/>
-          <a:ln w="0">
-            <a:noFill/>
-          </a:ln>
-        </p:spPr>
-        <p:txBody>
-          <a:bodyPr lIns="0" tIns="0" rIns="0" bIns="0" anchor="t">
-            <a:noAutofit/>
-          </a:bodyPr>
-          <a:lstStyle/>
-          <a:p>
-            <a:pPr marL="228600" indent="-228600">
-              <a:lnSpc>
-                <a:spcPct val="120000"/>
-              </a:lnSpc>
-              <a:spcBef>
-                <a:spcPts val="1001"/>
-              </a:spcBef>
-              <a:buClr>
-                <a:srgbClr val="E2E8E2"/>
-              </a:buClr>
-              <a:buSzPct val="70000"/>
-              <a:buFont typeface="Arial"/>
-              <a:buChar char="•"/>
-            </a:pPr>
-            <a:r>
-              <a:rPr lang="de-DE" sz="2000" b="0" strike="noStrike" spc="-1">
-                <a:solidFill>
-                  <a:srgbClr val="E2E8E2"/>
-                </a:solidFill>
-                <a:latin typeface="Georgia Pro Light"/>
-                <a:ea typeface="DejaVu Sans"/>
-              </a:rPr>
-              <a:t>Ace Alkoholtester mit Smarten Funktionen ab ca. 95€</a:t>
-            </a:r>
-            <a:endParaRPr lang="de-DE" sz="2000" b="0" strike="noStrike" spc="-1">
-              <a:solidFill>
-                <a:srgbClr val="000000"/>
-              </a:solidFill>
-              <a:latin typeface="Arial"/>
-            </a:endParaRPr>
-          </a:p>
-          <a:p>
-            <a:pPr>
-              <a:lnSpc>
-                <a:spcPct val="120000"/>
-              </a:lnSpc>
-              <a:spcBef>
-                <a:spcPts val="1001"/>
-              </a:spcBef>
-              <a:buNone/>
-            </a:pPr>
-            <a:endParaRPr lang="de-DE" sz="2000" b="0" strike="noStrike" spc="-1">
-              <a:solidFill>
-                <a:srgbClr val="000000"/>
-              </a:solidFill>
-              <a:latin typeface="Arial"/>
-            </a:endParaRPr>
-          </a:p>
-        </p:txBody>
-      </p:sp>
-    </p:spTree>
-  </p:cSld>
-  <p:clrMapOvr>
-    <a:masterClrMapping/>
-  </p:clrMapOvr>
-</p:sld>
-</file>
-
-<file path=ppt/slides/slide13.xml><?xml version="1.0" encoding="utf-8"?>
-<p:sld xmlns:a="http://schemas.openxmlformats.org/drawingml/2006/main" xmlns:r="http://schemas.openxmlformats.org/officeDocument/2006/relationships" xmlns:p="http://schemas.openxmlformats.org/presentationml/2006/main">
-  <p:cSld>
-    <p:spTree>
-      <p:nvGrpSpPr>
-        <p:cNvPr id="1" name=""/>
-        <p:cNvGrpSpPr/>
-        <p:nvPr/>
-      </p:nvGrpSpPr>
-      <p:grpSpPr>
-        <a:xfrm>
-          <a:off x="0" y="0"/>
-          <a:ext cx="0" cy="0"/>
-          <a:chOff x="0" y="0"/>
-          <a:chExt cx="0" cy="0"/>
-        </a:xfrm>
-      </p:grpSpPr>
-      <p:sp>
-        <p:nvSpPr>
-          <p:cNvPr id="131" name="PlaceHolder 1"/>
-          <p:cNvSpPr>
-            <a:spLocks noGrp="1"/>
-          </p:cNvSpPr>
-          <p:nvPr>
-            <p:ph type="title"/>
-          </p:nvPr>
-        </p:nvSpPr>
-        <p:spPr>
-          <a:xfrm>
-            <a:off x="849600" y="876240"/>
-            <a:ext cx="10427040" cy="1085400"/>
-          </a:xfrm>
-          <a:prstGeom prst="rect">
-            <a:avLst/>
-          </a:prstGeom>
-          <a:noFill/>
-          <a:ln w="0">
-            <a:noFill/>
-          </a:ln>
-        </p:spPr>
-        <p:txBody>
-          <a:bodyPr lIns="90000" tIns="45000" rIns="90000" bIns="45000" anchor="b">
-            <a:noAutofit/>
-          </a:bodyPr>
-          <a:lstStyle/>
-          <a:p>
-            <a:pPr>
-              <a:lnSpc>
-                <a:spcPct val="90000"/>
-              </a:lnSpc>
-              <a:buNone/>
-            </a:pPr>
-            <a:r>
-              <a:rPr lang="en-US" sz="4400" b="0" strike="noStrike" spc="-1">
-                <a:solidFill>
-                  <a:srgbClr val="FFFFFF"/>
-                </a:solidFill>
-                <a:latin typeface="Georgia Pro Light"/>
-                <a:ea typeface="DejaVu Sans"/>
-              </a:rPr>
-              <a:t>Proof of Concept, Testimonials &amp; Meilensteine</a:t>
-            </a:r>
-            <a:endParaRPr lang="de-DE" sz="4400" b="0" strike="noStrike" spc="-1">
-              <a:solidFill>
-                <a:srgbClr val="000000"/>
-              </a:solidFill>
-              <a:latin typeface="Arial"/>
-            </a:endParaRPr>
-          </a:p>
-        </p:txBody>
-      </p:sp>
-      <p:sp>
-        <p:nvSpPr>
-          <p:cNvPr id="132" name="PlaceHolder 2"/>
-          <p:cNvSpPr>
-            <a:spLocks noGrp="1"/>
-          </p:cNvSpPr>
-          <p:nvPr>
-            <p:ph/>
-          </p:nvPr>
-        </p:nvSpPr>
-        <p:spPr>
-          <a:xfrm>
-            <a:off x="849600" y="2066040"/>
-            <a:ext cx="10427040" cy="3902400"/>
-          </a:xfrm>
-          <a:prstGeom prst="rect">
-            <a:avLst/>
-          </a:prstGeom>
-          <a:noFill/>
-          <a:ln w="0">
-            <a:noFill/>
-          </a:ln>
-        </p:spPr>
-        <p:txBody>
-          <a:bodyPr lIns="0" tIns="0" rIns="0" bIns="0" anchor="t">
-            <a:noAutofit/>
-          </a:bodyPr>
-          <a:lstStyle/>
-          <a:p>
-            <a:endParaRPr lang="de-DE" sz="2800" b="0" strike="noStrike" spc="-1">
-              <a:solidFill>
-                <a:srgbClr val="000000"/>
-              </a:solidFill>
-              <a:latin typeface="Arial"/>
-            </a:endParaRPr>
-          </a:p>
-        </p:txBody>
-      </p:sp>
-    </p:spTree>
-  </p:cSld>
-  <p:clrMapOvr>
-    <a:masterClrMapping/>
-  </p:clrMapOvr>
-</p:sld>
-</file>
-
-<file path=ppt/slides/slide14.xml><?xml version="1.0" encoding="utf-8"?>
-<p:sld xmlns:a="http://schemas.openxmlformats.org/drawingml/2006/main" xmlns:r="http://schemas.openxmlformats.org/officeDocument/2006/relationships" xmlns:p="http://schemas.openxmlformats.org/presentationml/2006/main">
-  <p:cSld>
-    <p:spTree>
-      <p:nvGrpSpPr>
-        <p:cNvPr id="1" name=""/>
-        <p:cNvGrpSpPr/>
-        <p:nvPr/>
-      </p:nvGrpSpPr>
-      <p:grpSpPr>
-        <a:xfrm>
-          <a:off x="0" y="0"/>
-          <a:ext cx="0" cy="0"/>
-          <a:chOff x="0" y="0"/>
-          <a:chExt cx="0" cy="0"/>
-        </a:xfrm>
-      </p:grpSpPr>
-      <p:sp>
-        <p:nvSpPr>
-          <p:cNvPr id="133" name="PlaceHolder 1"/>
-          <p:cNvSpPr>
-            <a:spLocks noGrp="1"/>
-          </p:cNvSpPr>
-          <p:nvPr>
-            <p:ph type="title"/>
-          </p:nvPr>
-        </p:nvSpPr>
-        <p:spPr>
-          <a:xfrm>
-            <a:off x="849600" y="876240"/>
-            <a:ext cx="10427040" cy="1085400"/>
-          </a:xfrm>
-          <a:prstGeom prst="rect">
-            <a:avLst/>
-          </a:prstGeom>
-          <a:noFill/>
-          <a:ln w="0">
-            <a:noFill/>
-          </a:ln>
-        </p:spPr>
-        <p:txBody>
-          <a:bodyPr lIns="90000" tIns="45000" rIns="90000" bIns="45000" anchor="b">
-            <a:noAutofit/>
-          </a:bodyPr>
-          <a:lstStyle/>
-          <a:p>
-            <a:pPr>
-              <a:lnSpc>
-                <a:spcPct val="100000"/>
-              </a:lnSpc>
-              <a:buNone/>
-            </a:pPr>
-            <a:r>
-              <a:rPr lang="de-DE" sz="4400" b="0" strike="noStrike" spc="-1">
-                <a:solidFill>
-                  <a:srgbClr val="E2E8E2"/>
-                </a:solidFill>
-                <a:latin typeface="Georgia Pro Light"/>
-                <a:ea typeface="DejaVu Sans"/>
-              </a:rPr>
-              <a:t>Kosten des ersten Prototyps</a:t>
-            </a:r>
-            <a:endParaRPr lang="de-DE" sz="4400" b="0" strike="noStrike" spc="-1">
-              <a:solidFill>
-                <a:srgbClr val="000000"/>
-              </a:solidFill>
-              <a:latin typeface="Arial"/>
-            </a:endParaRPr>
-          </a:p>
-        </p:txBody>
-      </p:sp>
-      <p:sp>
-        <p:nvSpPr>
-          <p:cNvPr id="134" name="PlaceHolder 2"/>
-          <p:cNvSpPr>
-            <a:spLocks noGrp="1"/>
-          </p:cNvSpPr>
-          <p:nvPr>
-            <p:ph/>
-          </p:nvPr>
-        </p:nvSpPr>
-        <p:spPr>
-          <a:xfrm>
-            <a:off x="849600" y="2066040"/>
-            <a:ext cx="10427040" cy="3902400"/>
-          </a:xfrm>
-          <a:prstGeom prst="rect">
-            <a:avLst/>
-          </a:prstGeom>
-          <a:noFill/>
-          <a:ln w="0">
-            <a:noFill/>
-          </a:ln>
-        </p:spPr>
-        <p:txBody>
-          <a:bodyPr lIns="0" tIns="0" rIns="0" bIns="0" anchor="t">
-            <a:noAutofit/>
-          </a:bodyPr>
-          <a:lstStyle/>
-          <a:p>
-            <a:pPr marL="228600" indent="-228600">
-              <a:lnSpc>
-                <a:spcPct val="120000"/>
-              </a:lnSpc>
-              <a:spcBef>
-                <a:spcPts val="1001"/>
-              </a:spcBef>
-              <a:buClr>
-                <a:srgbClr val="E2E8E2"/>
-              </a:buClr>
-              <a:buSzPct val="70000"/>
-              <a:buFont typeface="Arial"/>
-              <a:buChar char="•"/>
-            </a:pPr>
-            <a:r>
-              <a:rPr lang="de-DE" sz="2000" b="0" strike="noStrike" spc="-1">
-                <a:solidFill>
-                  <a:srgbClr val="E2E8E2"/>
-                </a:solidFill>
-                <a:latin typeface="Georgia Pro Light"/>
-                <a:ea typeface="DejaVu Sans"/>
-              </a:rPr>
-              <a:t>Möglichst günstig</a:t>
-            </a:r>
-            <a:endParaRPr lang="de-DE" sz="2000" b="0" strike="noStrike" spc="-1">
-              <a:solidFill>
-                <a:srgbClr val="000000"/>
-              </a:solidFill>
-              <a:latin typeface="Arial"/>
-            </a:endParaRPr>
-          </a:p>
-          <a:p>
-            <a:pPr marL="228600" indent="-228600">
-              <a:lnSpc>
-                <a:spcPct val="120000"/>
-              </a:lnSpc>
-              <a:spcBef>
-                <a:spcPts val="1001"/>
-              </a:spcBef>
-              <a:buClr>
-                <a:srgbClr val="E2E8E2"/>
-              </a:buClr>
-              <a:buSzPct val="70000"/>
-              <a:buFont typeface="Arial"/>
-              <a:buChar char="•"/>
-            </a:pPr>
-            <a:r>
-              <a:rPr lang="de-DE" sz="2000" b="0" strike="noStrike" spc="-1">
-                <a:solidFill>
-                  <a:srgbClr val="E2E8E2"/>
-                </a:solidFill>
-                <a:latin typeface="Georgia Pro Light"/>
-                <a:ea typeface="DejaVu Sans"/>
-              </a:rPr>
-              <a:t>Amazon Alexa Echo Dot 50 Euro</a:t>
-            </a:r>
-            <a:endParaRPr lang="de-DE" sz="2000" b="0" strike="noStrike" spc="-1">
-              <a:solidFill>
-                <a:srgbClr val="000000"/>
-              </a:solidFill>
-              <a:latin typeface="Arial"/>
-            </a:endParaRPr>
-          </a:p>
-          <a:p>
-            <a:pPr marL="228600" indent="-228600">
-              <a:lnSpc>
-                <a:spcPct val="120000"/>
-              </a:lnSpc>
-              <a:spcBef>
-                <a:spcPts val="1001"/>
-              </a:spcBef>
-              <a:buClr>
-                <a:srgbClr val="E2E8E2"/>
-              </a:buClr>
-              <a:buSzPct val="70000"/>
-              <a:buFont typeface="Arial"/>
-              <a:buChar char="•"/>
-            </a:pPr>
-            <a:r>
-              <a:rPr lang="de-DE" sz="2000" b="0" strike="noStrike" spc="-1">
-                <a:solidFill>
-                  <a:srgbClr val="E2E8E2"/>
-                </a:solidFill>
-                <a:latin typeface="Georgia Pro Light"/>
-                <a:ea typeface="DejaVu Sans"/>
-              </a:rPr>
-              <a:t>Powerbank ca. 20 Euro</a:t>
-            </a:r>
-            <a:endParaRPr lang="de-DE" sz="2000" b="0" strike="noStrike" spc="-1">
-              <a:solidFill>
-                <a:srgbClr val="000000"/>
-              </a:solidFill>
-              <a:latin typeface="Arial"/>
-            </a:endParaRPr>
-          </a:p>
-          <a:p>
-            <a:pPr marL="228600" indent="-228600">
-              <a:lnSpc>
-                <a:spcPct val="120000"/>
-              </a:lnSpc>
-              <a:spcBef>
-                <a:spcPts val="1001"/>
-              </a:spcBef>
-              <a:buClr>
-                <a:srgbClr val="E2E8E2"/>
-              </a:buClr>
-              <a:buSzPct val="70000"/>
-              <a:buFont typeface="Arial"/>
-              <a:buChar char="•"/>
-            </a:pPr>
-            <a:r>
-              <a:rPr lang="de-DE" sz="2000" b="0" strike="noStrike" spc="-1">
-                <a:solidFill>
-                  <a:srgbClr val="E2E8E2"/>
-                </a:solidFill>
-                <a:latin typeface="Georgia Pro Light"/>
-                <a:ea typeface="DejaVu Sans"/>
-              </a:rPr>
-              <a:t>Raspberry Pi 3 Model B 70 Euro</a:t>
-            </a:r>
-            <a:endParaRPr lang="de-DE" sz="2000" b="0" strike="noStrike" spc="-1">
-              <a:solidFill>
-                <a:srgbClr val="000000"/>
-              </a:solidFill>
-              <a:latin typeface="Arial"/>
-            </a:endParaRPr>
-          </a:p>
-          <a:p>
-            <a:pPr marL="228600" indent="-228600">
-              <a:lnSpc>
-                <a:spcPct val="120000"/>
-              </a:lnSpc>
-              <a:spcBef>
-                <a:spcPts val="1001"/>
-              </a:spcBef>
-              <a:buClr>
-                <a:srgbClr val="E2E8E2"/>
-              </a:buClr>
-              <a:buSzPct val="70000"/>
-              <a:buFont typeface="Arial"/>
-              <a:buChar char="•"/>
-            </a:pPr>
-            <a:r>
-              <a:rPr lang="de-DE" sz="2000" b="0" strike="noStrike" spc="-1">
-                <a:solidFill>
-                  <a:srgbClr val="E2E8E2"/>
-                </a:solidFill>
-                <a:latin typeface="Georgia Pro Light"/>
-                <a:ea typeface="DejaVu Sans"/>
-              </a:rPr>
-              <a:t>DFRobot Gravity:Analog Alcohol Sensor(MQ3) for Arduino -&gt; günstig, schlechtere Qualität</a:t>
-            </a:r>
-            <a:endParaRPr lang="de-DE" sz="2000" b="0" strike="noStrike" spc="-1">
-              <a:solidFill>
-                <a:srgbClr val="000000"/>
-              </a:solidFill>
-              <a:latin typeface="Arial"/>
-            </a:endParaRPr>
-          </a:p>
-          <a:p>
-            <a:pPr marL="228600" indent="-228600">
-              <a:lnSpc>
-                <a:spcPct val="120000"/>
-              </a:lnSpc>
-              <a:spcBef>
-                <a:spcPts val="1001"/>
-              </a:spcBef>
-              <a:buClr>
-                <a:srgbClr val="E2E8E2"/>
-              </a:buClr>
-              <a:buSzPct val="70000"/>
-              <a:buFont typeface="Arial"/>
-              <a:buChar char="•"/>
-            </a:pPr>
-            <a:r>
-              <a:rPr lang="de-DE" sz="2000" b="0" strike="noStrike" spc="-1">
-                <a:solidFill>
-                  <a:srgbClr val="E2E8E2"/>
-                </a:solidFill>
-                <a:latin typeface="Georgia Pro Light"/>
-                <a:ea typeface="DejaVu Sans"/>
-              </a:rPr>
-              <a:t>Espressif ESP32S</a:t>
-            </a:r>
-            <a:endParaRPr lang="de-DE" sz="2000" b="0" strike="noStrike" spc="-1">
-              <a:solidFill>
-                <a:srgbClr val="000000"/>
-              </a:solidFill>
-              <a:latin typeface="Arial"/>
-            </a:endParaRPr>
-          </a:p>
-          <a:p>
-            <a:pPr marL="228600" indent="-228600">
-              <a:lnSpc>
-                <a:spcPct val="120000"/>
-              </a:lnSpc>
-              <a:spcBef>
-                <a:spcPts val="1001"/>
-              </a:spcBef>
-              <a:buClr>
-                <a:srgbClr val="E2E8E2"/>
-              </a:buClr>
-              <a:buSzPct val="70000"/>
-              <a:buFont typeface="Arial"/>
-              <a:buChar char="•"/>
-            </a:pPr>
-            <a:r>
-              <a:rPr lang="de-DE" sz="2000" b="0" strike="noStrike" spc="-1">
-                <a:solidFill>
-                  <a:srgbClr val="E2E8E2"/>
-                </a:solidFill>
-                <a:latin typeface="Georgia Pro Light"/>
-                <a:ea typeface="DejaVu Sans"/>
-              </a:rPr>
-              <a:t>C&amp;K Switches PTS 645 Series Switch</a:t>
-            </a:r>
-            <a:endParaRPr lang="de-DE" sz="2000" b="0" strike="noStrike" spc="-1">
-              <a:solidFill>
-                <a:srgbClr val="000000"/>
-              </a:solidFill>
-              <a:latin typeface="Arial"/>
-            </a:endParaRPr>
-          </a:p>
-          <a:p>
-            <a:pPr marL="228600" indent="-228600">
-              <a:lnSpc>
-                <a:spcPct val="120000"/>
-              </a:lnSpc>
-              <a:spcBef>
-                <a:spcPts val="1001"/>
-              </a:spcBef>
-              <a:buClr>
-                <a:srgbClr val="E2E8E2"/>
-              </a:buClr>
-              <a:buSzPct val="70000"/>
-              <a:buFont typeface="Arial"/>
-              <a:buChar char="•"/>
-            </a:pPr>
-            <a:r>
-              <a:rPr lang="de-DE" sz="2000" b="0" strike="noStrike" spc="-1">
-                <a:solidFill>
-                  <a:srgbClr val="E2E8E2"/>
-                </a:solidFill>
-                <a:latin typeface="Georgia Pro Light"/>
-                <a:ea typeface="DejaVu Sans"/>
-              </a:rPr>
-              <a:t>Ca. 15 Euro</a:t>
-            </a:r>
-            <a:endParaRPr lang="de-DE" sz="2000" b="0" strike="noStrike" spc="-1">
-              <a:solidFill>
-                <a:srgbClr val="000000"/>
-              </a:solidFill>
-              <a:latin typeface="Arial"/>
-            </a:endParaRPr>
-          </a:p>
-        </p:txBody>
-      </p:sp>
-    </p:spTree>
-  </p:cSld>
-  <p:clrMapOvr>
-    <a:masterClrMapping/>
-  </p:clrMapOvr>
-</p:sld>
-</file>
-
-<file path=ppt/slides/slide2.xml><?xml version="1.0" encoding="utf-8"?>
-<p:sld xmlns:a="http://schemas.openxmlformats.org/drawingml/2006/main" xmlns:r="http://schemas.openxmlformats.org/officeDocument/2006/relationships" xmlns:p="http://schemas.openxmlformats.org/presentationml/2006/main">
-  <p:cSld>
-    <p:spTree>
-      <p:nvGrpSpPr>
-        <p:cNvPr id="1" name=""/>
-        <p:cNvGrpSpPr/>
-        <p:nvPr/>
-      </p:nvGrpSpPr>
-      <p:grpSpPr>
-        <a:xfrm>
-          <a:off x="0" y="0"/>
-          <a:ext cx="0" cy="0"/>
-          <a:chOff x="0" y="0"/>
-          <a:chExt cx="0" cy="0"/>
-        </a:xfrm>
-      </p:grpSpPr>
-      <p:sp>
-        <p:nvSpPr>
-          <p:cNvPr id="91" name="PlaceHolder 1"/>
-          <p:cNvSpPr>
-            <a:spLocks noGrp="1"/>
-          </p:cNvSpPr>
-          <p:nvPr>
-            <p:ph type="title"/>
-          </p:nvPr>
-        </p:nvSpPr>
-        <p:spPr>
-          <a:xfrm>
-            <a:off x="849600" y="876240"/>
-            <a:ext cx="10427040" cy="1085400"/>
-          </a:xfrm>
-          <a:prstGeom prst="rect">
-            <a:avLst/>
-          </a:prstGeom>
-          <a:noFill/>
-          <a:ln w="0">
-            <a:noFill/>
-          </a:ln>
-        </p:spPr>
-        <p:txBody>
-          <a:bodyPr lIns="90000" tIns="45000" rIns="90000" bIns="45000" anchor="b">
-            <a:noAutofit/>
-          </a:bodyPr>
-          <a:lstStyle/>
-          <a:p>
-            <a:pPr>
-              <a:lnSpc>
-                <a:spcPct val="100000"/>
-              </a:lnSpc>
-              <a:buNone/>
-            </a:pPr>
-            <a:r>
-              <a:rPr lang="de-DE" sz="4400" b="0" strike="noStrike" spc="-1">
-                <a:solidFill>
-                  <a:srgbClr val="E2E8E2"/>
-                </a:solidFill>
-                <a:latin typeface="Georgia Pro Light"/>
-                <a:ea typeface="DejaVu Sans"/>
-              </a:rPr>
-              <a:t>Problem</a:t>
-            </a:r>
-            <a:endParaRPr lang="de-DE" sz="4400" b="0" strike="noStrike" spc="-1">
-              <a:solidFill>
-                <a:srgbClr val="000000"/>
-              </a:solidFill>
-              <a:latin typeface="Arial"/>
-            </a:endParaRPr>
-          </a:p>
-        </p:txBody>
-      </p:sp>
-      <p:sp>
-        <p:nvSpPr>
-          <p:cNvPr id="92" name="PlaceHolder 2"/>
-          <p:cNvSpPr>
-            <a:spLocks noGrp="1"/>
-          </p:cNvSpPr>
-          <p:nvPr>
-            <p:ph/>
-          </p:nvPr>
-        </p:nvSpPr>
-        <p:spPr>
-          <a:xfrm>
-            <a:off x="849600" y="2066040"/>
-            <a:ext cx="10427040" cy="3902400"/>
-          </a:xfrm>
-          <a:prstGeom prst="rect">
-            <a:avLst/>
-          </a:prstGeom>
-          <a:noFill/>
-          <a:ln w="0">
-            <a:noFill/>
-          </a:ln>
-        </p:spPr>
-        <p:txBody>
-          <a:bodyPr lIns="0" tIns="0" rIns="0" bIns="0" anchor="t">
-            <a:normAutofit/>
-          </a:bodyPr>
-          <a:lstStyle/>
-          <a:p>
-            <a:pPr marL="228600" indent="-228600">
-              <a:lnSpc>
-                <a:spcPct val="120000"/>
-              </a:lnSpc>
-              <a:spcBef>
-                <a:spcPts val="1001"/>
-              </a:spcBef>
-              <a:buClr>
-                <a:srgbClr val="E2E8E2"/>
-              </a:buClr>
-              <a:buSzPct val="70000"/>
-              <a:buFont typeface="Arial"/>
-              <a:buChar char="•"/>
-            </a:pPr>
-            <a:r>
-              <a:rPr lang="de-DE" sz="2000" b="0" strike="noStrike" spc="-1">
-                <a:solidFill>
-                  <a:srgbClr val="E2E8E2"/>
-                </a:solidFill>
-                <a:latin typeface="Georgia Pro Light"/>
-                <a:ea typeface="DejaVu Sans"/>
-              </a:rPr>
-              <a:t>Betrunkenes Fahren soll verhindert werden</a:t>
-            </a:r>
-            <a:endParaRPr lang="de-DE" sz="2000" b="0" strike="noStrike" spc="-1">
-              <a:solidFill>
-                <a:srgbClr val="000000"/>
-              </a:solidFill>
-              <a:latin typeface="Arial"/>
-            </a:endParaRPr>
-          </a:p>
-          <a:p>
-            <a:pPr marL="228600" indent="-228600">
-              <a:lnSpc>
-                <a:spcPct val="120000"/>
-              </a:lnSpc>
-              <a:spcBef>
-                <a:spcPts val="1001"/>
-              </a:spcBef>
-              <a:buClr>
-                <a:srgbClr val="E2E8E2"/>
-              </a:buClr>
-              <a:buSzPct val="70000"/>
-              <a:buFont typeface="Arial"/>
-              <a:buChar char="•"/>
-            </a:pPr>
-            <a:r>
-              <a:rPr lang="de-DE" sz="2000" b="0" strike="noStrike" spc="-1">
-                <a:solidFill>
-                  <a:srgbClr val="E2E8E2"/>
-                </a:solidFill>
-                <a:latin typeface="Georgia Pro Light"/>
-                <a:ea typeface="DejaVu Sans"/>
-              </a:rPr>
-              <a:t>Alkoholkonsumtracker -&gt; Analyse des Trinkverhaltens</a:t>
-            </a:r>
-            <a:endParaRPr lang="de-DE" sz="2000" b="0" strike="noStrike" spc="-1">
-              <a:solidFill>
-                <a:srgbClr val="000000"/>
-              </a:solidFill>
-              <a:latin typeface="Arial"/>
-            </a:endParaRPr>
-          </a:p>
-          <a:p>
-            <a:pPr marL="228600" indent="-228600">
-              <a:lnSpc>
-                <a:spcPct val="120000"/>
-              </a:lnSpc>
-              <a:spcBef>
-                <a:spcPts val="1001"/>
-              </a:spcBef>
-              <a:buClr>
-                <a:srgbClr val="E2E8E2"/>
-              </a:buClr>
-              <a:buSzPct val="70000"/>
-              <a:buFont typeface="Arial"/>
-              <a:buChar char="•"/>
-            </a:pPr>
-            <a:r>
-              <a:rPr lang="de-DE" sz="2000" b="0" strike="noStrike" spc="-1">
-                <a:solidFill>
-                  <a:srgbClr val="E2E8E2"/>
-                </a:solidFill>
-                <a:latin typeface="Georgia Pro Light"/>
-                <a:ea typeface="DejaVu Sans"/>
-              </a:rPr>
-              <a:t>Bewusstes Trinken von Alkohol erleichtern</a:t>
-            </a:r>
-            <a:endParaRPr lang="de-DE" sz="2000" b="0" strike="noStrike" spc="-1">
-              <a:solidFill>
-                <a:srgbClr val="000000"/>
-              </a:solidFill>
-              <a:latin typeface="Arial"/>
-            </a:endParaRPr>
-          </a:p>
-          <a:p>
-            <a:pPr marL="228600" indent="-228600">
-              <a:lnSpc>
-                <a:spcPct val="120000"/>
-              </a:lnSpc>
-              <a:spcBef>
-                <a:spcPts val="1001"/>
-              </a:spcBef>
-              <a:buClr>
-                <a:srgbClr val="E2E8E2"/>
-              </a:buClr>
-              <a:buSzPct val="70000"/>
-              <a:buFont typeface="Arial"/>
-              <a:buChar char="•"/>
-            </a:pPr>
-            <a:r>
-              <a:rPr lang="de-DE" sz="2000" b="0" strike="noStrike" spc="-1">
-                <a:solidFill>
-                  <a:srgbClr val="E2E8E2"/>
-                </a:solidFill>
-                <a:latin typeface="Georgia Pro Light"/>
-                <a:ea typeface="DejaVu Sans"/>
-              </a:rPr>
-              <a:t>Internetanbindung</a:t>
-            </a:r>
-            <a:endParaRPr lang="de-DE" sz="2000" b="0" strike="noStrike" spc="-1">
-              <a:solidFill>
-                <a:srgbClr val="000000"/>
-              </a:solidFill>
-              <a:latin typeface="Arial"/>
-            </a:endParaRPr>
-          </a:p>
-          <a:p>
-            <a:pPr marL="228600" indent="-228600">
-              <a:lnSpc>
-                <a:spcPct val="120000"/>
-              </a:lnSpc>
-              <a:spcBef>
-                <a:spcPts val="1001"/>
-              </a:spcBef>
-              <a:buClr>
-                <a:srgbClr val="E2E8E2"/>
-              </a:buClr>
-              <a:buSzPct val="70000"/>
-              <a:buFont typeface="Arial"/>
-              <a:buChar char="•"/>
-            </a:pPr>
-            <a:r>
-              <a:rPr lang="de-DE" sz="2000" b="0" strike="noStrike" spc="-1">
-                <a:solidFill>
-                  <a:srgbClr val="E2E8E2"/>
-                </a:solidFill>
-                <a:latin typeface="Georgia Pro Light"/>
-                <a:ea typeface="DejaVu Sans"/>
-              </a:rPr>
-              <a:t>Smarter Alkoholtest</a:t>
-            </a:r>
-            <a:endParaRPr lang="de-DE" sz="2000" b="0" strike="noStrike" spc="-1">
-              <a:solidFill>
-                <a:srgbClr val="000000"/>
-              </a:solidFill>
-              <a:latin typeface="Arial"/>
-            </a:endParaRPr>
-          </a:p>
-          <a:p>
-            <a:pPr>
-              <a:lnSpc>
-                <a:spcPct val="120000"/>
-              </a:lnSpc>
-              <a:spcBef>
-                <a:spcPts val="1001"/>
-              </a:spcBef>
-              <a:buNone/>
-            </a:pPr>
-            <a:endParaRPr lang="de-DE" sz="2000" b="0" strike="noStrike" spc="-1">
-              <a:solidFill>
-                <a:srgbClr val="000000"/>
-              </a:solidFill>
-              <a:latin typeface="Arial"/>
-            </a:endParaRPr>
-          </a:p>
-          <a:p>
-            <a:pPr>
-              <a:lnSpc>
-                <a:spcPct val="120000"/>
-              </a:lnSpc>
-              <a:spcBef>
-                <a:spcPts val="1001"/>
-              </a:spcBef>
-              <a:buNone/>
-            </a:pPr>
-            <a:endParaRPr lang="de-DE" sz="2000" b="0" strike="noStrike" spc="-1">
-              <a:solidFill>
-                <a:srgbClr val="000000"/>
-              </a:solidFill>
-              <a:latin typeface="Arial"/>
-            </a:endParaRPr>
-          </a:p>
-        </p:txBody>
-      </p:sp>
-    </p:spTree>
-  </p:cSld>
-  <p:clrMapOvr>
-    <a:masterClrMapping/>
-  </p:clrMapOvr>
-</p:sld>
-</file>
-
-<file path=ppt/slides/slide3.xml><?xml version="1.0" encoding="utf-8"?>
-<p:sld xmlns:a="http://schemas.openxmlformats.org/drawingml/2006/main" xmlns:r="http://schemas.openxmlformats.org/officeDocument/2006/relationships" xmlns:p="http://schemas.openxmlformats.org/presentationml/2006/main">
-  <p:cSld>
-    <p:spTree>
-      <p:nvGrpSpPr>
-        <p:cNvPr id="1" name=""/>
-        <p:cNvGrpSpPr/>
-        <p:nvPr/>
-      </p:nvGrpSpPr>
-      <p:grpSpPr>
-        <a:xfrm>
-          <a:off x="0" y="0"/>
-          <a:ext cx="0" cy="0"/>
-          <a:chOff x="0" y="0"/>
-          <a:chExt cx="0" cy="0"/>
-        </a:xfrm>
-      </p:grpSpPr>
-      <p:sp>
-        <p:nvSpPr>
-          <p:cNvPr id="93" name="PlaceHolder 1"/>
-          <p:cNvSpPr>
-            <a:spLocks noGrp="1"/>
-          </p:cNvSpPr>
-          <p:nvPr>
-            <p:ph type="title"/>
-          </p:nvPr>
-        </p:nvSpPr>
-        <p:spPr>
-          <a:xfrm>
-            <a:off x="849600" y="876240"/>
-            <a:ext cx="10427040" cy="1085400"/>
-          </a:xfrm>
-          <a:prstGeom prst="rect">
-            <a:avLst/>
-          </a:prstGeom>
-          <a:noFill/>
-          <a:ln w="0">
-            <a:noFill/>
-          </a:ln>
-        </p:spPr>
-        <p:txBody>
-          <a:bodyPr lIns="90000" tIns="45000" rIns="90000" bIns="45000" anchor="b">
-            <a:noAutofit/>
-          </a:bodyPr>
-          <a:lstStyle/>
-          <a:p>
-            <a:pPr>
-              <a:lnSpc>
-                <a:spcPct val="100000"/>
-              </a:lnSpc>
-              <a:buNone/>
-            </a:pPr>
-            <a:r>
-              <a:rPr lang="de-DE" sz="4400" b="0" strike="noStrike" spc="-1">
-                <a:solidFill>
-                  <a:srgbClr val="E2E8E2"/>
-                </a:solidFill>
-                <a:latin typeface="Georgia Pro Light"/>
-                <a:ea typeface="DejaVu Sans"/>
-              </a:rPr>
-              <a:t>Lösung</a:t>
-            </a:r>
-            <a:endParaRPr lang="de-DE" sz="4400" b="0" strike="noStrike" spc="-1">
-              <a:solidFill>
-                <a:srgbClr val="000000"/>
-              </a:solidFill>
-              <a:latin typeface="Arial"/>
-            </a:endParaRPr>
-          </a:p>
-        </p:txBody>
-      </p:sp>
-      <p:sp>
-        <p:nvSpPr>
-          <p:cNvPr id="94" name="PlaceHolder 2"/>
-          <p:cNvSpPr>
-            <a:spLocks noGrp="1"/>
-          </p:cNvSpPr>
-          <p:nvPr>
-            <p:ph/>
-          </p:nvPr>
-        </p:nvSpPr>
-        <p:spPr>
-          <a:xfrm>
-            <a:off x="849600" y="2066040"/>
-            <a:ext cx="10427040" cy="3902400"/>
-          </a:xfrm>
-          <a:prstGeom prst="rect">
-            <a:avLst/>
-          </a:prstGeom>
-          <a:noFill/>
-          <a:ln w="0">
-            <a:noFill/>
-          </a:ln>
-        </p:spPr>
-        <p:txBody>
-          <a:bodyPr lIns="0" tIns="0" rIns="0" bIns="0" anchor="t">
-            <a:normAutofit/>
-          </a:bodyPr>
-          <a:lstStyle/>
-          <a:p>
-            <a:pPr marL="228600" indent="-228600">
-              <a:lnSpc>
-                <a:spcPct val="120000"/>
-              </a:lnSpc>
-              <a:spcBef>
-                <a:spcPts val="1001"/>
-              </a:spcBef>
-              <a:buClr>
-                <a:srgbClr val="E2E8E2"/>
-              </a:buClr>
-              <a:buSzPct val="70000"/>
-              <a:buFont typeface="Arial"/>
-              <a:buChar char="•"/>
-            </a:pPr>
-            <a:r>
-              <a:rPr lang="de-DE" sz="2000" b="0" strike="noStrike" spc="-1" dirty="0">
-                <a:solidFill>
-                  <a:srgbClr val="E2E8E2"/>
-                </a:solidFill>
-                <a:latin typeface="Georgia Pro Light"/>
-                <a:ea typeface="DejaVu Sans"/>
-              </a:rPr>
-              <a:t>Aufzeichnung der Promille-Werte</a:t>
-            </a:r>
-          </a:p>
-          <a:p>
-            <a:pPr marL="228600" indent="-228600">
-              <a:lnSpc>
-                <a:spcPct val="120000"/>
-              </a:lnSpc>
-              <a:spcBef>
-                <a:spcPts val="1001"/>
-              </a:spcBef>
-              <a:buClr>
-                <a:srgbClr val="E2E8E2"/>
-              </a:buClr>
-              <a:buSzPct val="70000"/>
-              <a:buFont typeface="Arial"/>
-              <a:buChar char="•"/>
-            </a:pPr>
-            <a:endParaRPr lang="de-DE" sz="2000" b="0" strike="noStrike" spc="-1" dirty="0">
-              <a:solidFill>
-                <a:srgbClr val="000000"/>
-              </a:solidFill>
-              <a:latin typeface="Arial"/>
-            </a:endParaRPr>
-          </a:p>
-          <a:p>
-            <a:pPr marL="228600" indent="-228600">
-              <a:lnSpc>
-                <a:spcPct val="120000"/>
-              </a:lnSpc>
-              <a:spcBef>
-                <a:spcPts val="1001"/>
-              </a:spcBef>
-              <a:buClr>
-                <a:srgbClr val="E2E8E2"/>
-              </a:buClr>
-              <a:buSzPct val="70000"/>
-              <a:buFont typeface="Arial"/>
-              <a:buChar char="•"/>
-            </a:pPr>
-            <a:r>
-              <a:rPr lang="de-DE" sz="2000" b="0" strike="noStrike" spc="-1" dirty="0">
-                <a:solidFill>
-                  <a:srgbClr val="E2E8E2"/>
-                </a:solidFill>
-                <a:latin typeface="Georgia Pro Light"/>
-                <a:ea typeface="DejaVu Sans"/>
-              </a:rPr>
-              <a:t>Applikation</a:t>
-            </a:r>
-          </a:p>
-          <a:p>
-            <a:pPr marL="228600" indent="-228600">
-              <a:lnSpc>
-                <a:spcPct val="120000"/>
-              </a:lnSpc>
-              <a:spcBef>
-                <a:spcPts val="1001"/>
-              </a:spcBef>
-              <a:buClr>
-                <a:srgbClr val="E2E8E2"/>
-              </a:buClr>
-              <a:buSzPct val="70000"/>
-              <a:buFont typeface="Arial"/>
-              <a:buChar char="•"/>
-            </a:pPr>
-            <a:endParaRPr lang="de-DE" sz="2000" b="0" strike="noStrike" spc="-1" dirty="0">
-              <a:solidFill>
-                <a:srgbClr val="000000"/>
-              </a:solidFill>
-              <a:latin typeface="Arial"/>
-            </a:endParaRPr>
-          </a:p>
-          <a:p>
-            <a:pPr marL="228600" indent="-228600">
-              <a:lnSpc>
-                <a:spcPct val="120000"/>
-              </a:lnSpc>
-              <a:spcBef>
-                <a:spcPts val="1001"/>
-              </a:spcBef>
-              <a:buClr>
-                <a:srgbClr val="E2E8E2"/>
-              </a:buClr>
-              <a:buSzPct val="70000"/>
-              <a:buFont typeface="Arial"/>
-              <a:buChar char="•"/>
-            </a:pPr>
-            <a:r>
-              <a:rPr lang="de-DE" sz="2000" b="0" strike="noStrike" spc="-1" dirty="0">
-                <a:solidFill>
-                  <a:srgbClr val="E2E8E2"/>
-                </a:solidFill>
-                <a:latin typeface="Georgia Pro Light"/>
-                <a:ea typeface="DejaVu Sans"/>
-              </a:rPr>
-              <a:t>Cloud-Anbindung über WLAN</a:t>
-            </a:r>
-          </a:p>
-          <a:p>
-            <a:pPr marL="228600" indent="-228600">
-              <a:lnSpc>
-                <a:spcPct val="120000"/>
-              </a:lnSpc>
-              <a:spcBef>
-                <a:spcPts val="1001"/>
-              </a:spcBef>
-              <a:buClr>
-                <a:srgbClr val="E2E8E2"/>
-              </a:buClr>
-              <a:buSzPct val="70000"/>
-              <a:buFont typeface="Arial"/>
-              <a:buChar char="•"/>
-            </a:pPr>
-            <a:endParaRPr lang="de-DE" sz="2000" b="0" strike="noStrike" spc="-1" dirty="0">
-              <a:solidFill>
-                <a:srgbClr val="000000"/>
-              </a:solidFill>
-              <a:latin typeface="Arial"/>
-            </a:endParaRPr>
-          </a:p>
-          <a:p>
-            <a:pPr marL="228600" indent="-228600">
-              <a:lnSpc>
-                <a:spcPct val="120000"/>
-              </a:lnSpc>
-              <a:spcBef>
-                <a:spcPts val="1001"/>
-              </a:spcBef>
-              <a:buClr>
-                <a:srgbClr val="E2E8E2"/>
-              </a:buClr>
-              <a:buSzPct val="70000"/>
-              <a:buFont typeface="Arial"/>
-              <a:buChar char="•"/>
-            </a:pPr>
-            <a:r>
-              <a:rPr lang="de-DE" sz="2000" b="0" strike="noStrike" spc="-1" dirty="0">
-                <a:solidFill>
-                  <a:srgbClr val="E2E8E2"/>
-                </a:solidFill>
-                <a:latin typeface="Georgia Pro Light"/>
-                <a:ea typeface="DejaVu Sans"/>
-              </a:rPr>
-              <a:t>Warnung vor alkoholisiertem Fahren durch einen Alexa-Skill und eine App</a:t>
-            </a:r>
-            <a:endParaRPr lang="de-DE" sz="2000" b="0" strike="noStrike" spc="-1" dirty="0">
-              <a:solidFill>
-                <a:srgbClr val="000000"/>
-              </a:solidFill>
-              <a:latin typeface="Arial"/>
-            </a:endParaRPr>
-          </a:p>
-        </p:txBody>
-      </p:sp>
-    </p:spTree>
-  </p:cSld>
-  <p:clrMapOvr>
-    <a:masterClrMapping/>
-  </p:clrMapOvr>
-</p:sld>
-</file>
-
-<file path=ppt/slides/slide4.xml><?xml version="1.0" encoding="utf-8"?>
-<p:sld xmlns:a="http://schemas.openxmlformats.org/drawingml/2006/main" xmlns:r="http://schemas.openxmlformats.org/officeDocument/2006/relationships" xmlns:p="http://schemas.openxmlformats.org/presentationml/2006/main">
-  <p:cSld>
-    <p:spTree>
-      <p:nvGrpSpPr>
-        <p:cNvPr id="1" name=""/>
-        <p:cNvGrpSpPr/>
-        <p:nvPr/>
-      </p:nvGrpSpPr>
-      <p:grpSpPr>
-        <a:xfrm>
-          <a:off x="0" y="0"/>
-          <a:ext cx="0" cy="0"/>
-          <a:chOff x="0" y="0"/>
-          <a:chExt cx="0" cy="0"/>
-        </a:xfrm>
-      </p:grpSpPr>
-      <p:sp>
-        <p:nvSpPr>
-          <p:cNvPr id="95" name="PlaceHolder 1"/>
-          <p:cNvSpPr>
-            <a:spLocks noGrp="1"/>
-          </p:cNvSpPr>
-          <p:nvPr>
-            <p:ph type="title"/>
-          </p:nvPr>
-        </p:nvSpPr>
-        <p:spPr>
-          <a:xfrm>
-            <a:off x="849600" y="876240"/>
-            <a:ext cx="10427040" cy="1085400"/>
-          </a:xfrm>
-          <a:prstGeom prst="rect">
-            <a:avLst/>
-          </a:prstGeom>
-          <a:noFill/>
-          <a:ln w="0">
-            <a:noFill/>
-          </a:ln>
-        </p:spPr>
-        <p:txBody>
-          <a:bodyPr lIns="90000" tIns="45000" rIns="90000" bIns="45000" anchor="b">
-            <a:normAutofit/>
-          </a:bodyPr>
-          <a:lstStyle/>
-          <a:p>
-            <a:pPr>
-              <a:lnSpc>
-                <a:spcPct val="100000"/>
-              </a:lnSpc>
-              <a:buNone/>
-            </a:pPr>
-            <a:r>
-              <a:rPr lang="de-DE" sz="4400" b="0" strike="noStrike" spc="-1">
-                <a:solidFill>
-                  <a:srgbClr val="E2E8E2"/>
-                </a:solidFill>
-                <a:latin typeface="Georgia Pro Light"/>
-                <a:ea typeface="DejaVu Sans"/>
-              </a:rPr>
-              <a:t>Aufbau des Produkts</a:t>
-            </a:r>
-            <a:endParaRPr lang="de-DE" sz="4400" b="0" strike="noStrike" spc="-1">
-              <a:solidFill>
-                <a:srgbClr val="000000"/>
-              </a:solidFill>
-              <a:latin typeface="Arial"/>
-            </a:endParaRPr>
-          </a:p>
-        </p:txBody>
-      </p:sp>
-      <p:pic>
-        <p:nvPicPr>
-          <p:cNvPr id="96" name="Picture 4" descr="Powerbank Test: Die 40 besten Powerbanks 2022 im Vergleich"/>
-          <p:cNvPicPr/>
-          <p:nvPr/>
-        </p:nvPicPr>
-        <p:blipFill>
-          <a:blip r:embed="rId2"/>
-          <a:srcRect l="18331" t="16290" r="13257" b="15298"/>
-          <a:stretch/>
-        </p:blipFill>
-        <p:spPr>
-          <a:xfrm>
-            <a:off x="1314000" y="3216240"/>
-            <a:ext cx="1288080" cy="1288080"/>
-          </a:xfrm>
-          <a:prstGeom prst="rect">
-            <a:avLst/>
-          </a:prstGeom>
-          <a:ln w="0">
-            <a:noFill/>
-          </a:ln>
-        </p:spPr>
-      </p:pic>
-      <p:pic>
-        <p:nvPicPr>
-          <p:cNvPr id="97" name="Grafik 4"/>
-          <p:cNvPicPr/>
-          <p:nvPr/>
-        </p:nvPicPr>
-        <p:blipFill>
-          <a:blip r:embed="rId3"/>
-          <a:stretch/>
-        </p:blipFill>
-        <p:spPr>
-          <a:xfrm>
-            <a:off x="3494520" y="2819160"/>
-            <a:ext cx="1223640" cy="2082600"/>
-          </a:xfrm>
-          <a:prstGeom prst="rect">
-            <a:avLst/>
-          </a:prstGeom>
-          <a:ln w="0">
-            <a:noFill/>
-          </a:ln>
-        </p:spPr>
-      </p:pic>
-      <p:pic>
-        <p:nvPicPr>
-          <p:cNvPr id="98" name="Grafik 5"/>
-          <p:cNvPicPr/>
-          <p:nvPr/>
-        </p:nvPicPr>
-        <p:blipFill>
-          <a:blip r:embed="rId4"/>
-          <a:stretch/>
-        </p:blipFill>
-        <p:spPr>
-          <a:xfrm>
-            <a:off x="5839920" y="2881440"/>
-            <a:ext cx="615960" cy="911160"/>
-          </a:xfrm>
-          <a:prstGeom prst="rect">
-            <a:avLst/>
-          </a:prstGeom>
-          <a:ln w="0">
-            <a:noFill/>
-          </a:ln>
-        </p:spPr>
-      </p:pic>
-      <p:pic>
-        <p:nvPicPr>
-          <p:cNvPr id="99" name="Grafik 7"/>
-          <p:cNvPicPr/>
-          <p:nvPr/>
-        </p:nvPicPr>
-        <p:blipFill>
-          <a:blip r:embed="rId5"/>
-          <a:srcRect l="25960" r="27782"/>
-          <a:stretch/>
-        </p:blipFill>
-        <p:spPr>
-          <a:xfrm>
-            <a:off x="7919280" y="3061800"/>
-            <a:ext cx="608400" cy="1053360"/>
-          </a:xfrm>
-          <a:prstGeom prst="rect">
-            <a:avLst/>
-          </a:prstGeom>
-          <a:ln w="0">
-            <a:noFill/>
-          </a:ln>
-        </p:spPr>
-      </p:pic>
-      <p:sp>
-        <p:nvSpPr>
-          <p:cNvPr id="100" name="Pfeil nach rechts 11"/>
-          <p:cNvSpPr/>
-          <p:nvPr/>
-        </p:nvSpPr>
-        <p:spPr>
-          <a:xfrm>
-            <a:off x="2602800" y="3643200"/>
-            <a:ext cx="891000" cy="434880"/>
-          </a:xfrm>
-          <a:prstGeom prst="rightArrow">
-            <a:avLst>
-              <a:gd name="adj1" fmla="val 50000"/>
-              <a:gd name="adj2" fmla="val 50000"/>
-            </a:avLst>
-          </a:prstGeom>
-          <a:solidFill>
-            <a:srgbClr val="C24DC3"/>
-          </a:solidFill>
-          <a:ln>
-            <a:solidFill>
-              <a:srgbClr val="8F3890"/>
-            </a:solidFill>
-          </a:ln>
-        </p:spPr>
-        <p:style>
-          <a:lnRef idx="2">
-            <a:schemeClr val="accent1">
-              <a:shade val="50000"/>
-            </a:schemeClr>
-          </a:lnRef>
-          <a:fillRef idx="1">
-            <a:schemeClr val="accent1"/>
-          </a:fillRef>
-          <a:effectRef idx="0">
-            <a:schemeClr val="accent1"/>
-          </a:effectRef>
-          <a:fontRef idx="minor"/>
-        </p:style>
-      </p:sp>
-      <p:sp>
-        <p:nvSpPr>
-          <p:cNvPr id="101" name="Pfeil nach rechts 12"/>
-          <p:cNvSpPr/>
-          <p:nvPr/>
-        </p:nvSpPr>
-        <p:spPr>
-          <a:xfrm>
-            <a:off x="4718880" y="3119760"/>
-            <a:ext cx="1120320" cy="434880"/>
-          </a:xfrm>
-          <a:prstGeom prst="rightArrow">
-            <a:avLst>
-              <a:gd name="adj1" fmla="val 50000"/>
-              <a:gd name="adj2" fmla="val 50000"/>
-            </a:avLst>
-          </a:prstGeom>
-          <a:solidFill>
-            <a:srgbClr val="C24DC3"/>
-          </a:solidFill>
-          <a:ln>
-            <a:solidFill>
-              <a:srgbClr val="8F3890"/>
-            </a:solidFill>
-          </a:ln>
-        </p:spPr>
-        <p:style>
-          <a:lnRef idx="2">
-            <a:schemeClr val="accent1">
-              <a:shade val="50000"/>
-            </a:schemeClr>
-          </a:lnRef>
-          <a:fillRef idx="1">
-            <a:schemeClr val="accent1"/>
-          </a:fillRef>
-          <a:effectRef idx="0">
-            <a:schemeClr val="accent1"/>
-          </a:effectRef>
-          <a:fontRef idx="minor"/>
-        </p:style>
-      </p:sp>
-      <p:sp>
-        <p:nvSpPr>
-          <p:cNvPr id="102" name="Pfeil nach rechts 13"/>
-          <p:cNvSpPr/>
-          <p:nvPr/>
-        </p:nvSpPr>
-        <p:spPr>
-          <a:xfrm>
-            <a:off x="4718880" y="4388760"/>
-            <a:ext cx="1159560" cy="434880"/>
-          </a:xfrm>
-          <a:prstGeom prst="rightArrow">
-            <a:avLst>
-              <a:gd name="adj1" fmla="val 50000"/>
-              <a:gd name="adj2" fmla="val 50000"/>
-            </a:avLst>
-          </a:prstGeom>
-          <a:solidFill>
-            <a:srgbClr val="C24DC3"/>
-          </a:solidFill>
-          <a:ln>
-            <a:solidFill>
-              <a:srgbClr val="8F3890"/>
-            </a:solidFill>
-          </a:ln>
-        </p:spPr>
-        <p:style>
-          <a:lnRef idx="2">
-            <a:schemeClr val="accent1">
-              <a:shade val="50000"/>
-            </a:schemeClr>
-          </a:lnRef>
-          <a:fillRef idx="1">
-            <a:schemeClr val="accent1"/>
-          </a:fillRef>
-          <a:effectRef idx="0">
-            <a:schemeClr val="accent1"/>
-          </a:effectRef>
-          <a:fontRef idx="minor"/>
-        </p:style>
-      </p:sp>
-      <p:pic>
-        <p:nvPicPr>
-          <p:cNvPr id="103" name="Grafik 15"/>
-          <p:cNvPicPr/>
-          <p:nvPr/>
-        </p:nvPicPr>
-        <p:blipFill>
-          <a:blip r:embed="rId6"/>
-          <a:srcRect l="13184" r="7391"/>
-          <a:stretch/>
-        </p:blipFill>
-        <p:spPr>
-          <a:xfrm>
-            <a:off x="5925600" y="4263480"/>
-            <a:ext cx="748080" cy="559800"/>
-          </a:xfrm>
-          <a:prstGeom prst="rect">
-            <a:avLst/>
-          </a:prstGeom>
-          <a:ln w="0">
-            <a:noFill/>
-          </a:ln>
-        </p:spPr>
-      </p:pic>
-      <p:sp>
-        <p:nvSpPr>
-          <p:cNvPr id="104" name="Pfeil nach rechts 17"/>
-          <p:cNvSpPr/>
-          <p:nvPr/>
-        </p:nvSpPr>
-        <p:spPr>
-          <a:xfrm rot="19980600">
-            <a:off x="6709320" y="4091760"/>
-            <a:ext cx="1159560" cy="279000"/>
-          </a:xfrm>
-          <a:prstGeom prst="rightArrow">
-            <a:avLst>
-              <a:gd name="adj1" fmla="val 50000"/>
-              <a:gd name="adj2" fmla="val 50000"/>
-            </a:avLst>
-          </a:prstGeom>
-          <a:solidFill>
-            <a:srgbClr val="C24DC3"/>
-          </a:solidFill>
-          <a:ln>
-            <a:solidFill>
-              <a:srgbClr val="8F3890"/>
-            </a:solidFill>
-          </a:ln>
-        </p:spPr>
-        <p:style>
-          <a:lnRef idx="2">
-            <a:schemeClr val="accent1">
-              <a:shade val="50000"/>
-            </a:schemeClr>
-          </a:lnRef>
-          <a:fillRef idx="1">
-            <a:schemeClr val="accent1"/>
-          </a:fillRef>
-          <a:effectRef idx="0">
-            <a:schemeClr val="accent1"/>
-          </a:effectRef>
-          <a:fontRef idx="minor"/>
-        </p:style>
-      </p:sp>
-      <p:sp>
-        <p:nvSpPr>
-          <p:cNvPr id="105" name="Pfeil nach rechts 18"/>
-          <p:cNvSpPr/>
-          <p:nvPr/>
-        </p:nvSpPr>
-        <p:spPr>
-          <a:xfrm rot="1888200">
-            <a:off x="6699600" y="4862880"/>
-            <a:ext cx="1159560" cy="279000"/>
-          </a:xfrm>
-          <a:prstGeom prst="rightArrow">
-            <a:avLst>
-              <a:gd name="adj1" fmla="val 50000"/>
-              <a:gd name="adj2" fmla="val 50000"/>
-            </a:avLst>
-          </a:prstGeom>
-          <a:solidFill>
-            <a:srgbClr val="C24DC3"/>
-          </a:solidFill>
-          <a:ln>
-            <a:solidFill>
-              <a:srgbClr val="8F3890"/>
-            </a:solidFill>
-          </a:ln>
-        </p:spPr>
-        <p:style>
-          <a:lnRef idx="2">
-            <a:schemeClr val="accent1">
-              <a:shade val="50000"/>
-            </a:schemeClr>
-          </a:lnRef>
-          <a:fillRef idx="1">
-            <a:schemeClr val="accent1"/>
-          </a:fillRef>
-          <a:effectRef idx="0">
-            <a:schemeClr val="accent1"/>
-          </a:effectRef>
-          <a:fontRef idx="minor"/>
-        </p:style>
-      </p:sp>
-      <p:pic>
-        <p:nvPicPr>
-          <p:cNvPr id="106" name="Picture 4" descr="Alexa dot PNG transparente Bilder, Bilder, Fotos | PNG Arts"/>
-          <p:cNvPicPr/>
-          <p:nvPr/>
-        </p:nvPicPr>
-        <p:blipFill>
-          <a:blip r:embed="rId7"/>
-          <a:stretch/>
-        </p:blipFill>
-        <p:spPr>
-          <a:xfrm>
-            <a:off x="7704720" y="5215320"/>
-            <a:ext cx="1152360" cy="648000"/>
-          </a:xfrm>
-          <a:prstGeom prst="rect">
-            <a:avLst/>
-          </a:prstGeom>
-          <a:ln w="0">
-            <a:noFill/>
-          </a:ln>
-        </p:spPr>
-      </p:pic>
-      <p:sp>
-        <p:nvSpPr>
-          <p:cNvPr id="107" name="Textfeld 20"/>
-          <p:cNvSpPr/>
-          <p:nvPr/>
-        </p:nvSpPr>
-        <p:spPr>
-          <a:xfrm>
-            <a:off x="1279800" y="2786400"/>
-            <a:ext cx="1463400" cy="364680"/>
-          </a:xfrm>
-          <a:prstGeom prst="rect">
-            <a:avLst/>
-          </a:prstGeom>
-          <a:noFill/>
-          <a:ln w="0">
-            <a:noFill/>
-          </a:ln>
-        </p:spPr>
-        <p:style>
-          <a:lnRef idx="0">
-            <a:scrgbClr r="0" g="0" b="0"/>
-          </a:lnRef>
-          <a:fillRef idx="0">
-            <a:scrgbClr r="0" g="0" b="0"/>
-          </a:fillRef>
-          <a:effectRef idx="0">
-            <a:scrgbClr r="0" g="0" b="0"/>
-          </a:effectRef>
-          <a:fontRef idx="minor"/>
-        </p:style>
-        <p:txBody>
-          <a:bodyPr lIns="90000" tIns="45000" rIns="90000" bIns="45000" anchor="t">
-            <a:spAutoFit/>
-          </a:bodyPr>
-          <a:lstStyle/>
-          <a:p>
-            <a:pPr>
-              <a:lnSpc>
-                <a:spcPct val="100000"/>
-              </a:lnSpc>
-              <a:buNone/>
-            </a:pPr>
-            <a:r>
-              <a:rPr lang="de-DE" sz="1800" b="0" strike="noStrike" spc="-1">
-                <a:solidFill>
-                  <a:srgbClr val="FFFFFF"/>
-                </a:solidFill>
-                <a:latin typeface="Georgia Pro Light"/>
-                <a:ea typeface="DejaVu Sans"/>
-              </a:rPr>
-              <a:t>Powerbank</a:t>
-            </a:r>
-            <a:endParaRPr lang="en-US" sz="1800" b="0" strike="noStrike" spc="-1">
-              <a:latin typeface="Arial"/>
-            </a:endParaRPr>
-          </a:p>
-        </p:txBody>
-      </p:sp>
-      <p:sp>
-        <p:nvSpPr>
-          <p:cNvPr id="108" name="Rechteck 21"/>
-          <p:cNvSpPr/>
-          <p:nvPr/>
-        </p:nvSpPr>
-        <p:spPr>
-          <a:xfrm>
-            <a:off x="3256920" y="2421000"/>
-            <a:ext cx="1842120" cy="364320"/>
-          </a:xfrm>
-          <a:prstGeom prst="rect">
-            <a:avLst/>
-          </a:prstGeom>
-          <a:noFill/>
-          <a:ln w="0">
-            <a:noFill/>
-          </a:ln>
-        </p:spPr>
-        <p:style>
-          <a:lnRef idx="0">
-            <a:scrgbClr r="0" g="0" b="0"/>
-          </a:lnRef>
-          <a:fillRef idx="0">
-            <a:scrgbClr r="0" g="0" b="0"/>
-          </a:fillRef>
-          <a:effectRef idx="0">
-            <a:scrgbClr r="0" g="0" b="0"/>
-          </a:effectRef>
-          <a:fontRef idx="minor"/>
-        </p:style>
-        <p:txBody>
-          <a:bodyPr wrap="none" lIns="90000" tIns="45000" rIns="90000" bIns="45000" anchor="t">
-            <a:spAutoFit/>
-          </a:bodyPr>
-          <a:lstStyle/>
-          <a:p>
-            <a:pPr>
-              <a:lnSpc>
-                <a:spcPct val="100000"/>
-              </a:lnSpc>
-              <a:buNone/>
-            </a:pPr>
-            <a:r>
-              <a:rPr lang="de-DE" sz="1800" b="0" strike="noStrike" spc="-1">
-                <a:solidFill>
-                  <a:srgbClr val="FFFFFF"/>
-                </a:solidFill>
-                <a:latin typeface="Georgia Pro Light"/>
-                <a:ea typeface="DejaVu Sans"/>
-              </a:rPr>
-              <a:t>Mikrocontroller</a:t>
-            </a:r>
-            <a:endParaRPr lang="en-US" sz="1800" b="0" strike="noStrike" spc="-1">
-              <a:latin typeface="Arial"/>
-            </a:endParaRPr>
-          </a:p>
-        </p:txBody>
-      </p:sp>
-      <p:sp>
-        <p:nvSpPr>
-          <p:cNvPr id="109" name="Rechteck 22"/>
-          <p:cNvSpPr/>
-          <p:nvPr/>
-        </p:nvSpPr>
-        <p:spPr>
-          <a:xfrm>
-            <a:off x="5394960" y="2441880"/>
-            <a:ext cx="1809720" cy="364320"/>
-          </a:xfrm>
-          <a:prstGeom prst="rect">
-            <a:avLst/>
-          </a:prstGeom>
-          <a:noFill/>
-          <a:ln w="0">
-            <a:noFill/>
-          </a:ln>
-        </p:spPr>
-        <p:style>
-          <a:lnRef idx="0">
-            <a:scrgbClr r="0" g="0" b="0"/>
-          </a:lnRef>
-          <a:fillRef idx="0">
-            <a:scrgbClr r="0" g="0" b="0"/>
-          </a:fillRef>
-          <a:effectRef idx="0">
-            <a:scrgbClr r="0" g="0" b="0"/>
-          </a:effectRef>
-          <a:fontRef idx="minor"/>
-        </p:style>
-        <p:txBody>
-          <a:bodyPr lIns="90000" tIns="45000" rIns="90000" bIns="45000" anchor="t">
-            <a:spAutoFit/>
-          </a:bodyPr>
-          <a:lstStyle/>
-          <a:p>
-            <a:pPr>
-              <a:lnSpc>
-                <a:spcPct val="100000"/>
-              </a:lnSpc>
-              <a:buNone/>
-            </a:pPr>
-            <a:r>
-              <a:rPr lang="de-DE" sz="1800" b="0" strike="noStrike" spc="-1">
-                <a:solidFill>
-                  <a:srgbClr val="FFFFFF"/>
-                </a:solidFill>
-                <a:latin typeface="Georgia Pro Light"/>
-                <a:ea typeface="DejaVu Sans"/>
-              </a:rPr>
-              <a:t>Alkoholsensor</a:t>
-            </a:r>
-            <a:endParaRPr lang="en-US" sz="1800" b="0" strike="noStrike" spc="-1">
-              <a:latin typeface="Arial"/>
-            </a:endParaRPr>
-          </a:p>
-        </p:txBody>
-      </p:sp>
-      <p:sp>
-        <p:nvSpPr>
-          <p:cNvPr id="110" name="Rechteck 23"/>
-          <p:cNvSpPr/>
-          <p:nvPr/>
-        </p:nvSpPr>
-        <p:spPr>
-          <a:xfrm>
-            <a:off x="5895000" y="3890880"/>
-            <a:ext cx="806040" cy="364320"/>
-          </a:xfrm>
-          <a:prstGeom prst="rect">
-            <a:avLst/>
-          </a:prstGeom>
-          <a:noFill/>
-          <a:ln w="0">
-            <a:noFill/>
-          </a:ln>
-        </p:spPr>
-        <p:style>
-          <a:lnRef idx="0">
-            <a:scrgbClr r="0" g="0" b="0"/>
-          </a:lnRef>
-          <a:fillRef idx="0">
-            <a:scrgbClr r="0" g="0" b="0"/>
-          </a:fillRef>
-          <a:effectRef idx="0">
-            <a:scrgbClr r="0" g="0" b="0"/>
-          </a:effectRef>
-          <a:fontRef idx="minor"/>
-        </p:style>
-        <p:txBody>
-          <a:bodyPr wrap="none" lIns="90000" tIns="45000" rIns="90000" bIns="45000" anchor="t">
-            <a:spAutoFit/>
-          </a:bodyPr>
-          <a:lstStyle/>
-          <a:p>
-            <a:pPr>
-              <a:lnSpc>
-                <a:spcPct val="100000"/>
-              </a:lnSpc>
-              <a:buNone/>
-            </a:pPr>
-            <a:r>
-              <a:rPr lang="de-DE" sz="1800" b="0" strike="noStrike" spc="-1">
-                <a:solidFill>
-                  <a:srgbClr val="FFFFFF"/>
-                </a:solidFill>
-                <a:latin typeface="Georgia Pro Light"/>
-                <a:ea typeface="DejaVu Sans"/>
-              </a:rPr>
-              <a:t>Cloud</a:t>
-            </a:r>
-            <a:endParaRPr lang="en-US" sz="1800" b="0" strike="noStrike" spc="-1">
-              <a:latin typeface="Arial"/>
-            </a:endParaRPr>
-          </a:p>
-        </p:txBody>
-      </p:sp>
-      <p:sp>
-        <p:nvSpPr>
-          <p:cNvPr id="111" name="Rechteck 24"/>
-          <p:cNvSpPr/>
-          <p:nvPr/>
-        </p:nvSpPr>
-        <p:spPr>
-          <a:xfrm>
-            <a:off x="8514000" y="3483360"/>
-            <a:ext cx="607680" cy="364320"/>
-          </a:xfrm>
-          <a:prstGeom prst="rect">
-            <a:avLst/>
-          </a:prstGeom>
-          <a:noFill/>
-          <a:ln w="0">
-            <a:noFill/>
-          </a:ln>
-        </p:spPr>
-        <p:style>
-          <a:lnRef idx="0">
-            <a:scrgbClr r="0" g="0" b="0"/>
-          </a:lnRef>
-          <a:fillRef idx="0">
-            <a:scrgbClr r="0" g="0" b="0"/>
-          </a:fillRef>
-          <a:effectRef idx="0">
-            <a:scrgbClr r="0" g="0" b="0"/>
-          </a:effectRef>
-          <a:fontRef idx="minor"/>
-        </p:style>
-        <p:txBody>
-          <a:bodyPr wrap="none" lIns="90000" tIns="45000" rIns="90000" bIns="45000" anchor="t">
-            <a:spAutoFit/>
-          </a:bodyPr>
-          <a:lstStyle/>
-          <a:p>
-            <a:pPr>
-              <a:lnSpc>
-                <a:spcPct val="100000"/>
-              </a:lnSpc>
-              <a:buNone/>
-            </a:pPr>
-            <a:r>
-              <a:rPr lang="de-DE" sz="1800" b="0" strike="noStrike" spc="-1">
-                <a:solidFill>
-                  <a:srgbClr val="FFFFFF"/>
-                </a:solidFill>
-                <a:latin typeface="Georgia Pro Light"/>
-                <a:ea typeface="DejaVu Sans"/>
-              </a:rPr>
-              <a:t>App</a:t>
-            </a:r>
-            <a:endParaRPr lang="en-US" sz="1800" b="0" strike="noStrike" spc="-1">
-              <a:latin typeface="Arial"/>
-            </a:endParaRPr>
-          </a:p>
-        </p:txBody>
-      </p:sp>
-      <p:sp>
-        <p:nvSpPr>
-          <p:cNvPr id="112" name="Rechteck 25"/>
-          <p:cNvSpPr/>
-          <p:nvPr/>
-        </p:nvSpPr>
-        <p:spPr>
-          <a:xfrm>
-            <a:off x="8791920" y="5355000"/>
-            <a:ext cx="1258560" cy="364320"/>
-          </a:xfrm>
-          <a:prstGeom prst="rect">
-            <a:avLst/>
-          </a:prstGeom>
-          <a:noFill/>
-          <a:ln w="0">
-            <a:noFill/>
-          </a:ln>
-        </p:spPr>
-        <p:style>
-          <a:lnRef idx="0">
-            <a:scrgbClr r="0" g="0" b="0"/>
-          </a:lnRef>
-          <a:fillRef idx="0">
-            <a:scrgbClr r="0" g="0" b="0"/>
-          </a:fillRef>
-          <a:effectRef idx="0">
-            <a:scrgbClr r="0" g="0" b="0"/>
-          </a:effectRef>
-          <a:fontRef idx="minor"/>
-        </p:style>
-        <p:txBody>
-          <a:bodyPr wrap="none" lIns="90000" tIns="45000" rIns="90000" bIns="45000" anchor="t">
-            <a:spAutoFit/>
-          </a:bodyPr>
-          <a:lstStyle/>
-          <a:p>
-            <a:pPr>
-              <a:lnSpc>
-                <a:spcPct val="100000"/>
-              </a:lnSpc>
-              <a:buNone/>
-            </a:pPr>
-            <a:r>
-              <a:rPr lang="de-DE" sz="1800" b="0" strike="noStrike" spc="-1">
-                <a:solidFill>
-                  <a:srgbClr val="FFFFFF"/>
-                </a:solidFill>
-                <a:latin typeface="Georgia Pro Light"/>
-                <a:ea typeface="DejaVu Sans"/>
-              </a:rPr>
-              <a:t>Alexa-Skill</a:t>
-            </a:r>
-            <a:endParaRPr lang="en-US" sz="1800" b="0" strike="noStrike" spc="-1">
-              <a:latin typeface="Arial"/>
-            </a:endParaRPr>
-          </a:p>
-        </p:txBody>
-      </p:sp>
-    </p:spTree>
-  </p:cSld>
-  <p:clrMapOvr>
-    <a:masterClrMapping/>
-  </p:clrMapOvr>
-</p:sld>
-</file>
-
-<file path=ppt/slides/slide5.xml><?xml version="1.0" encoding="utf-8"?>
-<p:sld xmlns:a="http://schemas.openxmlformats.org/drawingml/2006/main" xmlns:r="http://schemas.openxmlformats.org/officeDocument/2006/relationships" xmlns:p="http://schemas.openxmlformats.org/presentationml/2006/main">
-  <p:cSld>
-    <p:spTree>
-      <p:nvGrpSpPr>
-        <p:cNvPr id="1" name=""/>
-        <p:cNvGrpSpPr/>
-        <p:nvPr/>
-      </p:nvGrpSpPr>
-      <p:grpSpPr>
-        <a:xfrm>
-          <a:off x="0" y="0"/>
-          <a:ext cx="0" cy="0"/>
-          <a:chOff x="0" y="0"/>
-          <a:chExt cx="0" cy="0"/>
-        </a:xfrm>
-      </p:grpSpPr>
-      <p:sp>
-        <p:nvSpPr>
-          <p:cNvPr id="113" name="PlaceHolder 1"/>
-          <p:cNvSpPr>
-            <a:spLocks noGrp="1"/>
-          </p:cNvSpPr>
-          <p:nvPr>
-            <p:ph type="title"/>
-          </p:nvPr>
-        </p:nvSpPr>
-        <p:spPr>
-          <a:xfrm>
-            <a:off x="849600" y="876240"/>
-            <a:ext cx="10427040" cy="1085400"/>
-          </a:xfrm>
-          <a:prstGeom prst="rect">
-            <a:avLst/>
-          </a:prstGeom>
-          <a:noFill/>
-          <a:ln w="0">
-            <a:noFill/>
-          </a:ln>
-        </p:spPr>
-        <p:txBody>
-          <a:bodyPr lIns="90000" tIns="45000" rIns="90000" bIns="45000" anchor="b">
-            <a:noAutofit/>
-          </a:bodyPr>
-          <a:lstStyle/>
-          <a:p>
-            <a:pPr>
-              <a:lnSpc>
-                <a:spcPct val="100000"/>
-              </a:lnSpc>
-              <a:buNone/>
-            </a:pPr>
-            <a:r>
-              <a:rPr lang="de-DE" sz="4400" b="0" strike="noStrike" spc="-1">
-                <a:solidFill>
-                  <a:srgbClr val="E2E8E2"/>
-                </a:solidFill>
-                <a:latin typeface="Georgia Pro Light"/>
-                <a:ea typeface="DejaVu Sans"/>
-              </a:rPr>
-              <a:t>Produkt Features	</a:t>
-            </a:r>
-            <a:endParaRPr lang="de-DE" sz="4400" b="0" strike="noStrike" spc="-1">
-              <a:solidFill>
-                <a:srgbClr val="000000"/>
-              </a:solidFill>
-              <a:latin typeface="Arial"/>
-            </a:endParaRPr>
-          </a:p>
-        </p:txBody>
-      </p:sp>
-      <p:sp>
-        <p:nvSpPr>
-          <p:cNvPr id="114" name="PlaceHolder 2"/>
-          <p:cNvSpPr>
-            <a:spLocks noGrp="1"/>
-          </p:cNvSpPr>
-          <p:nvPr>
-            <p:ph/>
-          </p:nvPr>
-        </p:nvSpPr>
-        <p:spPr>
-          <a:xfrm>
-            <a:off x="849600" y="2066040"/>
-            <a:ext cx="10427040" cy="3902400"/>
-          </a:xfrm>
-          <a:prstGeom prst="rect">
-            <a:avLst/>
-          </a:prstGeom>
-          <a:noFill/>
-          <a:ln w="0">
-            <a:noFill/>
-          </a:ln>
-        </p:spPr>
-        <p:txBody>
-          <a:bodyPr lIns="0" tIns="0" rIns="0" bIns="0" anchor="t">
-            <a:normAutofit/>
-          </a:bodyPr>
-          <a:lstStyle/>
-          <a:p>
-            <a:pPr marL="228600" indent="-228600">
-              <a:lnSpc>
-                <a:spcPct val="120000"/>
-              </a:lnSpc>
-              <a:spcBef>
-                <a:spcPts val="1001"/>
-              </a:spcBef>
-              <a:buClr>
-                <a:srgbClr val="E2E8E2"/>
-              </a:buClr>
-              <a:buSzPct val="70000"/>
-              <a:buFont typeface="Arial"/>
-              <a:buChar char="•"/>
-            </a:pPr>
-            <a:r>
-              <a:rPr lang="de-DE" sz="2000" b="0" strike="noStrike" spc="-1">
-                <a:solidFill>
-                  <a:srgbClr val="E2E8E2"/>
-                </a:solidFill>
-                <a:latin typeface="Georgia Pro Light"/>
-                <a:ea typeface="DejaVu Sans"/>
-              </a:rPr>
-              <a:t>Alkoholsensordaten werden von einem µC in Cloud hochgeladen</a:t>
-            </a:r>
-            <a:endParaRPr lang="de-DE" sz="2000" b="0" strike="noStrike" spc="-1">
-              <a:solidFill>
-                <a:srgbClr val="000000"/>
-              </a:solidFill>
-              <a:latin typeface="Arial"/>
-            </a:endParaRPr>
-          </a:p>
-          <a:p>
-            <a:pPr>
-              <a:lnSpc>
-                <a:spcPct val="120000"/>
-              </a:lnSpc>
-              <a:spcBef>
-                <a:spcPts val="1001"/>
-              </a:spcBef>
-              <a:buNone/>
-            </a:pPr>
-            <a:endParaRPr lang="de-DE" sz="2000" b="0" strike="noStrike" spc="-1">
-              <a:solidFill>
-                <a:srgbClr val="000000"/>
-              </a:solidFill>
-              <a:latin typeface="Arial"/>
-            </a:endParaRPr>
-          </a:p>
-          <a:p>
-            <a:pPr marL="228600" indent="-228600">
-              <a:lnSpc>
-                <a:spcPct val="120000"/>
-              </a:lnSpc>
-              <a:spcBef>
-                <a:spcPts val="1001"/>
-              </a:spcBef>
-              <a:buClr>
-                <a:srgbClr val="E2E8E2"/>
-              </a:buClr>
-              <a:buSzPct val="70000"/>
-              <a:buFont typeface="Arial"/>
-              <a:buChar char="•"/>
-            </a:pPr>
-            <a:r>
-              <a:rPr lang="de-DE" sz="2000" b="0" strike="noStrike" spc="-1">
-                <a:solidFill>
-                  <a:srgbClr val="E2E8E2"/>
-                </a:solidFill>
-                <a:latin typeface="Georgia Pro Light"/>
-                <a:ea typeface="DejaVu Sans"/>
-              </a:rPr>
-              <a:t>Auswertung der Daten per App</a:t>
-            </a:r>
-            <a:endParaRPr lang="de-DE" sz="2000" b="0" strike="noStrike" spc="-1">
-              <a:solidFill>
-                <a:srgbClr val="000000"/>
-              </a:solidFill>
-              <a:latin typeface="Arial"/>
-            </a:endParaRPr>
-          </a:p>
-          <a:p>
-            <a:pPr>
-              <a:lnSpc>
-                <a:spcPct val="120000"/>
-              </a:lnSpc>
-              <a:spcBef>
-                <a:spcPts val="1001"/>
-              </a:spcBef>
-              <a:buNone/>
-            </a:pPr>
-            <a:endParaRPr lang="de-DE" sz="2000" b="0" strike="noStrike" spc="-1">
-              <a:solidFill>
-                <a:srgbClr val="000000"/>
-              </a:solidFill>
-              <a:latin typeface="Arial"/>
-            </a:endParaRPr>
-          </a:p>
-          <a:p>
-            <a:pPr marL="228600" indent="-228600">
-              <a:lnSpc>
-                <a:spcPct val="120000"/>
-              </a:lnSpc>
-              <a:spcBef>
-                <a:spcPts val="1001"/>
-              </a:spcBef>
-              <a:buClr>
-                <a:srgbClr val="E2E8E2"/>
-              </a:buClr>
-              <a:buSzPct val="70000"/>
-              <a:buFont typeface="Arial"/>
-              <a:buChar char="•"/>
-            </a:pPr>
-            <a:r>
-              <a:rPr lang="de-DE" sz="2000" b="0" strike="noStrike" spc="-1">
-                <a:solidFill>
-                  <a:srgbClr val="E2E8E2"/>
-                </a:solidFill>
-                <a:latin typeface="Georgia Pro Light"/>
-                <a:ea typeface="DejaVu Sans"/>
-              </a:rPr>
-              <a:t> Auswertung der Daten mit Alexa</a:t>
-            </a:r>
-            <a:endParaRPr lang="de-DE" sz="2000" b="0" strike="noStrike" spc="-1">
-              <a:solidFill>
-                <a:srgbClr val="000000"/>
-              </a:solidFill>
-              <a:latin typeface="Arial"/>
-            </a:endParaRPr>
-          </a:p>
-          <a:p>
-            <a:pPr>
-              <a:lnSpc>
-                <a:spcPct val="120000"/>
-              </a:lnSpc>
-              <a:spcBef>
-                <a:spcPts val="1001"/>
-              </a:spcBef>
-              <a:buNone/>
-            </a:pPr>
-            <a:endParaRPr lang="de-DE" sz="2000" b="0" strike="noStrike" spc="-1">
-              <a:solidFill>
-                <a:srgbClr val="000000"/>
-              </a:solidFill>
-              <a:latin typeface="Arial"/>
-            </a:endParaRPr>
-          </a:p>
-        </p:txBody>
-      </p:sp>
-      <p:sp>
-        <p:nvSpPr>
-          <p:cNvPr id="115" name="AutoShape 6"/>
-          <p:cNvSpPr/>
-          <p:nvPr/>
-        </p:nvSpPr>
-        <p:spPr>
-          <a:xfrm>
-            <a:off x="9161280" y="3346560"/>
-            <a:ext cx="1775880" cy="1775880"/>
-          </a:xfrm>
-          <a:prstGeom prst="rect">
-            <a:avLst/>
-          </a:prstGeom>
-          <a:noFill/>
-          <a:ln w="0">
-            <a:noFill/>
-          </a:ln>
-        </p:spPr>
-        <p:style>
-          <a:lnRef idx="0">
-            <a:scrgbClr r="0" g="0" b="0"/>
-          </a:lnRef>
-          <a:fillRef idx="0">
-            <a:scrgbClr r="0" g="0" b="0"/>
-          </a:fillRef>
-          <a:effectRef idx="0">
-            <a:scrgbClr r="0" g="0" b="0"/>
-          </a:effectRef>
-          <a:fontRef idx="minor"/>
-        </p:style>
-      </p:sp>
-      <mc:AlternateContent xmlns:mc="http://schemas.openxmlformats.org/markup-compatibility/2006" xmlns:a14="http://schemas.microsoft.com/office/drawing/2010/main">
-        <mc:Choice Requires="a14">
-          <p:sp>
-            <p:nvSpPr>
-              <p:cNvPr id="116" name="Textfeld 115"/>
-              <p:cNvSpPr txBox="1"/>
-              <p:nvPr/>
-            </p:nvSpPr>
-            <p:spPr>
-              <a:xfrm>
-                <a:off x="5763240" y="3264480"/>
-                <a:ext cx="719640" cy="359640"/>
-              </a:xfrm>
-              <a:prstGeom prst="rect">
-                <a:avLst/>
-              </a:prstGeom>
-            </p:spPr>
-            <p:txBody>
-              <a:bodyPr/>
-              <a:lstStyle/>
-              <a:p>
-                <a:endParaRPr/>
-              </a:p>
-            </p:txBody>
-          </p:sp>
-        </mc:Choice>
-        <mc:Fallback xmlns:p15="http://schemas.microsoft.com/office/powerpoint/2012/main" xmlns:p14="http://schemas.microsoft.com/office/powerpoint/2010/main" xmlns=""/>
-      </mc:AlternateContent>
-    </p:spTree>
-  </p:cSld>
-  <p:clrMapOvr>
-    <a:masterClrMapping/>
-  </p:clrMapOvr>
-</p:sld>
-</file>
-
-<file path=ppt/slides/slide6.xml><?xml version="1.0" encoding="utf-8"?>
-<p:sld xmlns:a="http://schemas.openxmlformats.org/drawingml/2006/main" xmlns:r="http://schemas.openxmlformats.org/officeDocument/2006/relationships" xmlns:p="http://schemas.openxmlformats.org/presentationml/2006/main">
-  <p:cSld>
-    <p:spTree>
-      <p:nvGrpSpPr>
-        <p:cNvPr id="1" name=""/>
-        <p:cNvGrpSpPr/>
-        <p:nvPr/>
-      </p:nvGrpSpPr>
-      <p:grpSpPr>
-        <a:xfrm>
-          <a:off x="0" y="0"/>
-          <a:ext cx="0" cy="0"/>
-          <a:chOff x="0" y="0"/>
-          <a:chExt cx="0" cy="0"/>
-        </a:xfrm>
-      </p:grpSpPr>
-      <p:sp>
-        <p:nvSpPr>
-          <p:cNvPr id="117" name="PlaceHolder 1"/>
-          <p:cNvSpPr>
-            <a:spLocks noGrp="1"/>
-          </p:cNvSpPr>
-          <p:nvPr>
-            <p:ph type="title"/>
-          </p:nvPr>
-        </p:nvSpPr>
-        <p:spPr>
-          <a:xfrm>
-            <a:off x="849600" y="876240"/>
-            <a:ext cx="10427040" cy="1085400"/>
-          </a:xfrm>
-          <a:prstGeom prst="rect">
-            <a:avLst/>
-          </a:prstGeom>
-          <a:noFill/>
-          <a:ln w="0">
-            <a:noFill/>
-          </a:ln>
-        </p:spPr>
-        <p:txBody>
-          <a:bodyPr lIns="90000" tIns="45000" rIns="90000" bIns="45000" anchor="b">
-            <a:noAutofit/>
-          </a:bodyPr>
-          <a:lstStyle/>
-          <a:p>
-            <a:pPr>
-              <a:lnSpc>
-                <a:spcPct val="100000"/>
-              </a:lnSpc>
-              <a:buNone/>
-            </a:pPr>
-            <a:r>
-              <a:rPr lang="de-DE" sz="4400" b="0" strike="noStrike" spc="-1">
-                <a:solidFill>
-                  <a:srgbClr val="E2E8E2"/>
-                </a:solidFill>
-                <a:latin typeface="Georgia Pro Light"/>
-                <a:ea typeface="DejaVu Sans"/>
-              </a:rPr>
-              <a:t>Umgesetzte App Features	</a:t>
-            </a:r>
-            <a:endParaRPr lang="de-DE" sz="4400" b="0" strike="noStrike" spc="-1">
-              <a:solidFill>
-                <a:srgbClr val="000000"/>
-              </a:solidFill>
-              <a:latin typeface="Arial"/>
-            </a:endParaRPr>
-          </a:p>
-        </p:txBody>
-      </p:sp>
-      <p:sp>
-        <p:nvSpPr>
-          <p:cNvPr id="118" name="PlaceHolder 2"/>
-          <p:cNvSpPr>
-            <a:spLocks noGrp="1"/>
-          </p:cNvSpPr>
-          <p:nvPr>
-            <p:ph/>
-          </p:nvPr>
-        </p:nvSpPr>
-        <p:spPr>
-          <a:xfrm>
-            <a:off x="849600" y="2066040"/>
-            <a:ext cx="10427040" cy="3902400"/>
-          </a:xfrm>
-          <a:prstGeom prst="rect">
-            <a:avLst/>
-          </a:prstGeom>
-          <a:noFill/>
-          <a:ln w="0">
-            <a:noFill/>
-          </a:ln>
-        </p:spPr>
-        <p:txBody>
-          <a:bodyPr lIns="0" tIns="0" rIns="0" bIns="0" anchor="t">
-            <a:normAutofit/>
-          </a:bodyPr>
-          <a:lstStyle/>
-          <a:p>
-            <a:pPr marL="228600" indent="-228600">
-              <a:lnSpc>
-                <a:spcPct val="120000"/>
-              </a:lnSpc>
-              <a:spcBef>
-                <a:spcPts val="1001"/>
-              </a:spcBef>
-              <a:buClr>
-                <a:srgbClr val="E2E8E2"/>
-              </a:buClr>
-              <a:buSzPct val="70000"/>
-              <a:buFont typeface="Arial"/>
-              <a:buChar char="•"/>
-            </a:pPr>
-            <a:r>
-              <a:rPr lang="de-DE" sz="2000" b="0" strike="noStrike" spc="-1">
-                <a:solidFill>
-                  <a:srgbClr val="E2E8E2"/>
-                </a:solidFill>
-                <a:latin typeface="Georgia Pro Light"/>
-                <a:ea typeface="DejaVu Sans"/>
-              </a:rPr>
-              <a:t>Anzeigen des aktuellen Promillewertes</a:t>
-            </a:r>
-            <a:endParaRPr lang="de-DE" sz="2000" b="0" strike="noStrike" spc="-1">
-              <a:solidFill>
-                <a:srgbClr val="000000"/>
-              </a:solidFill>
-              <a:latin typeface="Arial"/>
-            </a:endParaRPr>
-          </a:p>
-          <a:p>
-            <a:pPr>
-              <a:lnSpc>
-                <a:spcPct val="120000"/>
-              </a:lnSpc>
-              <a:spcBef>
-                <a:spcPts val="1001"/>
-              </a:spcBef>
-              <a:buNone/>
-            </a:pPr>
-            <a:endParaRPr lang="de-DE" sz="2000" b="0" strike="noStrike" spc="-1">
-              <a:solidFill>
-                <a:srgbClr val="000000"/>
-              </a:solidFill>
-              <a:latin typeface="Arial"/>
-            </a:endParaRPr>
-          </a:p>
-          <a:p>
-            <a:pPr marL="228600" indent="-228600">
-              <a:lnSpc>
-                <a:spcPct val="120000"/>
-              </a:lnSpc>
-              <a:spcBef>
-                <a:spcPts val="1001"/>
-              </a:spcBef>
-              <a:buClr>
-                <a:srgbClr val="E2E8E2"/>
-              </a:buClr>
-              <a:buSzPct val="70000"/>
-              <a:buFont typeface="Arial"/>
-              <a:buChar char="•"/>
-            </a:pPr>
-            <a:r>
-              <a:rPr lang="de-DE" sz="2000" b="0" strike="noStrike" spc="-1">
-                <a:solidFill>
-                  <a:srgbClr val="E2E8E2"/>
-                </a:solidFill>
-                <a:latin typeface="Georgia Pro Light"/>
-                <a:ea typeface="DejaVu Sans"/>
-              </a:rPr>
-              <a:t>Promillewerte der letzten Tage</a:t>
-            </a:r>
-            <a:endParaRPr lang="de-DE" sz="2000" b="0" strike="noStrike" spc="-1">
-              <a:solidFill>
-                <a:srgbClr val="000000"/>
-              </a:solidFill>
-              <a:latin typeface="Arial"/>
-            </a:endParaRPr>
-          </a:p>
-          <a:p>
-            <a:pPr>
-              <a:lnSpc>
-                <a:spcPct val="120000"/>
-              </a:lnSpc>
-              <a:spcBef>
-                <a:spcPts val="1001"/>
-              </a:spcBef>
-              <a:buNone/>
-            </a:pPr>
-            <a:endParaRPr lang="de-DE" sz="2000" b="0" strike="noStrike" spc="-1">
-              <a:solidFill>
-                <a:srgbClr val="000000"/>
-              </a:solidFill>
-              <a:latin typeface="Arial"/>
-            </a:endParaRPr>
-          </a:p>
-          <a:p>
-            <a:pPr marL="228600" indent="-228600">
-              <a:lnSpc>
-                <a:spcPct val="120000"/>
-              </a:lnSpc>
-              <a:spcBef>
-                <a:spcPts val="1001"/>
-              </a:spcBef>
-              <a:buClr>
-                <a:srgbClr val="E2E8E2"/>
-              </a:buClr>
-              <a:buSzPct val="70000"/>
-              <a:buFont typeface="Arial"/>
-              <a:buChar char="•"/>
-            </a:pPr>
-            <a:r>
-              <a:rPr lang="de-DE" sz="2000" b="0" strike="noStrike" spc="-1">
-                <a:solidFill>
-                  <a:srgbClr val="E2E8E2"/>
-                </a:solidFill>
-                <a:latin typeface="Georgia Pro Light"/>
-                <a:ea typeface="DejaVu Sans"/>
-              </a:rPr>
-              <a:t>Auswertung Tage ohne Alkoholkonsum</a:t>
-            </a:r>
-            <a:endParaRPr lang="de-DE" sz="2000" b="0" strike="noStrike" spc="-1">
-              <a:solidFill>
-                <a:srgbClr val="000000"/>
-              </a:solidFill>
-              <a:latin typeface="Arial"/>
-            </a:endParaRPr>
-          </a:p>
-        </p:txBody>
-      </p:sp>
-      <p:sp>
-        <p:nvSpPr>
-          <p:cNvPr id="119" name="AutoShape 6"/>
-          <p:cNvSpPr/>
-          <p:nvPr/>
-        </p:nvSpPr>
-        <p:spPr>
-          <a:xfrm>
-            <a:off x="9161280" y="3346560"/>
-            <a:ext cx="1775880" cy="1775880"/>
-          </a:xfrm>
-          <a:prstGeom prst="rect">
-            <a:avLst/>
-          </a:prstGeom>
-          <a:noFill/>
-          <a:ln w="0">
-            <a:noFill/>
-          </a:ln>
-        </p:spPr>
-        <p:style>
-          <a:lnRef idx="0">
-            <a:scrgbClr r="0" g="0" b="0"/>
-          </a:lnRef>
-          <a:fillRef idx="0">
-            <a:scrgbClr r="0" g="0" b="0"/>
-          </a:fillRef>
-          <a:effectRef idx="0">
-            <a:scrgbClr r="0" g="0" b="0"/>
-          </a:effectRef>
-          <a:fontRef idx="minor"/>
-        </p:style>
-      </p:sp>
-      <p:pic>
-        <p:nvPicPr>
-          <p:cNvPr id="120" name="Grafik 119"/>
-          <p:cNvPicPr/>
-          <p:nvPr/>
-        </p:nvPicPr>
-        <p:blipFill>
-          <a:blip r:embed="rId2"/>
-          <a:stretch/>
-        </p:blipFill>
-        <p:spPr>
-          <a:xfrm>
-            <a:off x="7086600" y="2413440"/>
-            <a:ext cx="2057400" cy="3659760"/>
-          </a:xfrm>
-          <a:prstGeom prst="rect">
-            <a:avLst/>
-          </a:prstGeom>
-          <a:ln w="0">
-            <a:noFill/>
-          </a:ln>
-        </p:spPr>
-      </p:pic>
-      <p:pic>
-        <p:nvPicPr>
-          <p:cNvPr id="121" name="Grafik 120"/>
-          <p:cNvPicPr/>
-          <p:nvPr/>
-        </p:nvPicPr>
-        <p:blipFill>
-          <a:blip r:embed="rId3"/>
-          <a:stretch/>
-        </p:blipFill>
-        <p:spPr>
-          <a:xfrm>
-            <a:off x="9372600" y="2438280"/>
-            <a:ext cx="2057400" cy="3659760"/>
-          </a:xfrm>
-          <a:prstGeom prst="rect">
-            <a:avLst/>
-          </a:prstGeom>
-          <a:ln w="0">
-            <a:noFill/>
-          </a:ln>
-        </p:spPr>
-      </p:pic>
-    </p:spTree>
-  </p:cSld>
-  <p:clrMapOvr>
-    <a:masterClrMapping/>
-  </p:clrMapOvr>
-</p:sld>
-</file>
-
-<file path=ppt/slides/slide7.xml><?xml version="1.0" encoding="utf-8"?>
-<p:sld xmlns:a="http://schemas.openxmlformats.org/drawingml/2006/main" xmlns:r="http://schemas.openxmlformats.org/officeDocument/2006/relationships" xmlns:p="http://schemas.openxmlformats.org/presentationml/2006/main">
-  <p:cSld>
-    <p:spTree>
-      <p:nvGrpSpPr>
-        <p:cNvPr id="1" name=""/>
-        <p:cNvGrpSpPr/>
-        <p:nvPr/>
-      </p:nvGrpSpPr>
-      <p:grpSpPr>
-        <a:xfrm>
-          <a:off x="0" y="0"/>
-          <a:ext cx="0" cy="0"/>
-          <a:chOff x="0" y="0"/>
-          <a:chExt cx="0" cy="0"/>
-        </a:xfrm>
-      </p:grpSpPr>
-      <p:sp>
-        <p:nvSpPr>
-          <p:cNvPr id="122" name="PlaceHolder 1"/>
-          <p:cNvSpPr>
-            <a:spLocks noGrp="1"/>
-          </p:cNvSpPr>
-          <p:nvPr>
-            <p:ph type="title"/>
-          </p:nvPr>
-        </p:nvSpPr>
-        <p:spPr>
-          <a:xfrm>
-            <a:off x="849600" y="876240"/>
-            <a:ext cx="10427040" cy="1085400"/>
-          </a:xfrm>
-          <a:prstGeom prst="rect">
-            <a:avLst/>
-          </a:prstGeom>
-          <a:noFill/>
-          <a:ln w="0">
-            <a:noFill/>
-          </a:ln>
-        </p:spPr>
-        <p:txBody>
-          <a:bodyPr lIns="90000" tIns="45000" rIns="90000" bIns="45000" anchor="b">
-            <a:noAutofit/>
-          </a:bodyPr>
-          <a:lstStyle/>
-          <a:p>
-            <a:pPr>
-              <a:lnSpc>
-                <a:spcPct val="100000"/>
-              </a:lnSpc>
-              <a:buNone/>
-            </a:pPr>
-            <a:r>
-              <a:rPr lang="de-DE" sz="4400" b="0" strike="noStrike" spc="-1">
-                <a:solidFill>
-                  <a:srgbClr val="E2E8E2"/>
-                </a:solidFill>
-                <a:latin typeface="Georgia Pro Light"/>
-                <a:ea typeface="DejaVu Sans"/>
-              </a:rPr>
-              <a:t>Alexa Skill Umsetzung</a:t>
-            </a:r>
-            <a:endParaRPr lang="de-DE" sz="4400" b="0" strike="noStrike" spc="-1">
-              <a:solidFill>
-                <a:srgbClr val="000000"/>
-              </a:solidFill>
-              <a:latin typeface="Arial"/>
-            </a:endParaRPr>
-          </a:p>
-        </p:txBody>
-      </p:sp>
-      <p:sp>
-        <p:nvSpPr>
-          <p:cNvPr id="123" name="AutoShape 2"/>
-          <p:cNvSpPr/>
-          <p:nvPr/>
-        </p:nvSpPr>
-        <p:spPr>
-          <a:xfrm>
-            <a:off x="155520" y="-144360"/>
-            <a:ext cx="304200" cy="304200"/>
-          </a:xfrm>
-          <a:prstGeom prst="rect">
-            <a:avLst/>
-          </a:prstGeom>
-          <a:noFill/>
-          <a:ln w="0">
-            <a:noFill/>
-          </a:ln>
-        </p:spPr>
-        <p:style>
-          <a:lnRef idx="0">
-            <a:scrgbClr r="0" g="0" b="0"/>
-          </a:lnRef>
-          <a:fillRef idx="0">
-            <a:scrgbClr r="0" g="0" b="0"/>
-          </a:fillRef>
-          <a:effectRef idx="0">
-            <a:scrgbClr r="0" g="0" b="0"/>
-          </a:effectRef>
-          <a:fontRef idx="minor"/>
-        </p:style>
-      </p:sp>
-      <p:sp>
-        <p:nvSpPr>
-          <p:cNvPr id="124" name="PlaceHolder 2"/>
-          <p:cNvSpPr/>
-          <p:nvPr/>
-        </p:nvSpPr>
-        <p:spPr>
-          <a:xfrm>
-            <a:off x="849600" y="2066040"/>
-            <a:ext cx="10427040" cy="3902400"/>
-          </a:xfrm>
-          <a:prstGeom prst="rect">
-            <a:avLst/>
-          </a:prstGeom>
-          <a:noFill/>
-          <a:ln w="0">
-            <a:noFill/>
-          </a:ln>
-        </p:spPr>
-        <p:style>
-          <a:lnRef idx="0">
-            <a:scrgbClr r="0" g="0" b="0"/>
-          </a:lnRef>
-          <a:fillRef idx="0">
-            <a:scrgbClr r="0" g="0" b="0"/>
-          </a:fillRef>
-          <a:effectRef idx="0">
-            <a:scrgbClr r="0" g="0" b="0"/>
-          </a:effectRef>
-          <a:fontRef idx="minor"/>
-        </p:style>
-        <p:txBody>
-          <a:bodyPr lIns="90000" tIns="45000" rIns="90000" bIns="45000" anchor="t">
-            <a:noAutofit/>
-          </a:bodyPr>
-          <a:lstStyle/>
-          <a:p>
-            <a:pPr marL="228600" indent="-228600">
-              <a:lnSpc>
-                <a:spcPct val="120000"/>
-              </a:lnSpc>
-              <a:spcBef>
-                <a:spcPts val="1001"/>
-              </a:spcBef>
-              <a:buClr>
-                <a:srgbClr val="E2E8E2"/>
-              </a:buClr>
-              <a:buSzPct val="70000"/>
-              <a:buFont typeface="Arial"/>
-              <a:buChar char="•"/>
-            </a:pPr>
-            <a:r>
-              <a:rPr lang="de-DE" sz="2000" b="0" strike="noStrike" spc="-1" dirty="0">
-                <a:solidFill>
-                  <a:srgbClr val="E2E8E2"/>
-                </a:solidFill>
-                <a:latin typeface="Georgia Pro Light"/>
-                <a:ea typeface="DejaVu Sans"/>
-              </a:rPr>
-              <a:t>Abfrage des aktuellen Promillewertes</a:t>
-            </a:r>
-            <a:endParaRPr lang="en-US" sz="2000" b="0" strike="noStrike" spc="-1" dirty="0">
-              <a:latin typeface="Arial"/>
-            </a:endParaRPr>
-          </a:p>
-          <a:p>
-            <a:pPr>
-              <a:lnSpc>
-                <a:spcPct val="120000"/>
-              </a:lnSpc>
-              <a:spcBef>
-                <a:spcPts val="1001"/>
-              </a:spcBef>
-              <a:buNone/>
-            </a:pPr>
-            <a:endParaRPr lang="en-US" sz="2000" b="0" strike="noStrike" spc="-1" dirty="0">
-              <a:latin typeface="Arial"/>
-            </a:endParaRPr>
-          </a:p>
-          <a:p>
-            <a:pPr marL="228600" indent="-228600">
-              <a:lnSpc>
-                <a:spcPct val="120000"/>
-              </a:lnSpc>
-              <a:spcBef>
-                <a:spcPts val="1001"/>
-              </a:spcBef>
-              <a:buClr>
-                <a:srgbClr val="E2E8E2"/>
-              </a:buClr>
-              <a:buSzPct val="70000"/>
-              <a:buFont typeface="Arial"/>
-              <a:buChar char="•"/>
-            </a:pPr>
-            <a:r>
-              <a:rPr lang="de-DE" sz="2000" b="0" strike="noStrike" spc="-1" dirty="0">
-                <a:solidFill>
-                  <a:srgbClr val="E2E8E2"/>
-                </a:solidFill>
-                <a:latin typeface="Georgia Pro Light"/>
-                <a:ea typeface="DejaVu Sans"/>
-              </a:rPr>
-              <a:t>Berechnet, wann der Nutzer wieder nüchtern ist</a:t>
-            </a:r>
-            <a:endParaRPr lang="en-US" sz="2000" b="0" strike="noStrike" spc="-1" dirty="0">
-              <a:latin typeface="Arial"/>
-            </a:endParaRPr>
-          </a:p>
-          <a:p>
-            <a:pPr>
-              <a:lnSpc>
-                <a:spcPct val="120000"/>
-              </a:lnSpc>
-              <a:spcBef>
-                <a:spcPts val="1001"/>
-              </a:spcBef>
-              <a:buNone/>
-            </a:pPr>
-            <a:endParaRPr lang="en-US" sz="2000" b="0" strike="noStrike" spc="-1" dirty="0">
-              <a:latin typeface="Arial"/>
-            </a:endParaRPr>
-          </a:p>
-          <a:p>
-            <a:pPr marL="228600" indent="-228600">
-              <a:lnSpc>
-                <a:spcPct val="120000"/>
-              </a:lnSpc>
-              <a:spcBef>
-                <a:spcPts val="1001"/>
-              </a:spcBef>
-              <a:buClr>
-                <a:srgbClr val="E2E8E2"/>
-              </a:buClr>
-              <a:buSzPct val="70000"/>
-              <a:buFont typeface="Arial"/>
-              <a:buChar char="•"/>
-            </a:pPr>
-            <a:r>
               <a:rPr lang="de-DE" sz="2000" b="0" strike="noStrike" spc="-1" dirty="0">
                 <a:solidFill>
                   <a:srgbClr val="E2E8E2"/>
@@ -9008,383 +5762,7 @@
 </p:sld>
 </file>
 
-<file path=ppt/slides/slide8.xml><?xml version="1.0" encoding="utf-8"?>
-<p:sld xmlns:a="http://schemas.openxmlformats.org/drawingml/2006/main" xmlns:r="http://schemas.openxmlformats.org/officeDocument/2006/relationships" xmlns:p="http://schemas.openxmlformats.org/presentationml/2006/main">
-  <p:cSld>
-    <p:spTree>
-      <p:nvGrpSpPr>
-        <p:cNvPr id="1" name=""/>
-        <p:cNvGrpSpPr/>
-        <p:nvPr/>
-      </p:nvGrpSpPr>
-      <p:grpSpPr>
-        <a:xfrm>
-          <a:off x="0" y="0"/>
-          <a:ext cx="0" cy="0"/>
-          <a:chOff x="0" y="0"/>
-          <a:chExt cx="0" cy="0"/>
-        </a:xfrm>
-      </p:grpSpPr>
-      <p:sp>
-        <p:nvSpPr>
-          <p:cNvPr id="122" name="PlaceHolder 1"/>
-          <p:cNvSpPr>
-            <a:spLocks noGrp="1"/>
-          </p:cNvSpPr>
-          <p:nvPr>
-            <p:ph type="title"/>
-          </p:nvPr>
-        </p:nvSpPr>
-        <p:spPr>
-          <a:xfrm>
-            <a:off x="849600" y="876240"/>
-            <a:ext cx="10427040" cy="1085400"/>
-          </a:xfrm>
-          <a:prstGeom prst="rect">
-            <a:avLst/>
-          </a:prstGeom>
-          <a:noFill/>
-          <a:ln w="0">
-            <a:noFill/>
-          </a:ln>
-        </p:spPr>
-        <p:txBody>
-          <a:bodyPr lIns="90000" tIns="45000" rIns="90000" bIns="45000" anchor="b">
-            <a:noAutofit/>
-          </a:bodyPr>
-          <a:lstStyle/>
-          <a:p>
-            <a:pPr>
-              <a:lnSpc>
-                <a:spcPct val="100000"/>
-              </a:lnSpc>
-              <a:buNone/>
-            </a:pPr>
-            <a:r>
-              <a:rPr lang="de-DE" sz="4400" b="0" strike="noStrike" spc="-1" dirty="0">
-                <a:solidFill>
-                  <a:srgbClr val="E2E8E2"/>
-                </a:solidFill>
-                <a:latin typeface="Georgia Pro Light"/>
-                <a:ea typeface="DejaVu Sans"/>
-              </a:rPr>
-              <a:t>Alexa </a:t>
-            </a:r>
-            <a:r>
-              <a:rPr lang="de-DE" sz="4400" b="0" strike="noStrike" spc="-1" dirty="0" err="1">
-                <a:solidFill>
-                  <a:srgbClr val="E2E8E2"/>
-                </a:solidFill>
-                <a:latin typeface="Georgia Pro Light"/>
-                <a:ea typeface="DejaVu Sans"/>
-              </a:rPr>
-              <a:t>Skill</a:t>
-            </a:r>
-            <a:r>
-              <a:rPr lang="de-DE" sz="4400" b="0" strike="noStrike" spc="-1" dirty="0">
-                <a:solidFill>
-                  <a:srgbClr val="E2E8E2"/>
-                </a:solidFill>
-                <a:latin typeface="Georgia Pro Light"/>
-                <a:ea typeface="DejaVu Sans"/>
-              </a:rPr>
-              <a:t> </a:t>
-            </a:r>
-            <a:r>
-              <a:rPr lang="de-DE" spc="-1" dirty="0">
-                <a:solidFill>
-                  <a:srgbClr val="E2E8E2"/>
-                </a:solidFill>
-                <a:latin typeface="Georgia Pro Light"/>
-                <a:ea typeface="DejaVu Sans"/>
-              </a:rPr>
-              <a:t>Test</a:t>
-            </a:r>
-            <a:endParaRPr lang="de-DE" sz="4400" b="0" strike="noStrike" spc="-1" dirty="0">
-              <a:solidFill>
-                <a:srgbClr val="000000"/>
-              </a:solidFill>
-              <a:latin typeface="Arial"/>
-            </a:endParaRPr>
-          </a:p>
-        </p:txBody>
-      </p:sp>
-      <p:sp>
-        <p:nvSpPr>
-          <p:cNvPr id="123" name="AutoShape 2"/>
-          <p:cNvSpPr/>
-          <p:nvPr/>
-        </p:nvSpPr>
-        <p:spPr>
-          <a:xfrm>
-            <a:off x="155520" y="-144360"/>
-            <a:ext cx="304200" cy="304200"/>
-          </a:xfrm>
-          <a:prstGeom prst="rect">
-            <a:avLst/>
-          </a:prstGeom>
-          <a:noFill/>
-          <a:ln w="0">
-            <a:noFill/>
-          </a:ln>
-        </p:spPr>
-        <p:style>
-          <a:lnRef idx="0">
-            <a:scrgbClr r="0" g="0" b="0"/>
-          </a:lnRef>
-          <a:fillRef idx="0">
-            <a:scrgbClr r="0" g="0" b="0"/>
-          </a:fillRef>
-          <a:effectRef idx="0">
-            <a:scrgbClr r="0" g="0" b="0"/>
-          </a:effectRef>
-          <a:fontRef idx="minor"/>
-        </p:style>
-      </p:sp>
-      <p:sp>
-        <p:nvSpPr>
-          <p:cNvPr id="124" name="PlaceHolder 2"/>
-          <p:cNvSpPr/>
-          <p:nvPr/>
-        </p:nvSpPr>
-        <p:spPr>
-          <a:xfrm>
-            <a:off x="849600" y="2066040"/>
-            <a:ext cx="10427040" cy="3902400"/>
-          </a:xfrm>
-          <a:prstGeom prst="rect">
-            <a:avLst/>
-          </a:prstGeom>
-          <a:noFill/>
-          <a:ln w="0">
-            <a:noFill/>
-          </a:ln>
-        </p:spPr>
-        <p:style>
-          <a:lnRef idx="0">
-            <a:scrgbClr r="0" g="0" b="0"/>
-          </a:lnRef>
-          <a:fillRef idx="0">
-            <a:scrgbClr r="0" g="0" b="0"/>
-          </a:fillRef>
-          <a:effectRef idx="0">
-            <a:scrgbClr r="0" g="0" b="0"/>
-          </a:effectRef>
-          <a:fontRef idx="minor"/>
-        </p:style>
-        <p:txBody>
-          <a:bodyPr lIns="90000" tIns="45000" rIns="90000" bIns="45000" anchor="t">
-            <a:noAutofit/>
-          </a:bodyPr>
-          <a:lstStyle/>
-          <a:p>
-            <a:pPr marL="228600" indent="-228600">
-              <a:lnSpc>
-                <a:spcPct val="120000"/>
-              </a:lnSpc>
-              <a:spcBef>
-                <a:spcPts val="1001"/>
-              </a:spcBef>
-              <a:buClr>
-                <a:srgbClr val="E2E8E2"/>
-              </a:buClr>
-              <a:buSzPct val="70000"/>
-              <a:buFont typeface="Arial"/>
-              <a:buChar char="•"/>
-            </a:pPr>
-            <a:endParaRPr lang="en-US" sz="2000" b="0" strike="noStrike" spc="-1" dirty="0">
-              <a:latin typeface="Arial"/>
-            </a:endParaRPr>
-          </a:p>
-        </p:txBody>
-      </p:sp>
-      <p:pic>
-        <p:nvPicPr>
-          <p:cNvPr id="4" name="Medien1">
-            <a:hlinkClick r:id="" action="ppaction://media"/>
-            <a:extLst>
-              <a:ext uri="{FF2B5EF4-FFF2-40B4-BE49-F238E27FC236}">
-                <a16:creationId xmlns:a16="http://schemas.microsoft.com/office/drawing/2014/main" id="{8093205E-74B7-473B-9CF5-8A7942B906B9}"/>
-              </a:ext>
-            </a:extLst>
-          </p:cNvPr>
-          <p:cNvPicPr>
-            <a:picLocks noChangeAspect="1"/>
-          </p:cNvPicPr>
-          <p:nvPr>
-            <a:videoFile r:link="rId2"/>
-            <p:extLst>
-              <p:ext uri="{DAA4B4D4-6D71-4841-9C94-3DE7FCFB9230}">
-                <p14:media xmlns:p14="http://schemas.microsoft.com/office/powerpoint/2010/main" r:embed="rId1"/>
-              </p:ext>
-            </p:extLst>
-          </p:nvPr>
-        </p:nvPicPr>
-        <p:blipFill>
-          <a:blip r:embed="rId4"/>
-          <a:stretch>
-            <a:fillRect/>
-          </a:stretch>
-        </p:blipFill>
-        <p:spPr>
-          <a:xfrm>
-            <a:off x="2650123" y="2174054"/>
-            <a:ext cx="6891754" cy="3686371"/>
-          </a:xfrm>
-          <a:prstGeom prst="rect">
-            <a:avLst/>
-          </a:prstGeom>
-        </p:spPr>
-      </p:pic>
-    </p:spTree>
-    <p:extLst>
-      <p:ext uri="{BB962C8B-B14F-4D97-AF65-F5344CB8AC3E}">
-        <p14:creationId xmlns:p14="http://schemas.microsoft.com/office/powerpoint/2010/main" val="1127392478"/>
-      </p:ext>
-    </p:extLst>
-  </p:cSld>
-  <p:clrMapOvr>
-    <a:masterClrMapping/>
-  </p:clrMapOvr>
-  <p:timing>
-    <p:tnLst>
-      <p:par>
-        <p:cTn id="1" dur="indefinite" restart="never" nodeType="tmRoot">
-          <p:childTnLst>
-            <p:seq concurrent="1" nextAc="seek">
-              <p:cTn id="2" dur="indefinite" nodeType="mainSeq">
-                <p:childTnLst>
-                  <p:par>
-                    <p:cTn id="3" fill="hold">
-                      <p:stCondLst>
-                        <p:cond delay="indefinite"/>
-                      </p:stCondLst>
-                      <p:childTnLst>
-                        <p:par>
-                          <p:cTn id="4" fill="hold">
-                            <p:stCondLst>
-                              <p:cond delay="0"/>
-                            </p:stCondLst>
-                            <p:childTnLst>
-                              <p:par>
-                                <p:cTn id="5" presetID="1" presetClass="mediacall" presetSubtype="0" fill="hold" nodeType="clickEffect">
-                                  <p:stCondLst>
-                                    <p:cond delay="0"/>
-                                  </p:stCondLst>
-                                  <p:childTnLst>
-                                    <p:cmd type="call" cmd="playFrom(0.0)">
-                                      <p:cBhvr>
-                                        <p:cTn id="6" dur="56857" fill="hold"/>
-                                        <p:tgtEl>
-                                          <p:spTgt spid="4"/>
-                                        </p:tgtEl>
-                                      </p:cBhvr>
-                                    </p:cmd>
-                                  </p:childTnLst>
-                                </p:cTn>
-                              </p:par>
-                            </p:childTnLst>
-                          </p:cTn>
-                        </p:par>
-                      </p:childTnLst>
-                    </p:cTn>
-                  </p:par>
-                </p:childTnLst>
-              </p:cTn>
-              <p:prevCondLst>
-                <p:cond evt="onPrev" delay="0">
-                  <p:tgtEl>
-                    <p:sldTgt/>
-                  </p:tgtEl>
-                </p:cond>
-              </p:prevCondLst>
-              <p:nextCondLst>
-                <p:cond evt="onNext" delay="0">
-                  <p:tgtEl>
-                    <p:sldTgt/>
-                  </p:tgtEl>
-                </p:cond>
-              </p:nextCondLst>
-            </p:seq>
-            <p:video>
-              <p:cMediaNode vol="80000">
-                <p:cTn id="7" fill="hold" display="0">
-                  <p:stCondLst>
-                    <p:cond delay="indefinite"/>
-                  </p:stCondLst>
-                </p:cTn>
-                <p:tgtEl>
-                  <p:spTgt spid="4"/>
-                </p:tgtEl>
-              </p:cMediaNode>
-            </p:video>
-            <p:seq concurrent="1" nextAc="seek">
-              <p:cTn id="8" restart="whenNotActive" fill="hold" evtFilter="cancelBubble" nodeType="interactiveSeq">
-                <p:stCondLst>
-                  <p:cond evt="onClick" delay="0">
-                    <p:tgtEl>
-                      <p:spTgt spid="4"/>
-                    </p:tgtEl>
-                  </p:cond>
-                </p:stCondLst>
-                <p:endSync evt="end" delay="0">
-                  <p:rtn val="all"/>
-                </p:endSync>
-                <p:childTnLst>
-                  <p:par>
-                    <p:cTn id="9" fill="hold">
-                      <p:stCondLst>
-                        <p:cond delay="0"/>
-                      </p:stCondLst>
-                      <p:childTnLst>
-                        <p:par>
-                          <p:cTn id="10" fill="hold">
-                            <p:stCondLst>
-                              <p:cond delay="0"/>
-                            </p:stCondLst>
-                            <p:childTnLst>
-                              <p:par>
-                                <p:cTn id="11" presetID="2" presetClass="mediacall" presetSubtype="0" fill="hold" nodeType="clickEffect">
-                                  <p:stCondLst>
-                                    <p:cond delay="0"/>
-                                  </p:stCondLst>
-                                  <p:childTnLst>
-                                    <p:cmd type="call" cmd="togglePause">
-                                      <p:cBhvr>
-                                        <p:cTn id="12" dur="1" fill="hold"/>
-                                        <p:tgtEl>
-                                          <p:spTgt spid="4"/>
-                                        </p:tgtEl>
-                                      </p:cBhvr>
-                                    </p:cmd>
-                                  </p:childTnLst>
-                                </p:cTn>
-                              </p:par>
-                            </p:childTnLst>
-                          </p:cTn>
-                        </p:par>
-                      </p:childTnLst>
-                    </p:cTn>
-                  </p:par>
-                </p:childTnLst>
-              </p:cTn>
-              <p:nextCondLst>
-                <p:cond evt="onClick" delay="0">
-                  <p:tgtEl>
-                    <p:spTgt spid="4"/>
-                  </p:tgtEl>
-                </p:cond>
-              </p:nextCondLst>
-            </p:seq>
-          </p:childTnLst>
-        </p:cTn>
-      </p:par>
-    </p:tnLst>
-  </p:timing>
-</p:sld>
-</file>
-
-<file path=ppt/slides/slide9.xml><?xml version="1.0" encoding="utf-8"?>
+<file path=ppt/slides/slide11.xml><?xml version="1.0" encoding="utf-8"?>
 <p:sld xmlns:a="http://schemas.openxmlformats.org/drawingml/2006/main" xmlns:r="http://schemas.openxmlformats.org/officeDocument/2006/relationships" xmlns:p="http://schemas.openxmlformats.org/presentationml/2006/main">
   <p:cSld>
     <p:spTree>
@@ -9663,6 +6041,71 @@
               </a:rPr>
               <a:t>Nicht schwerwiegend, da Abfrage des Promillewertes über die App möglich ist</a:t>
             </a:r>
+          </a:p>
+          <a:p>
+            <a:pPr marL="228600" indent="-228600">
+              <a:lnSpc>
+                <a:spcPct val="120000"/>
+              </a:lnSpc>
+              <a:spcBef>
+                <a:spcPts val="1001"/>
+              </a:spcBef>
+              <a:buClr>
+                <a:srgbClr val="E2E8E2"/>
+              </a:buClr>
+              <a:buSzPct val="70000"/>
+              <a:buFont typeface="Arial"/>
+              <a:buChar char="•"/>
+            </a:pPr>
+            <a:endParaRPr lang="de-DE" sz="2000" b="0" strike="noStrike" spc="-1" dirty="0">
+              <a:solidFill>
+                <a:srgbClr val="E2E8E2"/>
+              </a:solidFill>
+              <a:latin typeface="Georgia Pro Light"/>
+            </a:endParaRPr>
+          </a:p>
+          <a:p>
+            <a:pPr marL="228600" indent="-228600">
+              <a:lnSpc>
+                <a:spcPct val="120000"/>
+              </a:lnSpc>
+              <a:spcBef>
+                <a:spcPts val="1001"/>
+              </a:spcBef>
+              <a:buClr>
+                <a:srgbClr val="E2E8E2"/>
+              </a:buClr>
+              <a:buSzPct val="70000"/>
+              <a:buFont typeface="Arial"/>
+              <a:buChar char="•"/>
+            </a:pPr>
+            <a:r>
+              <a:rPr lang="de-DE" sz="2000" spc="-1" dirty="0">
+                <a:solidFill>
+                  <a:srgbClr val="E2E8E2"/>
+                </a:solidFill>
+                <a:latin typeface="Georgia Pro Light"/>
+              </a:rPr>
+              <a:t>Jeder kann den Code kopieren und eigenen </a:t>
+            </a:r>
+            <a:r>
+              <a:rPr lang="de-DE" sz="2000" spc="-1" dirty="0" err="1">
+                <a:solidFill>
+                  <a:srgbClr val="E2E8E2"/>
+                </a:solidFill>
+                <a:latin typeface="Georgia Pro Light"/>
+              </a:rPr>
+              <a:t>Skill</a:t>
+            </a:r>
+            <a:r>
+              <a:rPr lang="de-DE" sz="2000" spc="-1" dirty="0">
+                <a:solidFill>
+                  <a:srgbClr val="E2E8E2"/>
+                </a:solidFill>
+                <a:latin typeface="Georgia Pro Light"/>
+              </a:rPr>
+              <a:t> entwickeln</a:t>
+            </a:r>
             <a:endParaRPr lang="en-US" sz="2000" b="0" strike="noStrike" spc="-1" dirty="0">
               <a:latin typeface="Arial"/>
             </a:endParaRPr>
@@ -9675,6 +6118,3705 @@
         <p14:creationId xmlns:p14="http://schemas.microsoft.com/office/powerpoint/2010/main" val="2179181500"/>
       </p:ext>
     </p:extLst>
+  </p:cSld>
+  <p:clrMapOvr>
+    <a:masterClrMapping/>
+  </p:clrMapOvr>
+</p:sld>
+</file>
+
+<file path=ppt/slides/slide12.xml><?xml version="1.0" encoding="utf-8"?>
+<p:sld xmlns:a="http://schemas.openxmlformats.org/drawingml/2006/main" xmlns:r="http://schemas.openxmlformats.org/officeDocument/2006/relationships" xmlns:p="http://schemas.openxmlformats.org/presentationml/2006/main">
+  <p:cSld>
+    <p:spTree>
+      <p:nvGrpSpPr>
+        <p:cNvPr id="1" name=""/>
+        <p:cNvGrpSpPr/>
+        <p:nvPr/>
+      </p:nvGrpSpPr>
+      <p:grpSpPr>
+        <a:xfrm>
+          <a:off x="0" y="0"/>
+          <a:ext cx="0" cy="0"/>
+          <a:chOff x="0" y="0"/>
+          <a:chExt cx="0" cy="0"/>
+        </a:xfrm>
+      </p:grpSpPr>
+      <p:sp>
+        <p:nvSpPr>
+          <p:cNvPr id="125" name="PlaceHolder 1"/>
+          <p:cNvSpPr>
+            <a:spLocks noGrp="1"/>
+          </p:cNvSpPr>
+          <p:nvPr>
+            <p:ph type="title"/>
+          </p:nvPr>
+        </p:nvSpPr>
+        <p:spPr>
+          <a:xfrm>
+            <a:off x="849600" y="876240"/>
+            <a:ext cx="10427040" cy="1085400"/>
+          </a:xfrm>
+          <a:prstGeom prst="rect">
+            <a:avLst/>
+          </a:prstGeom>
+          <a:noFill/>
+          <a:ln w="0">
+            <a:noFill/>
+          </a:ln>
+        </p:spPr>
+        <p:txBody>
+          <a:bodyPr lIns="90000" tIns="45000" rIns="90000" bIns="45000" anchor="b">
+            <a:noAutofit/>
+          </a:bodyPr>
+          <a:lstStyle/>
+          <a:p>
+            <a:pPr>
+              <a:lnSpc>
+                <a:spcPct val="100000"/>
+              </a:lnSpc>
+              <a:buNone/>
+            </a:pPr>
+            <a:r>
+              <a:rPr lang="de-DE" sz="4400" b="0" strike="noStrike" spc="-1">
+                <a:solidFill>
+                  <a:srgbClr val="E2E8E2"/>
+                </a:solidFill>
+                <a:latin typeface="Georgia Pro Light"/>
+                <a:ea typeface="DejaVu Sans"/>
+              </a:rPr>
+              <a:t>Markt &amp; Marketing</a:t>
+            </a:r>
+            <a:endParaRPr lang="de-DE" sz="4400" b="0" strike="noStrike" spc="-1">
+              <a:solidFill>
+                <a:srgbClr val="000000"/>
+              </a:solidFill>
+              <a:latin typeface="Arial"/>
+            </a:endParaRPr>
+          </a:p>
+        </p:txBody>
+      </p:sp>
+      <p:sp>
+        <p:nvSpPr>
+          <p:cNvPr id="126" name="PlaceHolder 2"/>
+          <p:cNvSpPr>
+            <a:spLocks noGrp="1"/>
+          </p:cNvSpPr>
+          <p:nvPr>
+            <p:ph/>
+          </p:nvPr>
+        </p:nvSpPr>
+        <p:spPr>
+          <a:xfrm>
+            <a:off x="849600" y="2066040"/>
+            <a:ext cx="10427040" cy="3902400"/>
+          </a:xfrm>
+          <a:prstGeom prst="rect">
+            <a:avLst/>
+          </a:prstGeom>
+          <a:noFill/>
+          <a:ln w="0">
+            <a:noFill/>
+          </a:ln>
+        </p:spPr>
+        <p:txBody>
+          <a:bodyPr lIns="0" tIns="0" rIns="0" bIns="0" anchor="t">
+            <a:normAutofit/>
+          </a:bodyPr>
+          <a:lstStyle/>
+          <a:p>
+            <a:pPr marL="228600" indent="-228600">
+              <a:lnSpc>
+                <a:spcPct val="90000"/>
+              </a:lnSpc>
+              <a:spcBef>
+                <a:spcPts val="1001"/>
+              </a:spcBef>
+              <a:buClr>
+                <a:srgbClr val="D9D9D9"/>
+              </a:buClr>
+              <a:buFont typeface="Arial"/>
+              <a:buChar char="•"/>
+            </a:pPr>
+            <a:r>
+              <a:rPr lang="de-DE" sz="2000" b="0" strike="noStrike" spc="-1" dirty="0">
+                <a:solidFill>
+                  <a:srgbClr val="D9D9D9"/>
+                </a:solidFill>
+                <a:latin typeface="Georgia Pro Light"/>
+                <a:ea typeface="DejaVu Sans"/>
+              </a:rPr>
+              <a:t>Einsatz im Auto zur Fahrerkontrolle</a:t>
+            </a:r>
+          </a:p>
+          <a:p>
+            <a:pPr marL="228600" indent="-228600">
+              <a:lnSpc>
+                <a:spcPct val="90000"/>
+              </a:lnSpc>
+              <a:spcBef>
+                <a:spcPts val="1001"/>
+              </a:spcBef>
+              <a:buClr>
+                <a:srgbClr val="D9D9D9"/>
+              </a:buClr>
+              <a:buFont typeface="Arial"/>
+              <a:buChar char="•"/>
+            </a:pPr>
+            <a:endParaRPr lang="de-DE" sz="2000" b="0" strike="noStrike" spc="-1" dirty="0">
+              <a:solidFill>
+                <a:srgbClr val="000000"/>
+              </a:solidFill>
+              <a:latin typeface="Arial"/>
+            </a:endParaRPr>
+          </a:p>
+          <a:p>
+            <a:pPr marL="228600" indent="-228600">
+              <a:lnSpc>
+                <a:spcPct val="90000"/>
+              </a:lnSpc>
+              <a:spcBef>
+                <a:spcPts val="1001"/>
+              </a:spcBef>
+              <a:buClr>
+                <a:srgbClr val="D9D9D9"/>
+              </a:buClr>
+              <a:buFont typeface="Arial"/>
+              <a:buChar char="•"/>
+            </a:pPr>
+            <a:r>
+              <a:rPr lang="de-DE" sz="2000" b="0" strike="noStrike" spc="-1" dirty="0">
+                <a:solidFill>
+                  <a:srgbClr val="D9D9D9"/>
+                </a:solidFill>
+                <a:latin typeface="Georgia Pro Light"/>
+                <a:ea typeface="DejaVu Sans"/>
+              </a:rPr>
+              <a:t>Daten für Versicherungen/Statistiken</a:t>
+            </a:r>
+          </a:p>
+          <a:p>
+            <a:pPr marL="228600" indent="-228600">
+              <a:lnSpc>
+                <a:spcPct val="90000"/>
+              </a:lnSpc>
+              <a:spcBef>
+                <a:spcPts val="1001"/>
+              </a:spcBef>
+              <a:buClr>
+                <a:srgbClr val="D9D9D9"/>
+              </a:buClr>
+              <a:buFont typeface="Arial"/>
+              <a:buChar char="•"/>
+            </a:pPr>
+            <a:endParaRPr lang="de-DE" sz="2000" b="0" strike="noStrike" spc="-1" dirty="0">
+              <a:solidFill>
+                <a:srgbClr val="000000"/>
+              </a:solidFill>
+              <a:latin typeface="Arial"/>
+            </a:endParaRPr>
+          </a:p>
+          <a:p>
+            <a:pPr marL="228600" indent="-228600">
+              <a:lnSpc>
+                <a:spcPct val="90000"/>
+              </a:lnSpc>
+              <a:spcBef>
+                <a:spcPts val="1001"/>
+              </a:spcBef>
+              <a:buClr>
+                <a:srgbClr val="D9D9D9"/>
+              </a:buClr>
+              <a:buFont typeface="Arial"/>
+              <a:buChar char="•"/>
+            </a:pPr>
+            <a:r>
+              <a:rPr lang="de-DE" sz="2000" b="0" strike="noStrike" spc="-1" dirty="0">
+                <a:solidFill>
+                  <a:srgbClr val="D9D9D9"/>
+                </a:solidFill>
+                <a:latin typeface="Georgia Pro Light"/>
+                <a:ea typeface="DejaVu Sans"/>
+              </a:rPr>
+              <a:t>Bei Vergehen können Behörden den Alkoholkonsum mit Videobeweis prüfen</a:t>
+            </a:r>
+          </a:p>
+          <a:p>
+            <a:pPr marL="228600" indent="-228600">
+              <a:lnSpc>
+                <a:spcPct val="90000"/>
+              </a:lnSpc>
+              <a:spcBef>
+                <a:spcPts val="1001"/>
+              </a:spcBef>
+              <a:buClr>
+                <a:srgbClr val="D9D9D9"/>
+              </a:buClr>
+              <a:buFont typeface="Arial"/>
+              <a:buChar char="•"/>
+            </a:pPr>
+            <a:endParaRPr lang="de-DE" sz="2000" b="0" strike="noStrike" spc="-1" dirty="0">
+              <a:solidFill>
+                <a:srgbClr val="000000"/>
+              </a:solidFill>
+              <a:latin typeface="Arial"/>
+            </a:endParaRPr>
+          </a:p>
+          <a:p>
+            <a:pPr marL="228600" indent="-228600">
+              <a:lnSpc>
+                <a:spcPct val="90000"/>
+              </a:lnSpc>
+              <a:spcBef>
+                <a:spcPts val="1001"/>
+              </a:spcBef>
+              <a:buClr>
+                <a:srgbClr val="D9D9D9"/>
+              </a:buClr>
+              <a:buFont typeface="Arial"/>
+              <a:buChar char="•"/>
+            </a:pPr>
+            <a:r>
+              <a:rPr lang="de-DE" sz="2000" b="0" strike="noStrike" spc="-1" dirty="0">
+                <a:solidFill>
+                  <a:srgbClr val="D9D9D9"/>
+                </a:solidFill>
+                <a:latin typeface="Georgia Pro Light"/>
+                <a:ea typeface="DejaVu Sans"/>
+              </a:rPr>
+              <a:t>Selbstkontrolle, bewussteren Umgang mit Alkohol fördern</a:t>
+            </a:r>
+          </a:p>
+          <a:p>
+            <a:pPr marL="228600" indent="-228600">
+              <a:lnSpc>
+                <a:spcPct val="90000"/>
+              </a:lnSpc>
+              <a:spcBef>
+                <a:spcPts val="1001"/>
+              </a:spcBef>
+              <a:buClr>
+                <a:srgbClr val="D9D9D9"/>
+              </a:buClr>
+              <a:buFont typeface="Arial"/>
+              <a:buChar char="•"/>
+            </a:pPr>
+            <a:endParaRPr lang="de-DE" sz="2000" b="0" strike="noStrike" spc="-1" dirty="0">
+              <a:solidFill>
+                <a:srgbClr val="000000"/>
+              </a:solidFill>
+              <a:latin typeface="Arial"/>
+            </a:endParaRPr>
+          </a:p>
+          <a:p>
+            <a:pPr marL="228600" indent="-228600">
+              <a:lnSpc>
+                <a:spcPct val="90000"/>
+              </a:lnSpc>
+              <a:spcBef>
+                <a:spcPts val="1001"/>
+              </a:spcBef>
+              <a:buClr>
+                <a:srgbClr val="D9D9D9"/>
+              </a:buClr>
+              <a:buFont typeface="Arial"/>
+              <a:buChar char="•"/>
+            </a:pPr>
+            <a:r>
+              <a:rPr lang="de-DE" sz="2000" b="0" strike="noStrike" spc="-1" dirty="0">
+                <a:solidFill>
+                  <a:srgbClr val="D9D9D9"/>
+                </a:solidFill>
+                <a:latin typeface="Georgia Pro Light"/>
+                <a:ea typeface="DejaVu Sans"/>
+              </a:rPr>
+              <a:t>Erinnerungen an Abstinenz -&gt; Belohnungssystem</a:t>
+            </a:r>
+            <a:endParaRPr lang="de-DE" sz="2000" b="0" strike="noStrike" spc="-1" dirty="0">
+              <a:solidFill>
+                <a:srgbClr val="000000"/>
+              </a:solidFill>
+              <a:latin typeface="Arial"/>
+            </a:endParaRPr>
+          </a:p>
+          <a:p>
+            <a:pPr>
+              <a:lnSpc>
+                <a:spcPct val="120000"/>
+              </a:lnSpc>
+              <a:spcBef>
+                <a:spcPts val="1001"/>
+              </a:spcBef>
+              <a:buNone/>
+            </a:pPr>
+            <a:endParaRPr lang="de-DE" sz="2000" b="0" strike="noStrike" spc="-1" dirty="0">
+              <a:solidFill>
+                <a:srgbClr val="000000"/>
+              </a:solidFill>
+              <a:latin typeface="Arial"/>
+            </a:endParaRPr>
+          </a:p>
+        </p:txBody>
+      </p:sp>
+    </p:spTree>
+  </p:cSld>
+  <p:clrMapOvr>
+    <a:masterClrMapping/>
+  </p:clrMapOvr>
+</p:sld>
+</file>
+
+<file path=ppt/slides/slide13.xml><?xml version="1.0" encoding="utf-8"?>
+<p:sld xmlns:a="http://schemas.openxmlformats.org/drawingml/2006/main" xmlns:r="http://schemas.openxmlformats.org/officeDocument/2006/relationships" xmlns:p="http://schemas.openxmlformats.org/presentationml/2006/main">
+  <p:cSld>
+    <p:spTree>
+      <p:nvGrpSpPr>
+        <p:cNvPr id="1" name=""/>
+        <p:cNvGrpSpPr/>
+        <p:nvPr/>
+      </p:nvGrpSpPr>
+      <p:grpSpPr>
+        <a:xfrm>
+          <a:off x="0" y="0"/>
+          <a:ext cx="0" cy="0"/>
+          <a:chOff x="0" y="0"/>
+          <a:chExt cx="0" cy="0"/>
+        </a:xfrm>
+      </p:grpSpPr>
+      <p:sp>
+        <p:nvSpPr>
+          <p:cNvPr id="127" name="PlaceHolder 1"/>
+          <p:cNvSpPr>
+            <a:spLocks noGrp="1"/>
+          </p:cNvSpPr>
+          <p:nvPr>
+            <p:ph type="title"/>
+          </p:nvPr>
+        </p:nvSpPr>
+        <p:spPr>
+          <a:xfrm>
+            <a:off x="849600" y="876240"/>
+            <a:ext cx="10427040" cy="1085400"/>
+          </a:xfrm>
+          <a:prstGeom prst="rect">
+            <a:avLst/>
+          </a:prstGeom>
+          <a:noFill/>
+          <a:ln w="0">
+            <a:noFill/>
+          </a:ln>
+        </p:spPr>
+        <p:txBody>
+          <a:bodyPr lIns="90000" tIns="45000" rIns="90000" bIns="45000" anchor="b">
+            <a:noAutofit/>
+          </a:bodyPr>
+          <a:lstStyle/>
+          <a:p>
+            <a:pPr>
+              <a:lnSpc>
+                <a:spcPct val="100000"/>
+              </a:lnSpc>
+              <a:buNone/>
+            </a:pPr>
+            <a:r>
+              <a:rPr lang="de-DE" sz="4400" b="0" strike="noStrike" spc="-1">
+                <a:solidFill>
+                  <a:srgbClr val="E2E8E2"/>
+                </a:solidFill>
+                <a:latin typeface="Georgia Pro Light"/>
+                <a:ea typeface="DejaVu Sans"/>
+              </a:rPr>
+              <a:t>Alleinstellungsmerkmal</a:t>
+            </a:r>
+            <a:endParaRPr lang="de-DE" sz="4400" b="0" strike="noStrike" spc="-1">
+              <a:solidFill>
+                <a:srgbClr val="000000"/>
+              </a:solidFill>
+              <a:latin typeface="Arial"/>
+            </a:endParaRPr>
+          </a:p>
+        </p:txBody>
+      </p:sp>
+      <p:sp>
+        <p:nvSpPr>
+          <p:cNvPr id="128" name="PlaceHolder 2"/>
+          <p:cNvSpPr>
+            <a:spLocks noGrp="1"/>
+          </p:cNvSpPr>
+          <p:nvPr>
+            <p:ph/>
+          </p:nvPr>
+        </p:nvSpPr>
+        <p:spPr>
+          <a:xfrm>
+            <a:off x="849600" y="2066040"/>
+            <a:ext cx="10427040" cy="3902400"/>
+          </a:xfrm>
+          <a:prstGeom prst="rect">
+            <a:avLst/>
+          </a:prstGeom>
+          <a:noFill/>
+          <a:ln w="0">
+            <a:noFill/>
+          </a:ln>
+        </p:spPr>
+        <p:txBody>
+          <a:bodyPr lIns="0" tIns="0" rIns="0" bIns="0" anchor="t">
+            <a:normAutofit fontScale="92500" lnSpcReduction="10000"/>
+          </a:bodyPr>
+          <a:lstStyle/>
+          <a:p>
+            <a:pPr marL="228600" indent="-228600">
+              <a:lnSpc>
+                <a:spcPct val="120000"/>
+              </a:lnSpc>
+              <a:spcBef>
+                <a:spcPts val="1001"/>
+              </a:spcBef>
+              <a:buClr>
+                <a:srgbClr val="E2E8E2"/>
+              </a:buClr>
+              <a:buSzPct val="70000"/>
+              <a:buFont typeface="Arial"/>
+              <a:buChar char="•"/>
+            </a:pPr>
+            <a:r>
+              <a:rPr lang="de-DE" sz="2000" b="0" strike="noStrike" spc="-1" dirty="0">
+                <a:solidFill>
+                  <a:srgbClr val="E2E8E2"/>
+                </a:solidFill>
+                <a:latin typeface="Georgia Pro Light"/>
+                <a:ea typeface="DejaVu Sans"/>
+              </a:rPr>
+              <a:t>Messdaten gehen nicht sofort verloren</a:t>
+            </a:r>
+            <a:endParaRPr lang="de-DE" sz="2000" spc="-1" dirty="0">
+              <a:solidFill>
+                <a:srgbClr val="000000"/>
+              </a:solidFill>
+              <a:latin typeface="Arial"/>
+              <a:ea typeface="DejaVu Sans"/>
+            </a:endParaRPr>
+          </a:p>
+          <a:p>
+            <a:pPr marL="228600" indent="-228600">
+              <a:lnSpc>
+                <a:spcPct val="120000"/>
+              </a:lnSpc>
+              <a:spcBef>
+                <a:spcPts val="1001"/>
+              </a:spcBef>
+              <a:buClr>
+                <a:srgbClr val="E2E8E2"/>
+              </a:buClr>
+              <a:buSzPct val="70000"/>
+              <a:buFont typeface="Arial"/>
+              <a:buChar char="•"/>
+            </a:pPr>
+            <a:endParaRPr lang="de-DE" sz="2000" b="0" strike="noStrike" spc="-1" dirty="0">
+              <a:solidFill>
+                <a:srgbClr val="000000"/>
+              </a:solidFill>
+              <a:latin typeface="Arial"/>
+            </a:endParaRPr>
+          </a:p>
+          <a:p>
+            <a:pPr marL="228600" indent="-228600">
+              <a:lnSpc>
+                <a:spcPct val="120000"/>
+              </a:lnSpc>
+              <a:spcBef>
+                <a:spcPts val="1001"/>
+              </a:spcBef>
+              <a:buClr>
+                <a:srgbClr val="E2E8E2"/>
+              </a:buClr>
+              <a:buSzPct val="70000"/>
+              <a:buFont typeface="Arial"/>
+              <a:buChar char="•"/>
+            </a:pPr>
+            <a:r>
+              <a:rPr lang="de-DE" sz="2000" b="0" strike="noStrike" spc="-1" dirty="0">
+                <a:solidFill>
+                  <a:srgbClr val="E2E8E2"/>
+                </a:solidFill>
+                <a:latin typeface="Georgia Pro Light"/>
+                <a:ea typeface="DejaVu Sans"/>
+              </a:rPr>
+              <a:t>Internetanbindung über WLAN </a:t>
+            </a:r>
+          </a:p>
+          <a:p>
+            <a:pPr marL="228600" indent="-228600">
+              <a:lnSpc>
+                <a:spcPct val="120000"/>
+              </a:lnSpc>
+              <a:spcBef>
+                <a:spcPts val="1001"/>
+              </a:spcBef>
+              <a:buClr>
+                <a:srgbClr val="E2E8E2"/>
+              </a:buClr>
+              <a:buSzPct val="70000"/>
+              <a:buFont typeface="Arial"/>
+              <a:buChar char="•"/>
+            </a:pPr>
+            <a:endParaRPr lang="de-DE" sz="2000" b="0" strike="noStrike" spc="-1" dirty="0">
+              <a:solidFill>
+                <a:srgbClr val="000000"/>
+              </a:solidFill>
+              <a:latin typeface="Arial"/>
+            </a:endParaRPr>
+          </a:p>
+          <a:p>
+            <a:pPr marL="228600" indent="-228600">
+              <a:lnSpc>
+                <a:spcPct val="120000"/>
+              </a:lnSpc>
+              <a:spcBef>
+                <a:spcPts val="1001"/>
+              </a:spcBef>
+              <a:buClr>
+                <a:srgbClr val="E2E8E2"/>
+              </a:buClr>
+              <a:buSzPct val="70000"/>
+              <a:buFont typeface="Arial"/>
+              <a:buChar char="•"/>
+            </a:pPr>
+            <a:r>
+              <a:rPr lang="de-DE" sz="2000" b="0" strike="noStrike" spc="-1" dirty="0">
+                <a:solidFill>
+                  <a:srgbClr val="E2E8E2"/>
+                </a:solidFill>
+                <a:latin typeface="Georgia Pro Light"/>
+                <a:ea typeface="DejaVu Sans"/>
+              </a:rPr>
+              <a:t>Erweiterung zur Mobilfunkanbindung</a:t>
+            </a:r>
+          </a:p>
+          <a:p>
+            <a:pPr marL="228600" indent="-228600">
+              <a:lnSpc>
+                <a:spcPct val="120000"/>
+              </a:lnSpc>
+              <a:spcBef>
+                <a:spcPts val="1001"/>
+              </a:spcBef>
+              <a:buClr>
+                <a:srgbClr val="E2E8E2"/>
+              </a:buClr>
+              <a:buSzPct val="70000"/>
+              <a:buFont typeface="Arial"/>
+              <a:buChar char="•"/>
+            </a:pPr>
+            <a:endParaRPr lang="de-DE" sz="2000" spc="-1" dirty="0">
+              <a:solidFill>
+                <a:srgbClr val="E2E8E2"/>
+              </a:solidFill>
+              <a:latin typeface="Georgia Pro Light"/>
+            </a:endParaRPr>
+          </a:p>
+          <a:p>
+            <a:pPr>
+              <a:lnSpc>
+                <a:spcPct val="120000"/>
+              </a:lnSpc>
+              <a:spcBef>
+                <a:spcPts val="1001"/>
+              </a:spcBef>
+              <a:buClr>
+                <a:srgbClr val="E2E8E2"/>
+              </a:buClr>
+              <a:buSzPct val="70000"/>
+              <a:buFont typeface="Arial"/>
+              <a:buChar char="•"/>
+            </a:pPr>
+            <a:r>
+              <a:rPr lang="de-DE" sz="2000" spc="-1" dirty="0">
+                <a:solidFill>
+                  <a:srgbClr val="E2E8E2"/>
+                </a:solidFill>
+                <a:latin typeface="Georgia Pro Light"/>
+              </a:rPr>
+              <a:t>Modularer Aufbau mit Alkoholsensor</a:t>
+            </a:r>
+          </a:p>
+          <a:p>
+            <a:pPr>
+              <a:lnSpc>
+                <a:spcPct val="120000"/>
+              </a:lnSpc>
+              <a:spcBef>
+                <a:spcPts val="1001"/>
+              </a:spcBef>
+              <a:buClr>
+                <a:srgbClr val="E2E8E2"/>
+              </a:buClr>
+              <a:buSzPct val="70000"/>
+              <a:buFont typeface="Arial"/>
+              <a:buChar char="•"/>
+            </a:pPr>
+            <a:endParaRPr lang="de-DE" sz="2000" spc="-1" dirty="0">
+              <a:solidFill>
+                <a:srgbClr val="E2E8E2"/>
+              </a:solidFill>
+              <a:latin typeface="Georgia Pro Light"/>
+            </a:endParaRPr>
+          </a:p>
+          <a:p>
+            <a:pPr>
+              <a:lnSpc>
+                <a:spcPct val="120000"/>
+              </a:lnSpc>
+              <a:spcBef>
+                <a:spcPts val="1001"/>
+              </a:spcBef>
+              <a:buClr>
+                <a:srgbClr val="E2E8E2"/>
+              </a:buClr>
+              <a:buSzPct val="70000"/>
+              <a:buFont typeface="Arial"/>
+              <a:buChar char="•"/>
+            </a:pPr>
+            <a:r>
+              <a:rPr lang="de-DE" sz="2000" spc="-1" dirty="0">
+                <a:solidFill>
+                  <a:srgbClr val="E2E8E2"/>
+                </a:solidFill>
+                <a:latin typeface="Georgia Pro Light"/>
+              </a:rPr>
+              <a:t>Unbegrenzter Speicherplatz für Testergebnisse</a:t>
+            </a:r>
+          </a:p>
+        </p:txBody>
+      </p:sp>
+    </p:spTree>
+  </p:cSld>
+  <p:clrMapOvr>
+    <a:masterClrMapping/>
+  </p:clrMapOvr>
+</p:sld>
+</file>
+
+<file path=ppt/slides/slide14.xml><?xml version="1.0" encoding="utf-8"?>
+<p:sld xmlns:a="http://schemas.openxmlformats.org/drawingml/2006/main" xmlns:r="http://schemas.openxmlformats.org/officeDocument/2006/relationships" xmlns:p="http://schemas.openxmlformats.org/presentationml/2006/main">
+  <p:cSld>
+    <p:spTree>
+      <p:nvGrpSpPr>
+        <p:cNvPr id="1" name=""/>
+        <p:cNvGrpSpPr/>
+        <p:nvPr/>
+      </p:nvGrpSpPr>
+      <p:grpSpPr>
+        <a:xfrm>
+          <a:off x="0" y="0"/>
+          <a:ext cx="0" cy="0"/>
+          <a:chOff x="0" y="0"/>
+          <a:chExt cx="0" cy="0"/>
+        </a:xfrm>
+      </p:grpSpPr>
+      <p:sp>
+        <p:nvSpPr>
+          <p:cNvPr id="129" name="PlaceHolder 1"/>
+          <p:cNvSpPr>
+            <a:spLocks noGrp="1"/>
+          </p:cNvSpPr>
+          <p:nvPr>
+            <p:ph type="title"/>
+          </p:nvPr>
+        </p:nvSpPr>
+        <p:spPr>
+          <a:xfrm>
+            <a:off x="849600" y="876240"/>
+            <a:ext cx="10427040" cy="1085400"/>
+          </a:xfrm>
+          <a:prstGeom prst="rect">
+            <a:avLst/>
+          </a:prstGeom>
+          <a:noFill/>
+          <a:ln w="0">
+            <a:noFill/>
+          </a:ln>
+        </p:spPr>
+        <p:txBody>
+          <a:bodyPr lIns="90000" tIns="45000" rIns="90000" bIns="45000" anchor="b">
+            <a:noAutofit/>
+          </a:bodyPr>
+          <a:lstStyle/>
+          <a:p>
+            <a:pPr>
+              <a:lnSpc>
+                <a:spcPct val="90000"/>
+              </a:lnSpc>
+              <a:buNone/>
+            </a:pPr>
+            <a:r>
+              <a:rPr lang="en-US" sz="4400" b="0" strike="noStrike" spc="-1">
+                <a:solidFill>
+                  <a:srgbClr val="FFFFFF"/>
+                </a:solidFill>
+                <a:latin typeface="Georgia Pro Light"/>
+                <a:ea typeface="DejaVu Sans"/>
+              </a:rPr>
+              <a:t>Wettbewerb</a:t>
+            </a:r>
+            <a:endParaRPr lang="de-DE" sz="4400" b="0" strike="noStrike" spc="-1">
+              <a:solidFill>
+                <a:srgbClr val="000000"/>
+              </a:solidFill>
+              <a:latin typeface="Arial"/>
+            </a:endParaRPr>
+          </a:p>
+        </p:txBody>
+      </p:sp>
+      <p:sp>
+        <p:nvSpPr>
+          <p:cNvPr id="130" name="PlaceHolder 2"/>
+          <p:cNvSpPr>
+            <a:spLocks noGrp="1"/>
+          </p:cNvSpPr>
+          <p:nvPr>
+            <p:ph/>
+          </p:nvPr>
+        </p:nvSpPr>
+        <p:spPr>
+          <a:xfrm>
+            <a:off x="849600" y="2066040"/>
+            <a:ext cx="10427040" cy="3902400"/>
+          </a:xfrm>
+          <a:prstGeom prst="rect">
+            <a:avLst/>
+          </a:prstGeom>
+          <a:noFill/>
+          <a:ln w="0">
+            <a:noFill/>
+          </a:ln>
+        </p:spPr>
+        <p:txBody>
+          <a:bodyPr lIns="0" tIns="0" rIns="0" bIns="0" anchor="t">
+            <a:noAutofit/>
+          </a:bodyPr>
+          <a:lstStyle/>
+          <a:p>
+            <a:pPr marL="228600" indent="-228600">
+              <a:lnSpc>
+                <a:spcPct val="120000"/>
+              </a:lnSpc>
+              <a:spcBef>
+                <a:spcPts val="1001"/>
+              </a:spcBef>
+              <a:buClr>
+                <a:srgbClr val="E2E8E2"/>
+              </a:buClr>
+              <a:buSzPct val="70000"/>
+              <a:buFont typeface="Arial"/>
+              <a:buChar char="•"/>
+            </a:pPr>
+            <a:r>
+              <a:rPr lang="de-DE" sz="2000" b="0" strike="noStrike" spc="-1" dirty="0">
+                <a:solidFill>
+                  <a:srgbClr val="E2E8E2"/>
+                </a:solidFill>
+                <a:latin typeface="Georgia Pro Light"/>
+                <a:ea typeface="DejaVu Sans"/>
+              </a:rPr>
+              <a:t>Ace Alkoholtester mit Smarten Funktionen ab ca. 95€</a:t>
+            </a:r>
+          </a:p>
+          <a:p>
+            <a:pPr marL="228600" indent="-228600">
+              <a:lnSpc>
+                <a:spcPct val="120000"/>
+              </a:lnSpc>
+              <a:spcBef>
+                <a:spcPts val="1001"/>
+              </a:spcBef>
+              <a:buClr>
+                <a:srgbClr val="E2E8E2"/>
+              </a:buClr>
+              <a:buSzPct val="70000"/>
+              <a:buFont typeface="Arial"/>
+              <a:buChar char="•"/>
+            </a:pPr>
+            <a:endParaRPr lang="de-DE" sz="2000" spc="-1" dirty="0">
+              <a:solidFill>
+                <a:srgbClr val="000000"/>
+              </a:solidFill>
+              <a:latin typeface="Arial"/>
+              <a:ea typeface="DejaVu Sans"/>
+            </a:endParaRPr>
+          </a:p>
+          <a:p>
+            <a:pPr marL="685800" lvl="2">
+              <a:lnSpc>
+                <a:spcPct val="120000"/>
+              </a:lnSpc>
+              <a:spcBef>
+                <a:spcPts val="1001"/>
+              </a:spcBef>
+              <a:buClr>
+                <a:srgbClr val="E2E8E2"/>
+              </a:buClr>
+              <a:buSzPct val="70000"/>
+              <a:buFont typeface="Arial"/>
+              <a:buChar char="•"/>
+            </a:pPr>
+            <a:r>
+              <a:rPr lang="de-DE" spc="-1" dirty="0">
+                <a:solidFill>
+                  <a:srgbClr val="E2E8E2"/>
+                </a:solidFill>
+                <a:latin typeface="Georgia Pro Light"/>
+              </a:rPr>
+              <a:t>Sensoren mit und ohne App-Anbindung mit Bluetooth-Verbindung</a:t>
+            </a:r>
+          </a:p>
+          <a:p>
+            <a:pPr marL="685800" lvl="2">
+              <a:lnSpc>
+                <a:spcPct val="120000"/>
+              </a:lnSpc>
+              <a:spcBef>
+                <a:spcPts val="1001"/>
+              </a:spcBef>
+              <a:buClr>
+                <a:srgbClr val="E2E8E2"/>
+              </a:buClr>
+              <a:buSzPct val="70000"/>
+              <a:buFont typeface="Arial"/>
+              <a:buChar char="•"/>
+            </a:pPr>
+            <a:endParaRPr lang="de-DE" spc="-1" dirty="0">
+              <a:solidFill>
+                <a:srgbClr val="E2E8E2"/>
+              </a:solidFill>
+              <a:latin typeface="Georgia Pro Light"/>
+            </a:endParaRPr>
+          </a:p>
+          <a:p>
+            <a:pPr marL="685800" lvl="2">
+              <a:lnSpc>
+                <a:spcPct val="120000"/>
+              </a:lnSpc>
+              <a:spcBef>
+                <a:spcPts val="1001"/>
+              </a:spcBef>
+              <a:buClr>
+                <a:srgbClr val="E2E8E2"/>
+              </a:buClr>
+              <a:buSzPct val="70000"/>
+              <a:buFont typeface="Arial"/>
+              <a:buChar char="•"/>
+            </a:pPr>
+            <a:r>
+              <a:rPr lang="de-DE" spc="-1" dirty="0">
+                <a:solidFill>
+                  <a:srgbClr val="E2E8E2"/>
+                </a:solidFill>
+                <a:latin typeface="Georgia Pro Light"/>
+                <a:hlinkClick r:id="rId2"/>
+              </a:rPr>
+              <a:t>https://www.ace-technik.com/category/alkoholtester.23020.html?row=0&amp;count=36&amp;order_by=Relevance&amp;order_direction=DESC&amp;filter[Alkoholtester-Typ]=Mobile+Alkoholtester</a:t>
+            </a:r>
+            <a:r>
+              <a:rPr lang="de-DE" spc="-1" dirty="0">
+                <a:solidFill>
+                  <a:srgbClr val="E2E8E2"/>
+                </a:solidFill>
+                <a:latin typeface="Georgia Pro Light"/>
+              </a:rPr>
+              <a:t> (Auswahl der smarten Alkoholsensoren)</a:t>
+            </a:r>
+          </a:p>
+        </p:txBody>
+      </p:sp>
+    </p:spTree>
+  </p:cSld>
+  <p:clrMapOvr>
+    <a:masterClrMapping/>
+  </p:clrMapOvr>
+</p:sld>
+</file>
+
+<file path=ppt/slides/slide15.xml><?xml version="1.0" encoding="utf-8"?>
+<p:sld xmlns:a="http://schemas.openxmlformats.org/drawingml/2006/main" xmlns:r="http://schemas.openxmlformats.org/officeDocument/2006/relationships" xmlns:p="http://schemas.openxmlformats.org/presentationml/2006/main">
+  <p:cSld>
+    <p:bg>
+      <p:bgPr>
+        <a:blipFill dpi="0" rotWithShape="1">
+          <a:blip r:embed="rId2">
+            <a:lum/>
+          </a:blip>
+          <a:srcRect/>
+          <a:stretch>
+            <a:fillRect t="-48000" b="-48000"/>
+          </a:stretch>
+        </a:blipFill>
+        <a:effectLst/>
+      </p:bgPr>
+    </p:bg>
+    <p:spTree>
+      <p:nvGrpSpPr>
+        <p:cNvPr id="1" name=""/>
+        <p:cNvGrpSpPr/>
+        <p:nvPr/>
+      </p:nvGrpSpPr>
+      <p:grpSpPr>
+        <a:xfrm>
+          <a:off x="0" y="0"/>
+          <a:ext cx="0" cy="0"/>
+          <a:chOff x="0" y="0"/>
+          <a:chExt cx="0" cy="0"/>
+        </a:xfrm>
+      </p:grpSpPr>
+      <p:sp>
+        <p:nvSpPr>
+          <p:cNvPr id="131" name="PlaceHolder 1"/>
+          <p:cNvSpPr>
+            <a:spLocks noGrp="1"/>
+          </p:cNvSpPr>
+          <p:nvPr>
+            <p:ph type="title"/>
+          </p:nvPr>
+        </p:nvSpPr>
+        <p:spPr>
+          <a:xfrm>
+            <a:off x="609780" y="202180"/>
+            <a:ext cx="10972440" cy="1144800"/>
+          </a:xfrm>
+          <a:prstGeom prst="rect">
+            <a:avLst/>
+          </a:prstGeom>
+          <a:noFill/>
+          <a:ln w="0">
+            <a:noFill/>
+          </a:ln>
+        </p:spPr>
+        <p:txBody>
+          <a:bodyPr lIns="90000" tIns="45000" rIns="90000" bIns="45000" anchor="b">
+            <a:noAutofit/>
+          </a:bodyPr>
+          <a:lstStyle/>
+          <a:p>
+            <a:pPr algn="ctr">
+              <a:lnSpc>
+                <a:spcPct val="90000"/>
+              </a:lnSpc>
+              <a:buNone/>
+            </a:pPr>
+            <a:r>
+              <a:rPr lang="en-US" sz="6600" b="1" strike="noStrike" spc="-1" dirty="0">
+                <a:latin typeface="Georgia Pro Semibold" panose="020B0604020202020204" pitchFamily="18" charset="0"/>
+                <a:ea typeface="DejaVu Sans"/>
+              </a:rPr>
+              <a:t>Proof of Concept</a:t>
+            </a:r>
+            <a:endParaRPr lang="de-DE" sz="6600" b="1" strike="noStrike" spc="-1" dirty="0">
+              <a:latin typeface="Georgia Pro Semibold" panose="020B0604020202020204" pitchFamily="18" charset="0"/>
+            </a:endParaRPr>
+          </a:p>
+        </p:txBody>
+      </p:sp>
+    </p:spTree>
+  </p:cSld>
+  <p:clrMapOvr>
+    <a:masterClrMapping/>
+  </p:clrMapOvr>
+</p:sld>
+</file>
+
+<file path=ppt/slides/slide16.xml><?xml version="1.0" encoding="utf-8"?>
+<p:sld xmlns:a="http://schemas.openxmlformats.org/drawingml/2006/main" xmlns:r="http://schemas.openxmlformats.org/officeDocument/2006/relationships" xmlns:p="http://schemas.openxmlformats.org/presentationml/2006/main">
+  <p:cSld>
+    <p:spTree>
+      <p:nvGrpSpPr>
+        <p:cNvPr id="1" name=""/>
+        <p:cNvGrpSpPr/>
+        <p:nvPr/>
+      </p:nvGrpSpPr>
+      <p:grpSpPr>
+        <a:xfrm>
+          <a:off x="0" y="0"/>
+          <a:ext cx="0" cy="0"/>
+          <a:chOff x="0" y="0"/>
+          <a:chExt cx="0" cy="0"/>
+        </a:xfrm>
+      </p:grpSpPr>
+      <p:sp>
+        <p:nvSpPr>
+          <p:cNvPr id="133" name="PlaceHolder 1"/>
+          <p:cNvSpPr>
+            <a:spLocks noGrp="1"/>
+          </p:cNvSpPr>
+          <p:nvPr>
+            <p:ph type="title"/>
+          </p:nvPr>
+        </p:nvSpPr>
+        <p:spPr>
+          <a:xfrm>
+            <a:off x="849600" y="876240"/>
+            <a:ext cx="10427040" cy="1085400"/>
+          </a:xfrm>
+          <a:prstGeom prst="rect">
+            <a:avLst/>
+          </a:prstGeom>
+          <a:noFill/>
+          <a:ln w="0">
+            <a:noFill/>
+          </a:ln>
+        </p:spPr>
+        <p:txBody>
+          <a:bodyPr lIns="90000" tIns="45000" rIns="90000" bIns="45000" anchor="b">
+            <a:noAutofit/>
+          </a:bodyPr>
+          <a:lstStyle/>
+          <a:p>
+            <a:pPr>
+              <a:lnSpc>
+                <a:spcPct val="100000"/>
+              </a:lnSpc>
+              <a:buNone/>
+            </a:pPr>
+            <a:r>
+              <a:rPr lang="de-DE" sz="4400" b="0" strike="noStrike" spc="-1">
+                <a:solidFill>
+                  <a:srgbClr val="E2E8E2"/>
+                </a:solidFill>
+                <a:latin typeface="Georgia Pro Light"/>
+                <a:ea typeface="DejaVu Sans"/>
+              </a:rPr>
+              <a:t>Kosten des ersten Prototyps</a:t>
+            </a:r>
+            <a:endParaRPr lang="de-DE" sz="4400" b="0" strike="noStrike" spc="-1">
+              <a:solidFill>
+                <a:srgbClr val="000000"/>
+              </a:solidFill>
+              <a:latin typeface="Arial"/>
+            </a:endParaRPr>
+          </a:p>
+        </p:txBody>
+      </p:sp>
+      <p:sp>
+        <p:nvSpPr>
+          <p:cNvPr id="134" name="PlaceHolder 2"/>
+          <p:cNvSpPr>
+            <a:spLocks noGrp="1"/>
+          </p:cNvSpPr>
+          <p:nvPr>
+            <p:ph/>
+          </p:nvPr>
+        </p:nvSpPr>
+        <p:spPr>
+          <a:xfrm>
+            <a:off x="849600" y="2066040"/>
+            <a:ext cx="10427040" cy="3902400"/>
+          </a:xfrm>
+          <a:prstGeom prst="rect">
+            <a:avLst/>
+          </a:prstGeom>
+          <a:noFill/>
+          <a:ln w="0">
+            <a:noFill/>
+          </a:ln>
+        </p:spPr>
+        <p:txBody>
+          <a:bodyPr lIns="0" tIns="0" rIns="0" bIns="0" anchor="t">
+            <a:noAutofit/>
+          </a:bodyPr>
+          <a:lstStyle/>
+          <a:p>
+            <a:pPr marL="228600" indent="-228600">
+              <a:lnSpc>
+                <a:spcPct val="120000"/>
+              </a:lnSpc>
+              <a:spcBef>
+                <a:spcPts val="1001"/>
+              </a:spcBef>
+              <a:buClr>
+                <a:srgbClr val="E2E8E2"/>
+              </a:buClr>
+              <a:buSzPct val="70000"/>
+              <a:buFont typeface="Arial"/>
+              <a:buChar char="•"/>
+            </a:pPr>
+            <a:r>
+              <a:rPr lang="de-DE" sz="2000" b="0" strike="noStrike" spc="-1">
+                <a:solidFill>
+                  <a:srgbClr val="E2E8E2"/>
+                </a:solidFill>
+                <a:latin typeface="Georgia Pro Light"/>
+                <a:ea typeface="DejaVu Sans"/>
+              </a:rPr>
+              <a:t>Möglichst günstig</a:t>
+            </a:r>
+            <a:endParaRPr lang="de-DE" sz="2000" b="0" strike="noStrike" spc="-1">
+              <a:solidFill>
+                <a:srgbClr val="000000"/>
+              </a:solidFill>
+              <a:latin typeface="Arial"/>
+            </a:endParaRPr>
+          </a:p>
+          <a:p>
+            <a:pPr marL="228600" indent="-228600">
+              <a:lnSpc>
+                <a:spcPct val="120000"/>
+              </a:lnSpc>
+              <a:spcBef>
+                <a:spcPts val="1001"/>
+              </a:spcBef>
+              <a:buClr>
+                <a:srgbClr val="E2E8E2"/>
+              </a:buClr>
+              <a:buSzPct val="70000"/>
+              <a:buFont typeface="Arial"/>
+              <a:buChar char="•"/>
+            </a:pPr>
+            <a:r>
+              <a:rPr lang="de-DE" sz="2000" b="0" strike="noStrike" spc="-1">
+                <a:solidFill>
+                  <a:srgbClr val="E2E8E2"/>
+                </a:solidFill>
+                <a:latin typeface="Georgia Pro Light"/>
+                <a:ea typeface="DejaVu Sans"/>
+              </a:rPr>
+              <a:t>Amazon Alexa Echo Dot 50 Euro</a:t>
+            </a:r>
+            <a:endParaRPr lang="de-DE" sz="2000" b="0" strike="noStrike" spc="-1">
+              <a:solidFill>
+                <a:srgbClr val="000000"/>
+              </a:solidFill>
+              <a:latin typeface="Arial"/>
+            </a:endParaRPr>
+          </a:p>
+          <a:p>
+            <a:pPr marL="228600" indent="-228600">
+              <a:lnSpc>
+                <a:spcPct val="120000"/>
+              </a:lnSpc>
+              <a:spcBef>
+                <a:spcPts val="1001"/>
+              </a:spcBef>
+              <a:buClr>
+                <a:srgbClr val="E2E8E2"/>
+              </a:buClr>
+              <a:buSzPct val="70000"/>
+              <a:buFont typeface="Arial"/>
+              <a:buChar char="•"/>
+            </a:pPr>
+            <a:r>
+              <a:rPr lang="de-DE" sz="2000" b="0" strike="noStrike" spc="-1">
+                <a:solidFill>
+                  <a:srgbClr val="E2E8E2"/>
+                </a:solidFill>
+                <a:latin typeface="Georgia Pro Light"/>
+                <a:ea typeface="DejaVu Sans"/>
+              </a:rPr>
+              <a:t>Powerbank ca. 20 Euro</a:t>
+            </a:r>
+            <a:endParaRPr lang="de-DE" sz="2000" b="0" strike="noStrike" spc="-1">
+              <a:solidFill>
+                <a:srgbClr val="000000"/>
+              </a:solidFill>
+              <a:latin typeface="Arial"/>
+            </a:endParaRPr>
+          </a:p>
+          <a:p>
+            <a:pPr marL="228600" indent="-228600">
+              <a:lnSpc>
+                <a:spcPct val="120000"/>
+              </a:lnSpc>
+              <a:spcBef>
+                <a:spcPts val="1001"/>
+              </a:spcBef>
+              <a:buClr>
+                <a:srgbClr val="E2E8E2"/>
+              </a:buClr>
+              <a:buSzPct val="70000"/>
+              <a:buFont typeface="Arial"/>
+              <a:buChar char="•"/>
+            </a:pPr>
+            <a:r>
+              <a:rPr lang="de-DE" sz="2000" b="0" strike="noStrike" spc="-1">
+                <a:solidFill>
+                  <a:srgbClr val="E2E8E2"/>
+                </a:solidFill>
+                <a:latin typeface="Georgia Pro Light"/>
+                <a:ea typeface="DejaVu Sans"/>
+              </a:rPr>
+              <a:t>Raspberry Pi 3 Model B 70 Euro</a:t>
+            </a:r>
+            <a:endParaRPr lang="de-DE" sz="2000" b="0" strike="noStrike" spc="-1">
+              <a:solidFill>
+                <a:srgbClr val="000000"/>
+              </a:solidFill>
+              <a:latin typeface="Arial"/>
+            </a:endParaRPr>
+          </a:p>
+          <a:p>
+            <a:pPr marL="228600" indent="-228600">
+              <a:lnSpc>
+                <a:spcPct val="120000"/>
+              </a:lnSpc>
+              <a:spcBef>
+                <a:spcPts val="1001"/>
+              </a:spcBef>
+              <a:buClr>
+                <a:srgbClr val="E2E8E2"/>
+              </a:buClr>
+              <a:buSzPct val="70000"/>
+              <a:buFont typeface="Arial"/>
+              <a:buChar char="•"/>
+            </a:pPr>
+            <a:r>
+              <a:rPr lang="de-DE" sz="2000" b="0" strike="noStrike" spc="-1">
+                <a:solidFill>
+                  <a:srgbClr val="E2E8E2"/>
+                </a:solidFill>
+                <a:latin typeface="Georgia Pro Light"/>
+                <a:ea typeface="DejaVu Sans"/>
+              </a:rPr>
+              <a:t>DFRobot Gravity:Analog Alcohol Sensor(MQ3) for Arduino -&gt; günstig, schlechtere Qualität</a:t>
+            </a:r>
+            <a:endParaRPr lang="de-DE" sz="2000" b="0" strike="noStrike" spc="-1">
+              <a:solidFill>
+                <a:srgbClr val="000000"/>
+              </a:solidFill>
+              <a:latin typeface="Arial"/>
+            </a:endParaRPr>
+          </a:p>
+          <a:p>
+            <a:pPr marL="228600" indent="-228600">
+              <a:lnSpc>
+                <a:spcPct val="120000"/>
+              </a:lnSpc>
+              <a:spcBef>
+                <a:spcPts val="1001"/>
+              </a:spcBef>
+              <a:buClr>
+                <a:srgbClr val="E2E8E2"/>
+              </a:buClr>
+              <a:buSzPct val="70000"/>
+              <a:buFont typeface="Arial"/>
+              <a:buChar char="•"/>
+            </a:pPr>
+            <a:r>
+              <a:rPr lang="de-DE" sz="2000" b="0" strike="noStrike" spc="-1">
+                <a:solidFill>
+                  <a:srgbClr val="E2E8E2"/>
+                </a:solidFill>
+                <a:latin typeface="Georgia Pro Light"/>
+                <a:ea typeface="DejaVu Sans"/>
+              </a:rPr>
+              <a:t>Espressif ESP32S</a:t>
+            </a:r>
+            <a:endParaRPr lang="de-DE" sz="2000" b="0" strike="noStrike" spc="-1">
+              <a:solidFill>
+                <a:srgbClr val="000000"/>
+              </a:solidFill>
+              <a:latin typeface="Arial"/>
+            </a:endParaRPr>
+          </a:p>
+          <a:p>
+            <a:pPr marL="228600" indent="-228600">
+              <a:lnSpc>
+                <a:spcPct val="120000"/>
+              </a:lnSpc>
+              <a:spcBef>
+                <a:spcPts val="1001"/>
+              </a:spcBef>
+              <a:buClr>
+                <a:srgbClr val="E2E8E2"/>
+              </a:buClr>
+              <a:buSzPct val="70000"/>
+              <a:buFont typeface="Arial"/>
+              <a:buChar char="•"/>
+            </a:pPr>
+            <a:r>
+              <a:rPr lang="de-DE" sz="2000" b="0" strike="noStrike" spc="-1">
+                <a:solidFill>
+                  <a:srgbClr val="E2E8E2"/>
+                </a:solidFill>
+                <a:latin typeface="Georgia Pro Light"/>
+                <a:ea typeface="DejaVu Sans"/>
+              </a:rPr>
+              <a:t>C&amp;K Switches PTS 645 Series Switch</a:t>
+            </a:r>
+            <a:endParaRPr lang="de-DE" sz="2000" b="0" strike="noStrike" spc="-1">
+              <a:solidFill>
+                <a:srgbClr val="000000"/>
+              </a:solidFill>
+              <a:latin typeface="Arial"/>
+            </a:endParaRPr>
+          </a:p>
+          <a:p>
+            <a:pPr marL="228600" indent="-228600">
+              <a:lnSpc>
+                <a:spcPct val="120000"/>
+              </a:lnSpc>
+              <a:spcBef>
+                <a:spcPts val="1001"/>
+              </a:spcBef>
+              <a:buClr>
+                <a:srgbClr val="E2E8E2"/>
+              </a:buClr>
+              <a:buSzPct val="70000"/>
+              <a:buFont typeface="Arial"/>
+              <a:buChar char="•"/>
+            </a:pPr>
+            <a:r>
+              <a:rPr lang="de-DE" sz="2000" b="0" strike="noStrike" spc="-1">
+                <a:solidFill>
+                  <a:srgbClr val="E2E8E2"/>
+                </a:solidFill>
+                <a:latin typeface="Georgia Pro Light"/>
+                <a:ea typeface="DejaVu Sans"/>
+              </a:rPr>
+              <a:t>Ca. 15 Euro</a:t>
+            </a:r>
+            <a:endParaRPr lang="de-DE" sz="2000" b="0" strike="noStrike" spc="-1">
+              <a:solidFill>
+                <a:srgbClr val="000000"/>
+              </a:solidFill>
+              <a:latin typeface="Arial"/>
+            </a:endParaRPr>
+          </a:p>
+        </p:txBody>
+      </p:sp>
+    </p:spTree>
+  </p:cSld>
+  <p:clrMapOvr>
+    <a:masterClrMapping/>
+  </p:clrMapOvr>
+</p:sld>
+</file>
+
+<file path=ppt/slides/slide2.xml><?xml version="1.0" encoding="utf-8"?>
+<p:sld xmlns:a="http://schemas.openxmlformats.org/drawingml/2006/main" xmlns:r="http://schemas.openxmlformats.org/officeDocument/2006/relationships" xmlns:p="http://schemas.openxmlformats.org/presentationml/2006/main">
+  <p:cSld>
+    <p:spTree>
+      <p:nvGrpSpPr>
+        <p:cNvPr id="1" name=""/>
+        <p:cNvGrpSpPr/>
+        <p:nvPr/>
+      </p:nvGrpSpPr>
+      <p:grpSpPr>
+        <a:xfrm>
+          <a:off x="0" y="0"/>
+          <a:ext cx="0" cy="0"/>
+          <a:chOff x="0" y="0"/>
+          <a:chExt cx="0" cy="0"/>
+        </a:xfrm>
+      </p:grpSpPr>
+      <p:sp>
+        <p:nvSpPr>
+          <p:cNvPr id="91" name="PlaceHolder 1"/>
+          <p:cNvSpPr>
+            <a:spLocks noGrp="1"/>
+          </p:cNvSpPr>
+          <p:nvPr>
+            <p:ph type="title"/>
+          </p:nvPr>
+        </p:nvSpPr>
+        <p:spPr>
+          <a:xfrm>
+            <a:off x="849600" y="876240"/>
+            <a:ext cx="10427040" cy="1085400"/>
+          </a:xfrm>
+          <a:prstGeom prst="rect">
+            <a:avLst/>
+          </a:prstGeom>
+          <a:noFill/>
+          <a:ln w="0">
+            <a:noFill/>
+          </a:ln>
+        </p:spPr>
+        <p:txBody>
+          <a:bodyPr lIns="90000" tIns="45000" rIns="90000" bIns="45000" anchor="b">
+            <a:noAutofit/>
+          </a:bodyPr>
+          <a:lstStyle/>
+          <a:p>
+            <a:pPr>
+              <a:lnSpc>
+                <a:spcPct val="100000"/>
+              </a:lnSpc>
+              <a:buNone/>
+            </a:pPr>
+            <a:r>
+              <a:rPr lang="de-DE" sz="4400" b="0" strike="noStrike" spc="-1">
+                <a:solidFill>
+                  <a:srgbClr val="E2E8E2"/>
+                </a:solidFill>
+                <a:latin typeface="Georgia Pro Light"/>
+                <a:ea typeface="DejaVu Sans"/>
+              </a:rPr>
+              <a:t>Problem</a:t>
+            </a:r>
+            <a:endParaRPr lang="de-DE" sz="4400" b="0" strike="noStrike" spc="-1">
+              <a:solidFill>
+                <a:srgbClr val="000000"/>
+              </a:solidFill>
+              <a:latin typeface="Arial"/>
+            </a:endParaRPr>
+          </a:p>
+        </p:txBody>
+      </p:sp>
+      <p:sp>
+        <p:nvSpPr>
+          <p:cNvPr id="92" name="PlaceHolder 2"/>
+          <p:cNvSpPr>
+            <a:spLocks noGrp="1"/>
+          </p:cNvSpPr>
+          <p:nvPr>
+            <p:ph/>
+          </p:nvPr>
+        </p:nvSpPr>
+        <p:spPr>
+          <a:xfrm>
+            <a:off x="849600" y="2066040"/>
+            <a:ext cx="10427040" cy="3902400"/>
+          </a:xfrm>
+          <a:prstGeom prst="rect">
+            <a:avLst/>
+          </a:prstGeom>
+          <a:noFill/>
+          <a:ln w="0">
+            <a:noFill/>
+          </a:ln>
+        </p:spPr>
+        <p:txBody>
+          <a:bodyPr lIns="0" tIns="0" rIns="0" bIns="0" anchor="t">
+            <a:normAutofit fontScale="92500" lnSpcReduction="10000"/>
+          </a:bodyPr>
+          <a:lstStyle/>
+          <a:p>
+            <a:pPr marL="228600" indent="-228600">
+              <a:lnSpc>
+                <a:spcPct val="120000"/>
+              </a:lnSpc>
+              <a:spcBef>
+                <a:spcPts val="1001"/>
+              </a:spcBef>
+              <a:buClr>
+                <a:srgbClr val="E2E8E2"/>
+              </a:buClr>
+              <a:buSzPct val="70000"/>
+              <a:buFont typeface="Arial"/>
+              <a:buChar char="•"/>
+            </a:pPr>
+            <a:r>
+              <a:rPr lang="de-DE" sz="2000" b="0" strike="noStrike" spc="-1" dirty="0">
+                <a:solidFill>
+                  <a:srgbClr val="E2E8E2"/>
+                </a:solidFill>
+                <a:latin typeface="Georgia Pro Light"/>
+                <a:ea typeface="DejaVu Sans"/>
+              </a:rPr>
+              <a:t>Betrunkenes Fahren soll verhindert werden</a:t>
+            </a:r>
+          </a:p>
+          <a:p>
+            <a:pPr marL="228600" indent="-228600">
+              <a:lnSpc>
+                <a:spcPct val="120000"/>
+              </a:lnSpc>
+              <a:spcBef>
+                <a:spcPts val="1001"/>
+              </a:spcBef>
+              <a:buClr>
+                <a:srgbClr val="E2E8E2"/>
+              </a:buClr>
+              <a:buSzPct val="70000"/>
+              <a:buFont typeface="Arial"/>
+              <a:buChar char="•"/>
+            </a:pPr>
+            <a:endParaRPr lang="de-DE" sz="2000" b="0" strike="noStrike" spc="-1" dirty="0">
+              <a:solidFill>
+                <a:srgbClr val="000000"/>
+              </a:solidFill>
+              <a:latin typeface="Arial"/>
+            </a:endParaRPr>
+          </a:p>
+          <a:p>
+            <a:pPr marL="228600" indent="-228600">
+              <a:lnSpc>
+                <a:spcPct val="120000"/>
+              </a:lnSpc>
+              <a:spcBef>
+                <a:spcPts val="1001"/>
+              </a:spcBef>
+              <a:buClr>
+                <a:srgbClr val="E2E8E2"/>
+              </a:buClr>
+              <a:buSzPct val="70000"/>
+              <a:buFont typeface="Arial"/>
+              <a:buChar char="•"/>
+            </a:pPr>
+            <a:r>
+              <a:rPr lang="de-DE" sz="2000" b="0" strike="noStrike" spc="-1" dirty="0">
+                <a:solidFill>
+                  <a:srgbClr val="E2E8E2"/>
+                </a:solidFill>
+                <a:latin typeface="Georgia Pro Light"/>
+                <a:ea typeface="DejaVu Sans"/>
+              </a:rPr>
+              <a:t>Alkoholkonsumtracker -&gt; Analyse des Trinkverhaltens</a:t>
+            </a:r>
+          </a:p>
+          <a:p>
+            <a:pPr marL="228600" indent="-228600">
+              <a:lnSpc>
+                <a:spcPct val="120000"/>
+              </a:lnSpc>
+              <a:spcBef>
+                <a:spcPts val="1001"/>
+              </a:spcBef>
+              <a:buClr>
+                <a:srgbClr val="E2E8E2"/>
+              </a:buClr>
+              <a:buSzPct val="70000"/>
+              <a:buFont typeface="Arial"/>
+              <a:buChar char="•"/>
+            </a:pPr>
+            <a:endParaRPr lang="de-DE" sz="2000" b="0" strike="noStrike" spc="-1" dirty="0">
+              <a:solidFill>
+                <a:srgbClr val="000000"/>
+              </a:solidFill>
+              <a:latin typeface="Arial"/>
+            </a:endParaRPr>
+          </a:p>
+          <a:p>
+            <a:pPr marL="228600" indent="-228600">
+              <a:lnSpc>
+                <a:spcPct val="120000"/>
+              </a:lnSpc>
+              <a:spcBef>
+                <a:spcPts val="1001"/>
+              </a:spcBef>
+              <a:buClr>
+                <a:srgbClr val="E2E8E2"/>
+              </a:buClr>
+              <a:buSzPct val="70000"/>
+              <a:buFont typeface="Arial"/>
+              <a:buChar char="•"/>
+            </a:pPr>
+            <a:r>
+              <a:rPr lang="de-DE" sz="2000" b="0" strike="noStrike" spc="-1" dirty="0">
+                <a:solidFill>
+                  <a:srgbClr val="E2E8E2"/>
+                </a:solidFill>
+                <a:latin typeface="Georgia Pro Light"/>
+                <a:ea typeface="DejaVu Sans"/>
+              </a:rPr>
+              <a:t>Bewusstes Trinken von Alkohol erleichtern</a:t>
+            </a:r>
+          </a:p>
+          <a:p>
+            <a:pPr marL="228600" indent="-228600">
+              <a:lnSpc>
+                <a:spcPct val="120000"/>
+              </a:lnSpc>
+              <a:spcBef>
+                <a:spcPts val="1001"/>
+              </a:spcBef>
+              <a:buClr>
+                <a:srgbClr val="E2E8E2"/>
+              </a:buClr>
+              <a:buSzPct val="70000"/>
+              <a:buFont typeface="Arial"/>
+              <a:buChar char="•"/>
+            </a:pPr>
+            <a:endParaRPr lang="de-DE" sz="2000" b="0" strike="noStrike" spc="-1" dirty="0">
+              <a:solidFill>
+                <a:srgbClr val="000000"/>
+              </a:solidFill>
+              <a:latin typeface="Arial"/>
+            </a:endParaRPr>
+          </a:p>
+          <a:p>
+            <a:pPr marL="228600" indent="-228600">
+              <a:lnSpc>
+                <a:spcPct val="120000"/>
+              </a:lnSpc>
+              <a:spcBef>
+                <a:spcPts val="1001"/>
+              </a:spcBef>
+              <a:buClr>
+                <a:srgbClr val="E2E8E2"/>
+              </a:buClr>
+              <a:buSzPct val="70000"/>
+              <a:buFont typeface="Arial"/>
+              <a:buChar char="•"/>
+            </a:pPr>
+            <a:r>
+              <a:rPr lang="de-DE" sz="2000" b="0" strike="noStrike" spc="-1" dirty="0">
+                <a:solidFill>
+                  <a:srgbClr val="E2E8E2"/>
+                </a:solidFill>
+                <a:latin typeface="Georgia Pro Light"/>
+                <a:ea typeface="DejaVu Sans"/>
+              </a:rPr>
+              <a:t>Internetanbindung</a:t>
+            </a:r>
+          </a:p>
+          <a:p>
+            <a:pPr marL="228600" indent="-228600">
+              <a:lnSpc>
+                <a:spcPct val="120000"/>
+              </a:lnSpc>
+              <a:spcBef>
+                <a:spcPts val="1001"/>
+              </a:spcBef>
+              <a:buClr>
+                <a:srgbClr val="E2E8E2"/>
+              </a:buClr>
+              <a:buSzPct val="70000"/>
+              <a:buFont typeface="Arial"/>
+              <a:buChar char="•"/>
+            </a:pPr>
+            <a:endParaRPr lang="de-DE" sz="2000" b="0" strike="noStrike" spc="-1" dirty="0">
+              <a:solidFill>
+                <a:srgbClr val="000000"/>
+              </a:solidFill>
+              <a:latin typeface="Arial"/>
+            </a:endParaRPr>
+          </a:p>
+          <a:p>
+            <a:pPr marL="228600" indent="-228600">
+              <a:lnSpc>
+                <a:spcPct val="120000"/>
+              </a:lnSpc>
+              <a:spcBef>
+                <a:spcPts val="1001"/>
+              </a:spcBef>
+              <a:buClr>
+                <a:srgbClr val="E2E8E2"/>
+              </a:buClr>
+              <a:buSzPct val="70000"/>
+              <a:buFont typeface="Arial"/>
+              <a:buChar char="•"/>
+            </a:pPr>
+            <a:r>
+              <a:rPr lang="de-DE" sz="2000" b="0" strike="noStrike" spc="-1" dirty="0">
+                <a:solidFill>
+                  <a:srgbClr val="E2E8E2"/>
+                </a:solidFill>
+                <a:latin typeface="Georgia Pro Light"/>
+                <a:ea typeface="DejaVu Sans"/>
+              </a:rPr>
+              <a:t>Smarter Alkoholtest</a:t>
+            </a:r>
+            <a:endParaRPr lang="de-DE" sz="2000" b="0" strike="noStrike" spc="-1" dirty="0">
+              <a:solidFill>
+                <a:srgbClr val="000000"/>
+              </a:solidFill>
+              <a:latin typeface="Arial"/>
+            </a:endParaRPr>
+          </a:p>
+          <a:p>
+            <a:pPr>
+              <a:lnSpc>
+                <a:spcPct val="120000"/>
+              </a:lnSpc>
+              <a:spcBef>
+                <a:spcPts val="1001"/>
+              </a:spcBef>
+              <a:buNone/>
+            </a:pPr>
+            <a:endParaRPr lang="de-DE" sz="2000" b="0" strike="noStrike" spc="-1" dirty="0">
+              <a:solidFill>
+                <a:srgbClr val="000000"/>
+              </a:solidFill>
+              <a:latin typeface="Arial"/>
+            </a:endParaRPr>
+          </a:p>
+          <a:p>
+            <a:pPr>
+              <a:lnSpc>
+                <a:spcPct val="120000"/>
+              </a:lnSpc>
+              <a:spcBef>
+                <a:spcPts val="1001"/>
+              </a:spcBef>
+              <a:buNone/>
+            </a:pPr>
+            <a:endParaRPr lang="de-DE" sz="2000" b="0" strike="noStrike" spc="-1" dirty="0">
+              <a:solidFill>
+                <a:srgbClr val="000000"/>
+              </a:solidFill>
+              <a:latin typeface="Arial"/>
+            </a:endParaRPr>
+          </a:p>
+        </p:txBody>
+      </p:sp>
+    </p:spTree>
+  </p:cSld>
+  <p:clrMapOvr>
+    <a:masterClrMapping/>
+  </p:clrMapOvr>
+</p:sld>
+</file>
+
+<file path=ppt/slides/slide3.xml><?xml version="1.0" encoding="utf-8"?>
+<p:sld xmlns:a="http://schemas.openxmlformats.org/drawingml/2006/main" xmlns:r="http://schemas.openxmlformats.org/officeDocument/2006/relationships" xmlns:p="http://schemas.openxmlformats.org/presentationml/2006/main">
+  <p:cSld>
+    <p:spTree>
+      <p:nvGrpSpPr>
+        <p:cNvPr id="1" name=""/>
+        <p:cNvGrpSpPr/>
+        <p:nvPr/>
+      </p:nvGrpSpPr>
+      <p:grpSpPr>
+        <a:xfrm>
+          <a:off x="0" y="0"/>
+          <a:ext cx="0" cy="0"/>
+          <a:chOff x="0" y="0"/>
+          <a:chExt cx="0" cy="0"/>
+        </a:xfrm>
+      </p:grpSpPr>
+      <p:sp>
+        <p:nvSpPr>
+          <p:cNvPr id="93" name="PlaceHolder 1"/>
+          <p:cNvSpPr>
+            <a:spLocks noGrp="1"/>
+          </p:cNvSpPr>
+          <p:nvPr>
+            <p:ph type="title"/>
+          </p:nvPr>
+        </p:nvSpPr>
+        <p:spPr>
+          <a:xfrm>
+            <a:off x="849600" y="876240"/>
+            <a:ext cx="10427040" cy="1085400"/>
+          </a:xfrm>
+          <a:prstGeom prst="rect">
+            <a:avLst/>
+          </a:prstGeom>
+          <a:noFill/>
+          <a:ln w="0">
+            <a:noFill/>
+          </a:ln>
+        </p:spPr>
+        <p:txBody>
+          <a:bodyPr lIns="90000" tIns="45000" rIns="90000" bIns="45000" anchor="b">
+            <a:noAutofit/>
+          </a:bodyPr>
+          <a:lstStyle/>
+          <a:p>
+            <a:pPr>
+              <a:lnSpc>
+                <a:spcPct val="100000"/>
+              </a:lnSpc>
+              <a:buNone/>
+            </a:pPr>
+            <a:r>
+              <a:rPr lang="de-DE" sz="4400" b="0" strike="noStrike" spc="-1">
+                <a:solidFill>
+                  <a:srgbClr val="E2E8E2"/>
+                </a:solidFill>
+                <a:latin typeface="Georgia Pro Light"/>
+                <a:ea typeface="DejaVu Sans"/>
+              </a:rPr>
+              <a:t>Lösung</a:t>
+            </a:r>
+            <a:endParaRPr lang="de-DE" sz="4400" b="0" strike="noStrike" spc="-1">
+              <a:solidFill>
+                <a:srgbClr val="000000"/>
+              </a:solidFill>
+              <a:latin typeface="Arial"/>
+            </a:endParaRPr>
+          </a:p>
+        </p:txBody>
+      </p:sp>
+      <p:sp>
+        <p:nvSpPr>
+          <p:cNvPr id="94" name="PlaceHolder 2"/>
+          <p:cNvSpPr>
+            <a:spLocks noGrp="1"/>
+          </p:cNvSpPr>
+          <p:nvPr>
+            <p:ph/>
+          </p:nvPr>
+        </p:nvSpPr>
+        <p:spPr>
+          <a:xfrm>
+            <a:off x="849600" y="2066040"/>
+            <a:ext cx="10427040" cy="3902400"/>
+          </a:xfrm>
+          <a:prstGeom prst="rect">
+            <a:avLst/>
+          </a:prstGeom>
+          <a:noFill/>
+          <a:ln w="0">
+            <a:noFill/>
+          </a:ln>
+        </p:spPr>
+        <p:txBody>
+          <a:bodyPr lIns="0" tIns="0" rIns="0" bIns="0" anchor="t">
+            <a:normAutofit/>
+          </a:bodyPr>
+          <a:lstStyle/>
+          <a:p>
+            <a:pPr marL="228600" indent="-228600">
+              <a:lnSpc>
+                <a:spcPct val="120000"/>
+              </a:lnSpc>
+              <a:spcBef>
+                <a:spcPts val="1001"/>
+              </a:spcBef>
+              <a:buClr>
+                <a:srgbClr val="E2E8E2"/>
+              </a:buClr>
+              <a:buSzPct val="70000"/>
+              <a:buFont typeface="Arial"/>
+              <a:buChar char="•"/>
+            </a:pPr>
+            <a:r>
+              <a:rPr lang="de-DE" sz="2000" b="0" strike="noStrike" spc="-1" dirty="0">
+                <a:solidFill>
+                  <a:srgbClr val="E2E8E2"/>
+                </a:solidFill>
+                <a:latin typeface="Georgia Pro Light"/>
+                <a:ea typeface="DejaVu Sans"/>
+              </a:rPr>
+              <a:t>Aufzeichnung der Promille-Werte</a:t>
+            </a:r>
+          </a:p>
+          <a:p>
+            <a:pPr marL="228600" indent="-228600">
+              <a:lnSpc>
+                <a:spcPct val="120000"/>
+              </a:lnSpc>
+              <a:spcBef>
+                <a:spcPts val="1001"/>
+              </a:spcBef>
+              <a:buClr>
+                <a:srgbClr val="E2E8E2"/>
+              </a:buClr>
+              <a:buSzPct val="70000"/>
+              <a:buFont typeface="Arial"/>
+              <a:buChar char="•"/>
+            </a:pPr>
+            <a:endParaRPr lang="de-DE" sz="2000" b="0" strike="noStrike" spc="-1" dirty="0">
+              <a:solidFill>
+                <a:srgbClr val="000000"/>
+              </a:solidFill>
+              <a:latin typeface="Arial"/>
+            </a:endParaRPr>
+          </a:p>
+          <a:p>
+            <a:pPr marL="228600" indent="-228600">
+              <a:lnSpc>
+                <a:spcPct val="120000"/>
+              </a:lnSpc>
+              <a:spcBef>
+                <a:spcPts val="1001"/>
+              </a:spcBef>
+              <a:buClr>
+                <a:srgbClr val="E2E8E2"/>
+              </a:buClr>
+              <a:buSzPct val="70000"/>
+              <a:buFont typeface="Arial"/>
+              <a:buChar char="•"/>
+            </a:pPr>
+            <a:r>
+              <a:rPr lang="de-DE" sz="2000" b="0" strike="noStrike" spc="-1" dirty="0">
+                <a:solidFill>
+                  <a:srgbClr val="E2E8E2"/>
+                </a:solidFill>
+                <a:latin typeface="Georgia Pro Light"/>
+                <a:ea typeface="DejaVu Sans"/>
+              </a:rPr>
+              <a:t>Applikation</a:t>
+            </a:r>
+          </a:p>
+          <a:p>
+            <a:pPr marL="228600" indent="-228600">
+              <a:lnSpc>
+                <a:spcPct val="120000"/>
+              </a:lnSpc>
+              <a:spcBef>
+                <a:spcPts val="1001"/>
+              </a:spcBef>
+              <a:buClr>
+                <a:srgbClr val="E2E8E2"/>
+              </a:buClr>
+              <a:buSzPct val="70000"/>
+              <a:buFont typeface="Arial"/>
+              <a:buChar char="•"/>
+            </a:pPr>
+            <a:endParaRPr lang="de-DE" sz="2000" b="0" strike="noStrike" spc="-1" dirty="0">
+              <a:solidFill>
+                <a:srgbClr val="000000"/>
+              </a:solidFill>
+              <a:latin typeface="Arial"/>
+            </a:endParaRPr>
+          </a:p>
+          <a:p>
+            <a:pPr marL="228600" indent="-228600">
+              <a:lnSpc>
+                <a:spcPct val="120000"/>
+              </a:lnSpc>
+              <a:spcBef>
+                <a:spcPts val="1001"/>
+              </a:spcBef>
+              <a:buClr>
+                <a:srgbClr val="E2E8E2"/>
+              </a:buClr>
+              <a:buSzPct val="70000"/>
+              <a:buFont typeface="Arial"/>
+              <a:buChar char="•"/>
+            </a:pPr>
+            <a:r>
+              <a:rPr lang="de-DE" sz="2000" b="0" strike="noStrike" spc="-1" dirty="0">
+                <a:solidFill>
+                  <a:srgbClr val="E2E8E2"/>
+                </a:solidFill>
+                <a:latin typeface="Georgia Pro Light"/>
+                <a:ea typeface="DejaVu Sans"/>
+              </a:rPr>
+              <a:t>Cloud-Anbindung über WLAN</a:t>
+            </a:r>
+          </a:p>
+          <a:p>
+            <a:pPr marL="228600" indent="-228600">
+              <a:lnSpc>
+                <a:spcPct val="120000"/>
+              </a:lnSpc>
+              <a:spcBef>
+                <a:spcPts val="1001"/>
+              </a:spcBef>
+              <a:buClr>
+                <a:srgbClr val="E2E8E2"/>
+              </a:buClr>
+              <a:buSzPct val="70000"/>
+              <a:buFont typeface="Arial"/>
+              <a:buChar char="•"/>
+            </a:pPr>
+            <a:endParaRPr lang="de-DE" sz="2000" b="0" strike="noStrike" spc="-1" dirty="0">
+              <a:solidFill>
+                <a:srgbClr val="000000"/>
+              </a:solidFill>
+              <a:latin typeface="Arial"/>
+            </a:endParaRPr>
+          </a:p>
+          <a:p>
+            <a:pPr marL="228600" indent="-228600">
+              <a:lnSpc>
+                <a:spcPct val="120000"/>
+              </a:lnSpc>
+              <a:spcBef>
+                <a:spcPts val="1001"/>
+              </a:spcBef>
+              <a:buClr>
+                <a:srgbClr val="E2E8E2"/>
+              </a:buClr>
+              <a:buSzPct val="70000"/>
+              <a:buFont typeface="Arial"/>
+              <a:buChar char="•"/>
+            </a:pPr>
+            <a:r>
+              <a:rPr lang="de-DE" sz="2000" b="0" strike="noStrike" spc="-1" dirty="0">
+                <a:solidFill>
+                  <a:srgbClr val="E2E8E2"/>
+                </a:solidFill>
+                <a:latin typeface="Georgia Pro Light"/>
+                <a:ea typeface="DejaVu Sans"/>
+              </a:rPr>
+              <a:t>Warnung vor alkoholisiertem Fahren durch einen Alexa-Skill und eine App</a:t>
+            </a:r>
+            <a:endParaRPr lang="de-DE" sz="2000" b="0" strike="noStrike" spc="-1" dirty="0">
+              <a:solidFill>
+                <a:srgbClr val="000000"/>
+              </a:solidFill>
+              <a:latin typeface="Arial"/>
+            </a:endParaRPr>
+          </a:p>
+        </p:txBody>
+      </p:sp>
+    </p:spTree>
+  </p:cSld>
+  <p:clrMapOvr>
+    <a:masterClrMapping/>
+  </p:clrMapOvr>
+</p:sld>
+</file>
+
+<file path=ppt/slides/slide4.xml><?xml version="1.0" encoding="utf-8"?>
+<p:sld xmlns:a="http://schemas.openxmlformats.org/drawingml/2006/main" xmlns:r="http://schemas.openxmlformats.org/officeDocument/2006/relationships" xmlns:p="http://schemas.openxmlformats.org/presentationml/2006/main">
+  <p:cSld>
+    <p:spTree>
+      <p:nvGrpSpPr>
+        <p:cNvPr id="1" name=""/>
+        <p:cNvGrpSpPr/>
+        <p:nvPr/>
+      </p:nvGrpSpPr>
+      <p:grpSpPr>
+        <a:xfrm>
+          <a:off x="0" y="0"/>
+          <a:ext cx="0" cy="0"/>
+          <a:chOff x="0" y="0"/>
+          <a:chExt cx="0" cy="0"/>
+        </a:xfrm>
+      </p:grpSpPr>
+      <p:sp>
+        <p:nvSpPr>
+          <p:cNvPr id="113" name="PlaceHolder 1"/>
+          <p:cNvSpPr>
+            <a:spLocks noGrp="1"/>
+          </p:cNvSpPr>
+          <p:nvPr>
+            <p:ph type="title"/>
+          </p:nvPr>
+        </p:nvSpPr>
+        <p:spPr>
+          <a:xfrm>
+            <a:off x="849600" y="876240"/>
+            <a:ext cx="10427040" cy="1085400"/>
+          </a:xfrm>
+          <a:prstGeom prst="rect">
+            <a:avLst/>
+          </a:prstGeom>
+          <a:noFill/>
+          <a:ln w="0">
+            <a:noFill/>
+          </a:ln>
+        </p:spPr>
+        <p:txBody>
+          <a:bodyPr lIns="90000" tIns="45000" rIns="90000" bIns="45000" anchor="b">
+            <a:noAutofit/>
+          </a:bodyPr>
+          <a:lstStyle/>
+          <a:p>
+            <a:pPr>
+              <a:lnSpc>
+                <a:spcPct val="100000"/>
+              </a:lnSpc>
+              <a:buNone/>
+            </a:pPr>
+            <a:r>
+              <a:rPr lang="de-DE" sz="4400" b="0" strike="noStrike" spc="-1" dirty="0">
+                <a:solidFill>
+                  <a:srgbClr val="E2E8E2"/>
+                </a:solidFill>
+                <a:latin typeface="Georgia Pro Light"/>
+                <a:ea typeface="DejaVu Sans"/>
+              </a:rPr>
+              <a:t>Produkt Features	</a:t>
+            </a:r>
+            <a:endParaRPr lang="de-DE" sz="4400" b="0" strike="noStrike" spc="-1" dirty="0">
+              <a:solidFill>
+                <a:srgbClr val="000000"/>
+              </a:solidFill>
+              <a:latin typeface="Arial"/>
+            </a:endParaRPr>
+          </a:p>
+        </p:txBody>
+      </p:sp>
+      <p:sp>
+        <p:nvSpPr>
+          <p:cNvPr id="114" name="PlaceHolder 2"/>
+          <p:cNvSpPr>
+            <a:spLocks noGrp="1"/>
+          </p:cNvSpPr>
+          <p:nvPr>
+            <p:ph/>
+          </p:nvPr>
+        </p:nvSpPr>
+        <p:spPr>
+          <a:xfrm>
+            <a:off x="849600" y="2066040"/>
+            <a:ext cx="10427040" cy="3902400"/>
+          </a:xfrm>
+          <a:prstGeom prst="rect">
+            <a:avLst/>
+          </a:prstGeom>
+          <a:noFill/>
+          <a:ln w="0">
+            <a:noFill/>
+          </a:ln>
+        </p:spPr>
+        <p:txBody>
+          <a:bodyPr lIns="0" tIns="0" rIns="0" bIns="0" anchor="t">
+            <a:normAutofit/>
+          </a:bodyPr>
+          <a:lstStyle/>
+          <a:p>
+            <a:pPr marL="228600" indent="-228600">
+              <a:lnSpc>
+                <a:spcPct val="120000"/>
+              </a:lnSpc>
+              <a:spcBef>
+                <a:spcPts val="1001"/>
+              </a:spcBef>
+              <a:buClr>
+                <a:srgbClr val="E2E8E2"/>
+              </a:buClr>
+              <a:buSzPct val="70000"/>
+              <a:buFont typeface="Arial"/>
+              <a:buChar char="•"/>
+            </a:pPr>
+            <a:r>
+              <a:rPr lang="de-DE" sz="2000" b="0" strike="noStrike" spc="-1">
+                <a:solidFill>
+                  <a:srgbClr val="E2E8E2"/>
+                </a:solidFill>
+                <a:latin typeface="Georgia Pro Light"/>
+                <a:ea typeface="DejaVu Sans"/>
+              </a:rPr>
+              <a:t>Alkoholsensordaten werden von einem µC in Cloud hochgeladen</a:t>
+            </a:r>
+            <a:endParaRPr lang="de-DE" sz="2000" b="0" strike="noStrike" spc="-1">
+              <a:solidFill>
+                <a:srgbClr val="000000"/>
+              </a:solidFill>
+              <a:latin typeface="Arial"/>
+            </a:endParaRPr>
+          </a:p>
+          <a:p>
+            <a:pPr>
+              <a:lnSpc>
+                <a:spcPct val="120000"/>
+              </a:lnSpc>
+              <a:spcBef>
+                <a:spcPts val="1001"/>
+              </a:spcBef>
+              <a:buNone/>
+            </a:pPr>
+            <a:endParaRPr lang="de-DE" sz="2000" b="0" strike="noStrike" spc="-1">
+              <a:solidFill>
+                <a:srgbClr val="000000"/>
+              </a:solidFill>
+              <a:latin typeface="Arial"/>
+            </a:endParaRPr>
+          </a:p>
+          <a:p>
+            <a:pPr marL="228600" indent="-228600">
+              <a:lnSpc>
+                <a:spcPct val="120000"/>
+              </a:lnSpc>
+              <a:spcBef>
+                <a:spcPts val="1001"/>
+              </a:spcBef>
+              <a:buClr>
+                <a:srgbClr val="E2E8E2"/>
+              </a:buClr>
+              <a:buSzPct val="70000"/>
+              <a:buFont typeface="Arial"/>
+              <a:buChar char="•"/>
+            </a:pPr>
+            <a:r>
+              <a:rPr lang="de-DE" sz="2000" b="0" strike="noStrike" spc="-1">
+                <a:solidFill>
+                  <a:srgbClr val="E2E8E2"/>
+                </a:solidFill>
+                <a:latin typeface="Georgia Pro Light"/>
+                <a:ea typeface="DejaVu Sans"/>
+              </a:rPr>
+              <a:t>Auswertung der Daten per App</a:t>
+            </a:r>
+            <a:endParaRPr lang="de-DE" sz="2000" b="0" strike="noStrike" spc="-1">
+              <a:solidFill>
+                <a:srgbClr val="000000"/>
+              </a:solidFill>
+              <a:latin typeface="Arial"/>
+            </a:endParaRPr>
+          </a:p>
+          <a:p>
+            <a:pPr>
+              <a:lnSpc>
+                <a:spcPct val="120000"/>
+              </a:lnSpc>
+              <a:spcBef>
+                <a:spcPts val="1001"/>
+              </a:spcBef>
+              <a:buNone/>
+            </a:pPr>
+            <a:endParaRPr lang="de-DE" sz="2000" b="0" strike="noStrike" spc="-1">
+              <a:solidFill>
+                <a:srgbClr val="000000"/>
+              </a:solidFill>
+              <a:latin typeface="Arial"/>
+            </a:endParaRPr>
+          </a:p>
+          <a:p>
+            <a:pPr marL="228600" indent="-228600">
+              <a:lnSpc>
+                <a:spcPct val="120000"/>
+              </a:lnSpc>
+              <a:spcBef>
+                <a:spcPts val="1001"/>
+              </a:spcBef>
+              <a:buClr>
+                <a:srgbClr val="E2E8E2"/>
+              </a:buClr>
+              <a:buSzPct val="70000"/>
+              <a:buFont typeface="Arial"/>
+              <a:buChar char="•"/>
+            </a:pPr>
+            <a:r>
+              <a:rPr lang="de-DE" sz="2000" b="0" strike="noStrike" spc="-1">
+                <a:solidFill>
+                  <a:srgbClr val="E2E8E2"/>
+                </a:solidFill>
+                <a:latin typeface="Georgia Pro Light"/>
+                <a:ea typeface="DejaVu Sans"/>
+              </a:rPr>
+              <a:t> Auswertung der Daten mit Alexa</a:t>
+            </a:r>
+            <a:endParaRPr lang="de-DE" sz="2000" b="0" strike="noStrike" spc="-1">
+              <a:solidFill>
+                <a:srgbClr val="000000"/>
+              </a:solidFill>
+              <a:latin typeface="Arial"/>
+            </a:endParaRPr>
+          </a:p>
+          <a:p>
+            <a:pPr>
+              <a:lnSpc>
+                <a:spcPct val="120000"/>
+              </a:lnSpc>
+              <a:spcBef>
+                <a:spcPts val="1001"/>
+              </a:spcBef>
+              <a:buNone/>
+            </a:pPr>
+            <a:endParaRPr lang="de-DE" sz="2000" b="0" strike="noStrike" spc="-1">
+              <a:solidFill>
+                <a:srgbClr val="000000"/>
+              </a:solidFill>
+              <a:latin typeface="Arial"/>
+            </a:endParaRPr>
+          </a:p>
+        </p:txBody>
+      </p:sp>
+      <p:sp>
+        <p:nvSpPr>
+          <p:cNvPr id="115" name="AutoShape 6"/>
+          <p:cNvSpPr/>
+          <p:nvPr/>
+        </p:nvSpPr>
+        <p:spPr>
+          <a:xfrm>
+            <a:off x="9161280" y="3346560"/>
+            <a:ext cx="1775880" cy="1775880"/>
+          </a:xfrm>
+          <a:prstGeom prst="rect">
+            <a:avLst/>
+          </a:prstGeom>
+          <a:noFill/>
+          <a:ln w="0">
+            <a:noFill/>
+          </a:ln>
+        </p:spPr>
+        <p:style>
+          <a:lnRef idx="0">
+            <a:scrgbClr r="0" g="0" b="0"/>
+          </a:lnRef>
+          <a:fillRef idx="0">
+            <a:scrgbClr r="0" g="0" b="0"/>
+          </a:fillRef>
+          <a:effectRef idx="0">
+            <a:scrgbClr r="0" g="0" b="0"/>
+          </a:effectRef>
+          <a:fontRef idx="minor"/>
+        </p:style>
+      </p:sp>
+      <mc:AlternateContent xmlns:mc="http://schemas.openxmlformats.org/markup-compatibility/2006" xmlns:a14="http://schemas.microsoft.com/office/drawing/2010/main">
+        <mc:Choice Requires="a14">
+          <p:sp>
+            <p:nvSpPr>
+              <p:cNvPr id="116" name="Textfeld 115"/>
+              <p:cNvSpPr txBox="1"/>
+              <p:nvPr/>
+            </p:nvSpPr>
+            <p:spPr>
+              <a:xfrm>
+                <a:off x="5763240" y="3264480"/>
+                <a:ext cx="719640" cy="359640"/>
+              </a:xfrm>
+              <a:prstGeom prst="rect">
+                <a:avLst/>
+              </a:prstGeom>
+            </p:spPr>
+            <p:txBody>
+              <a:bodyPr/>
+              <a:lstStyle/>
+              <a:p>
+                <a:endParaRPr/>
+              </a:p>
+            </p:txBody>
+          </p:sp>
+        </mc:Choice>
+        <mc:Fallback xmlns="" xmlns:p14="http://schemas.microsoft.com/office/powerpoint/2010/main" xmlns:p15="http://schemas.microsoft.com/office/powerpoint/2012/main"/>
+      </mc:AlternateContent>
+    </p:spTree>
+  </p:cSld>
+  <p:clrMapOvr>
+    <a:masterClrMapping/>
+  </p:clrMapOvr>
+</p:sld>
+</file>
+
+<file path=ppt/slides/slide5.xml><?xml version="1.0" encoding="utf-8"?>
+<p:sld xmlns:a="http://schemas.openxmlformats.org/drawingml/2006/main" xmlns:r="http://schemas.openxmlformats.org/officeDocument/2006/relationships" xmlns:p="http://schemas.openxmlformats.org/presentationml/2006/main">
+  <p:cSld>
+    <p:spTree>
+      <p:nvGrpSpPr>
+        <p:cNvPr id="1" name=""/>
+        <p:cNvGrpSpPr/>
+        <p:nvPr/>
+      </p:nvGrpSpPr>
+      <p:grpSpPr>
+        <a:xfrm>
+          <a:off x="0" y="0"/>
+          <a:ext cx="0" cy="0"/>
+          <a:chOff x="0" y="0"/>
+          <a:chExt cx="0" cy="0"/>
+        </a:xfrm>
+      </p:grpSpPr>
+      <p:sp>
+        <p:nvSpPr>
+          <p:cNvPr id="95" name="PlaceHolder 1"/>
+          <p:cNvSpPr>
+            <a:spLocks noGrp="1"/>
+          </p:cNvSpPr>
+          <p:nvPr>
+            <p:ph type="title"/>
+          </p:nvPr>
+        </p:nvSpPr>
+        <p:spPr>
+          <a:xfrm>
+            <a:off x="849600" y="876240"/>
+            <a:ext cx="10427040" cy="1085400"/>
+          </a:xfrm>
+          <a:prstGeom prst="rect">
+            <a:avLst/>
+          </a:prstGeom>
+          <a:noFill/>
+          <a:ln w="0">
+            <a:noFill/>
+          </a:ln>
+        </p:spPr>
+        <p:txBody>
+          <a:bodyPr lIns="90000" tIns="45000" rIns="90000" bIns="45000" anchor="b">
+            <a:normAutofit/>
+          </a:bodyPr>
+          <a:lstStyle/>
+          <a:p>
+            <a:pPr>
+              <a:lnSpc>
+                <a:spcPct val="100000"/>
+              </a:lnSpc>
+              <a:buNone/>
+            </a:pPr>
+            <a:r>
+              <a:rPr lang="de-DE" sz="4400" b="0" strike="noStrike" spc="-1">
+                <a:solidFill>
+                  <a:srgbClr val="E2E8E2"/>
+                </a:solidFill>
+                <a:latin typeface="Georgia Pro Light"/>
+                <a:ea typeface="DejaVu Sans"/>
+              </a:rPr>
+              <a:t>Aufbau des Produkts</a:t>
+            </a:r>
+            <a:endParaRPr lang="de-DE" sz="4400" b="0" strike="noStrike" spc="-1">
+              <a:solidFill>
+                <a:srgbClr val="000000"/>
+              </a:solidFill>
+              <a:latin typeface="Arial"/>
+            </a:endParaRPr>
+          </a:p>
+        </p:txBody>
+      </p:sp>
+      <p:pic>
+        <p:nvPicPr>
+          <p:cNvPr id="96" name="Picture 4" descr="Powerbank Test: Die 40 besten Powerbanks 2022 im Vergleich"/>
+          <p:cNvPicPr/>
+          <p:nvPr/>
+        </p:nvPicPr>
+        <p:blipFill>
+          <a:blip r:embed="rId2"/>
+          <a:srcRect l="18331" t="16290" r="13257" b="15298"/>
+          <a:stretch/>
+        </p:blipFill>
+        <p:spPr>
+          <a:xfrm>
+            <a:off x="1314000" y="3216240"/>
+            <a:ext cx="1288080" cy="1288080"/>
+          </a:xfrm>
+          <a:prstGeom prst="rect">
+            <a:avLst/>
+          </a:prstGeom>
+          <a:ln w="0">
+            <a:noFill/>
+          </a:ln>
+        </p:spPr>
+      </p:pic>
+      <p:pic>
+        <p:nvPicPr>
+          <p:cNvPr id="97" name="Grafik 4"/>
+          <p:cNvPicPr/>
+          <p:nvPr/>
+        </p:nvPicPr>
+        <p:blipFill>
+          <a:blip r:embed="rId3"/>
+          <a:stretch/>
+        </p:blipFill>
+        <p:spPr>
+          <a:xfrm>
+            <a:off x="3494520" y="2819160"/>
+            <a:ext cx="1223640" cy="2082600"/>
+          </a:xfrm>
+          <a:prstGeom prst="rect">
+            <a:avLst/>
+          </a:prstGeom>
+          <a:ln w="0">
+            <a:noFill/>
+          </a:ln>
+        </p:spPr>
+      </p:pic>
+      <p:pic>
+        <p:nvPicPr>
+          <p:cNvPr id="98" name="Grafik 5"/>
+          <p:cNvPicPr/>
+          <p:nvPr/>
+        </p:nvPicPr>
+        <p:blipFill>
+          <a:blip r:embed="rId4"/>
+          <a:stretch/>
+        </p:blipFill>
+        <p:spPr>
+          <a:xfrm>
+            <a:off x="5839920" y="2881440"/>
+            <a:ext cx="615960" cy="911160"/>
+          </a:xfrm>
+          <a:prstGeom prst="rect">
+            <a:avLst/>
+          </a:prstGeom>
+          <a:ln w="0">
+            <a:noFill/>
+          </a:ln>
+        </p:spPr>
+      </p:pic>
+      <p:pic>
+        <p:nvPicPr>
+          <p:cNvPr id="99" name="Grafik 7"/>
+          <p:cNvPicPr/>
+          <p:nvPr/>
+        </p:nvPicPr>
+        <p:blipFill>
+          <a:blip r:embed="rId5"/>
+          <a:srcRect l="25960" r="27782"/>
+          <a:stretch/>
+        </p:blipFill>
+        <p:spPr>
+          <a:xfrm>
+            <a:off x="7919280" y="3061800"/>
+            <a:ext cx="608400" cy="1053360"/>
+          </a:xfrm>
+          <a:prstGeom prst="rect">
+            <a:avLst/>
+          </a:prstGeom>
+          <a:ln w="0">
+            <a:noFill/>
+          </a:ln>
+        </p:spPr>
+      </p:pic>
+      <p:sp>
+        <p:nvSpPr>
+          <p:cNvPr id="100" name="Pfeil nach rechts 11"/>
+          <p:cNvSpPr/>
+          <p:nvPr/>
+        </p:nvSpPr>
+        <p:spPr>
+          <a:xfrm>
+            <a:off x="2602800" y="3643200"/>
+            <a:ext cx="891000" cy="434880"/>
+          </a:xfrm>
+          <a:prstGeom prst="rightArrow">
+            <a:avLst>
+              <a:gd name="adj1" fmla="val 50000"/>
+              <a:gd name="adj2" fmla="val 50000"/>
+            </a:avLst>
+          </a:prstGeom>
+          <a:solidFill>
+            <a:srgbClr val="C24DC3"/>
+          </a:solidFill>
+          <a:ln>
+            <a:solidFill>
+              <a:srgbClr val="8F3890"/>
+            </a:solidFill>
+          </a:ln>
+        </p:spPr>
+        <p:style>
+          <a:lnRef idx="2">
+            <a:schemeClr val="accent1">
+              <a:shade val="50000"/>
+            </a:schemeClr>
+          </a:lnRef>
+          <a:fillRef idx="1">
+            <a:schemeClr val="accent1"/>
+          </a:fillRef>
+          <a:effectRef idx="0">
+            <a:schemeClr val="accent1"/>
+          </a:effectRef>
+          <a:fontRef idx="minor"/>
+        </p:style>
+      </p:sp>
+      <p:sp>
+        <p:nvSpPr>
+          <p:cNvPr id="101" name="Pfeil nach rechts 12"/>
+          <p:cNvSpPr/>
+          <p:nvPr/>
+        </p:nvSpPr>
+        <p:spPr>
+          <a:xfrm>
+            <a:off x="4718880" y="3119760"/>
+            <a:ext cx="1120320" cy="434880"/>
+          </a:xfrm>
+          <a:prstGeom prst="rightArrow">
+            <a:avLst>
+              <a:gd name="adj1" fmla="val 50000"/>
+              <a:gd name="adj2" fmla="val 50000"/>
+            </a:avLst>
+          </a:prstGeom>
+          <a:solidFill>
+            <a:srgbClr val="C24DC3"/>
+          </a:solidFill>
+          <a:ln>
+            <a:solidFill>
+              <a:srgbClr val="8F3890"/>
+            </a:solidFill>
+          </a:ln>
+        </p:spPr>
+        <p:style>
+          <a:lnRef idx="2">
+            <a:schemeClr val="accent1">
+              <a:shade val="50000"/>
+            </a:schemeClr>
+          </a:lnRef>
+          <a:fillRef idx="1">
+            <a:schemeClr val="accent1"/>
+          </a:fillRef>
+          <a:effectRef idx="0">
+            <a:schemeClr val="accent1"/>
+          </a:effectRef>
+          <a:fontRef idx="minor"/>
+        </p:style>
+      </p:sp>
+      <p:sp>
+        <p:nvSpPr>
+          <p:cNvPr id="102" name="Pfeil nach rechts 13"/>
+          <p:cNvSpPr/>
+          <p:nvPr/>
+        </p:nvSpPr>
+        <p:spPr>
+          <a:xfrm>
+            <a:off x="4718880" y="4388760"/>
+            <a:ext cx="1159560" cy="434880"/>
+          </a:xfrm>
+          <a:prstGeom prst="rightArrow">
+            <a:avLst>
+              <a:gd name="adj1" fmla="val 50000"/>
+              <a:gd name="adj2" fmla="val 50000"/>
+            </a:avLst>
+          </a:prstGeom>
+          <a:solidFill>
+            <a:srgbClr val="C24DC3"/>
+          </a:solidFill>
+          <a:ln>
+            <a:solidFill>
+              <a:srgbClr val="8F3890"/>
+            </a:solidFill>
+          </a:ln>
+        </p:spPr>
+        <p:style>
+          <a:lnRef idx="2">
+            <a:schemeClr val="accent1">
+              <a:shade val="50000"/>
+            </a:schemeClr>
+          </a:lnRef>
+          <a:fillRef idx="1">
+            <a:schemeClr val="accent1"/>
+          </a:fillRef>
+          <a:effectRef idx="0">
+            <a:schemeClr val="accent1"/>
+          </a:effectRef>
+          <a:fontRef idx="minor"/>
+        </p:style>
+      </p:sp>
+      <p:pic>
+        <p:nvPicPr>
+          <p:cNvPr id="103" name="Grafik 15"/>
+          <p:cNvPicPr/>
+          <p:nvPr/>
+        </p:nvPicPr>
+        <p:blipFill>
+          <a:blip r:embed="rId6"/>
+          <a:srcRect l="13184" r="7391"/>
+          <a:stretch/>
+        </p:blipFill>
+        <p:spPr>
+          <a:xfrm>
+            <a:off x="5925600" y="4263480"/>
+            <a:ext cx="748080" cy="559800"/>
+          </a:xfrm>
+          <a:prstGeom prst="rect">
+            <a:avLst/>
+          </a:prstGeom>
+          <a:ln w="0">
+            <a:noFill/>
+          </a:ln>
+        </p:spPr>
+      </p:pic>
+      <p:sp>
+        <p:nvSpPr>
+          <p:cNvPr id="104" name="Pfeil nach rechts 17"/>
+          <p:cNvSpPr/>
+          <p:nvPr/>
+        </p:nvSpPr>
+        <p:spPr>
+          <a:xfrm rot="19980600">
+            <a:off x="6709320" y="4091760"/>
+            <a:ext cx="1159560" cy="279000"/>
+          </a:xfrm>
+          <a:prstGeom prst="rightArrow">
+            <a:avLst>
+              <a:gd name="adj1" fmla="val 50000"/>
+              <a:gd name="adj2" fmla="val 50000"/>
+            </a:avLst>
+          </a:prstGeom>
+          <a:solidFill>
+            <a:srgbClr val="C24DC3"/>
+          </a:solidFill>
+          <a:ln>
+            <a:solidFill>
+              <a:srgbClr val="8F3890"/>
+            </a:solidFill>
+          </a:ln>
+        </p:spPr>
+        <p:style>
+          <a:lnRef idx="2">
+            <a:schemeClr val="accent1">
+              <a:shade val="50000"/>
+            </a:schemeClr>
+          </a:lnRef>
+          <a:fillRef idx="1">
+            <a:schemeClr val="accent1"/>
+          </a:fillRef>
+          <a:effectRef idx="0">
+            <a:schemeClr val="accent1"/>
+          </a:effectRef>
+          <a:fontRef idx="minor"/>
+        </p:style>
+      </p:sp>
+      <p:sp>
+        <p:nvSpPr>
+          <p:cNvPr id="105" name="Pfeil nach rechts 18"/>
+          <p:cNvSpPr/>
+          <p:nvPr/>
+        </p:nvSpPr>
+        <p:spPr>
+          <a:xfrm rot="1888200">
+            <a:off x="6699600" y="4862880"/>
+            <a:ext cx="1159560" cy="279000"/>
+          </a:xfrm>
+          <a:prstGeom prst="rightArrow">
+            <a:avLst>
+              <a:gd name="adj1" fmla="val 50000"/>
+              <a:gd name="adj2" fmla="val 50000"/>
+            </a:avLst>
+          </a:prstGeom>
+          <a:solidFill>
+            <a:srgbClr val="C24DC3"/>
+          </a:solidFill>
+          <a:ln>
+            <a:solidFill>
+              <a:srgbClr val="8F3890"/>
+            </a:solidFill>
+          </a:ln>
+        </p:spPr>
+        <p:style>
+          <a:lnRef idx="2">
+            <a:schemeClr val="accent1">
+              <a:shade val="50000"/>
+            </a:schemeClr>
+          </a:lnRef>
+          <a:fillRef idx="1">
+            <a:schemeClr val="accent1"/>
+          </a:fillRef>
+          <a:effectRef idx="0">
+            <a:schemeClr val="accent1"/>
+          </a:effectRef>
+          <a:fontRef idx="minor"/>
+        </p:style>
+      </p:sp>
+      <p:pic>
+        <p:nvPicPr>
+          <p:cNvPr id="106" name="Picture 4" descr="Alexa dot PNG transparente Bilder, Bilder, Fotos | PNG Arts"/>
+          <p:cNvPicPr/>
+          <p:nvPr/>
+        </p:nvPicPr>
+        <p:blipFill>
+          <a:blip r:embed="rId7"/>
+          <a:stretch/>
+        </p:blipFill>
+        <p:spPr>
+          <a:xfrm>
+            <a:off x="7704720" y="5215320"/>
+            <a:ext cx="1152360" cy="648000"/>
+          </a:xfrm>
+          <a:prstGeom prst="rect">
+            <a:avLst/>
+          </a:prstGeom>
+          <a:ln w="0">
+            <a:noFill/>
+          </a:ln>
+        </p:spPr>
+      </p:pic>
+      <p:sp>
+        <p:nvSpPr>
+          <p:cNvPr id="107" name="Textfeld 20"/>
+          <p:cNvSpPr/>
+          <p:nvPr/>
+        </p:nvSpPr>
+        <p:spPr>
+          <a:xfrm>
+            <a:off x="1279800" y="2786400"/>
+            <a:ext cx="1463400" cy="364680"/>
+          </a:xfrm>
+          <a:prstGeom prst="rect">
+            <a:avLst/>
+          </a:prstGeom>
+          <a:noFill/>
+          <a:ln w="0">
+            <a:noFill/>
+          </a:ln>
+        </p:spPr>
+        <p:style>
+          <a:lnRef idx="0">
+            <a:scrgbClr r="0" g="0" b="0"/>
+          </a:lnRef>
+          <a:fillRef idx="0">
+            <a:scrgbClr r="0" g="0" b="0"/>
+          </a:fillRef>
+          <a:effectRef idx="0">
+            <a:scrgbClr r="0" g="0" b="0"/>
+          </a:effectRef>
+          <a:fontRef idx="minor"/>
+        </p:style>
+        <p:txBody>
+          <a:bodyPr lIns="90000" tIns="45000" rIns="90000" bIns="45000" anchor="t">
+            <a:spAutoFit/>
+          </a:bodyPr>
+          <a:lstStyle/>
+          <a:p>
+            <a:pPr>
+              <a:lnSpc>
+                <a:spcPct val="100000"/>
+              </a:lnSpc>
+              <a:buNone/>
+            </a:pPr>
+            <a:r>
+              <a:rPr lang="de-DE" sz="1800" b="0" strike="noStrike" spc="-1">
+                <a:solidFill>
+                  <a:srgbClr val="FFFFFF"/>
+                </a:solidFill>
+                <a:latin typeface="Georgia Pro Light"/>
+                <a:ea typeface="DejaVu Sans"/>
+              </a:rPr>
+              <a:t>Powerbank</a:t>
+            </a:r>
+            <a:endParaRPr lang="en-US" sz="1800" b="0" strike="noStrike" spc="-1">
+              <a:latin typeface="Arial"/>
+            </a:endParaRPr>
+          </a:p>
+        </p:txBody>
+      </p:sp>
+      <p:sp>
+        <p:nvSpPr>
+          <p:cNvPr id="108" name="Rechteck 21"/>
+          <p:cNvSpPr/>
+          <p:nvPr/>
+        </p:nvSpPr>
+        <p:spPr>
+          <a:xfrm>
+            <a:off x="3256920" y="2421000"/>
+            <a:ext cx="1842120" cy="364320"/>
+          </a:xfrm>
+          <a:prstGeom prst="rect">
+            <a:avLst/>
+          </a:prstGeom>
+          <a:noFill/>
+          <a:ln w="0">
+            <a:noFill/>
+          </a:ln>
+        </p:spPr>
+        <p:style>
+          <a:lnRef idx="0">
+            <a:scrgbClr r="0" g="0" b="0"/>
+          </a:lnRef>
+          <a:fillRef idx="0">
+            <a:scrgbClr r="0" g="0" b="0"/>
+          </a:fillRef>
+          <a:effectRef idx="0">
+            <a:scrgbClr r="0" g="0" b="0"/>
+          </a:effectRef>
+          <a:fontRef idx="minor"/>
+        </p:style>
+        <p:txBody>
+          <a:bodyPr wrap="none" lIns="90000" tIns="45000" rIns="90000" bIns="45000" anchor="t">
+            <a:spAutoFit/>
+          </a:bodyPr>
+          <a:lstStyle/>
+          <a:p>
+            <a:pPr>
+              <a:lnSpc>
+                <a:spcPct val="100000"/>
+              </a:lnSpc>
+              <a:buNone/>
+            </a:pPr>
+            <a:r>
+              <a:rPr lang="de-DE" sz="1800" b="0" strike="noStrike" spc="-1">
+                <a:solidFill>
+                  <a:srgbClr val="FFFFFF"/>
+                </a:solidFill>
+                <a:latin typeface="Georgia Pro Light"/>
+                <a:ea typeface="DejaVu Sans"/>
+              </a:rPr>
+              <a:t>Mikrocontroller</a:t>
+            </a:r>
+            <a:endParaRPr lang="en-US" sz="1800" b="0" strike="noStrike" spc="-1">
+              <a:latin typeface="Arial"/>
+            </a:endParaRPr>
+          </a:p>
+        </p:txBody>
+      </p:sp>
+      <p:sp>
+        <p:nvSpPr>
+          <p:cNvPr id="109" name="Rechteck 22"/>
+          <p:cNvSpPr/>
+          <p:nvPr/>
+        </p:nvSpPr>
+        <p:spPr>
+          <a:xfrm>
+            <a:off x="5394960" y="2441880"/>
+            <a:ext cx="1809720" cy="364320"/>
+          </a:xfrm>
+          <a:prstGeom prst="rect">
+            <a:avLst/>
+          </a:prstGeom>
+          <a:noFill/>
+          <a:ln w="0">
+            <a:noFill/>
+          </a:ln>
+        </p:spPr>
+        <p:style>
+          <a:lnRef idx="0">
+            <a:scrgbClr r="0" g="0" b="0"/>
+          </a:lnRef>
+          <a:fillRef idx="0">
+            <a:scrgbClr r="0" g="0" b="0"/>
+          </a:fillRef>
+          <a:effectRef idx="0">
+            <a:scrgbClr r="0" g="0" b="0"/>
+          </a:effectRef>
+          <a:fontRef idx="minor"/>
+        </p:style>
+        <p:txBody>
+          <a:bodyPr lIns="90000" tIns="45000" rIns="90000" bIns="45000" anchor="t">
+            <a:spAutoFit/>
+          </a:bodyPr>
+          <a:lstStyle/>
+          <a:p>
+            <a:pPr>
+              <a:lnSpc>
+                <a:spcPct val="100000"/>
+              </a:lnSpc>
+              <a:buNone/>
+            </a:pPr>
+            <a:r>
+              <a:rPr lang="de-DE" sz="1800" b="0" strike="noStrike" spc="-1">
+                <a:solidFill>
+                  <a:srgbClr val="FFFFFF"/>
+                </a:solidFill>
+                <a:latin typeface="Georgia Pro Light"/>
+                <a:ea typeface="DejaVu Sans"/>
+              </a:rPr>
+              <a:t>Alkoholsensor</a:t>
+            </a:r>
+            <a:endParaRPr lang="en-US" sz="1800" b="0" strike="noStrike" spc="-1">
+              <a:latin typeface="Arial"/>
+            </a:endParaRPr>
+          </a:p>
+        </p:txBody>
+      </p:sp>
+      <p:sp>
+        <p:nvSpPr>
+          <p:cNvPr id="110" name="Rechteck 23"/>
+          <p:cNvSpPr/>
+          <p:nvPr/>
+        </p:nvSpPr>
+        <p:spPr>
+          <a:xfrm>
+            <a:off x="5895000" y="3890880"/>
+            <a:ext cx="806040" cy="364320"/>
+          </a:xfrm>
+          <a:prstGeom prst="rect">
+            <a:avLst/>
+          </a:prstGeom>
+          <a:noFill/>
+          <a:ln w="0">
+            <a:noFill/>
+          </a:ln>
+        </p:spPr>
+        <p:style>
+          <a:lnRef idx="0">
+            <a:scrgbClr r="0" g="0" b="0"/>
+          </a:lnRef>
+          <a:fillRef idx="0">
+            <a:scrgbClr r="0" g="0" b="0"/>
+          </a:fillRef>
+          <a:effectRef idx="0">
+            <a:scrgbClr r="0" g="0" b="0"/>
+          </a:effectRef>
+          <a:fontRef idx="minor"/>
+        </p:style>
+        <p:txBody>
+          <a:bodyPr wrap="none" lIns="90000" tIns="45000" rIns="90000" bIns="45000" anchor="t">
+            <a:spAutoFit/>
+          </a:bodyPr>
+          <a:lstStyle/>
+          <a:p>
+            <a:pPr>
+              <a:lnSpc>
+                <a:spcPct val="100000"/>
+              </a:lnSpc>
+              <a:buNone/>
+            </a:pPr>
+            <a:r>
+              <a:rPr lang="de-DE" sz="1800" b="0" strike="noStrike" spc="-1">
+                <a:solidFill>
+                  <a:srgbClr val="FFFFFF"/>
+                </a:solidFill>
+                <a:latin typeface="Georgia Pro Light"/>
+                <a:ea typeface="DejaVu Sans"/>
+              </a:rPr>
+              <a:t>Cloud</a:t>
+            </a:r>
+            <a:endParaRPr lang="en-US" sz="1800" b="0" strike="noStrike" spc="-1">
+              <a:latin typeface="Arial"/>
+            </a:endParaRPr>
+          </a:p>
+        </p:txBody>
+      </p:sp>
+      <p:sp>
+        <p:nvSpPr>
+          <p:cNvPr id="111" name="Rechteck 24"/>
+          <p:cNvSpPr/>
+          <p:nvPr/>
+        </p:nvSpPr>
+        <p:spPr>
+          <a:xfrm>
+            <a:off x="8514000" y="3483360"/>
+            <a:ext cx="607680" cy="364320"/>
+          </a:xfrm>
+          <a:prstGeom prst="rect">
+            <a:avLst/>
+          </a:prstGeom>
+          <a:noFill/>
+          <a:ln w="0">
+            <a:noFill/>
+          </a:ln>
+        </p:spPr>
+        <p:style>
+          <a:lnRef idx="0">
+            <a:scrgbClr r="0" g="0" b="0"/>
+          </a:lnRef>
+          <a:fillRef idx="0">
+            <a:scrgbClr r="0" g="0" b="0"/>
+          </a:fillRef>
+          <a:effectRef idx="0">
+            <a:scrgbClr r="0" g="0" b="0"/>
+          </a:effectRef>
+          <a:fontRef idx="minor"/>
+        </p:style>
+        <p:txBody>
+          <a:bodyPr wrap="none" lIns="90000" tIns="45000" rIns="90000" bIns="45000" anchor="t">
+            <a:spAutoFit/>
+          </a:bodyPr>
+          <a:lstStyle/>
+          <a:p>
+            <a:pPr>
+              <a:lnSpc>
+                <a:spcPct val="100000"/>
+              </a:lnSpc>
+              <a:buNone/>
+            </a:pPr>
+            <a:r>
+              <a:rPr lang="de-DE" sz="1800" b="0" strike="noStrike" spc="-1">
+                <a:solidFill>
+                  <a:srgbClr val="FFFFFF"/>
+                </a:solidFill>
+                <a:latin typeface="Georgia Pro Light"/>
+                <a:ea typeface="DejaVu Sans"/>
+              </a:rPr>
+              <a:t>App</a:t>
+            </a:r>
+            <a:endParaRPr lang="en-US" sz="1800" b="0" strike="noStrike" spc="-1">
+              <a:latin typeface="Arial"/>
+            </a:endParaRPr>
+          </a:p>
+        </p:txBody>
+      </p:sp>
+      <p:sp>
+        <p:nvSpPr>
+          <p:cNvPr id="112" name="Rechteck 25"/>
+          <p:cNvSpPr/>
+          <p:nvPr/>
+        </p:nvSpPr>
+        <p:spPr>
+          <a:xfrm>
+            <a:off x="8791920" y="5355000"/>
+            <a:ext cx="1258560" cy="364320"/>
+          </a:xfrm>
+          <a:prstGeom prst="rect">
+            <a:avLst/>
+          </a:prstGeom>
+          <a:noFill/>
+          <a:ln w="0">
+            <a:noFill/>
+          </a:ln>
+        </p:spPr>
+        <p:style>
+          <a:lnRef idx="0">
+            <a:scrgbClr r="0" g="0" b="0"/>
+          </a:lnRef>
+          <a:fillRef idx="0">
+            <a:scrgbClr r="0" g="0" b="0"/>
+          </a:fillRef>
+          <a:effectRef idx="0">
+            <a:scrgbClr r="0" g="0" b="0"/>
+          </a:effectRef>
+          <a:fontRef idx="minor"/>
+        </p:style>
+        <p:txBody>
+          <a:bodyPr wrap="none" lIns="90000" tIns="45000" rIns="90000" bIns="45000" anchor="t">
+            <a:spAutoFit/>
+          </a:bodyPr>
+          <a:lstStyle/>
+          <a:p>
+            <a:pPr>
+              <a:lnSpc>
+                <a:spcPct val="100000"/>
+              </a:lnSpc>
+              <a:buNone/>
+            </a:pPr>
+            <a:r>
+              <a:rPr lang="de-DE" sz="1800" b="0" strike="noStrike" spc="-1">
+                <a:solidFill>
+                  <a:srgbClr val="FFFFFF"/>
+                </a:solidFill>
+                <a:latin typeface="Georgia Pro Light"/>
+                <a:ea typeface="DejaVu Sans"/>
+              </a:rPr>
+              <a:t>Alexa-Skill</a:t>
+            </a:r>
+            <a:endParaRPr lang="en-US" sz="1800" b="0" strike="noStrike" spc="-1">
+              <a:latin typeface="Arial"/>
+            </a:endParaRPr>
+          </a:p>
+        </p:txBody>
+      </p:sp>
+    </p:spTree>
+  </p:cSld>
+  <p:clrMapOvr>
+    <a:masterClrMapping/>
+  </p:clrMapOvr>
+</p:sld>
+</file>
+
+<file path=ppt/slides/slide6.xml><?xml version="1.0" encoding="utf-8"?>
+<p:sld xmlns:a="http://schemas.openxmlformats.org/drawingml/2006/main" xmlns:r="http://schemas.openxmlformats.org/officeDocument/2006/relationships" xmlns:p="http://schemas.openxmlformats.org/presentationml/2006/main">
+  <p:cSld>
+    <p:spTree>
+      <p:nvGrpSpPr>
+        <p:cNvPr id="1" name=""/>
+        <p:cNvGrpSpPr/>
+        <p:nvPr/>
+      </p:nvGrpSpPr>
+      <p:grpSpPr>
+        <a:xfrm>
+          <a:off x="0" y="0"/>
+          <a:ext cx="0" cy="0"/>
+          <a:chOff x="0" y="0"/>
+          <a:chExt cx="0" cy="0"/>
+        </a:xfrm>
+      </p:grpSpPr>
+      <p:sp>
+        <p:nvSpPr>
+          <p:cNvPr id="2" name="Titel 1">
+            <a:extLst>
+              <a:ext uri="{FF2B5EF4-FFF2-40B4-BE49-F238E27FC236}">
+                <a16:creationId xmlns:a16="http://schemas.microsoft.com/office/drawing/2014/main" id="{F229132D-3BAA-41F3-B34B-CB4F90596D04}"/>
+              </a:ext>
+            </a:extLst>
+          </p:cNvPr>
+          <p:cNvSpPr>
+            <a:spLocks noGrp="1"/>
+          </p:cNvSpPr>
+          <p:nvPr>
+            <p:ph type="title"/>
+          </p:nvPr>
+        </p:nvSpPr>
+        <p:spPr/>
+        <p:txBody>
+          <a:bodyPr/>
+          <a:lstStyle/>
+          <a:p>
+            <a:r>
+              <a:rPr lang="de-DE" spc="-1" dirty="0">
+                <a:solidFill>
+                  <a:srgbClr val="E2E8E2"/>
+                </a:solidFill>
+                <a:latin typeface="Georgia Pro Light"/>
+              </a:rPr>
+              <a:t>Entwicklung des Schaltplans</a:t>
+            </a:r>
+          </a:p>
+        </p:txBody>
+      </p:sp>
+      <p:sp>
+        <p:nvSpPr>
+          <p:cNvPr id="3" name="Untertitel 2">
+            <a:extLst>
+              <a:ext uri="{FF2B5EF4-FFF2-40B4-BE49-F238E27FC236}">
+                <a16:creationId xmlns:a16="http://schemas.microsoft.com/office/drawing/2014/main" id="{E98FEC84-1FFB-4660-9E2B-B7A579D27F21}"/>
+              </a:ext>
+            </a:extLst>
+          </p:cNvPr>
+          <p:cNvSpPr>
+            <a:spLocks noGrp="1"/>
+          </p:cNvSpPr>
+          <p:nvPr>
+            <p:ph type="subTitle"/>
+          </p:nvPr>
+        </p:nvSpPr>
+        <p:spPr/>
+        <p:txBody>
+          <a:bodyPr/>
+          <a:lstStyle/>
+          <a:p>
+            <a:endParaRPr lang="de-DE"/>
+          </a:p>
+        </p:txBody>
+      </p:sp>
+    </p:spTree>
+    <p:extLst>
+      <p:ext uri="{BB962C8B-B14F-4D97-AF65-F5344CB8AC3E}">
+        <p14:creationId xmlns:p14="http://schemas.microsoft.com/office/powerpoint/2010/main" val="1853125348"/>
+      </p:ext>
+    </p:extLst>
+  </p:cSld>
+  <p:clrMapOvr>
+    <a:masterClrMapping/>
+  </p:clrMapOvr>
+</p:sld>
+</file>
+
+<file path=ppt/slides/slide7.xml><?xml version="1.0" encoding="utf-8"?>
+<p:sld xmlns:a="http://schemas.openxmlformats.org/drawingml/2006/main" xmlns:r="http://schemas.openxmlformats.org/officeDocument/2006/relationships" xmlns:p="http://schemas.openxmlformats.org/presentationml/2006/main">
+  <p:cSld>
+    <p:spTree>
+      <p:nvGrpSpPr>
+        <p:cNvPr id="1" name=""/>
+        <p:cNvGrpSpPr/>
+        <p:nvPr/>
+      </p:nvGrpSpPr>
+      <p:grpSpPr>
+        <a:xfrm>
+          <a:off x="0" y="0"/>
+          <a:ext cx="0" cy="0"/>
+          <a:chOff x="0" y="0"/>
+          <a:chExt cx="0" cy="0"/>
+        </a:xfrm>
+      </p:grpSpPr>
+      <p:sp>
+        <p:nvSpPr>
+          <p:cNvPr id="2" name="Titel 1">
+            <a:extLst>
+              <a:ext uri="{FF2B5EF4-FFF2-40B4-BE49-F238E27FC236}">
+                <a16:creationId xmlns:a16="http://schemas.microsoft.com/office/drawing/2014/main" id="{87B2E661-6249-42B3-AED7-E64D87A96FB0}"/>
+              </a:ext>
+            </a:extLst>
+          </p:cNvPr>
+          <p:cNvSpPr>
+            <a:spLocks noGrp="1"/>
+          </p:cNvSpPr>
+          <p:nvPr>
+            <p:ph type="title"/>
+          </p:nvPr>
+        </p:nvSpPr>
+        <p:spPr/>
+        <p:txBody>
+          <a:bodyPr/>
+          <a:lstStyle/>
+          <a:p>
+            <a:r>
+              <a:rPr lang="de-DE" spc="-1" dirty="0">
+                <a:solidFill>
+                  <a:srgbClr val="E2E8E2"/>
+                </a:solidFill>
+                <a:latin typeface="Georgia Pro Light"/>
+              </a:rPr>
+              <a:t>Kalibrierung des Sensors </a:t>
+            </a:r>
+          </a:p>
+        </p:txBody>
+      </p:sp>
+      <p:sp>
+        <p:nvSpPr>
+          <p:cNvPr id="3" name="Untertitel 2">
+            <a:extLst>
+              <a:ext uri="{FF2B5EF4-FFF2-40B4-BE49-F238E27FC236}">
+                <a16:creationId xmlns:a16="http://schemas.microsoft.com/office/drawing/2014/main" id="{E2E25BAE-755E-47B1-8643-DD82BEF1A1D8}"/>
+              </a:ext>
+            </a:extLst>
+          </p:cNvPr>
+          <p:cNvSpPr>
+            <a:spLocks noGrp="1"/>
+          </p:cNvSpPr>
+          <p:nvPr>
+            <p:ph type="subTitle"/>
+          </p:nvPr>
+        </p:nvSpPr>
+        <p:spPr/>
+        <p:txBody>
+          <a:bodyPr/>
+          <a:lstStyle/>
+          <a:p>
+            <a:pPr marL="0" indent="0">
+              <a:buNone/>
+            </a:pPr>
+            <a:endParaRPr lang="de-DE" dirty="0"/>
+          </a:p>
+        </p:txBody>
+      </p:sp>
+    </p:spTree>
+    <p:extLst>
+      <p:ext uri="{BB962C8B-B14F-4D97-AF65-F5344CB8AC3E}">
+        <p14:creationId xmlns:p14="http://schemas.microsoft.com/office/powerpoint/2010/main" val="1883841689"/>
+      </p:ext>
+    </p:extLst>
+  </p:cSld>
+  <p:clrMapOvr>
+    <a:masterClrMapping/>
+  </p:clrMapOvr>
+</p:sld>
+</file>
+
+<file path=ppt/slides/slide8.xml><?xml version="1.0" encoding="utf-8"?>
+<p:sld xmlns:a="http://schemas.openxmlformats.org/drawingml/2006/main" xmlns:r="http://schemas.openxmlformats.org/officeDocument/2006/relationships" xmlns:p="http://schemas.openxmlformats.org/presentationml/2006/main">
+  <p:cSld>
+    <p:spTree>
+      <p:nvGrpSpPr>
+        <p:cNvPr id="1" name=""/>
+        <p:cNvGrpSpPr/>
+        <p:nvPr/>
+      </p:nvGrpSpPr>
+      <p:grpSpPr>
+        <a:xfrm>
+          <a:off x="0" y="0"/>
+          <a:ext cx="0" cy="0"/>
+          <a:chOff x="0" y="0"/>
+          <a:chExt cx="0" cy="0"/>
+        </a:xfrm>
+      </p:grpSpPr>
+      <p:sp>
+        <p:nvSpPr>
+          <p:cNvPr id="2" name="Titel 1">
+            <a:extLst>
+              <a:ext uri="{FF2B5EF4-FFF2-40B4-BE49-F238E27FC236}">
+                <a16:creationId xmlns:a16="http://schemas.microsoft.com/office/drawing/2014/main" id="{B1BD80D4-4C17-498B-8C88-480A815957BE}"/>
+              </a:ext>
+            </a:extLst>
+          </p:cNvPr>
+          <p:cNvSpPr>
+            <a:spLocks noGrp="1"/>
+          </p:cNvSpPr>
+          <p:nvPr>
+            <p:ph type="title"/>
+          </p:nvPr>
+        </p:nvSpPr>
+        <p:spPr/>
+        <p:txBody>
+          <a:bodyPr/>
+          <a:lstStyle/>
+          <a:p>
+            <a:r>
+              <a:rPr lang="de-DE" spc="-1" dirty="0">
+                <a:solidFill>
+                  <a:srgbClr val="E2E8E2"/>
+                </a:solidFill>
+                <a:latin typeface="Georgia Pro Light"/>
+              </a:rPr>
+              <a:t>Entwicklung des Gehäuses</a:t>
+            </a:r>
+          </a:p>
+        </p:txBody>
+      </p:sp>
+      <p:sp>
+        <p:nvSpPr>
+          <p:cNvPr id="3" name="Untertitel 2">
+            <a:extLst>
+              <a:ext uri="{FF2B5EF4-FFF2-40B4-BE49-F238E27FC236}">
+                <a16:creationId xmlns:a16="http://schemas.microsoft.com/office/drawing/2014/main" id="{D8CEC0C6-7E1D-4970-80BB-9BCBC49790C0}"/>
+              </a:ext>
+            </a:extLst>
+          </p:cNvPr>
+          <p:cNvSpPr>
+            <a:spLocks noGrp="1"/>
+          </p:cNvSpPr>
+          <p:nvPr>
+            <p:ph type="subTitle"/>
+          </p:nvPr>
+        </p:nvSpPr>
+        <p:spPr/>
+        <p:txBody>
+          <a:bodyPr/>
+          <a:lstStyle/>
+          <a:p>
+            <a:pPr marL="0" indent="0">
+              <a:buNone/>
+            </a:pPr>
+            <a:endParaRPr lang="de-DE" dirty="0"/>
+          </a:p>
+        </p:txBody>
+      </p:sp>
+    </p:spTree>
+    <p:extLst>
+      <p:ext uri="{BB962C8B-B14F-4D97-AF65-F5344CB8AC3E}">
+        <p14:creationId xmlns:p14="http://schemas.microsoft.com/office/powerpoint/2010/main" val="1668558204"/>
+      </p:ext>
+    </p:extLst>
+  </p:cSld>
+  <p:clrMapOvr>
+    <a:masterClrMapping/>
+  </p:clrMapOvr>
+</p:sld>
+</file>
+
+<file path=ppt/slides/slide9.xml><?xml version="1.0" encoding="utf-8"?>
+<p:sld xmlns:a="http://schemas.openxmlformats.org/drawingml/2006/main" xmlns:r="http://schemas.openxmlformats.org/officeDocument/2006/relationships" xmlns:p="http://schemas.openxmlformats.org/presentationml/2006/main">
+  <p:cSld>
+    <p:spTree>
+      <p:nvGrpSpPr>
+        <p:cNvPr id="1" name=""/>
+        <p:cNvGrpSpPr/>
+        <p:nvPr/>
+      </p:nvGrpSpPr>
+      <p:grpSpPr>
+        <a:xfrm>
+          <a:off x="0" y="0"/>
+          <a:ext cx="0" cy="0"/>
+          <a:chOff x="0" y="0"/>
+          <a:chExt cx="0" cy="0"/>
+        </a:xfrm>
+      </p:grpSpPr>
+      <p:sp>
+        <p:nvSpPr>
+          <p:cNvPr id="117" name="PlaceHolder 1"/>
+          <p:cNvSpPr>
+            <a:spLocks noGrp="1"/>
+          </p:cNvSpPr>
+          <p:nvPr>
+            <p:ph type="title"/>
+          </p:nvPr>
+        </p:nvSpPr>
+        <p:spPr>
+          <a:xfrm>
+            <a:off x="849600" y="876240"/>
+            <a:ext cx="10427040" cy="1085400"/>
+          </a:xfrm>
+          <a:prstGeom prst="rect">
+            <a:avLst/>
+          </a:prstGeom>
+          <a:noFill/>
+          <a:ln w="0">
+            <a:noFill/>
+          </a:ln>
+        </p:spPr>
+        <p:txBody>
+          <a:bodyPr lIns="90000" tIns="45000" rIns="90000" bIns="45000" anchor="b">
+            <a:noAutofit/>
+          </a:bodyPr>
+          <a:lstStyle/>
+          <a:p>
+            <a:pPr>
+              <a:lnSpc>
+                <a:spcPct val="100000"/>
+              </a:lnSpc>
+              <a:buNone/>
+            </a:pPr>
+            <a:r>
+              <a:rPr lang="de-DE" sz="4400" b="0" strike="noStrike" spc="-1">
+                <a:solidFill>
+                  <a:srgbClr val="E2E8E2"/>
+                </a:solidFill>
+                <a:latin typeface="Georgia Pro Light"/>
+                <a:ea typeface="DejaVu Sans"/>
+              </a:rPr>
+              <a:t>Umgesetzte App Features	</a:t>
+            </a:r>
+            <a:endParaRPr lang="de-DE" sz="4400" b="0" strike="noStrike" spc="-1">
+              <a:solidFill>
+                <a:srgbClr val="000000"/>
+              </a:solidFill>
+              <a:latin typeface="Arial"/>
+            </a:endParaRPr>
+          </a:p>
+        </p:txBody>
+      </p:sp>
+      <p:sp>
+        <p:nvSpPr>
+          <p:cNvPr id="118" name="PlaceHolder 2"/>
+          <p:cNvSpPr>
+            <a:spLocks noGrp="1"/>
+          </p:cNvSpPr>
+          <p:nvPr>
+            <p:ph/>
+          </p:nvPr>
+        </p:nvSpPr>
+        <p:spPr>
+          <a:xfrm>
+            <a:off x="849600" y="2066040"/>
+            <a:ext cx="10427040" cy="3902400"/>
+          </a:xfrm>
+          <a:prstGeom prst="rect">
+            <a:avLst/>
+          </a:prstGeom>
+          <a:noFill/>
+          <a:ln w="0">
+            <a:noFill/>
+          </a:ln>
+        </p:spPr>
+        <p:txBody>
+          <a:bodyPr lIns="0" tIns="0" rIns="0" bIns="0" anchor="t">
+            <a:normAutofit/>
+          </a:bodyPr>
+          <a:lstStyle/>
+          <a:p>
+            <a:pPr marL="228600" indent="-228600">
+              <a:lnSpc>
+                <a:spcPct val="120000"/>
+              </a:lnSpc>
+              <a:spcBef>
+                <a:spcPts val="1001"/>
+              </a:spcBef>
+              <a:buClr>
+                <a:srgbClr val="E2E8E2"/>
+              </a:buClr>
+              <a:buSzPct val="70000"/>
+              <a:buFont typeface="Arial"/>
+              <a:buChar char="•"/>
+            </a:pPr>
+            <a:r>
+              <a:rPr lang="de-DE" sz="2000" b="0" strike="noStrike" spc="-1">
+                <a:solidFill>
+                  <a:srgbClr val="E2E8E2"/>
+                </a:solidFill>
+                <a:latin typeface="Georgia Pro Light"/>
+                <a:ea typeface="DejaVu Sans"/>
+              </a:rPr>
+              <a:t>Anzeigen des aktuellen Promillewertes</a:t>
+            </a:r>
+            <a:endParaRPr lang="de-DE" sz="2000" b="0" strike="noStrike" spc="-1">
+              <a:solidFill>
+                <a:srgbClr val="000000"/>
+              </a:solidFill>
+              <a:latin typeface="Arial"/>
+            </a:endParaRPr>
+          </a:p>
+          <a:p>
+            <a:pPr>
+              <a:lnSpc>
+                <a:spcPct val="120000"/>
+              </a:lnSpc>
+              <a:spcBef>
+                <a:spcPts val="1001"/>
+              </a:spcBef>
+              <a:buNone/>
+            </a:pPr>
+            <a:endParaRPr lang="de-DE" sz="2000" b="0" strike="noStrike" spc="-1">
+              <a:solidFill>
+                <a:srgbClr val="000000"/>
+              </a:solidFill>
+              <a:latin typeface="Arial"/>
+            </a:endParaRPr>
+          </a:p>
+          <a:p>
+            <a:pPr marL="228600" indent="-228600">
+              <a:lnSpc>
+                <a:spcPct val="120000"/>
+              </a:lnSpc>
+              <a:spcBef>
+                <a:spcPts val="1001"/>
+              </a:spcBef>
+              <a:buClr>
+                <a:srgbClr val="E2E8E2"/>
+              </a:buClr>
+              <a:buSzPct val="70000"/>
+              <a:buFont typeface="Arial"/>
+              <a:buChar char="•"/>
+            </a:pPr>
+            <a:r>
+              <a:rPr lang="de-DE" sz="2000" b="0" strike="noStrike" spc="-1">
+                <a:solidFill>
+                  <a:srgbClr val="E2E8E2"/>
+                </a:solidFill>
+                <a:latin typeface="Georgia Pro Light"/>
+                <a:ea typeface="DejaVu Sans"/>
+              </a:rPr>
+              <a:t>Promillewerte der letzten Tage</a:t>
+            </a:r>
+            <a:endParaRPr lang="de-DE" sz="2000" b="0" strike="noStrike" spc="-1">
+              <a:solidFill>
+                <a:srgbClr val="000000"/>
+              </a:solidFill>
+              <a:latin typeface="Arial"/>
+            </a:endParaRPr>
+          </a:p>
+          <a:p>
+            <a:pPr>
+              <a:lnSpc>
+                <a:spcPct val="120000"/>
+              </a:lnSpc>
+              <a:spcBef>
+                <a:spcPts val="1001"/>
+              </a:spcBef>
+              <a:buNone/>
+            </a:pPr>
+            <a:endParaRPr lang="de-DE" sz="2000" b="0" strike="noStrike" spc="-1">
+              <a:solidFill>
+                <a:srgbClr val="000000"/>
+              </a:solidFill>
+              <a:latin typeface="Arial"/>
+            </a:endParaRPr>
+          </a:p>
+          <a:p>
+            <a:pPr marL="228600" indent="-228600">
+              <a:lnSpc>
+                <a:spcPct val="120000"/>
+              </a:lnSpc>
+              <a:spcBef>
+                <a:spcPts val="1001"/>
+              </a:spcBef>
+              <a:buClr>
+                <a:srgbClr val="E2E8E2"/>
+              </a:buClr>
+              <a:buSzPct val="70000"/>
+              <a:buFont typeface="Arial"/>
+              <a:buChar char="•"/>
+            </a:pPr>
+            <a:r>
+              <a:rPr lang="de-DE" sz="2000" b="0" strike="noStrike" spc="-1">
+                <a:solidFill>
+                  <a:srgbClr val="E2E8E2"/>
+                </a:solidFill>
+                <a:latin typeface="Georgia Pro Light"/>
+                <a:ea typeface="DejaVu Sans"/>
+              </a:rPr>
+              <a:t>Auswertung Tage ohne Alkoholkonsum</a:t>
+            </a:r>
+            <a:endParaRPr lang="de-DE" sz="2000" b="0" strike="noStrike" spc="-1">
+              <a:solidFill>
+                <a:srgbClr val="000000"/>
+              </a:solidFill>
+              <a:latin typeface="Arial"/>
+            </a:endParaRPr>
+          </a:p>
+        </p:txBody>
+      </p:sp>
+      <p:sp>
+        <p:nvSpPr>
+          <p:cNvPr id="119" name="AutoShape 6"/>
+          <p:cNvSpPr/>
+          <p:nvPr/>
+        </p:nvSpPr>
+        <p:spPr>
+          <a:xfrm>
+            <a:off x="9161280" y="3346560"/>
+            <a:ext cx="1775880" cy="1775880"/>
+          </a:xfrm>
+          <a:prstGeom prst="rect">
+            <a:avLst/>
+          </a:prstGeom>
+          <a:noFill/>
+          <a:ln w="0">
+            <a:noFill/>
+          </a:ln>
+        </p:spPr>
+        <p:style>
+          <a:lnRef idx="0">
+            <a:scrgbClr r="0" g="0" b="0"/>
+          </a:lnRef>
+          <a:fillRef idx="0">
+            <a:scrgbClr r="0" g="0" b="0"/>
+          </a:fillRef>
+          <a:effectRef idx="0">
+            <a:scrgbClr r="0" g="0" b="0"/>
+          </a:effectRef>
+          <a:fontRef idx="minor"/>
+        </p:style>
+      </p:sp>
+      <p:pic>
+        <p:nvPicPr>
+          <p:cNvPr id="120" name="Grafik 119"/>
+          <p:cNvPicPr/>
+          <p:nvPr/>
+        </p:nvPicPr>
+        <p:blipFill>
+          <a:blip r:embed="rId2"/>
+          <a:stretch/>
+        </p:blipFill>
+        <p:spPr>
+          <a:xfrm>
+            <a:off x="7086600" y="2413440"/>
+            <a:ext cx="2057400" cy="3659760"/>
+          </a:xfrm>
+          <a:prstGeom prst="rect">
+            <a:avLst/>
+          </a:prstGeom>
+          <a:ln w="0">
+            <a:noFill/>
+          </a:ln>
+        </p:spPr>
+      </p:pic>
+      <p:pic>
+        <p:nvPicPr>
+          <p:cNvPr id="121" name="Grafik 120"/>
+          <p:cNvPicPr/>
+          <p:nvPr/>
+        </p:nvPicPr>
+        <p:blipFill>
+          <a:blip r:embed="rId3"/>
+          <a:stretch/>
+        </p:blipFill>
+        <p:spPr>
+          <a:xfrm>
+            <a:off x="9372600" y="2438280"/>
+            <a:ext cx="2057400" cy="3659760"/>
+          </a:xfrm>
+          <a:prstGeom prst="rect">
+            <a:avLst/>
+          </a:prstGeom>
+          <a:ln w="0">
+            <a:noFill/>
+          </a:ln>
+        </p:spPr>
+      </p:pic>
+    </p:spTree>
   </p:cSld>
   <p:clrMapOvr>
     <a:masterClrMapping/>

--- a/Smartbooze_Pitch_Deck.pptx
+++ b/Smartbooze_Pitch_Deck.pptx
@@ -5495,13 +5495,6 @@
   <p:clrMapOvr>
     <a:masterClrMapping/>
   </p:clrMapOvr>
-  <p:timing>
-    <p:tnLst>
-      <p:par>
-        <p:cTn id="1" dur="indefinite" restart="never" nodeType="tmRoot"/>
-      </p:par>
-    </p:tnLst>
-  </p:timing>
 </p:sld>
 </file>
 
@@ -5558,16 +5551,26 @@
               <a:buNone/>
             </a:pPr>
             <a:r>
-              <a:rPr lang="de-DE" sz="4400" b="0" strike="noStrike" spc="-1">
+              <a:rPr lang="de-DE" sz="4400" b="0" strike="noStrike" spc="-1" dirty="0">
                 <a:solidFill>
                   <a:srgbClr val="E2E8E2"/>
                 </a:solidFill>
                 <a:latin typeface="Georgia Pro Light"/>
                 <a:ea typeface="DejaVu Sans"/>
               </a:rPr>
-              <a:t>Alexa Skill Umsetzung</a:t>
+              <a:t>Alexa </a:t>
             </a:r>
-            <a:endParaRPr lang="de-DE" sz="4400" b="0" strike="noStrike" spc="-1">
+            <a:r>
+              <a:rPr lang="de-DE" sz="4400" b="0" strike="noStrike" spc="-1" dirty="0" err="1">
+                <a:solidFill>
+                  <a:srgbClr val="E2E8E2"/>
+                </a:solidFill>
+                <a:latin typeface="Georgia Pro Light"/>
+                <a:ea typeface="DejaVu Sans"/>
+              </a:rPr>
+              <a:t>Skill</a:t>
+            </a:r>
+            <a:endParaRPr lang="de-DE" sz="4400" b="0" strike="noStrike" spc="-1" dirty="0">
               <a:solidFill>
                 <a:srgbClr val="000000"/>
               </a:solidFill>
@@ -5659,120 +5662,315 @@
               <a:buFont typeface="Arial"/>
               <a:buChar char="•"/>
             </a:pPr>
-            <a:r>
-              <a:rPr lang="de-DE" sz="2000" b="0" strike="noStrike" spc="-1" dirty="0">
-                <a:solidFill>
-                  <a:srgbClr val="E2E8E2"/>
-                </a:solidFill>
-                <a:latin typeface="Georgia Pro Light"/>
-                <a:ea typeface="DejaVu Sans"/>
-              </a:rPr>
-              <a:t>Abfrage des aktuellen Promillewertes</a:t>
-            </a:r>
             <a:endParaRPr lang="en-US" sz="2000" b="0" strike="noStrike" spc="-1" dirty="0">
               <a:latin typeface="Arial"/>
             </a:endParaRPr>
           </a:p>
-          <a:p>
-            <a:pPr>
-              <a:lnSpc>
-                <a:spcPct val="120000"/>
-              </a:lnSpc>
-              <a:spcBef>
-                <a:spcPts val="1001"/>
-              </a:spcBef>
-              <a:buNone/>
-            </a:pPr>
-            <a:endParaRPr lang="en-US" sz="2000" b="0" strike="noStrike" spc="-1" dirty="0">
-              <a:latin typeface="Arial"/>
-            </a:endParaRPr>
-          </a:p>
-          <a:p>
-            <a:pPr marL="228600" indent="-228600">
-              <a:lnSpc>
-                <a:spcPct val="120000"/>
-              </a:lnSpc>
-              <a:spcBef>
-                <a:spcPts val="1001"/>
-              </a:spcBef>
-              <a:buClr>
-                <a:srgbClr val="E2E8E2"/>
-              </a:buClr>
-              <a:buSzPct val="70000"/>
-              <a:buFont typeface="Arial"/>
-              <a:buChar char="•"/>
-            </a:pPr>
-            <a:r>
-              <a:rPr lang="de-DE" sz="2000" b="0" strike="noStrike" spc="-1" dirty="0">
-                <a:solidFill>
-                  <a:srgbClr val="E2E8E2"/>
-                </a:solidFill>
-                <a:latin typeface="Georgia Pro Light"/>
-                <a:ea typeface="DejaVu Sans"/>
-              </a:rPr>
-              <a:t>Berechnet, wann der Nutzer wieder nüchtern ist</a:t>
-            </a:r>
-            <a:endParaRPr lang="en-US" sz="2000" b="0" strike="noStrike" spc="-1" dirty="0">
-              <a:latin typeface="Arial"/>
-            </a:endParaRPr>
-          </a:p>
-          <a:p>
-            <a:pPr>
-              <a:lnSpc>
-                <a:spcPct val="120000"/>
-              </a:lnSpc>
-              <a:spcBef>
-                <a:spcPts val="1001"/>
-              </a:spcBef>
-              <a:buNone/>
-            </a:pPr>
-            <a:endParaRPr lang="en-US" sz="2000" b="0" strike="noStrike" spc="-1" dirty="0">
-              <a:latin typeface="Arial"/>
-            </a:endParaRPr>
-          </a:p>
-          <a:p>
-            <a:pPr marL="228600" indent="-228600">
-              <a:lnSpc>
-                <a:spcPct val="120000"/>
-              </a:lnSpc>
-              <a:spcBef>
-                <a:spcPts val="1001"/>
-              </a:spcBef>
-              <a:buClr>
-                <a:srgbClr val="E2E8E2"/>
-              </a:buClr>
-              <a:buSzPct val="70000"/>
-              <a:buFont typeface="Arial"/>
-              <a:buChar char="•"/>
-            </a:pPr>
-            <a:r>
-              <a:rPr lang="de-DE" sz="2000" b="0" strike="noStrike" spc="-1" dirty="0">
-                <a:solidFill>
-                  <a:srgbClr val="E2E8E2"/>
-                </a:solidFill>
-                <a:latin typeface="Georgia Pro Light"/>
-                <a:ea typeface="DejaVu Sans"/>
-              </a:rPr>
-              <a:t>Liest auf Wunsch ein Katerrezept vor</a:t>
-            </a:r>
-            <a:endParaRPr lang="en-US" sz="2000" b="0" strike="noStrike" spc="-1" dirty="0">
-              <a:latin typeface="Arial"/>
-            </a:endParaRPr>
-          </a:p>
-        </p:txBody>
-      </p:sp>
+        </p:txBody>
+      </p:sp>
+      <p:grpSp>
+        <p:nvGrpSpPr>
+          <p:cNvPr id="2" name="Gruppieren 1">
+            <a:extLst>
+              <a:ext uri="{FF2B5EF4-FFF2-40B4-BE49-F238E27FC236}">
+                <a16:creationId xmlns:a16="http://schemas.microsoft.com/office/drawing/2014/main" id="{8E668B10-D379-41BA-9FF9-FD84C6EE3F35}"/>
+              </a:ext>
+            </a:extLst>
+          </p:cNvPr>
+          <p:cNvGrpSpPr/>
+          <p:nvPr/>
+        </p:nvGrpSpPr>
+        <p:grpSpPr>
+          <a:xfrm>
+            <a:off x="462600" y="1842729"/>
+            <a:ext cx="10814040" cy="3983760"/>
+            <a:chOff x="849600" y="1167480"/>
+            <a:chExt cx="10814040" cy="3983760"/>
+          </a:xfrm>
+        </p:grpSpPr>
+        <p:pic>
+          <p:nvPicPr>
+            <p:cNvPr id="5" name="Inhaltsplatzhalter 4" descr="Person Krone männlich Silhouette">
+              <a:extLst>
+                <a:ext uri="{FF2B5EF4-FFF2-40B4-BE49-F238E27FC236}">
+                  <a16:creationId xmlns:a16="http://schemas.microsoft.com/office/drawing/2014/main" id="{09735B8A-7908-4038-A5BE-25E42F244395}"/>
+                </a:ext>
+              </a:extLst>
+            </p:cNvPr>
+            <p:cNvPicPr/>
+            <p:nvPr/>
+          </p:nvPicPr>
+          <p:blipFill>
+            <a:blip r:embed="rId2"/>
+            <a:stretch/>
+          </p:blipFill>
+          <p:spPr>
+            <a:xfrm>
+              <a:off x="7754760" y="3344400"/>
+              <a:ext cx="1806840" cy="1806840"/>
+            </a:xfrm>
+            <a:prstGeom prst="rect">
+              <a:avLst/>
+            </a:prstGeom>
+            <a:ln w="0">
+              <a:noFill/>
+            </a:ln>
+          </p:spPr>
+        </p:pic>
+        <p:sp>
+          <p:nvSpPr>
+            <p:cNvPr id="6" name="Wolke 2">
+              <a:extLst>
+                <a:ext uri="{FF2B5EF4-FFF2-40B4-BE49-F238E27FC236}">
+                  <a16:creationId xmlns:a16="http://schemas.microsoft.com/office/drawing/2014/main" id="{F4739ED4-9F73-4841-B0D9-43D253B3DB6B}"/>
+                </a:ext>
+              </a:extLst>
+            </p:cNvPr>
+            <p:cNvSpPr/>
+            <p:nvPr/>
+          </p:nvSpPr>
+          <p:spPr>
+            <a:xfrm>
+              <a:off x="6598440" y="1167480"/>
+              <a:ext cx="2312280" cy="1485360"/>
+            </a:xfrm>
+            <a:prstGeom prst="cloud">
+              <a:avLst/>
+            </a:prstGeom>
+            <a:solidFill>
+              <a:srgbClr val="3B5AB1"/>
+            </a:solidFill>
+            <a:ln>
+              <a:solidFill>
+                <a:srgbClr val="2B4282"/>
+              </a:solidFill>
+            </a:ln>
+          </p:spPr>
+          <p:style>
+            <a:lnRef idx="2">
+              <a:schemeClr val="accent4">
+                <a:shade val="50000"/>
+              </a:schemeClr>
+            </a:lnRef>
+            <a:fillRef idx="1">
+              <a:schemeClr val="accent4"/>
+            </a:fillRef>
+            <a:effectRef idx="0">
+              <a:schemeClr val="accent4"/>
+            </a:effectRef>
+            <a:fontRef idx="minor"/>
+          </p:style>
+          <p:txBody>
+            <a:bodyPr lIns="90000" tIns="45000" rIns="90000" bIns="45000" anchor="ctr">
+              <a:noAutofit/>
+            </a:bodyPr>
+            <a:lstStyle/>
+            <a:p>
+              <a:pPr algn="ctr">
+                <a:lnSpc>
+                  <a:spcPct val="100000"/>
+                </a:lnSpc>
+                <a:buNone/>
+              </a:pPr>
+              <a:r>
+                <a:rPr lang="de-DE" sz="1800" b="0" strike="noStrike" spc="-1" dirty="0">
+                  <a:solidFill>
+                    <a:srgbClr val="FFFFFF"/>
+                  </a:solidFill>
+                  <a:latin typeface="Georgia Pro Light"/>
+                </a:rPr>
+                <a:t>Alexa, wann bin ich fahrtüchtig?</a:t>
+              </a:r>
+              <a:endParaRPr lang="en-US" sz="1800" b="0" strike="noStrike" spc="-1" dirty="0">
+                <a:latin typeface="Arial"/>
+              </a:endParaRPr>
+            </a:p>
+          </p:txBody>
+        </p:sp>
+        <p:pic>
+          <p:nvPicPr>
+            <p:cNvPr id="7" name="Picture 4" descr="Alexa dot PNG transparente Bilder, Bilder, Fotos | PNG Arts">
+              <a:extLst>
+                <a:ext uri="{FF2B5EF4-FFF2-40B4-BE49-F238E27FC236}">
+                  <a16:creationId xmlns:a16="http://schemas.microsoft.com/office/drawing/2014/main" id="{02602A8E-6704-416C-9D41-AFB58D7EBC4F}"/>
+                </a:ext>
+              </a:extLst>
+            </p:cNvPr>
+            <p:cNvPicPr/>
+            <p:nvPr/>
+          </p:nvPicPr>
+          <p:blipFill>
+            <a:blip r:embed="rId3"/>
+            <a:stretch/>
+          </p:blipFill>
+          <p:spPr>
+            <a:xfrm>
+              <a:off x="849600" y="2997360"/>
+              <a:ext cx="2520720" cy="1417680"/>
+            </a:xfrm>
+            <a:prstGeom prst="rect">
+              <a:avLst/>
+            </a:prstGeom>
+            <a:ln w="0">
+              <a:noFill/>
+            </a:ln>
+          </p:spPr>
+        </p:pic>
+        <p:sp>
+          <p:nvSpPr>
+            <p:cNvPr id="8" name="Wolke 9">
+              <a:extLst>
+                <a:ext uri="{FF2B5EF4-FFF2-40B4-BE49-F238E27FC236}">
+                  <a16:creationId xmlns:a16="http://schemas.microsoft.com/office/drawing/2014/main" id="{ABB8A778-27A0-4638-BBB2-4E757F743821}"/>
+                </a:ext>
+              </a:extLst>
+            </p:cNvPr>
+            <p:cNvSpPr/>
+            <p:nvPr/>
+          </p:nvSpPr>
+          <p:spPr>
+            <a:xfrm>
+              <a:off x="4755240" y="2749680"/>
+              <a:ext cx="2359440" cy="1364760"/>
+            </a:xfrm>
+            <a:prstGeom prst="cloud">
+              <a:avLst/>
+            </a:prstGeom>
+            <a:solidFill>
+              <a:srgbClr val="3B5AB1"/>
+            </a:solidFill>
+            <a:ln>
+              <a:solidFill>
+                <a:srgbClr val="2B4282"/>
+              </a:solidFill>
+            </a:ln>
+          </p:spPr>
+          <p:style>
+            <a:lnRef idx="2">
+              <a:schemeClr val="accent4">
+                <a:shade val="50000"/>
+              </a:schemeClr>
+            </a:lnRef>
+            <a:fillRef idx="1">
+              <a:schemeClr val="accent4"/>
+            </a:fillRef>
+            <a:effectRef idx="0">
+              <a:schemeClr val="accent4"/>
+            </a:effectRef>
+            <a:fontRef idx="minor"/>
+          </p:style>
+          <p:txBody>
+            <a:bodyPr lIns="90000" tIns="45000" rIns="90000" bIns="45000" anchor="ctr">
+              <a:noAutofit/>
+            </a:bodyPr>
+            <a:lstStyle/>
+            <a:p>
+              <a:pPr algn="ctr">
+                <a:lnSpc>
+                  <a:spcPct val="100000"/>
+                </a:lnSpc>
+                <a:buNone/>
+              </a:pPr>
+              <a:r>
+                <a:rPr lang="de-DE" sz="1800" b="0" strike="noStrike" spc="-1" dirty="0">
+                  <a:solidFill>
+                    <a:srgbClr val="FFFFFF"/>
+                  </a:solidFill>
+                  <a:latin typeface="Georgia Pro Light"/>
+                </a:rPr>
+                <a:t>Alexa, </a:t>
+              </a:r>
+              <a:r>
+                <a:rPr lang="de-DE" spc="-1" dirty="0">
+                  <a:solidFill>
+                    <a:srgbClr val="FFFFFF"/>
+                  </a:solidFill>
+                  <a:latin typeface="Georgia Pro Light"/>
+                </a:rPr>
+                <a:t>was kann ich gegen einen Kater tun?</a:t>
+              </a:r>
+              <a:endParaRPr lang="en-US" sz="1800" b="0" strike="noStrike" spc="-1" dirty="0">
+                <a:latin typeface="Arial"/>
+              </a:endParaRPr>
+            </a:p>
+          </p:txBody>
+        </p:sp>
+        <p:sp>
+          <p:nvSpPr>
+            <p:cNvPr id="9" name="Wolke 10">
+              <a:extLst>
+                <a:ext uri="{FF2B5EF4-FFF2-40B4-BE49-F238E27FC236}">
+                  <a16:creationId xmlns:a16="http://schemas.microsoft.com/office/drawing/2014/main" id="{18C0045E-D192-481B-8D1A-1C9E9F887511}"/>
+                </a:ext>
+              </a:extLst>
+            </p:cNvPr>
+            <p:cNvSpPr/>
+            <p:nvPr/>
+          </p:nvSpPr>
+          <p:spPr>
+            <a:xfrm>
+              <a:off x="9361080" y="1419480"/>
+              <a:ext cx="2302560" cy="1479240"/>
+            </a:xfrm>
+            <a:prstGeom prst="cloud">
+              <a:avLst/>
+            </a:prstGeom>
+            <a:solidFill>
+              <a:srgbClr val="3B5AB1"/>
+            </a:solidFill>
+            <a:ln>
+              <a:solidFill>
+                <a:srgbClr val="2B4282"/>
+              </a:solidFill>
+            </a:ln>
+          </p:spPr>
+          <p:style>
+            <a:lnRef idx="2">
+              <a:schemeClr val="accent4">
+                <a:shade val="50000"/>
+              </a:schemeClr>
+            </a:lnRef>
+            <a:fillRef idx="1">
+              <a:schemeClr val="accent4"/>
+            </a:fillRef>
+            <a:effectRef idx="0">
+              <a:schemeClr val="accent4"/>
+            </a:effectRef>
+            <a:fontRef idx="minor"/>
+          </p:style>
+          <p:txBody>
+            <a:bodyPr lIns="90000" tIns="45000" rIns="90000" bIns="45000" anchor="ctr">
+              <a:noAutofit/>
+            </a:bodyPr>
+            <a:lstStyle/>
+            <a:p>
+              <a:pPr algn="ctr">
+                <a:lnSpc>
+                  <a:spcPct val="100000"/>
+                </a:lnSpc>
+                <a:buNone/>
+              </a:pPr>
+              <a:r>
+                <a:rPr lang="de-DE" sz="1800" b="0" strike="noStrike" spc="-1" dirty="0">
+                  <a:solidFill>
+                    <a:srgbClr val="FFFFFF"/>
+                  </a:solidFill>
+                  <a:latin typeface="Georgia Pro Light"/>
+                </a:rPr>
+                <a:t>Alexa, bin ich betrunken?</a:t>
+              </a:r>
+              <a:endParaRPr lang="en-US" sz="1800" b="0" strike="noStrike" spc="-1" dirty="0">
+                <a:latin typeface="Arial"/>
+              </a:endParaRPr>
+            </a:p>
+          </p:txBody>
+        </p:sp>
+      </p:grpSp>
     </p:spTree>
   </p:cSld>
   <p:clrMapOvr>
     <a:masterClrMapping/>
   </p:clrMapOvr>
-  <p:timing>
-    <p:tnLst>
-      <p:par>
-        <p:cTn id="1" dur="indefinite" restart="never" nodeType="tmRoot"/>
-      </p:par>
-    </p:tnLst>
-  </p:timing>
 </p:sld>
 </file>
 
@@ -6136,13 +6334,6 @@
   <p:clrMapOvr>
     <a:masterClrMapping/>
   </p:clrMapOvr>
-  <p:timing>
-    <p:tnLst>
-      <p:par>
-        <p:cTn id="1" dur="indefinite" restart="never" nodeType="tmRoot"/>
-      </p:par>
-    </p:tnLst>
-  </p:timing>
 </p:sld>
 </file>
 
@@ -6451,27 +6642,7 @@
                 <a:latin typeface="Georgia Pro Light"/>
                 <a:ea typeface="DejaVu Sans"/>
               </a:rPr>
-              <a:t>Erinnerungen an Abstinenz </a:t>
-            </a:r>
-            <a:r>
-              <a:rPr lang="de-DE" sz="2000" b="0" strike="noStrike" spc="-1" dirty="0" smtClean="0">
-                <a:solidFill>
-                  <a:srgbClr val="D9D9D9"/>
-                </a:solidFill>
-                <a:latin typeface="Georgia Pro Light"/>
-                <a:ea typeface="DejaVu Sans"/>
-              </a:rPr>
-              <a:t>-&gt; </a:t>
-            </a:r>
-            <a:r>
-              <a:rPr lang="de-DE" sz="2000" b="0" strike="noStrike" spc="-1" dirty="0">
-                <a:solidFill>
-                  <a:srgbClr val="D9D9D9"/>
-                </a:solidFill>
-                <a:latin typeface="Georgia Pro Light"/>
-                <a:ea typeface="DejaVu Sans"/>
-              </a:rPr>
-              <a:t>Belohnungssystem</a:t>
+              <a:t>Erinnerungen an Abstinenz -&gt; Belohnungssystem</a:t>
             </a:r>
             <a:endParaRPr lang="de-DE" sz="2000" b="0" strike="noStrike" spc="-1" dirty="0">
               <a:solidFill>
@@ -6504,13 +6675,6 @@
   <p:clrMapOvr>
     <a:masterClrMapping/>
   </p:clrMapOvr>
-  <p:timing>
-    <p:tnLst>
-      <p:par>
-        <p:cTn id="1" dur="indefinite" restart="never" nodeType="tmRoot"/>
-      </p:par>
-    </p:tnLst>
-  </p:timing>
 </p:sld>
 </file>
 
@@ -6843,13 +7007,6 @@
   <p:clrMapOvr>
     <a:masterClrMapping/>
   </p:clrMapOvr>
-  <p:timing>
-    <p:tnLst>
-      <p:par>
-        <p:cTn id="1" dur="indefinite" restart="never" nodeType="tmRoot"/>
-      </p:par>
-    </p:tnLst>
-  </p:timing>
 </p:sld>
 </file>
 
@@ -6975,17 +7132,7 @@
                 <a:latin typeface="Georgia Pro Light"/>
                 <a:ea typeface="DejaVu Sans"/>
               </a:rPr>
-              <a:t>Ace Alkoholtester mit Smarten Funktionen ab ca. 95</a:t>
-            </a:r>
-            <a:r>
-              <a:rPr lang="de-DE" sz="2000" b="0" strike="noStrike" spc="-1" dirty="0" smtClean="0">
-                <a:solidFill>
-                  <a:srgbClr val="E2E8E2"/>
-                </a:solidFill>
-                <a:latin typeface="Georgia Pro Light"/>
-                <a:ea typeface="DejaVu Sans"/>
-              </a:rPr>
-              <a:t>€</a:t>
+              <a:t>Ace Alkoholtester mit Smarten Funktionen ab ca. 95€</a:t>
             </a:r>
           </a:p>
           <a:p>
@@ -7026,31 +7173,13 @@
               <a:buChar char="•"/>
             </a:pPr>
             <a:r>
-              <a:rPr lang="de-DE" spc="-1" dirty="0" smtClean="0">
-                <a:solidFill>
-                  <a:srgbClr val="E2E8E2"/>
-                </a:solidFill>
-                <a:latin typeface="Georgia Pro Light"/>
-              </a:rPr>
-              <a:t>Sensoren </a:t>
-            </a:r>
-            <a:r>
               <a:rPr lang="de-DE" spc="-1" dirty="0">
                 <a:solidFill>
                   <a:srgbClr val="E2E8E2"/>
                 </a:solidFill>
                 <a:latin typeface="Georgia Pro Light"/>
               </a:rPr>
-              <a:t>mit und ohne App-Anbindung mit </a:t>
-            </a:r>
-            <a:r>
-              <a:rPr lang="de-DE" spc="-1" dirty="0" smtClean="0">
-                <a:solidFill>
-                  <a:srgbClr val="E2E8E2"/>
-                </a:solidFill>
-                <a:latin typeface="Georgia Pro Light"/>
-              </a:rPr>
-              <a:t>Bluetooth-Verbindung</a:t>
+              <a:t>Sensoren mit und ohne App-Anbindung mit Bluetooth-Verbindung</a:t>
             </a:r>
           </a:p>
           <a:p>
@@ -7068,7 +7197,7 @@
               <a:buFont typeface="Arial"/>
               <a:buChar char="•"/>
             </a:pPr>
-            <a:endParaRPr lang="de-DE" spc="-1" dirty="0" smtClean="0">
+            <a:endParaRPr lang="de-DE" spc="-1" dirty="0">
               <a:solidFill>
                 <a:srgbClr val="E2E8E2"/>
               </a:solidFill>
@@ -7091,16 +7220,6 @@
               <a:buChar char="•"/>
             </a:pPr>
             <a:r>
-              <a:rPr lang="de-DE" spc="-1" dirty="0" smtClean="0">
-                <a:solidFill>
-                  <a:srgbClr val="E2E8E2"/>
-                </a:solidFill>
-                <a:latin typeface="Georgia Pro Light"/>
-                <a:hlinkClick r:id="rId2"/>
-              </a:rPr>
-              <a:t>https</a:t>
-            </a:r>
-            <a:r>
               <a:rPr lang="de-DE" spc="-1" dirty="0">
                 <a:solidFill>
                   <a:srgbClr val="E2E8E2"/>
@@ -7108,7 +7227,7 @@
                 <a:latin typeface="Georgia Pro Light"/>
                 <a:hlinkClick r:id="rId2"/>
               </a:rPr>
-              <a:t>://www.ace-technik.com/category/alkoholtester.23020.html?row=0&amp;count=36&amp;order_by=Relevance&amp;order_direction=DESC&amp;filter[Alkoholtester-Typ]=Mobile+Alkoholtester</a:t>
+              <a:t>https://www.ace-technik.com/category/alkoholtester.23020.html?row=0&amp;count=36&amp;order_by=Relevance&amp;order_direction=DESC&amp;filter[Alkoholtester-Typ]=Mobile+Alkoholtester</a:t>
             </a:r>
             <a:r>
               <a:rPr lang="de-DE" spc="-1" dirty="0">
@@ -7117,25 +7236,7 @@
                 </a:solidFill>
                 <a:latin typeface="Georgia Pro Light"/>
               </a:rPr>
-              <a:t> </a:t>
-            </a:r>
-            <a:r>
-              <a:rPr lang="de-DE" spc="-1" dirty="0" smtClean="0">
-                <a:solidFill>
-                  <a:srgbClr val="E2E8E2"/>
-                </a:solidFill>
-                <a:latin typeface="Georgia Pro Light"/>
-              </a:rPr>
-              <a:t>(</a:t>
-            </a:r>
-            <a:r>
-              <a:rPr lang="de-DE" spc="-1" dirty="0">
-                <a:solidFill>
-                  <a:srgbClr val="E2E8E2"/>
-                </a:solidFill>
-                <a:latin typeface="Georgia Pro Light"/>
-              </a:rPr>
-              <a:t>Auswahl der smarten Alkoholsensoren)</a:t>
+              <a:t> (Auswahl der smarten Alkoholsensoren)</a:t>
             </a:r>
           </a:p>
         </p:txBody>
@@ -7145,13 +7246,6 @@
   <p:clrMapOvr>
     <a:masterClrMapping/>
   </p:clrMapOvr>
-  <p:timing>
-    <p:tnLst>
-      <p:par>
-        <p:cTn id="1" dur="indefinite" restart="never" nodeType="tmRoot"/>
-      </p:par>
-    </p:tnLst>
-  </p:timing>
 </p:sld>
 </file>
 
@@ -7239,13 +7333,6 @@
   <p:clrMapOvr>
     <a:masterClrMapping/>
   </p:clrMapOvr>
-  <p:timing>
-    <p:tnLst>
-      <p:par>
-        <p:cTn id="1" dur="indefinite" restart="never" nodeType="tmRoot"/>
-      </p:par>
-    </p:tnLst>
-  </p:timing>
 </p:sld>
 </file>
 
@@ -7741,13 +7828,6 @@
   <p:clrMapOvr>
     <a:masterClrMapping/>
   </p:clrMapOvr>
-  <p:timing>
-    <p:tnLst>
-      <p:par>
-        <p:cTn id="1" dur="indefinite" restart="never" nodeType="tmRoot"/>
-      </p:par>
-    </p:tnLst>
-  </p:timing>
 </p:sld>
 </file>
 
@@ -8115,13 +8195,6 @@
   <p:clrMapOvr>
     <a:masterClrMapping/>
   </p:clrMapOvr>
-  <p:timing>
-    <p:tnLst>
-      <p:par>
-        <p:cTn id="1" dur="indefinite" restart="never" nodeType="tmRoot"/>
-      </p:par>
-    </p:tnLst>
-  </p:timing>
 </p:sld>
 </file>
 
@@ -8407,13 +8480,6 @@
   <p:clrMapOvr>
     <a:masterClrMapping/>
   </p:clrMapOvr>
-  <p:timing>
-    <p:tnLst>
-      <p:par>
-        <p:cTn id="1" dur="indefinite" restart="never" nodeType="tmRoot"/>
-      </p:par>
-    </p:tnLst>
-  </p:timing>
 </p:sld>
 </file>
 
@@ -8723,20 +8789,13 @@
             </p:txBody>
           </p:sp>
         </mc:Choice>
-        <mc:Fallback xmlns:p15="http://schemas.microsoft.com/office/powerpoint/2012/main" xmlns:p14="http://schemas.microsoft.com/office/powerpoint/2010/main" xmlns=""/>
+        <mc:Fallback xmlns="" xmlns:p14="http://schemas.microsoft.com/office/powerpoint/2010/main" xmlns:p15="http://schemas.microsoft.com/office/powerpoint/2012/main"/>
       </mc:AlternateContent>
     </p:spTree>
   </p:cSld>
   <p:clrMapOvr>
     <a:masterClrMapping/>
   </p:clrMapOvr>
-  <p:timing>
-    <p:tnLst>
-      <p:par>
-        <p:cTn id="1" dur="indefinite" restart="never" nodeType="tmRoot"/>
-      </p:par>
-    </p:tnLst>
-  </p:timing>
 </p:sld>
 </file>
 
@@ -8793,7 +8852,7 @@
               <a:buNone/>
             </a:pPr>
             <a:r>
-              <a:rPr lang="de-DE" sz="4400" b="0" strike="noStrike" spc="-1">
+              <a:rPr lang="de-DE" sz="4400" b="0" strike="noStrike" spc="-1" dirty="0">
                 <a:solidFill>
                   <a:srgbClr val="E2E8E2"/>
                 </a:solidFill>
@@ -8802,7 +8861,7 @@
               </a:rPr>
               <a:t>Aufbau des Produkts</a:t>
             </a:r>
-            <a:endParaRPr lang="de-DE" sz="4400" b="0" strike="noStrike" spc="-1">
+            <a:endParaRPr lang="de-DE" sz="4400" b="0" strike="noStrike" spc="-1" dirty="0">
               <a:solidFill>
                 <a:srgbClr val="000000"/>
               </a:solidFill>
@@ -9201,7 +9260,7 @@
               <a:buNone/>
             </a:pPr>
             <a:r>
-              <a:rPr lang="de-DE" sz="1800" b="0" strike="noStrike" spc="-1">
+              <a:rPr lang="de-DE" sz="1800" b="0" strike="noStrike" spc="-1" dirty="0">
                 <a:solidFill>
                   <a:srgbClr val="FFFFFF"/>
                 </a:solidFill>
@@ -9210,7 +9269,7 @@
               </a:rPr>
               <a:t>Powerbank</a:t>
             </a:r>
-            <a:endParaRPr lang="en-US" sz="1800" b="0" strike="noStrike" spc="-1">
+            <a:endParaRPr lang="en-US" sz="1800" b="0" strike="noStrike" spc="-1" dirty="0">
               <a:latin typeface="Arial"/>
             </a:endParaRPr>
           </a:p>
@@ -9516,13 +9575,6 @@
   <p:clrMapOvr>
     <a:masterClrMapping/>
   </p:clrMapOvr>
-  <p:timing>
-    <p:tnLst>
-      <p:par>
-        <p:cTn id="1" dur="indefinite" restart="never" nodeType="tmRoot"/>
-      </p:par>
-    </p:tnLst>
-  </p:timing>
 </p:sld>
 </file>
 
@@ -9576,23 +9628,16 @@
               <a:lnSpc>
                 <a:spcPct val="100000"/>
               </a:lnSpc>
-              <a:buNone/>
             </a:pPr>
             <a:r>
-              <a:rPr lang="de-DE" sz="4400" b="0" strike="noStrike" spc="-1" dirty="0" smtClean="0">
+              <a:rPr lang="de-DE" spc="-1" dirty="0">
                 <a:solidFill>
-                  <a:schemeClr val="bg1"/>
+                  <a:srgbClr val="E2E8E2"/>
                 </a:solidFill>
-                <a:latin typeface="Arial"/>
+                <a:latin typeface="Georgia Pro Light"/>
               </a:rPr>
               <a:t>Entwicklung des Schaltplans</a:t>
             </a:r>
-            <a:endParaRPr lang="de-DE" sz="4400" b="0" strike="noStrike" spc="-1" dirty="0">
-              <a:solidFill>
-                <a:schemeClr val="bg1"/>
-              </a:solidFill>
-              <a:latin typeface="Arial"/>
-            </a:endParaRPr>
           </a:p>
         </p:txBody>
       </p:sp>
@@ -9692,7 +9737,7 @@
             </p:txBody>
           </p:sp>
         </mc:Choice>
-        <mc:Fallback xmlns:p15="http://schemas.microsoft.com/office/powerpoint/2012/main" xmlns:p14="http://schemas.microsoft.com/office/powerpoint/2010/main" xmlns=""/>
+        <mc:Fallback xmlns="" xmlns:p14="http://schemas.microsoft.com/office/powerpoint/2010/main" xmlns:p15="http://schemas.microsoft.com/office/powerpoint/2012/main"/>
       </mc:AlternateContent>
     </p:spTree>
     <p:extLst>
@@ -9704,13 +9749,6 @@
   <p:clrMapOvr>
     <a:masterClrMapping/>
   </p:clrMapOvr>
-  <p:timing>
-    <p:tnLst>
-      <p:par>
-        <p:cTn id="1" dur="indefinite" restart="never" nodeType="tmRoot"/>
-      </p:par>
-    </p:tnLst>
-  </p:timing>
 </p:sld>
 </file>
 
@@ -9764,23 +9802,16 @@
               <a:lnSpc>
                 <a:spcPct val="100000"/>
               </a:lnSpc>
-              <a:buNone/>
             </a:pPr>
             <a:r>
-              <a:rPr lang="de-DE" sz="4400" b="0" strike="noStrike" spc="-1" dirty="0" smtClean="0">
+              <a:rPr lang="de-DE" spc="-1" dirty="0">
                 <a:solidFill>
-                  <a:schemeClr val="bg1"/>
+                  <a:srgbClr val="E2E8E2"/>
                 </a:solidFill>
-                <a:latin typeface="Arial"/>
+                <a:latin typeface="Georgia Pro Light"/>
               </a:rPr>
               <a:t>Sensorkalibrierung</a:t>
             </a:r>
-            <a:endParaRPr lang="de-DE" sz="4400" b="0" strike="noStrike" spc="-1" dirty="0">
-              <a:solidFill>
-                <a:schemeClr val="bg1"/>
-              </a:solidFill>
-              <a:latin typeface="Arial"/>
-            </a:endParaRPr>
           </a:p>
         </p:txBody>
       </p:sp>
@@ -9809,24 +9840,30 @@
         </p:spPr>
         <p:txBody>
           <a:bodyPr lIns="0" tIns="0" rIns="0" bIns="0" anchor="t">
-            <a:normAutofit fontScale="92500" lnSpcReduction="10000"/>
+            <a:normAutofit fontScale="85000" lnSpcReduction="20000"/>
           </a:bodyPr>
           <a:lstStyle/>
           <a:p>
             <a:pPr>
               <a:lnSpc>
-                <a:spcPct val="120000"/>
+                <a:spcPct val="140000"/>
               </a:lnSpc>
               <a:spcBef>
                 <a:spcPts val="1001"/>
               </a:spcBef>
+              <a:buClr>
+                <a:srgbClr val="E2E8E2"/>
+              </a:buClr>
+              <a:buSzPct val="70000"/>
+              <a:buFont typeface="Arial"/>
+              <a:buChar char="•"/>
             </a:pPr>
             <a:r>
-              <a:rPr lang="de-DE" sz="2000" spc="-1" dirty="0" smtClean="0">
+              <a:rPr lang="de-DE" sz="2000" spc="-1" dirty="0">
                 <a:solidFill>
-                  <a:schemeClr val="bg1"/>
+                  <a:srgbClr val="E2E8E2"/>
                 </a:solidFill>
-                <a:latin typeface="Arial"/>
+                <a:latin typeface="Georgia Pro Light"/>
               </a:rPr>
               <a:t>Sensor nicht vorkalibriert</a:t>
             </a:r>
@@ -9834,34 +9871,46 @@
           <a:p>
             <a:pPr>
               <a:lnSpc>
-                <a:spcPct val="120000"/>
+                <a:spcPct val="140000"/>
               </a:lnSpc>
               <a:spcBef>
                 <a:spcPts val="1001"/>
               </a:spcBef>
-            </a:pPr>
-            <a:endParaRPr lang="de-DE" sz="2000" spc="-1" dirty="0" smtClean="0">
-              <a:solidFill>
-                <a:schemeClr val="bg1"/>
-              </a:solidFill>
-              <a:latin typeface="Arial"/>
+              <a:buClr>
+                <a:srgbClr val="E2E8E2"/>
+              </a:buClr>
+              <a:buSzPct val="70000"/>
+              <a:buFont typeface="Arial"/>
+              <a:buChar char="•"/>
+            </a:pPr>
+            <a:endParaRPr lang="de-DE" sz="2000" spc="-1" dirty="0">
+              <a:solidFill>
+                <a:srgbClr val="E2E8E2"/>
+              </a:solidFill>
+              <a:latin typeface="Georgia Pro Light"/>
             </a:endParaRPr>
           </a:p>
           <a:p>
             <a:pPr>
               <a:lnSpc>
-                <a:spcPct val="120000"/>
+                <a:spcPct val="140000"/>
               </a:lnSpc>
               <a:spcBef>
                 <a:spcPts val="1001"/>
               </a:spcBef>
+              <a:buClr>
+                <a:srgbClr val="E2E8E2"/>
+              </a:buClr>
+              <a:buSzPct val="70000"/>
+              <a:buFont typeface="Arial"/>
+              <a:buChar char="•"/>
             </a:pPr>
             <a:r>
-              <a:rPr lang="de-DE" sz="2000" spc="-1" dirty="0" smtClean="0">
+              <a:rPr lang="de-DE" sz="2000" spc="-1" dirty="0">
                 <a:solidFill>
-                  <a:schemeClr val="bg1"/>
+                  <a:srgbClr val="E2E8E2"/>
                 </a:solidFill>
-                <a:latin typeface="Arial"/>
+                <a:latin typeface="Georgia Pro Light"/>
               </a:rPr>
               <a:t>Alkohol trinken</a:t>
             </a:r>
@@ -9869,34 +9918,46 @@
           <a:p>
             <a:pPr>
               <a:lnSpc>
-                <a:spcPct val="120000"/>
+                <a:spcPct val="140000"/>
               </a:lnSpc>
               <a:spcBef>
                 <a:spcPts val="1001"/>
               </a:spcBef>
-            </a:pPr>
-            <a:endParaRPr lang="de-DE" sz="2000" spc="-1" dirty="0" smtClean="0">
-              <a:solidFill>
-                <a:schemeClr val="bg1"/>
-              </a:solidFill>
-              <a:latin typeface="Arial"/>
+              <a:buClr>
+                <a:srgbClr val="E2E8E2"/>
+              </a:buClr>
+              <a:buSzPct val="70000"/>
+              <a:buFont typeface="Arial"/>
+              <a:buChar char="•"/>
+            </a:pPr>
+            <a:endParaRPr lang="de-DE" sz="2000" spc="-1" dirty="0">
+              <a:solidFill>
+                <a:srgbClr val="E2E8E2"/>
+              </a:solidFill>
+              <a:latin typeface="Georgia Pro Light"/>
             </a:endParaRPr>
           </a:p>
           <a:p>
             <a:pPr>
               <a:lnSpc>
-                <a:spcPct val="120000"/>
+                <a:spcPct val="140000"/>
               </a:lnSpc>
               <a:spcBef>
                 <a:spcPts val="1001"/>
               </a:spcBef>
+              <a:buClr>
+                <a:srgbClr val="E2E8E2"/>
+              </a:buClr>
+              <a:buSzPct val="70000"/>
+              <a:buFont typeface="Arial"/>
+              <a:buChar char="•"/>
             </a:pPr>
             <a:r>
-              <a:rPr lang="de-DE" sz="2000" b="0" strike="noStrike" spc="-1" dirty="0" smtClean="0">
+              <a:rPr lang="de-DE" sz="2000" spc="-1" dirty="0">
                 <a:solidFill>
-                  <a:schemeClr val="bg1"/>
+                  <a:srgbClr val="E2E8E2"/>
                 </a:solidFill>
-                <a:latin typeface="Arial"/>
+                <a:latin typeface="Georgia Pro Light"/>
               </a:rPr>
               <a:t>Messung nach Zeitabstand von 40min</a:t>
             </a:r>
@@ -9904,34 +9965,46 @@
           <a:p>
             <a:pPr>
               <a:lnSpc>
-                <a:spcPct val="120000"/>
+                <a:spcPct val="140000"/>
               </a:lnSpc>
               <a:spcBef>
                 <a:spcPts val="1001"/>
               </a:spcBef>
-            </a:pPr>
-            <a:endParaRPr lang="de-DE" sz="2000" b="0" strike="noStrike" spc="-1" dirty="0" smtClean="0">
-              <a:solidFill>
-                <a:schemeClr val="bg1"/>
-              </a:solidFill>
-              <a:latin typeface="Arial"/>
+              <a:buClr>
+                <a:srgbClr val="E2E8E2"/>
+              </a:buClr>
+              <a:buSzPct val="70000"/>
+              <a:buFont typeface="Arial"/>
+              <a:buChar char="•"/>
+            </a:pPr>
+            <a:endParaRPr lang="de-DE" sz="2000" spc="-1" dirty="0">
+              <a:solidFill>
+                <a:srgbClr val="E2E8E2"/>
+              </a:solidFill>
+              <a:latin typeface="Georgia Pro Light"/>
             </a:endParaRPr>
           </a:p>
           <a:p>
             <a:pPr>
               <a:lnSpc>
-                <a:spcPct val="120000"/>
+                <a:spcPct val="140000"/>
               </a:lnSpc>
               <a:spcBef>
                 <a:spcPts val="1001"/>
               </a:spcBef>
+              <a:buClr>
+                <a:srgbClr val="E2E8E2"/>
+              </a:buClr>
+              <a:buSzPct val="70000"/>
+              <a:buFont typeface="Arial"/>
+              <a:buChar char="•"/>
             </a:pPr>
             <a:r>
-              <a:rPr lang="de-DE" sz="2000" spc="-1" dirty="0" smtClean="0">
+              <a:rPr lang="de-DE" sz="2000" spc="-1" dirty="0">
                 <a:solidFill>
-                  <a:schemeClr val="bg1"/>
+                  <a:srgbClr val="E2E8E2"/>
                 </a:solidFill>
-                <a:latin typeface="Arial"/>
+                <a:latin typeface="Georgia Pro Light"/>
               </a:rPr>
               <a:t>Kalibrierung anhand berechnetem Promillewert</a:t>
             </a:r>
@@ -9939,43 +10012,49 @@
           <a:p>
             <a:pPr>
               <a:lnSpc>
-                <a:spcPct val="120000"/>
+                <a:spcPct val="140000"/>
               </a:lnSpc>
               <a:spcBef>
                 <a:spcPts val="1001"/>
               </a:spcBef>
-            </a:pPr>
-            <a:endParaRPr lang="de-DE" sz="2000" b="0" strike="noStrike" spc="-1" dirty="0" smtClean="0">
-              <a:solidFill>
-                <a:schemeClr val="bg1"/>
-              </a:solidFill>
-              <a:latin typeface="Arial"/>
+              <a:buClr>
+                <a:srgbClr val="E2E8E2"/>
+              </a:buClr>
+              <a:buSzPct val="70000"/>
+              <a:buFont typeface="Arial"/>
+              <a:buChar char="•"/>
+            </a:pPr>
+            <a:endParaRPr lang="de-DE" sz="2000" spc="-1" dirty="0">
+              <a:solidFill>
+                <a:srgbClr val="E2E8E2"/>
+              </a:solidFill>
+              <a:latin typeface="Georgia Pro Light"/>
             </a:endParaRPr>
           </a:p>
           <a:p>
             <a:pPr>
               <a:lnSpc>
-                <a:spcPct val="120000"/>
+                <a:spcPct val="140000"/>
               </a:lnSpc>
               <a:spcBef>
                 <a:spcPts val="1001"/>
               </a:spcBef>
+              <a:buClr>
+                <a:srgbClr val="E2E8E2"/>
+              </a:buClr>
+              <a:buSzPct val="70000"/>
+              <a:buFont typeface="Arial"/>
+              <a:buChar char="•"/>
             </a:pPr>
             <a:r>
-              <a:rPr lang="de-DE" sz="2000" spc="-1" dirty="0" smtClean="0">
+              <a:rPr lang="de-DE" sz="2000" spc="-1" dirty="0">
                 <a:solidFill>
-                  <a:schemeClr val="bg1"/>
+                  <a:srgbClr val="E2E8E2"/>
                 </a:solidFill>
-                <a:latin typeface="Arial"/>
+                <a:latin typeface="Georgia Pro Light"/>
               </a:rPr>
               <a:t>Umrechnungsfaktor von Analogwert in Promillewert</a:t>
             </a:r>
-            <a:endParaRPr lang="de-DE" sz="2000" b="0" strike="noStrike" spc="-1" dirty="0">
-              <a:solidFill>
-                <a:schemeClr val="bg1"/>
-              </a:solidFill>
-              <a:latin typeface="Arial"/>
-            </a:endParaRPr>
           </a:p>
         </p:txBody>
       </p:sp>
@@ -10037,7 +10116,7 @@
             </p:txBody>
           </p:sp>
         </mc:Choice>
-        <mc:Fallback xmlns:p15="http://schemas.microsoft.com/office/powerpoint/2012/main" xmlns:p14="http://schemas.microsoft.com/office/powerpoint/2010/main" xmlns=""/>
+        <mc:Fallback xmlns="" xmlns:p14="http://schemas.microsoft.com/office/powerpoint/2010/main" xmlns:p15="http://schemas.microsoft.com/office/powerpoint/2012/main"/>
       </mc:AlternateContent>
     </p:spTree>
     <p:extLst>
@@ -10049,13 +10128,6 @@
   <p:clrMapOvr>
     <a:masterClrMapping/>
   </p:clrMapOvr>
-  <p:timing>
-    <p:tnLst>
-      <p:par>
-        <p:cTn id="1" dur="indefinite" restart="never" nodeType="tmRoot"/>
-      </p:par>
-    </p:tnLst>
-  </p:timing>
 </p:sld>
 </file>
 
@@ -10109,23 +10181,16 @@
               <a:lnSpc>
                 <a:spcPct val="100000"/>
               </a:lnSpc>
-              <a:buNone/>
             </a:pPr>
             <a:r>
-              <a:rPr lang="de-DE" sz="4400" b="0" strike="noStrike" spc="-1" dirty="0" smtClean="0">
+              <a:rPr lang="de-DE" spc="-1" dirty="0">
                 <a:solidFill>
-                  <a:schemeClr val="bg1"/>
+                  <a:srgbClr val="E2E8E2"/>
                 </a:solidFill>
-                <a:latin typeface="Arial"/>
+                <a:latin typeface="Georgia Pro Light"/>
               </a:rPr>
               <a:t>Entwicklung des Gehäuses</a:t>
             </a:r>
-            <a:endParaRPr lang="de-DE" sz="4400" b="0" strike="noStrike" spc="-1" dirty="0">
-              <a:solidFill>
-                <a:schemeClr val="bg1"/>
-              </a:solidFill>
-              <a:latin typeface="Arial"/>
-            </a:endParaRPr>
           </a:p>
         </p:txBody>
       </p:sp>
@@ -10223,7 +10288,7 @@
             </p:txBody>
           </p:sp>
         </mc:Choice>
-        <mc:Fallback xmlns:p15="http://schemas.microsoft.com/office/powerpoint/2012/main" xmlns:p14="http://schemas.microsoft.com/office/powerpoint/2010/main" xmlns=""/>
+        <mc:Fallback xmlns="" xmlns:p14="http://schemas.microsoft.com/office/powerpoint/2010/main" xmlns:p15="http://schemas.microsoft.com/office/powerpoint/2012/main"/>
       </mc:AlternateContent>
       <p:pic>
         <p:nvPicPr>
@@ -10295,13 +10360,6 @@
   <p:clrMapOvr>
     <a:masterClrMapping/>
   </p:clrMapOvr>
-  <p:timing>
-    <p:tnLst>
-      <p:par>
-        <p:cTn id="1" dur="indefinite" restart="never" nodeType="tmRoot"/>
-      </p:par>
-    </p:tnLst>
-  </p:timing>
 </p:sld>
 </file>
 
@@ -10619,13 +10677,6 @@
   <p:clrMapOvr>
     <a:masterClrMapping/>
   </p:clrMapOvr>
-  <p:timing>
-    <p:tnLst>
-      <p:par>
-        <p:cTn id="1" dur="indefinite" restart="never" nodeType="tmRoot"/>
-      </p:par>
-    </p:tnLst>
-  </p:timing>
 </p:sld>
 </file>
 
